--- a/Py Web Unit2a.pptx
+++ b/Py Web Unit2a.pptx
@@ -4,28 +4,32 @@
   <p:sldMasterIdLst>
     <p:sldMasterId id="2147483690" r:id="rId1"/>
   </p:sldMasterIdLst>
+  <p:notesMasterIdLst>
+    <p:notesMasterId r:id="rId24"/>
+  </p:notesMasterIdLst>
   <p:sldIdLst>
     <p:sldId id="256" r:id="rId2"/>
     <p:sldId id="258" r:id="rId3"/>
     <p:sldId id="261" r:id="rId4"/>
     <p:sldId id="276" r:id="rId5"/>
     <p:sldId id="263" r:id="rId6"/>
-    <p:sldId id="277" r:id="rId7"/>
-    <p:sldId id="264" r:id="rId8"/>
-    <p:sldId id="265" r:id="rId9"/>
-    <p:sldId id="266" r:id="rId10"/>
-    <p:sldId id="278" r:id="rId11"/>
-    <p:sldId id="267" r:id="rId12"/>
-    <p:sldId id="282" r:id="rId13"/>
-    <p:sldId id="283" r:id="rId14"/>
-    <p:sldId id="269" r:id="rId15"/>
-    <p:sldId id="272" r:id="rId16"/>
-    <p:sldId id="273" r:id="rId17"/>
-    <p:sldId id="271" r:id="rId18"/>
-    <p:sldId id="275" r:id="rId19"/>
-    <p:sldId id="279" r:id="rId20"/>
-    <p:sldId id="280" r:id="rId21"/>
-    <p:sldId id="281" r:id="rId22"/>
+    <p:sldId id="284" r:id="rId7"/>
+    <p:sldId id="277" r:id="rId8"/>
+    <p:sldId id="264" r:id="rId9"/>
+    <p:sldId id="265" r:id="rId10"/>
+    <p:sldId id="266" r:id="rId11"/>
+    <p:sldId id="278" r:id="rId12"/>
+    <p:sldId id="267" r:id="rId13"/>
+    <p:sldId id="282" r:id="rId14"/>
+    <p:sldId id="283" r:id="rId15"/>
+    <p:sldId id="269" r:id="rId16"/>
+    <p:sldId id="272" r:id="rId17"/>
+    <p:sldId id="273" r:id="rId18"/>
+    <p:sldId id="271" r:id="rId19"/>
+    <p:sldId id="275" r:id="rId20"/>
+    <p:sldId id="279" r:id="rId21"/>
+    <p:sldId id="280" r:id="rId22"/>
+    <p:sldId id="281" r:id="rId23"/>
   </p:sldIdLst>
   <p:sldSz cx="12192000" cy="6858000"/>
   <p:notesSz cx="6858000" cy="9144000"/>
@@ -135,13 +139,770 @@
 <file path=ppt/revisionInfo.xml><?xml version="1.0" encoding="utf-8"?>
 <p1510:revInfo xmlns:a="http://schemas.openxmlformats.org/drawingml/2006/main" xmlns:r="http://schemas.openxmlformats.org/officeDocument/2006/relationships" xmlns:p1510="http://schemas.microsoft.com/office/powerpoint/2015/10/main">
   <p1510:revLst>
-    <p1510:client id="{EE734A7A-B3FC-4B3B-9CBC-7BD32C090A7F}" v="56" dt="2021-09-01T08:57:55.206"/>
+    <p1510:client id="{EE734A7A-B3FC-4B3B-9CBC-7BD32C090A7F}" v="62" dt="2021-10-31T06:06:59.271"/>
   </p1510:revLst>
 </p1510:revInfo>
 </file>
 
 <file path=ppt/changesInfos/changesInfo1.xml><?xml version="1.0" encoding="utf-8"?>
 <pc:chgInfo xmlns:a="http://schemas.openxmlformats.org/drawingml/2006/main" xmlns:r="http://schemas.openxmlformats.org/officeDocument/2006/relationships" xmlns:ac="http://schemas.microsoft.com/office/drawing/2013/main/command" xmlns:pc="http://schemas.microsoft.com/office/powerpoint/2013/main/command">
+  <pc:docChgLst>
+    <pc:chgData name="Li Lixiang" userId="6104bbfcb56aea79" providerId="LiveId" clId="{8F24DB6C-69C5-4C84-9714-7DFF6EE8307D}"/>
+    <pc:docChg chg="undo redo custSel addSld modSld">
+      <pc:chgData name="Li Lixiang" userId="6104bbfcb56aea79" providerId="LiveId" clId="{8F24DB6C-69C5-4C84-9714-7DFF6EE8307D}" dt="2021-08-30T03:41:09.289" v="7283" actId="20577"/>
+      <pc:docMkLst>
+        <pc:docMk/>
+      </pc:docMkLst>
+      <pc:sldChg chg="modSp mod">
+        <pc:chgData name="Li Lixiang" userId="6104bbfcb56aea79" providerId="LiveId" clId="{8F24DB6C-69C5-4C84-9714-7DFF6EE8307D}" dt="2021-08-30T03:41:09.289" v="7283" actId="20577"/>
+        <pc:sldMkLst>
+          <pc:docMk/>
+          <pc:sldMk cId="993770899" sldId="256"/>
+        </pc:sldMkLst>
+        <pc:spChg chg="mod">
+          <ac:chgData name="Li Lixiang" userId="6104bbfcb56aea79" providerId="LiveId" clId="{8F24DB6C-69C5-4C84-9714-7DFF6EE8307D}" dt="2021-08-30T03:41:09.289" v="7283" actId="20577"/>
+          <ac:spMkLst>
+            <pc:docMk/>
+            <pc:sldMk cId="993770899" sldId="256"/>
+            <ac:spMk id="3" creationId="{7342AE8A-5299-40EC-B93F-BDBB2838E67C}"/>
+          </ac:spMkLst>
+        </pc:spChg>
+      </pc:sldChg>
+      <pc:sldChg chg="delSp modSp mod">
+        <pc:chgData name="Li Lixiang" userId="6104bbfcb56aea79" providerId="LiveId" clId="{8F24DB6C-69C5-4C84-9714-7DFF6EE8307D}" dt="2021-08-30T03:20:54.091" v="7014" actId="20577"/>
+        <pc:sldMkLst>
+          <pc:docMk/>
+          <pc:sldMk cId="4118967571" sldId="257"/>
+        </pc:sldMkLst>
+        <pc:spChg chg="mod">
+          <ac:chgData name="Li Lixiang" userId="6104bbfcb56aea79" providerId="LiveId" clId="{8F24DB6C-69C5-4C84-9714-7DFF6EE8307D}" dt="2021-08-28T10:15:17.871" v="37" actId="20577"/>
+          <ac:spMkLst>
+            <pc:docMk/>
+            <pc:sldMk cId="4118967571" sldId="257"/>
+            <ac:spMk id="2" creationId="{5A817F65-0249-4813-916F-D22CF5F41D8C}"/>
+          </ac:spMkLst>
+        </pc:spChg>
+        <pc:spChg chg="mod">
+          <ac:chgData name="Li Lixiang" userId="6104bbfcb56aea79" providerId="LiveId" clId="{8F24DB6C-69C5-4C84-9714-7DFF6EE8307D}" dt="2021-08-30T03:20:54.091" v="7014" actId="20577"/>
+          <ac:spMkLst>
+            <pc:docMk/>
+            <pc:sldMk cId="4118967571" sldId="257"/>
+            <ac:spMk id="3" creationId="{588B000C-CCD7-42E0-A4A2-DB893ED55A0D}"/>
+          </ac:spMkLst>
+        </pc:spChg>
+        <pc:picChg chg="del">
+          <ac:chgData name="Li Lixiang" userId="6104bbfcb56aea79" providerId="LiveId" clId="{8F24DB6C-69C5-4C84-9714-7DFF6EE8307D}" dt="2021-08-28T10:15:09.026" v="31" actId="478"/>
+          <ac:picMkLst>
+            <pc:docMk/>
+            <pc:sldMk cId="4118967571" sldId="257"/>
+            <ac:picMk id="5" creationId="{A842DAAD-2B60-4D56-9507-95C44221A9FD}"/>
+          </ac:picMkLst>
+        </pc:picChg>
+      </pc:sldChg>
+      <pc:sldChg chg="modSp mod">
+        <pc:chgData name="Li Lixiang" userId="6104bbfcb56aea79" providerId="LiveId" clId="{8F24DB6C-69C5-4C84-9714-7DFF6EE8307D}" dt="2021-08-30T03:26:17.899" v="7067" actId="20577"/>
+        <pc:sldMkLst>
+          <pc:docMk/>
+          <pc:sldMk cId="2618729237" sldId="258"/>
+        </pc:sldMkLst>
+        <pc:spChg chg="mod">
+          <ac:chgData name="Li Lixiang" userId="6104bbfcb56aea79" providerId="LiveId" clId="{8F24DB6C-69C5-4C84-9714-7DFF6EE8307D}" dt="2021-08-28T10:17:38.801" v="205" actId="6549"/>
+          <ac:spMkLst>
+            <pc:docMk/>
+            <pc:sldMk cId="2618729237" sldId="258"/>
+            <ac:spMk id="2" creationId="{5A817F65-0249-4813-916F-D22CF5F41D8C}"/>
+          </ac:spMkLst>
+        </pc:spChg>
+        <pc:spChg chg="mod">
+          <ac:chgData name="Li Lixiang" userId="6104bbfcb56aea79" providerId="LiveId" clId="{8F24DB6C-69C5-4C84-9714-7DFF6EE8307D}" dt="2021-08-30T03:26:17.899" v="7067" actId="20577"/>
+          <ac:spMkLst>
+            <pc:docMk/>
+            <pc:sldMk cId="2618729237" sldId="258"/>
+            <ac:spMk id="3" creationId="{588B000C-CCD7-42E0-A4A2-DB893ED55A0D}"/>
+          </ac:spMkLst>
+        </pc:spChg>
+      </pc:sldChg>
+      <pc:sldChg chg="modSp mod">
+        <pc:chgData name="Li Lixiang" userId="6104bbfcb56aea79" providerId="LiveId" clId="{8F24DB6C-69C5-4C84-9714-7DFF6EE8307D}" dt="2021-08-28T10:15:34.448" v="54" actId="20577"/>
+        <pc:sldMkLst>
+          <pc:docMk/>
+          <pc:sldMk cId="3858986464" sldId="259"/>
+        </pc:sldMkLst>
+        <pc:spChg chg="mod">
+          <ac:chgData name="Li Lixiang" userId="6104bbfcb56aea79" providerId="LiveId" clId="{8F24DB6C-69C5-4C84-9714-7DFF6EE8307D}" dt="2021-08-28T10:15:34.448" v="54" actId="20577"/>
+          <ac:spMkLst>
+            <pc:docMk/>
+            <pc:sldMk cId="3858986464" sldId="259"/>
+            <ac:spMk id="2" creationId="{5A817F65-0249-4813-916F-D22CF5F41D8C}"/>
+          </ac:spMkLst>
+        </pc:spChg>
+      </pc:sldChg>
+      <pc:sldChg chg="modSp mod">
+        <pc:chgData name="Li Lixiang" userId="6104bbfcb56aea79" providerId="LiveId" clId="{8F24DB6C-69C5-4C84-9714-7DFF6EE8307D}" dt="2021-08-28T10:16:16.421" v="103" actId="5793"/>
+        <pc:sldMkLst>
+          <pc:docMk/>
+          <pc:sldMk cId="1584354543" sldId="260"/>
+        </pc:sldMkLst>
+        <pc:spChg chg="mod">
+          <ac:chgData name="Li Lixiang" userId="6104bbfcb56aea79" providerId="LiveId" clId="{8F24DB6C-69C5-4C84-9714-7DFF6EE8307D}" dt="2021-08-28T10:16:16.421" v="103" actId="5793"/>
+          <ac:spMkLst>
+            <pc:docMk/>
+            <pc:sldMk cId="1584354543" sldId="260"/>
+            <ac:spMk id="2" creationId="{5A817F65-0249-4813-916F-D22CF5F41D8C}"/>
+          </ac:spMkLst>
+        </pc:spChg>
+      </pc:sldChg>
+      <pc:sldChg chg="modSp add mod">
+        <pc:chgData name="Li Lixiang" userId="6104bbfcb56aea79" providerId="LiveId" clId="{8F24DB6C-69C5-4C84-9714-7DFF6EE8307D}" dt="2021-08-28T10:17:59.869" v="252" actId="20577"/>
+        <pc:sldMkLst>
+          <pc:docMk/>
+          <pc:sldMk cId="246451916" sldId="261"/>
+        </pc:sldMkLst>
+        <pc:spChg chg="mod">
+          <ac:chgData name="Li Lixiang" userId="6104bbfcb56aea79" providerId="LiveId" clId="{8F24DB6C-69C5-4C84-9714-7DFF6EE8307D}" dt="2021-08-28T10:17:59.869" v="252" actId="20577"/>
+          <ac:spMkLst>
+            <pc:docMk/>
+            <pc:sldMk cId="246451916" sldId="261"/>
+            <ac:spMk id="2" creationId="{5A817F65-0249-4813-916F-D22CF5F41D8C}"/>
+          </ac:spMkLst>
+        </pc:spChg>
+      </pc:sldChg>
+      <pc:sldChg chg="modSp mod">
+        <pc:chgData name="Li Lixiang" userId="6104bbfcb56aea79" providerId="LiveId" clId="{8F24DB6C-69C5-4C84-9714-7DFF6EE8307D}" dt="2021-08-29T02:09:06.657" v="484" actId="113"/>
+        <pc:sldMkLst>
+          <pc:docMk/>
+          <pc:sldMk cId="3489188295" sldId="262"/>
+        </pc:sldMkLst>
+        <pc:spChg chg="mod">
+          <ac:chgData name="Li Lixiang" userId="6104bbfcb56aea79" providerId="LiveId" clId="{8F24DB6C-69C5-4C84-9714-7DFF6EE8307D}" dt="2021-08-29T02:09:06.657" v="484" actId="113"/>
+          <ac:spMkLst>
+            <pc:docMk/>
+            <pc:sldMk cId="3489188295" sldId="262"/>
+            <ac:spMk id="3" creationId="{588B000C-CCD7-42E0-A4A2-DB893ED55A0D}"/>
+          </ac:spMkLst>
+        </pc:spChg>
+      </pc:sldChg>
+      <pc:sldChg chg="modSp mod">
+        <pc:chgData name="Li Lixiang" userId="6104bbfcb56aea79" providerId="LiveId" clId="{8F24DB6C-69C5-4C84-9714-7DFF6EE8307D}" dt="2021-08-30T03:27:49.337" v="7082" actId="1076"/>
+        <pc:sldMkLst>
+          <pc:docMk/>
+          <pc:sldMk cId="2587062739" sldId="263"/>
+        </pc:sldMkLst>
+        <pc:spChg chg="mod">
+          <ac:chgData name="Li Lixiang" userId="6104bbfcb56aea79" providerId="LiveId" clId="{8F24DB6C-69C5-4C84-9714-7DFF6EE8307D}" dt="2021-08-30T03:27:37.038" v="7080" actId="27636"/>
+          <ac:spMkLst>
+            <pc:docMk/>
+            <pc:sldMk cId="2587062739" sldId="263"/>
+            <ac:spMk id="3" creationId="{588B000C-CCD7-42E0-A4A2-DB893ED55A0D}"/>
+          </ac:spMkLst>
+        </pc:spChg>
+        <pc:picChg chg="mod">
+          <ac:chgData name="Li Lixiang" userId="6104bbfcb56aea79" providerId="LiveId" clId="{8F24DB6C-69C5-4C84-9714-7DFF6EE8307D}" dt="2021-08-30T03:27:41.601" v="7081" actId="1076"/>
+          <ac:picMkLst>
+            <pc:docMk/>
+            <pc:sldMk cId="2587062739" sldId="263"/>
+            <ac:picMk id="8" creationId="{02FBFB86-5D4E-44E6-B0B0-481C2BD956A4}"/>
+          </ac:picMkLst>
+        </pc:picChg>
+        <pc:picChg chg="mod">
+          <ac:chgData name="Li Lixiang" userId="6104bbfcb56aea79" providerId="LiveId" clId="{8F24DB6C-69C5-4C84-9714-7DFF6EE8307D}" dt="2021-08-30T03:27:49.337" v="7082" actId="1076"/>
+          <ac:picMkLst>
+            <pc:docMk/>
+            <pc:sldMk cId="2587062739" sldId="263"/>
+            <ac:picMk id="10" creationId="{B3CD1FA5-3E21-41F2-8236-A5CCD04B5A7C}"/>
+          </ac:picMkLst>
+        </pc:picChg>
+      </pc:sldChg>
+      <pc:sldChg chg="modSp mod">
+        <pc:chgData name="Li Lixiang" userId="6104bbfcb56aea79" providerId="LiveId" clId="{8F24DB6C-69C5-4C84-9714-7DFF6EE8307D}" dt="2021-08-30T03:30:03.828" v="7253" actId="20577"/>
+        <pc:sldMkLst>
+          <pc:docMk/>
+          <pc:sldMk cId="1002109307" sldId="264"/>
+        </pc:sldMkLst>
+        <pc:spChg chg="mod">
+          <ac:chgData name="Li Lixiang" userId="6104bbfcb56aea79" providerId="LiveId" clId="{8F24DB6C-69C5-4C84-9714-7DFF6EE8307D}" dt="2021-08-30T03:30:03.828" v="7253" actId="20577"/>
+          <ac:spMkLst>
+            <pc:docMk/>
+            <pc:sldMk cId="1002109307" sldId="264"/>
+            <ac:spMk id="3" creationId="{588B000C-CCD7-42E0-A4A2-DB893ED55A0D}"/>
+          </ac:spMkLst>
+        </pc:spChg>
+      </pc:sldChg>
+      <pc:sldChg chg="addSp delSp modSp add mod">
+        <pc:chgData name="Li Lixiang" userId="6104bbfcb56aea79" providerId="LiveId" clId="{8F24DB6C-69C5-4C84-9714-7DFF6EE8307D}" dt="2021-08-29T06:30:23.963" v="2741" actId="20577"/>
+        <pc:sldMkLst>
+          <pc:docMk/>
+          <pc:sldMk cId="3684619059" sldId="265"/>
+        </pc:sldMkLst>
+        <pc:spChg chg="mod">
+          <ac:chgData name="Li Lixiang" userId="6104bbfcb56aea79" providerId="LiveId" clId="{8F24DB6C-69C5-4C84-9714-7DFF6EE8307D}" dt="2021-08-29T02:14:25.815" v="591" actId="20577"/>
+          <ac:spMkLst>
+            <pc:docMk/>
+            <pc:sldMk cId="3684619059" sldId="265"/>
+            <ac:spMk id="2" creationId="{5A817F65-0249-4813-916F-D22CF5F41D8C}"/>
+          </ac:spMkLst>
+        </pc:spChg>
+        <pc:spChg chg="mod">
+          <ac:chgData name="Li Lixiang" userId="6104bbfcb56aea79" providerId="LiveId" clId="{8F24DB6C-69C5-4C84-9714-7DFF6EE8307D}" dt="2021-08-29T02:27:59.636" v="1675" actId="20577"/>
+          <ac:spMkLst>
+            <pc:docMk/>
+            <pc:sldMk cId="3684619059" sldId="265"/>
+            <ac:spMk id="3" creationId="{588B000C-CCD7-42E0-A4A2-DB893ED55A0D}"/>
+          </ac:spMkLst>
+        </pc:spChg>
+        <pc:spChg chg="add mod">
+          <ac:chgData name="Li Lixiang" userId="6104bbfcb56aea79" providerId="LiveId" clId="{8F24DB6C-69C5-4C84-9714-7DFF6EE8307D}" dt="2021-08-29T02:25:21.282" v="1413" actId="1036"/>
+          <ac:spMkLst>
+            <pc:docMk/>
+            <pc:sldMk cId="3684619059" sldId="265"/>
+            <ac:spMk id="5" creationId="{4C60042C-D94E-4BE1-8FA7-7B1B7D124680}"/>
+          </ac:spMkLst>
+        </pc:spChg>
+        <pc:spChg chg="add del mod">
+          <ac:chgData name="Li Lixiang" userId="6104bbfcb56aea79" providerId="LiveId" clId="{8F24DB6C-69C5-4C84-9714-7DFF6EE8307D}" dt="2021-08-29T02:27:08.161" v="1537" actId="478"/>
+          <ac:spMkLst>
+            <pc:docMk/>
+            <pc:sldMk cId="3684619059" sldId="265"/>
+            <ac:spMk id="7" creationId="{598953A8-F6A9-4D96-B135-4F01E1C1AF89}"/>
+          </ac:spMkLst>
+        </pc:spChg>
+        <pc:spChg chg="add mod">
+          <ac:chgData name="Li Lixiang" userId="6104bbfcb56aea79" providerId="LiveId" clId="{8F24DB6C-69C5-4C84-9714-7DFF6EE8307D}" dt="2021-08-29T02:27:38.118" v="1587" actId="1076"/>
+          <ac:spMkLst>
+            <pc:docMk/>
+            <pc:sldMk cId="3684619059" sldId="265"/>
+            <ac:spMk id="8" creationId="{4A1693A5-E806-4DA3-B40A-93C03D5F0096}"/>
+          </ac:spMkLst>
+        </pc:spChg>
+        <pc:spChg chg="del mod">
+          <ac:chgData name="Li Lixiang" userId="6104bbfcb56aea79" providerId="LiveId" clId="{8F24DB6C-69C5-4C84-9714-7DFF6EE8307D}" dt="2021-08-29T02:25:26.664" v="1415" actId="478"/>
+          <ac:spMkLst>
+            <pc:docMk/>
+            <pc:sldMk cId="3684619059" sldId="265"/>
+            <ac:spMk id="9" creationId="{988344B3-9E0A-4B74-9933-1661FDAB3DDC}"/>
+          </ac:spMkLst>
+        </pc:spChg>
+        <pc:spChg chg="add mod">
+          <ac:chgData name="Li Lixiang" userId="6104bbfcb56aea79" providerId="LiveId" clId="{8F24DB6C-69C5-4C84-9714-7DFF6EE8307D}" dt="2021-08-29T06:30:23.963" v="2741" actId="20577"/>
+          <ac:spMkLst>
+            <pc:docMk/>
+            <pc:sldMk cId="3684619059" sldId="265"/>
+            <ac:spMk id="10" creationId="{989D4CC0-17AD-41A4-97C3-E04BB9213563}"/>
+          </ac:spMkLst>
+        </pc:spChg>
+      </pc:sldChg>
+      <pc:sldChg chg="addSp delSp modSp add mod">
+        <pc:chgData name="Li Lixiang" userId="6104bbfcb56aea79" providerId="LiveId" clId="{8F24DB6C-69C5-4C84-9714-7DFF6EE8307D}" dt="2021-08-30T03:31:06.342" v="7258" actId="20577"/>
+        <pc:sldMkLst>
+          <pc:docMk/>
+          <pc:sldMk cId="3221177523" sldId="266"/>
+        </pc:sldMkLst>
+        <pc:spChg chg="mod">
+          <ac:chgData name="Li Lixiang" userId="6104bbfcb56aea79" providerId="LiveId" clId="{8F24DB6C-69C5-4C84-9714-7DFF6EE8307D}" dt="2021-08-29T06:30:47.573" v="2747" actId="5793"/>
+          <ac:spMkLst>
+            <pc:docMk/>
+            <pc:sldMk cId="3221177523" sldId="266"/>
+            <ac:spMk id="2" creationId="{5A817F65-0249-4813-916F-D22CF5F41D8C}"/>
+          </ac:spMkLst>
+        </pc:spChg>
+        <pc:spChg chg="mod">
+          <ac:chgData name="Li Lixiang" userId="6104bbfcb56aea79" providerId="LiveId" clId="{8F24DB6C-69C5-4C84-9714-7DFF6EE8307D}" dt="2021-08-30T03:31:06.342" v="7258" actId="20577"/>
+          <ac:spMkLst>
+            <pc:docMk/>
+            <pc:sldMk cId="3221177523" sldId="266"/>
+            <ac:spMk id="3" creationId="{588B000C-CCD7-42E0-A4A2-DB893ED55A0D}"/>
+          </ac:spMkLst>
+        </pc:spChg>
+        <pc:spChg chg="add mod">
+          <ac:chgData name="Li Lixiang" userId="6104bbfcb56aea79" providerId="LiveId" clId="{8F24DB6C-69C5-4C84-9714-7DFF6EE8307D}" dt="2021-08-29T06:35:28.747" v="3206" actId="1076"/>
+          <ac:spMkLst>
+            <pc:docMk/>
+            <pc:sldMk cId="3221177523" sldId="266"/>
+            <ac:spMk id="4" creationId="{6C2DE4AE-1522-4EFB-BCDD-5E599009D113}"/>
+          </ac:spMkLst>
+        </pc:spChg>
+        <pc:spChg chg="del">
+          <ac:chgData name="Li Lixiang" userId="6104bbfcb56aea79" providerId="LiveId" clId="{8F24DB6C-69C5-4C84-9714-7DFF6EE8307D}" dt="2021-08-29T02:31:54.091" v="2075" actId="478"/>
+          <ac:spMkLst>
+            <pc:docMk/>
+            <pc:sldMk cId="3221177523" sldId="266"/>
+            <ac:spMk id="5" creationId="{4C60042C-D94E-4BE1-8FA7-7B1B7D124680}"/>
+          </ac:spMkLst>
+        </pc:spChg>
+        <pc:spChg chg="del">
+          <ac:chgData name="Li Lixiang" userId="6104bbfcb56aea79" providerId="LiveId" clId="{8F24DB6C-69C5-4C84-9714-7DFF6EE8307D}" dt="2021-08-29T02:46:26.218" v="2735" actId="478"/>
+          <ac:spMkLst>
+            <pc:docMk/>
+            <pc:sldMk cId="3221177523" sldId="266"/>
+            <ac:spMk id="8" creationId="{4A1693A5-E806-4DA3-B40A-93C03D5F0096}"/>
+          </ac:spMkLst>
+        </pc:spChg>
+        <pc:spChg chg="del">
+          <ac:chgData name="Li Lixiang" userId="6104bbfcb56aea79" providerId="LiveId" clId="{8F24DB6C-69C5-4C84-9714-7DFF6EE8307D}" dt="2021-08-29T02:46:29.280" v="2736" actId="478"/>
+          <ac:spMkLst>
+            <pc:docMk/>
+            <pc:sldMk cId="3221177523" sldId="266"/>
+            <ac:spMk id="10" creationId="{989D4CC0-17AD-41A4-97C3-E04BB9213563}"/>
+          </ac:spMkLst>
+        </pc:spChg>
+      </pc:sldChg>
+      <pc:sldChg chg="addSp modSp add mod">
+        <pc:chgData name="Li Lixiang" userId="6104bbfcb56aea79" providerId="LiveId" clId="{8F24DB6C-69C5-4C84-9714-7DFF6EE8307D}" dt="2021-08-29T06:32:54.734" v="2953" actId="27636"/>
+        <pc:sldMkLst>
+          <pc:docMk/>
+          <pc:sldMk cId="447955575" sldId="267"/>
+        </pc:sldMkLst>
+        <pc:spChg chg="mod">
+          <ac:chgData name="Li Lixiang" userId="6104bbfcb56aea79" providerId="LiveId" clId="{8F24DB6C-69C5-4C84-9714-7DFF6EE8307D}" dt="2021-08-29T06:31:09.752" v="2772" actId="20577"/>
+          <ac:spMkLst>
+            <pc:docMk/>
+            <pc:sldMk cId="447955575" sldId="267"/>
+            <ac:spMk id="2" creationId="{5A817F65-0249-4813-916F-D22CF5F41D8C}"/>
+          </ac:spMkLst>
+        </pc:spChg>
+        <pc:spChg chg="mod">
+          <ac:chgData name="Li Lixiang" userId="6104bbfcb56aea79" providerId="LiveId" clId="{8F24DB6C-69C5-4C84-9714-7DFF6EE8307D}" dt="2021-08-29T06:31:43.060" v="2820" actId="20577"/>
+          <ac:spMkLst>
+            <pc:docMk/>
+            <pc:sldMk cId="447955575" sldId="267"/>
+            <ac:spMk id="3" creationId="{588B000C-CCD7-42E0-A4A2-DB893ED55A0D}"/>
+          </ac:spMkLst>
+        </pc:spChg>
+        <pc:spChg chg="add mod">
+          <ac:chgData name="Li Lixiang" userId="6104bbfcb56aea79" providerId="LiveId" clId="{8F24DB6C-69C5-4C84-9714-7DFF6EE8307D}" dt="2021-08-29T06:32:54.734" v="2953" actId="27636"/>
+          <ac:spMkLst>
+            <pc:docMk/>
+            <pc:sldMk cId="447955575" sldId="267"/>
+            <ac:spMk id="4" creationId="{349F80DE-580F-4C18-AD09-F29F51C165A4}"/>
+          </ac:spMkLst>
+        </pc:spChg>
+      </pc:sldChg>
+      <pc:sldChg chg="addSp delSp modSp add mod">
+        <pc:chgData name="Li Lixiang" userId="6104bbfcb56aea79" providerId="LiveId" clId="{8F24DB6C-69C5-4C84-9714-7DFF6EE8307D}" dt="2021-08-29T07:20:30.154" v="4227" actId="20577"/>
+        <pc:sldMkLst>
+          <pc:docMk/>
+          <pc:sldMk cId="2743827734" sldId="268"/>
+        </pc:sldMkLst>
+        <pc:spChg chg="mod">
+          <ac:chgData name="Li Lixiang" userId="6104bbfcb56aea79" providerId="LiveId" clId="{8F24DB6C-69C5-4C84-9714-7DFF6EE8307D}" dt="2021-08-29T06:51:30.283" v="3403" actId="14100"/>
+          <ac:spMkLst>
+            <pc:docMk/>
+            <pc:sldMk cId="2743827734" sldId="268"/>
+            <ac:spMk id="2" creationId="{5A817F65-0249-4813-916F-D22CF5F41D8C}"/>
+          </ac:spMkLst>
+        </pc:spChg>
+        <pc:spChg chg="mod">
+          <ac:chgData name="Li Lixiang" userId="6104bbfcb56aea79" providerId="LiveId" clId="{8F24DB6C-69C5-4C84-9714-7DFF6EE8307D}" dt="2021-08-29T07:20:30.154" v="4227" actId="20577"/>
+          <ac:spMkLst>
+            <pc:docMk/>
+            <pc:sldMk cId="2743827734" sldId="268"/>
+            <ac:spMk id="3" creationId="{588B000C-CCD7-42E0-A4A2-DB893ED55A0D}"/>
+          </ac:spMkLst>
+        </pc:spChg>
+        <pc:spChg chg="del">
+          <ac:chgData name="Li Lixiang" userId="6104bbfcb56aea79" providerId="LiveId" clId="{8F24DB6C-69C5-4C84-9714-7DFF6EE8307D}" dt="2021-08-29T06:49:30.637" v="3311" actId="478"/>
+          <ac:spMkLst>
+            <pc:docMk/>
+            <pc:sldMk cId="2743827734" sldId="268"/>
+            <ac:spMk id="4" creationId="{349F80DE-580F-4C18-AD09-F29F51C165A4}"/>
+          </ac:spMkLst>
+        </pc:spChg>
+        <pc:picChg chg="add mod">
+          <ac:chgData name="Li Lixiang" userId="6104bbfcb56aea79" providerId="LiveId" clId="{8F24DB6C-69C5-4C84-9714-7DFF6EE8307D}" dt="2021-08-29T06:51:26.051" v="3402" actId="1076"/>
+          <ac:picMkLst>
+            <pc:docMk/>
+            <pc:sldMk cId="2743827734" sldId="268"/>
+            <ac:picMk id="6" creationId="{130A5130-B291-4755-AF82-819EF000831E}"/>
+          </ac:picMkLst>
+        </pc:picChg>
+      </pc:sldChg>
+      <pc:sldChg chg="addSp delSp modSp add mod">
+        <pc:chgData name="Li Lixiang" userId="6104bbfcb56aea79" providerId="LiveId" clId="{8F24DB6C-69C5-4C84-9714-7DFF6EE8307D}" dt="2021-08-29T10:17:10.149" v="6501" actId="11529"/>
+        <pc:sldMkLst>
+          <pc:docMk/>
+          <pc:sldMk cId="3325377252" sldId="269"/>
+        </pc:sldMkLst>
+        <pc:spChg chg="mod">
+          <ac:chgData name="Li Lixiang" userId="6104bbfcb56aea79" providerId="LiveId" clId="{8F24DB6C-69C5-4C84-9714-7DFF6EE8307D}" dt="2021-08-29T06:55:03.598" v="3555" actId="20577"/>
+          <ac:spMkLst>
+            <pc:docMk/>
+            <pc:sldMk cId="3325377252" sldId="269"/>
+            <ac:spMk id="2" creationId="{5A817F65-0249-4813-916F-D22CF5F41D8C}"/>
+          </ac:spMkLst>
+        </pc:spChg>
+        <pc:spChg chg="mod">
+          <ac:chgData name="Li Lixiang" userId="6104bbfcb56aea79" providerId="LiveId" clId="{8F24DB6C-69C5-4C84-9714-7DFF6EE8307D}" dt="2021-08-29T07:17:02.241" v="4202" actId="27636"/>
+          <ac:spMkLst>
+            <pc:docMk/>
+            <pc:sldMk cId="3325377252" sldId="269"/>
+            <ac:spMk id="3" creationId="{588B000C-CCD7-42E0-A4A2-DB893ED55A0D}"/>
+          </ac:spMkLst>
+        </pc:spChg>
+        <pc:spChg chg="add mod">
+          <ac:chgData name="Li Lixiang" userId="6104bbfcb56aea79" providerId="LiveId" clId="{8F24DB6C-69C5-4C84-9714-7DFF6EE8307D}" dt="2021-08-29T07:17:27.852" v="4217" actId="1038"/>
+          <ac:spMkLst>
+            <pc:docMk/>
+            <pc:sldMk cId="3325377252" sldId="269"/>
+            <ac:spMk id="7" creationId="{8A92908C-46CA-407E-BF71-FFE7D60B77EB}"/>
+          </ac:spMkLst>
+        </pc:spChg>
+        <pc:spChg chg="add mod">
+          <ac:chgData name="Li Lixiang" userId="6104bbfcb56aea79" providerId="LiveId" clId="{8F24DB6C-69C5-4C84-9714-7DFF6EE8307D}" dt="2021-08-29T10:16:52.921" v="6500" actId="27636"/>
+          <ac:spMkLst>
+            <pc:docMk/>
+            <pc:sldMk cId="3325377252" sldId="269"/>
+            <ac:spMk id="8" creationId="{DA14F1BC-9B6C-40CD-874B-C8C1EA923F0E}"/>
+          </ac:spMkLst>
+        </pc:spChg>
+        <pc:picChg chg="add mod modCrop">
+          <ac:chgData name="Li Lixiang" userId="6104bbfcb56aea79" providerId="LiveId" clId="{8F24DB6C-69C5-4C84-9714-7DFF6EE8307D}" dt="2021-08-29T07:17:27.852" v="4217" actId="1038"/>
+          <ac:picMkLst>
+            <pc:docMk/>
+            <pc:sldMk cId="3325377252" sldId="269"/>
+            <ac:picMk id="5" creationId="{C7DB853F-C4FD-48B4-83E1-9E57D8D11D39}"/>
+          </ac:picMkLst>
+        </pc:picChg>
+        <pc:picChg chg="del">
+          <ac:chgData name="Li Lixiang" userId="6104bbfcb56aea79" providerId="LiveId" clId="{8F24DB6C-69C5-4C84-9714-7DFF6EE8307D}" dt="2021-08-29T06:55:08.208" v="3556" actId="478"/>
+          <ac:picMkLst>
+            <pc:docMk/>
+            <pc:sldMk cId="3325377252" sldId="269"/>
+            <ac:picMk id="6" creationId="{130A5130-B291-4755-AF82-819EF000831E}"/>
+          </ac:picMkLst>
+        </pc:picChg>
+        <pc:cxnChg chg="add">
+          <ac:chgData name="Li Lixiang" userId="6104bbfcb56aea79" providerId="LiveId" clId="{8F24DB6C-69C5-4C84-9714-7DFF6EE8307D}" dt="2021-08-29T10:17:10.149" v="6501" actId="11529"/>
+          <ac:cxnSpMkLst>
+            <pc:docMk/>
+            <pc:sldMk cId="3325377252" sldId="269"/>
+            <ac:cxnSpMk id="10" creationId="{9700E9BF-1D7C-40C3-B4E0-C4DFEE6022DF}"/>
+          </ac:cxnSpMkLst>
+        </pc:cxnChg>
+      </pc:sldChg>
+      <pc:sldChg chg="addSp delSp modSp add mod">
+        <pc:chgData name="Li Lixiang" userId="6104bbfcb56aea79" providerId="LiveId" clId="{8F24DB6C-69C5-4C84-9714-7DFF6EE8307D}" dt="2021-08-29T10:33:44.548" v="6905" actId="1076"/>
+        <pc:sldMkLst>
+          <pc:docMk/>
+          <pc:sldMk cId="358550954" sldId="270"/>
+        </pc:sldMkLst>
+        <pc:spChg chg="mod">
+          <ac:chgData name="Li Lixiang" userId="6104bbfcb56aea79" providerId="LiveId" clId="{8F24DB6C-69C5-4C84-9714-7DFF6EE8307D}" dt="2021-08-29T07:22:02.102" v="4291" actId="14100"/>
+          <ac:spMkLst>
+            <pc:docMk/>
+            <pc:sldMk cId="358550954" sldId="270"/>
+            <ac:spMk id="2" creationId="{5A817F65-0249-4813-916F-D22CF5F41D8C}"/>
+          </ac:spMkLst>
+        </pc:spChg>
+        <pc:spChg chg="mod">
+          <ac:chgData name="Li Lixiang" userId="6104bbfcb56aea79" providerId="LiveId" clId="{8F24DB6C-69C5-4C84-9714-7DFF6EE8307D}" dt="2021-08-29T10:27:30.428" v="6823" actId="20577"/>
+          <ac:spMkLst>
+            <pc:docMk/>
+            <pc:sldMk cId="358550954" sldId="270"/>
+            <ac:spMk id="3" creationId="{588B000C-CCD7-42E0-A4A2-DB893ED55A0D}"/>
+          </ac:spMkLst>
+        </pc:spChg>
+        <pc:spChg chg="del">
+          <ac:chgData name="Li Lixiang" userId="6104bbfcb56aea79" providerId="LiveId" clId="{8F24DB6C-69C5-4C84-9714-7DFF6EE8307D}" dt="2021-08-29T07:21:28.575" v="4230" actId="478"/>
+          <ac:spMkLst>
+            <pc:docMk/>
+            <pc:sldMk cId="358550954" sldId="270"/>
+            <ac:spMk id="7" creationId="{8A92908C-46CA-407E-BF71-FFE7D60B77EB}"/>
+          </ac:spMkLst>
+        </pc:spChg>
+        <pc:spChg chg="del">
+          <ac:chgData name="Li Lixiang" userId="6104bbfcb56aea79" providerId="LiveId" clId="{8F24DB6C-69C5-4C84-9714-7DFF6EE8307D}" dt="2021-08-29T07:21:55.769" v="4288" actId="478"/>
+          <ac:spMkLst>
+            <pc:docMk/>
+            <pc:sldMk cId="358550954" sldId="270"/>
+            <ac:spMk id="8" creationId="{DA14F1BC-9B6C-40CD-874B-C8C1EA923F0E}"/>
+          </ac:spMkLst>
+        </pc:spChg>
+        <pc:spChg chg="add del">
+          <ac:chgData name="Li Lixiang" userId="6104bbfcb56aea79" providerId="LiveId" clId="{8F24DB6C-69C5-4C84-9714-7DFF6EE8307D}" dt="2021-08-29T10:33:12.292" v="6901" actId="22"/>
+          <ac:spMkLst>
+            <pc:docMk/>
+            <pc:sldMk cId="358550954" sldId="270"/>
+            <ac:spMk id="9" creationId="{9254457C-AE7F-4F24-8BBE-136584A02DAE}"/>
+          </ac:spMkLst>
+        </pc:spChg>
+        <pc:spChg chg="add mod">
+          <ac:chgData name="Li Lixiang" userId="6104bbfcb56aea79" providerId="LiveId" clId="{8F24DB6C-69C5-4C84-9714-7DFF6EE8307D}" dt="2021-08-29T10:33:44.548" v="6905" actId="1076"/>
+          <ac:spMkLst>
+            <pc:docMk/>
+            <pc:sldMk cId="358550954" sldId="270"/>
+            <ac:spMk id="10" creationId="{82851E99-2B79-49B0-A5CB-75E64A4C24FE}"/>
+          </ac:spMkLst>
+        </pc:spChg>
+        <pc:picChg chg="del">
+          <ac:chgData name="Li Lixiang" userId="6104bbfcb56aea79" providerId="LiveId" clId="{8F24DB6C-69C5-4C84-9714-7DFF6EE8307D}" dt="2021-08-29T07:21:25.809" v="4229" actId="478"/>
+          <ac:picMkLst>
+            <pc:docMk/>
+            <pc:sldMk cId="358550954" sldId="270"/>
+            <ac:picMk id="5" creationId="{C7DB853F-C4FD-48B4-83E1-9E57D8D11D39}"/>
+          </ac:picMkLst>
+        </pc:picChg>
+      </pc:sldChg>
+      <pc:sldChg chg="addSp delSp modSp add mod">
+        <pc:chgData name="Li Lixiang" userId="6104bbfcb56aea79" providerId="LiveId" clId="{8F24DB6C-69C5-4C84-9714-7DFF6EE8307D}" dt="2021-08-29T10:30:39.889" v="6895" actId="21"/>
+        <pc:sldMkLst>
+          <pc:docMk/>
+          <pc:sldMk cId="3896331203" sldId="271"/>
+        </pc:sldMkLst>
+        <pc:spChg chg="mod">
+          <ac:chgData name="Li Lixiang" userId="6104bbfcb56aea79" providerId="LiveId" clId="{8F24DB6C-69C5-4C84-9714-7DFF6EE8307D}" dt="2021-08-29T09:08:40.404" v="4907" actId="20577"/>
+          <ac:spMkLst>
+            <pc:docMk/>
+            <pc:sldMk cId="3896331203" sldId="271"/>
+            <ac:spMk id="2" creationId="{5A817F65-0249-4813-916F-D22CF5F41D8C}"/>
+          </ac:spMkLst>
+        </pc:spChg>
+        <pc:spChg chg="mod">
+          <ac:chgData name="Li Lixiang" userId="6104bbfcb56aea79" providerId="LiveId" clId="{8F24DB6C-69C5-4C84-9714-7DFF6EE8307D}" dt="2021-08-29T09:10:33.679" v="5315" actId="6549"/>
+          <ac:spMkLst>
+            <pc:docMk/>
+            <pc:sldMk cId="3896331203" sldId="271"/>
+            <ac:spMk id="3" creationId="{588B000C-CCD7-42E0-A4A2-DB893ED55A0D}"/>
+          </ac:spMkLst>
+        </pc:spChg>
+        <pc:spChg chg="add mod">
+          <ac:chgData name="Li Lixiang" userId="6104bbfcb56aea79" providerId="LiveId" clId="{8F24DB6C-69C5-4C84-9714-7DFF6EE8307D}" dt="2021-08-29T10:21:32.377" v="6749" actId="20577"/>
+          <ac:spMkLst>
+            <pc:docMk/>
+            <pc:sldMk cId="3896331203" sldId="271"/>
+            <ac:spMk id="4" creationId="{FA6F510E-CF8C-4806-BC44-5746D2586B83}"/>
+          </ac:spMkLst>
+        </pc:spChg>
+        <pc:spChg chg="add mod">
+          <ac:chgData name="Li Lixiang" userId="6104bbfcb56aea79" providerId="LiveId" clId="{8F24DB6C-69C5-4C84-9714-7DFF6EE8307D}" dt="2021-08-29T10:22:47.430" v="6758" actId="1076"/>
+          <ac:spMkLst>
+            <pc:docMk/>
+            <pc:sldMk cId="3896331203" sldId="271"/>
+            <ac:spMk id="10" creationId="{2F263742-DB15-452A-8953-B0B3FA0FC85D}"/>
+          </ac:spMkLst>
+        </pc:spChg>
+        <pc:spChg chg="add mod">
+          <ac:chgData name="Li Lixiang" userId="6104bbfcb56aea79" providerId="LiveId" clId="{8F24DB6C-69C5-4C84-9714-7DFF6EE8307D}" dt="2021-08-29T10:13:52.063" v="6380" actId="20577"/>
+          <ac:spMkLst>
+            <pc:docMk/>
+            <pc:sldMk cId="3896331203" sldId="271"/>
+            <ac:spMk id="20" creationId="{9284CE57-886B-46AA-979E-E14263453EEF}"/>
+          </ac:spMkLst>
+        </pc:spChg>
+        <pc:picChg chg="add del mod">
+          <ac:chgData name="Li Lixiang" userId="6104bbfcb56aea79" providerId="LiveId" clId="{8F24DB6C-69C5-4C84-9714-7DFF6EE8307D}" dt="2021-08-29T10:30:39.889" v="6895" actId="21"/>
+          <ac:picMkLst>
+            <pc:docMk/>
+            <pc:sldMk cId="3896331203" sldId="271"/>
+            <ac:picMk id="24" creationId="{B2496CB5-D6EE-40E6-87BB-E705B662CB8A}"/>
+          </ac:picMkLst>
+        </pc:picChg>
+        <pc:cxnChg chg="add mod">
+          <ac:chgData name="Li Lixiang" userId="6104bbfcb56aea79" providerId="LiveId" clId="{8F24DB6C-69C5-4C84-9714-7DFF6EE8307D}" dt="2021-08-29T09:14:31.218" v="5595" actId="14100"/>
+          <ac:cxnSpMkLst>
+            <pc:docMk/>
+            <pc:sldMk cId="3896331203" sldId="271"/>
+            <ac:cxnSpMk id="6" creationId="{6DD570BF-B031-4BE8-ABB3-2B2B62162A51}"/>
+          </ac:cxnSpMkLst>
+        </pc:cxnChg>
+        <pc:cxnChg chg="add mod">
+          <ac:chgData name="Li Lixiang" userId="6104bbfcb56aea79" providerId="LiveId" clId="{8F24DB6C-69C5-4C84-9714-7DFF6EE8307D}" dt="2021-08-29T09:14:27.764" v="5594" actId="14100"/>
+          <ac:cxnSpMkLst>
+            <pc:docMk/>
+            <pc:sldMk cId="3896331203" sldId="271"/>
+            <ac:cxnSpMk id="14" creationId="{485D3FFB-C56F-4705-9728-546209A1F9D2}"/>
+          </ac:cxnSpMkLst>
+        </pc:cxnChg>
+        <pc:cxnChg chg="add mod">
+          <ac:chgData name="Li Lixiang" userId="6104bbfcb56aea79" providerId="LiveId" clId="{8F24DB6C-69C5-4C84-9714-7DFF6EE8307D}" dt="2021-08-29T10:22:58.575" v="6759" actId="14100"/>
+          <ac:cxnSpMkLst>
+            <pc:docMk/>
+            <pc:sldMk cId="3896331203" sldId="271"/>
+            <ac:cxnSpMk id="19" creationId="{07FA5892-DB64-4823-8015-A6BD3E36A6E4}"/>
+          </ac:cxnSpMkLst>
+        </pc:cxnChg>
+      </pc:sldChg>
+      <pc:sldChg chg="addSp delSp modSp add mod">
+        <pc:chgData name="Li Lixiang" userId="6104bbfcb56aea79" providerId="LiveId" clId="{8F24DB6C-69C5-4C84-9714-7DFF6EE8307D}" dt="2021-08-29T10:23:41.056" v="6769" actId="20577"/>
+        <pc:sldMkLst>
+          <pc:docMk/>
+          <pc:sldMk cId="3979237761" sldId="272"/>
+        </pc:sldMkLst>
+        <pc:spChg chg="mod">
+          <ac:chgData name="Li Lixiang" userId="6104bbfcb56aea79" providerId="LiveId" clId="{8F24DB6C-69C5-4C84-9714-7DFF6EE8307D}" dt="2021-08-29T09:19:26.286" v="5778" actId="20577"/>
+          <ac:spMkLst>
+            <pc:docMk/>
+            <pc:sldMk cId="3979237761" sldId="272"/>
+            <ac:spMk id="2" creationId="{5A817F65-0249-4813-916F-D22CF5F41D8C}"/>
+          </ac:spMkLst>
+        </pc:spChg>
+        <pc:spChg chg="mod">
+          <ac:chgData name="Li Lixiang" userId="6104bbfcb56aea79" providerId="LiveId" clId="{8F24DB6C-69C5-4C84-9714-7DFF6EE8307D}" dt="2021-08-29T10:23:41.056" v="6769" actId="20577"/>
+          <ac:spMkLst>
+            <pc:docMk/>
+            <pc:sldMk cId="3979237761" sldId="272"/>
+            <ac:spMk id="3" creationId="{588B000C-CCD7-42E0-A4A2-DB893ED55A0D}"/>
+          </ac:spMkLst>
+        </pc:spChg>
+        <pc:spChg chg="add del mod">
+          <ac:chgData name="Li Lixiang" userId="6104bbfcb56aea79" providerId="LiveId" clId="{8F24DB6C-69C5-4C84-9714-7DFF6EE8307D}" dt="2021-08-29T09:21:18.141" v="5870" actId="478"/>
+          <ac:spMkLst>
+            <pc:docMk/>
+            <pc:sldMk cId="3979237761" sldId="272"/>
+            <ac:spMk id="4" creationId="{0A86371A-D9DF-47FA-85EE-75BEB055FD63}"/>
+          </ac:spMkLst>
+        </pc:spChg>
+        <pc:spChg chg="add mod">
+          <ac:chgData name="Li Lixiang" userId="6104bbfcb56aea79" providerId="LiveId" clId="{8F24DB6C-69C5-4C84-9714-7DFF6EE8307D}" dt="2021-08-29T10:15:58.729" v="6474" actId="1076"/>
+          <ac:spMkLst>
+            <pc:docMk/>
+            <pc:sldMk cId="3979237761" sldId="272"/>
+            <ac:spMk id="9" creationId="{D69D23CF-F1DA-4295-93AF-7AE389D9FAD5}"/>
+          </ac:spMkLst>
+        </pc:spChg>
+        <pc:spChg chg="add del mod">
+          <ac:chgData name="Li Lixiang" userId="6104bbfcb56aea79" providerId="LiveId" clId="{8F24DB6C-69C5-4C84-9714-7DFF6EE8307D}" dt="2021-08-29T10:19:10.128" v="6670" actId="478"/>
+          <ac:spMkLst>
+            <pc:docMk/>
+            <pc:sldMk cId="3979237761" sldId="272"/>
+            <ac:spMk id="12" creationId="{7CF83BD0-1E8A-4C33-B164-F3A7B7501F48}"/>
+          </ac:spMkLst>
+        </pc:spChg>
+        <pc:picChg chg="add del mod">
+          <ac:chgData name="Li Lixiang" userId="6104bbfcb56aea79" providerId="LiveId" clId="{8F24DB6C-69C5-4C84-9714-7DFF6EE8307D}" dt="2021-08-29T10:14:24.335" v="6381" actId="478"/>
+          <ac:picMkLst>
+            <pc:docMk/>
+            <pc:sldMk cId="3979237761" sldId="272"/>
+            <ac:picMk id="6" creationId="{50F7C8FB-BAE8-481E-8031-00A7ED1D9E0A}"/>
+          </ac:picMkLst>
+        </pc:picChg>
+        <pc:picChg chg="add mod">
+          <ac:chgData name="Li Lixiang" userId="6104bbfcb56aea79" providerId="LiveId" clId="{8F24DB6C-69C5-4C84-9714-7DFF6EE8307D}" dt="2021-08-29T10:15:42.802" v="6472" actId="1076"/>
+          <ac:picMkLst>
+            <pc:docMk/>
+            <pc:sldMk cId="3979237761" sldId="272"/>
+            <ac:picMk id="8" creationId="{3B3EEE04-D859-42AC-B45C-C8A6C6917AEC}"/>
+          </ac:picMkLst>
+        </pc:picChg>
+        <pc:picChg chg="add mod">
+          <ac:chgData name="Li Lixiang" userId="6104bbfcb56aea79" providerId="LiveId" clId="{8F24DB6C-69C5-4C84-9714-7DFF6EE8307D}" dt="2021-08-29T10:14:31.851" v="6383" actId="1076"/>
+          <ac:picMkLst>
+            <pc:docMk/>
+            <pc:sldMk cId="3979237761" sldId="272"/>
+            <ac:picMk id="11" creationId="{67148D06-B526-419D-BF1F-BC0867E3FC9E}"/>
+          </ac:picMkLst>
+        </pc:picChg>
+      </pc:sldChg>
+      <pc:sldChg chg="delSp modSp add mod">
+        <pc:chgData name="Li Lixiang" userId="6104bbfcb56aea79" providerId="LiveId" clId="{8F24DB6C-69C5-4C84-9714-7DFF6EE8307D}" dt="2021-08-29T10:24:11.048" v="6776" actId="20577"/>
+        <pc:sldMkLst>
+          <pc:docMk/>
+          <pc:sldMk cId="3803932970" sldId="273"/>
+        </pc:sldMkLst>
+        <pc:spChg chg="mod">
+          <ac:chgData name="Li Lixiang" userId="6104bbfcb56aea79" providerId="LiveId" clId="{8F24DB6C-69C5-4C84-9714-7DFF6EE8307D}" dt="2021-08-29T10:24:11.048" v="6776" actId="20577"/>
+          <ac:spMkLst>
+            <pc:docMk/>
+            <pc:sldMk cId="3803932970" sldId="273"/>
+            <ac:spMk id="3" creationId="{588B000C-CCD7-42E0-A4A2-DB893ED55A0D}"/>
+          </ac:spMkLst>
+        </pc:spChg>
+        <pc:spChg chg="del">
+          <ac:chgData name="Li Lixiang" userId="6104bbfcb56aea79" providerId="LiveId" clId="{8F24DB6C-69C5-4C84-9714-7DFF6EE8307D}" dt="2021-08-29T10:18:33.285" v="6649" actId="478"/>
+          <ac:spMkLst>
+            <pc:docMk/>
+            <pc:sldMk cId="3803932970" sldId="273"/>
+            <ac:spMk id="9" creationId="{D69D23CF-F1DA-4295-93AF-7AE389D9FAD5}"/>
+          </ac:spMkLst>
+        </pc:spChg>
+        <pc:spChg chg="mod">
+          <ac:chgData name="Li Lixiang" userId="6104bbfcb56aea79" providerId="LiveId" clId="{8F24DB6C-69C5-4C84-9714-7DFF6EE8307D}" dt="2021-08-29T10:19:03.277" v="6669" actId="1076"/>
+          <ac:spMkLst>
+            <pc:docMk/>
+            <pc:sldMk cId="3803932970" sldId="273"/>
+            <ac:spMk id="12" creationId="{7CF83BD0-1E8A-4C33-B164-F3A7B7501F48}"/>
+          </ac:spMkLst>
+        </pc:spChg>
+        <pc:picChg chg="del">
+          <ac:chgData name="Li Lixiang" userId="6104bbfcb56aea79" providerId="LiveId" clId="{8F24DB6C-69C5-4C84-9714-7DFF6EE8307D}" dt="2021-08-29T10:18:29.922" v="6648" actId="478"/>
+          <ac:picMkLst>
+            <pc:docMk/>
+            <pc:sldMk cId="3803932970" sldId="273"/>
+            <ac:picMk id="8" creationId="{3B3EEE04-D859-42AC-B45C-C8A6C6917AEC}"/>
+          </ac:picMkLst>
+        </pc:picChg>
+        <pc:picChg chg="del">
+          <ac:chgData name="Li Lixiang" userId="6104bbfcb56aea79" providerId="LiveId" clId="{8F24DB6C-69C5-4C84-9714-7DFF6EE8307D}" dt="2021-08-29T10:18:28.625" v="6647" actId="478"/>
+          <ac:picMkLst>
+            <pc:docMk/>
+            <pc:sldMk cId="3803932970" sldId="273"/>
+            <ac:picMk id="11" creationId="{67148D06-B526-419D-BF1F-BC0867E3FC9E}"/>
+          </ac:picMkLst>
+        </pc:picChg>
+      </pc:sldChg>
+      <pc:sldChg chg="addSp delSp modSp new mod">
+        <pc:chgData name="Li Lixiang" userId="6104bbfcb56aea79" providerId="LiveId" clId="{8F24DB6C-69C5-4C84-9714-7DFF6EE8307D}" dt="2021-08-29T10:29:33.044" v="6864" actId="1076"/>
+        <pc:sldMkLst>
+          <pc:docMk/>
+          <pc:sldMk cId="2193788664" sldId="274"/>
+        </pc:sldMkLst>
+        <pc:spChg chg="mod">
+          <ac:chgData name="Li Lixiang" userId="6104bbfcb56aea79" providerId="LiveId" clId="{8F24DB6C-69C5-4C84-9714-7DFF6EE8307D}" dt="2021-08-29T10:28:06.778" v="6861" actId="20577"/>
+          <ac:spMkLst>
+            <pc:docMk/>
+            <pc:sldMk cId="2193788664" sldId="274"/>
+            <ac:spMk id="2" creationId="{9CC65AE6-846F-417A-B1D9-DC86107DA419}"/>
+          </ac:spMkLst>
+        </pc:spChg>
+        <pc:spChg chg="del">
+          <ac:chgData name="Li Lixiang" userId="6104bbfcb56aea79" providerId="LiveId" clId="{8F24DB6C-69C5-4C84-9714-7DFF6EE8307D}" dt="2021-08-29T10:27:59.021" v="6825" actId="478"/>
+          <ac:spMkLst>
+            <pc:docMk/>
+            <pc:sldMk cId="2193788664" sldId="274"/>
+            <ac:spMk id="3" creationId="{AA3EB68E-14A9-492B-8D79-0AC15C800A0A}"/>
+          </ac:spMkLst>
+        </pc:spChg>
+        <pc:picChg chg="add mod">
+          <ac:chgData name="Li Lixiang" userId="6104bbfcb56aea79" providerId="LiveId" clId="{8F24DB6C-69C5-4C84-9714-7DFF6EE8307D}" dt="2021-08-29T10:29:33.044" v="6864" actId="1076"/>
+          <ac:picMkLst>
+            <pc:docMk/>
+            <pc:sldMk cId="2193788664" sldId="274"/>
+            <ac:picMk id="5" creationId="{B96ABC31-2519-4062-81E6-C1C19154901B}"/>
+          </ac:picMkLst>
+        </pc:picChg>
+      </pc:sldChg>
+      <pc:sldChg chg="addSp delSp modSp new mod">
+        <pc:chgData name="Li Lixiang" userId="6104bbfcb56aea79" providerId="LiveId" clId="{8F24DB6C-69C5-4C84-9714-7DFF6EE8307D}" dt="2021-08-29T10:30:54.658" v="6899" actId="1076"/>
+        <pc:sldMkLst>
+          <pc:docMk/>
+          <pc:sldMk cId="3858086840" sldId="275"/>
+        </pc:sldMkLst>
+        <pc:spChg chg="mod">
+          <ac:chgData name="Li Lixiang" userId="6104bbfcb56aea79" providerId="LiveId" clId="{8F24DB6C-69C5-4C84-9714-7DFF6EE8307D}" dt="2021-08-29T10:29:48.093" v="6894" actId="20577"/>
+          <ac:spMkLst>
+            <pc:docMk/>
+            <pc:sldMk cId="3858086840" sldId="275"/>
+            <ac:spMk id="2" creationId="{DCA51698-9928-49FD-83D3-43434F53FE66}"/>
+          </ac:spMkLst>
+        </pc:spChg>
+        <pc:spChg chg="del">
+          <ac:chgData name="Li Lixiang" userId="6104bbfcb56aea79" providerId="LiveId" clId="{8F24DB6C-69C5-4C84-9714-7DFF6EE8307D}" dt="2021-08-29T10:30:52.052" v="6898" actId="478"/>
+          <ac:spMkLst>
+            <pc:docMk/>
+            <pc:sldMk cId="3858086840" sldId="275"/>
+            <ac:spMk id="3" creationId="{A4229903-4DFF-4D09-A439-983627884360}"/>
+          </ac:spMkLst>
+        </pc:spChg>
+        <pc:picChg chg="add mod">
+          <ac:chgData name="Li Lixiang" userId="6104bbfcb56aea79" providerId="LiveId" clId="{8F24DB6C-69C5-4C84-9714-7DFF6EE8307D}" dt="2021-08-29T10:30:54.658" v="6899" actId="1076"/>
+          <ac:picMkLst>
+            <pc:docMk/>
+            <pc:sldMk cId="3858086840" sldId="275"/>
+            <ac:picMk id="4" creationId="{0E33A63D-9AAA-4D95-9813-94418731CDA0}"/>
+          </ac:picMkLst>
+        </pc:picChg>
+      </pc:sldChg>
+    </pc:docChg>
+  </pc:docChgLst>
   <pc:docChgLst>
     <pc:chgData name="Li Lixiang" userId="6104bbfcb56aea79" providerId="LiveId" clId="{73E4B0B5-5950-4F20-8031-729779FF7831}"/>
     <pc:docChg chg="undo custSel addSld modSld addMainMaster delMainMaster">
@@ -601,766 +1362,9 @@
     </pc:docChg>
   </pc:docChgLst>
   <pc:docChgLst>
-    <pc:chgData name="Li Lixiang" userId="6104bbfcb56aea79" providerId="LiveId" clId="{8F24DB6C-69C5-4C84-9714-7DFF6EE8307D}"/>
-    <pc:docChg chg="undo redo custSel addSld modSld">
-      <pc:chgData name="Li Lixiang" userId="6104bbfcb56aea79" providerId="LiveId" clId="{8F24DB6C-69C5-4C84-9714-7DFF6EE8307D}" dt="2021-08-30T03:41:09.289" v="7283" actId="20577"/>
-      <pc:docMkLst>
-        <pc:docMk/>
-      </pc:docMkLst>
-      <pc:sldChg chg="modSp mod">
-        <pc:chgData name="Li Lixiang" userId="6104bbfcb56aea79" providerId="LiveId" clId="{8F24DB6C-69C5-4C84-9714-7DFF6EE8307D}" dt="2021-08-30T03:41:09.289" v="7283" actId="20577"/>
-        <pc:sldMkLst>
-          <pc:docMk/>
-          <pc:sldMk cId="993770899" sldId="256"/>
-        </pc:sldMkLst>
-        <pc:spChg chg="mod">
-          <ac:chgData name="Li Lixiang" userId="6104bbfcb56aea79" providerId="LiveId" clId="{8F24DB6C-69C5-4C84-9714-7DFF6EE8307D}" dt="2021-08-30T03:41:09.289" v="7283" actId="20577"/>
-          <ac:spMkLst>
-            <pc:docMk/>
-            <pc:sldMk cId="993770899" sldId="256"/>
-            <ac:spMk id="3" creationId="{7342AE8A-5299-40EC-B93F-BDBB2838E67C}"/>
-          </ac:spMkLst>
-        </pc:spChg>
-      </pc:sldChg>
-      <pc:sldChg chg="delSp modSp mod">
-        <pc:chgData name="Li Lixiang" userId="6104bbfcb56aea79" providerId="LiveId" clId="{8F24DB6C-69C5-4C84-9714-7DFF6EE8307D}" dt="2021-08-30T03:20:54.091" v="7014" actId="20577"/>
-        <pc:sldMkLst>
-          <pc:docMk/>
-          <pc:sldMk cId="4118967571" sldId="257"/>
-        </pc:sldMkLst>
-        <pc:spChg chg="mod">
-          <ac:chgData name="Li Lixiang" userId="6104bbfcb56aea79" providerId="LiveId" clId="{8F24DB6C-69C5-4C84-9714-7DFF6EE8307D}" dt="2021-08-28T10:15:17.871" v="37" actId="20577"/>
-          <ac:spMkLst>
-            <pc:docMk/>
-            <pc:sldMk cId="4118967571" sldId="257"/>
-            <ac:spMk id="2" creationId="{5A817F65-0249-4813-916F-D22CF5F41D8C}"/>
-          </ac:spMkLst>
-        </pc:spChg>
-        <pc:spChg chg="mod">
-          <ac:chgData name="Li Lixiang" userId="6104bbfcb56aea79" providerId="LiveId" clId="{8F24DB6C-69C5-4C84-9714-7DFF6EE8307D}" dt="2021-08-30T03:20:54.091" v="7014" actId="20577"/>
-          <ac:spMkLst>
-            <pc:docMk/>
-            <pc:sldMk cId="4118967571" sldId="257"/>
-            <ac:spMk id="3" creationId="{588B000C-CCD7-42E0-A4A2-DB893ED55A0D}"/>
-          </ac:spMkLst>
-        </pc:spChg>
-        <pc:picChg chg="del">
-          <ac:chgData name="Li Lixiang" userId="6104bbfcb56aea79" providerId="LiveId" clId="{8F24DB6C-69C5-4C84-9714-7DFF6EE8307D}" dt="2021-08-28T10:15:09.026" v="31" actId="478"/>
-          <ac:picMkLst>
-            <pc:docMk/>
-            <pc:sldMk cId="4118967571" sldId="257"/>
-            <ac:picMk id="5" creationId="{A842DAAD-2B60-4D56-9507-95C44221A9FD}"/>
-          </ac:picMkLst>
-        </pc:picChg>
-      </pc:sldChg>
-      <pc:sldChg chg="modSp mod">
-        <pc:chgData name="Li Lixiang" userId="6104bbfcb56aea79" providerId="LiveId" clId="{8F24DB6C-69C5-4C84-9714-7DFF6EE8307D}" dt="2021-08-30T03:26:17.899" v="7067" actId="20577"/>
-        <pc:sldMkLst>
-          <pc:docMk/>
-          <pc:sldMk cId="2618729237" sldId="258"/>
-        </pc:sldMkLst>
-        <pc:spChg chg="mod">
-          <ac:chgData name="Li Lixiang" userId="6104bbfcb56aea79" providerId="LiveId" clId="{8F24DB6C-69C5-4C84-9714-7DFF6EE8307D}" dt="2021-08-28T10:17:38.801" v="205" actId="6549"/>
-          <ac:spMkLst>
-            <pc:docMk/>
-            <pc:sldMk cId="2618729237" sldId="258"/>
-            <ac:spMk id="2" creationId="{5A817F65-0249-4813-916F-D22CF5F41D8C}"/>
-          </ac:spMkLst>
-        </pc:spChg>
-        <pc:spChg chg="mod">
-          <ac:chgData name="Li Lixiang" userId="6104bbfcb56aea79" providerId="LiveId" clId="{8F24DB6C-69C5-4C84-9714-7DFF6EE8307D}" dt="2021-08-30T03:26:17.899" v="7067" actId="20577"/>
-          <ac:spMkLst>
-            <pc:docMk/>
-            <pc:sldMk cId="2618729237" sldId="258"/>
-            <ac:spMk id="3" creationId="{588B000C-CCD7-42E0-A4A2-DB893ED55A0D}"/>
-          </ac:spMkLst>
-        </pc:spChg>
-      </pc:sldChg>
-      <pc:sldChg chg="modSp mod">
-        <pc:chgData name="Li Lixiang" userId="6104bbfcb56aea79" providerId="LiveId" clId="{8F24DB6C-69C5-4C84-9714-7DFF6EE8307D}" dt="2021-08-28T10:15:34.448" v="54" actId="20577"/>
-        <pc:sldMkLst>
-          <pc:docMk/>
-          <pc:sldMk cId="3858986464" sldId="259"/>
-        </pc:sldMkLst>
-        <pc:spChg chg="mod">
-          <ac:chgData name="Li Lixiang" userId="6104bbfcb56aea79" providerId="LiveId" clId="{8F24DB6C-69C5-4C84-9714-7DFF6EE8307D}" dt="2021-08-28T10:15:34.448" v="54" actId="20577"/>
-          <ac:spMkLst>
-            <pc:docMk/>
-            <pc:sldMk cId="3858986464" sldId="259"/>
-            <ac:spMk id="2" creationId="{5A817F65-0249-4813-916F-D22CF5F41D8C}"/>
-          </ac:spMkLst>
-        </pc:spChg>
-      </pc:sldChg>
-      <pc:sldChg chg="modSp mod">
-        <pc:chgData name="Li Lixiang" userId="6104bbfcb56aea79" providerId="LiveId" clId="{8F24DB6C-69C5-4C84-9714-7DFF6EE8307D}" dt="2021-08-28T10:16:16.421" v="103" actId="5793"/>
-        <pc:sldMkLst>
-          <pc:docMk/>
-          <pc:sldMk cId="1584354543" sldId="260"/>
-        </pc:sldMkLst>
-        <pc:spChg chg="mod">
-          <ac:chgData name="Li Lixiang" userId="6104bbfcb56aea79" providerId="LiveId" clId="{8F24DB6C-69C5-4C84-9714-7DFF6EE8307D}" dt="2021-08-28T10:16:16.421" v="103" actId="5793"/>
-          <ac:spMkLst>
-            <pc:docMk/>
-            <pc:sldMk cId="1584354543" sldId="260"/>
-            <ac:spMk id="2" creationId="{5A817F65-0249-4813-916F-D22CF5F41D8C}"/>
-          </ac:spMkLst>
-        </pc:spChg>
-      </pc:sldChg>
-      <pc:sldChg chg="modSp add mod">
-        <pc:chgData name="Li Lixiang" userId="6104bbfcb56aea79" providerId="LiveId" clId="{8F24DB6C-69C5-4C84-9714-7DFF6EE8307D}" dt="2021-08-28T10:17:59.869" v="252" actId="20577"/>
-        <pc:sldMkLst>
-          <pc:docMk/>
-          <pc:sldMk cId="246451916" sldId="261"/>
-        </pc:sldMkLst>
-        <pc:spChg chg="mod">
-          <ac:chgData name="Li Lixiang" userId="6104bbfcb56aea79" providerId="LiveId" clId="{8F24DB6C-69C5-4C84-9714-7DFF6EE8307D}" dt="2021-08-28T10:17:59.869" v="252" actId="20577"/>
-          <ac:spMkLst>
-            <pc:docMk/>
-            <pc:sldMk cId="246451916" sldId="261"/>
-            <ac:spMk id="2" creationId="{5A817F65-0249-4813-916F-D22CF5F41D8C}"/>
-          </ac:spMkLst>
-        </pc:spChg>
-      </pc:sldChg>
-      <pc:sldChg chg="modSp mod">
-        <pc:chgData name="Li Lixiang" userId="6104bbfcb56aea79" providerId="LiveId" clId="{8F24DB6C-69C5-4C84-9714-7DFF6EE8307D}" dt="2021-08-29T02:09:06.657" v="484" actId="113"/>
-        <pc:sldMkLst>
-          <pc:docMk/>
-          <pc:sldMk cId="3489188295" sldId="262"/>
-        </pc:sldMkLst>
-        <pc:spChg chg="mod">
-          <ac:chgData name="Li Lixiang" userId="6104bbfcb56aea79" providerId="LiveId" clId="{8F24DB6C-69C5-4C84-9714-7DFF6EE8307D}" dt="2021-08-29T02:09:06.657" v="484" actId="113"/>
-          <ac:spMkLst>
-            <pc:docMk/>
-            <pc:sldMk cId="3489188295" sldId="262"/>
-            <ac:spMk id="3" creationId="{588B000C-CCD7-42E0-A4A2-DB893ED55A0D}"/>
-          </ac:spMkLst>
-        </pc:spChg>
-      </pc:sldChg>
-      <pc:sldChg chg="modSp mod">
-        <pc:chgData name="Li Lixiang" userId="6104bbfcb56aea79" providerId="LiveId" clId="{8F24DB6C-69C5-4C84-9714-7DFF6EE8307D}" dt="2021-08-30T03:27:49.337" v="7082" actId="1076"/>
-        <pc:sldMkLst>
-          <pc:docMk/>
-          <pc:sldMk cId="2587062739" sldId="263"/>
-        </pc:sldMkLst>
-        <pc:spChg chg="mod">
-          <ac:chgData name="Li Lixiang" userId="6104bbfcb56aea79" providerId="LiveId" clId="{8F24DB6C-69C5-4C84-9714-7DFF6EE8307D}" dt="2021-08-30T03:27:37.038" v="7080" actId="27636"/>
-          <ac:spMkLst>
-            <pc:docMk/>
-            <pc:sldMk cId="2587062739" sldId="263"/>
-            <ac:spMk id="3" creationId="{588B000C-CCD7-42E0-A4A2-DB893ED55A0D}"/>
-          </ac:spMkLst>
-        </pc:spChg>
-        <pc:picChg chg="mod">
-          <ac:chgData name="Li Lixiang" userId="6104bbfcb56aea79" providerId="LiveId" clId="{8F24DB6C-69C5-4C84-9714-7DFF6EE8307D}" dt="2021-08-30T03:27:41.601" v="7081" actId="1076"/>
-          <ac:picMkLst>
-            <pc:docMk/>
-            <pc:sldMk cId="2587062739" sldId="263"/>
-            <ac:picMk id="8" creationId="{02FBFB86-5D4E-44E6-B0B0-481C2BD956A4}"/>
-          </ac:picMkLst>
-        </pc:picChg>
-        <pc:picChg chg="mod">
-          <ac:chgData name="Li Lixiang" userId="6104bbfcb56aea79" providerId="LiveId" clId="{8F24DB6C-69C5-4C84-9714-7DFF6EE8307D}" dt="2021-08-30T03:27:49.337" v="7082" actId="1076"/>
-          <ac:picMkLst>
-            <pc:docMk/>
-            <pc:sldMk cId="2587062739" sldId="263"/>
-            <ac:picMk id="10" creationId="{B3CD1FA5-3E21-41F2-8236-A5CCD04B5A7C}"/>
-          </ac:picMkLst>
-        </pc:picChg>
-      </pc:sldChg>
-      <pc:sldChg chg="modSp mod">
-        <pc:chgData name="Li Lixiang" userId="6104bbfcb56aea79" providerId="LiveId" clId="{8F24DB6C-69C5-4C84-9714-7DFF6EE8307D}" dt="2021-08-30T03:30:03.828" v="7253" actId="20577"/>
-        <pc:sldMkLst>
-          <pc:docMk/>
-          <pc:sldMk cId="1002109307" sldId="264"/>
-        </pc:sldMkLst>
-        <pc:spChg chg="mod">
-          <ac:chgData name="Li Lixiang" userId="6104bbfcb56aea79" providerId="LiveId" clId="{8F24DB6C-69C5-4C84-9714-7DFF6EE8307D}" dt="2021-08-30T03:30:03.828" v="7253" actId="20577"/>
-          <ac:spMkLst>
-            <pc:docMk/>
-            <pc:sldMk cId="1002109307" sldId="264"/>
-            <ac:spMk id="3" creationId="{588B000C-CCD7-42E0-A4A2-DB893ED55A0D}"/>
-          </ac:spMkLst>
-        </pc:spChg>
-      </pc:sldChg>
-      <pc:sldChg chg="addSp delSp modSp add mod">
-        <pc:chgData name="Li Lixiang" userId="6104bbfcb56aea79" providerId="LiveId" clId="{8F24DB6C-69C5-4C84-9714-7DFF6EE8307D}" dt="2021-08-29T06:30:23.963" v="2741" actId="20577"/>
-        <pc:sldMkLst>
-          <pc:docMk/>
-          <pc:sldMk cId="3684619059" sldId="265"/>
-        </pc:sldMkLst>
-        <pc:spChg chg="mod">
-          <ac:chgData name="Li Lixiang" userId="6104bbfcb56aea79" providerId="LiveId" clId="{8F24DB6C-69C5-4C84-9714-7DFF6EE8307D}" dt="2021-08-29T02:14:25.815" v="591" actId="20577"/>
-          <ac:spMkLst>
-            <pc:docMk/>
-            <pc:sldMk cId="3684619059" sldId="265"/>
-            <ac:spMk id="2" creationId="{5A817F65-0249-4813-916F-D22CF5F41D8C}"/>
-          </ac:spMkLst>
-        </pc:spChg>
-        <pc:spChg chg="mod">
-          <ac:chgData name="Li Lixiang" userId="6104bbfcb56aea79" providerId="LiveId" clId="{8F24DB6C-69C5-4C84-9714-7DFF6EE8307D}" dt="2021-08-29T02:27:59.636" v="1675" actId="20577"/>
-          <ac:spMkLst>
-            <pc:docMk/>
-            <pc:sldMk cId="3684619059" sldId="265"/>
-            <ac:spMk id="3" creationId="{588B000C-CCD7-42E0-A4A2-DB893ED55A0D}"/>
-          </ac:spMkLst>
-        </pc:spChg>
-        <pc:spChg chg="add mod">
-          <ac:chgData name="Li Lixiang" userId="6104bbfcb56aea79" providerId="LiveId" clId="{8F24DB6C-69C5-4C84-9714-7DFF6EE8307D}" dt="2021-08-29T02:25:21.282" v="1413" actId="1036"/>
-          <ac:spMkLst>
-            <pc:docMk/>
-            <pc:sldMk cId="3684619059" sldId="265"/>
-            <ac:spMk id="5" creationId="{4C60042C-D94E-4BE1-8FA7-7B1B7D124680}"/>
-          </ac:spMkLst>
-        </pc:spChg>
-        <pc:spChg chg="add del mod">
-          <ac:chgData name="Li Lixiang" userId="6104bbfcb56aea79" providerId="LiveId" clId="{8F24DB6C-69C5-4C84-9714-7DFF6EE8307D}" dt="2021-08-29T02:27:08.161" v="1537" actId="478"/>
-          <ac:spMkLst>
-            <pc:docMk/>
-            <pc:sldMk cId="3684619059" sldId="265"/>
-            <ac:spMk id="7" creationId="{598953A8-F6A9-4D96-B135-4F01E1C1AF89}"/>
-          </ac:spMkLst>
-        </pc:spChg>
-        <pc:spChg chg="add mod">
-          <ac:chgData name="Li Lixiang" userId="6104bbfcb56aea79" providerId="LiveId" clId="{8F24DB6C-69C5-4C84-9714-7DFF6EE8307D}" dt="2021-08-29T02:27:38.118" v="1587" actId="1076"/>
-          <ac:spMkLst>
-            <pc:docMk/>
-            <pc:sldMk cId="3684619059" sldId="265"/>
-            <ac:spMk id="8" creationId="{4A1693A5-E806-4DA3-B40A-93C03D5F0096}"/>
-          </ac:spMkLst>
-        </pc:spChg>
-        <pc:spChg chg="del mod">
-          <ac:chgData name="Li Lixiang" userId="6104bbfcb56aea79" providerId="LiveId" clId="{8F24DB6C-69C5-4C84-9714-7DFF6EE8307D}" dt="2021-08-29T02:25:26.664" v="1415" actId="478"/>
-          <ac:spMkLst>
-            <pc:docMk/>
-            <pc:sldMk cId="3684619059" sldId="265"/>
-            <ac:spMk id="9" creationId="{988344B3-9E0A-4B74-9933-1661FDAB3DDC}"/>
-          </ac:spMkLst>
-        </pc:spChg>
-        <pc:spChg chg="add mod">
-          <ac:chgData name="Li Lixiang" userId="6104bbfcb56aea79" providerId="LiveId" clId="{8F24DB6C-69C5-4C84-9714-7DFF6EE8307D}" dt="2021-08-29T06:30:23.963" v="2741" actId="20577"/>
-          <ac:spMkLst>
-            <pc:docMk/>
-            <pc:sldMk cId="3684619059" sldId="265"/>
-            <ac:spMk id="10" creationId="{989D4CC0-17AD-41A4-97C3-E04BB9213563}"/>
-          </ac:spMkLst>
-        </pc:spChg>
-      </pc:sldChg>
-      <pc:sldChg chg="addSp delSp modSp add mod">
-        <pc:chgData name="Li Lixiang" userId="6104bbfcb56aea79" providerId="LiveId" clId="{8F24DB6C-69C5-4C84-9714-7DFF6EE8307D}" dt="2021-08-30T03:31:06.342" v="7258" actId="20577"/>
-        <pc:sldMkLst>
-          <pc:docMk/>
-          <pc:sldMk cId="3221177523" sldId="266"/>
-        </pc:sldMkLst>
-        <pc:spChg chg="mod">
-          <ac:chgData name="Li Lixiang" userId="6104bbfcb56aea79" providerId="LiveId" clId="{8F24DB6C-69C5-4C84-9714-7DFF6EE8307D}" dt="2021-08-29T06:30:47.573" v="2747" actId="5793"/>
-          <ac:spMkLst>
-            <pc:docMk/>
-            <pc:sldMk cId="3221177523" sldId="266"/>
-            <ac:spMk id="2" creationId="{5A817F65-0249-4813-916F-D22CF5F41D8C}"/>
-          </ac:spMkLst>
-        </pc:spChg>
-        <pc:spChg chg="mod">
-          <ac:chgData name="Li Lixiang" userId="6104bbfcb56aea79" providerId="LiveId" clId="{8F24DB6C-69C5-4C84-9714-7DFF6EE8307D}" dt="2021-08-30T03:31:06.342" v="7258" actId="20577"/>
-          <ac:spMkLst>
-            <pc:docMk/>
-            <pc:sldMk cId="3221177523" sldId="266"/>
-            <ac:spMk id="3" creationId="{588B000C-CCD7-42E0-A4A2-DB893ED55A0D}"/>
-          </ac:spMkLst>
-        </pc:spChg>
-        <pc:spChg chg="add mod">
-          <ac:chgData name="Li Lixiang" userId="6104bbfcb56aea79" providerId="LiveId" clId="{8F24DB6C-69C5-4C84-9714-7DFF6EE8307D}" dt="2021-08-29T06:35:28.747" v="3206" actId="1076"/>
-          <ac:spMkLst>
-            <pc:docMk/>
-            <pc:sldMk cId="3221177523" sldId="266"/>
-            <ac:spMk id="4" creationId="{6C2DE4AE-1522-4EFB-BCDD-5E599009D113}"/>
-          </ac:spMkLst>
-        </pc:spChg>
-        <pc:spChg chg="del">
-          <ac:chgData name="Li Lixiang" userId="6104bbfcb56aea79" providerId="LiveId" clId="{8F24DB6C-69C5-4C84-9714-7DFF6EE8307D}" dt="2021-08-29T02:31:54.091" v="2075" actId="478"/>
-          <ac:spMkLst>
-            <pc:docMk/>
-            <pc:sldMk cId="3221177523" sldId="266"/>
-            <ac:spMk id="5" creationId="{4C60042C-D94E-4BE1-8FA7-7B1B7D124680}"/>
-          </ac:spMkLst>
-        </pc:spChg>
-        <pc:spChg chg="del">
-          <ac:chgData name="Li Lixiang" userId="6104bbfcb56aea79" providerId="LiveId" clId="{8F24DB6C-69C5-4C84-9714-7DFF6EE8307D}" dt="2021-08-29T02:46:26.218" v="2735" actId="478"/>
-          <ac:spMkLst>
-            <pc:docMk/>
-            <pc:sldMk cId="3221177523" sldId="266"/>
-            <ac:spMk id="8" creationId="{4A1693A5-E806-4DA3-B40A-93C03D5F0096}"/>
-          </ac:spMkLst>
-        </pc:spChg>
-        <pc:spChg chg="del">
-          <ac:chgData name="Li Lixiang" userId="6104bbfcb56aea79" providerId="LiveId" clId="{8F24DB6C-69C5-4C84-9714-7DFF6EE8307D}" dt="2021-08-29T02:46:29.280" v="2736" actId="478"/>
-          <ac:spMkLst>
-            <pc:docMk/>
-            <pc:sldMk cId="3221177523" sldId="266"/>
-            <ac:spMk id="10" creationId="{989D4CC0-17AD-41A4-97C3-E04BB9213563}"/>
-          </ac:spMkLst>
-        </pc:spChg>
-      </pc:sldChg>
-      <pc:sldChg chg="addSp modSp add mod">
-        <pc:chgData name="Li Lixiang" userId="6104bbfcb56aea79" providerId="LiveId" clId="{8F24DB6C-69C5-4C84-9714-7DFF6EE8307D}" dt="2021-08-29T06:32:54.734" v="2953" actId="27636"/>
-        <pc:sldMkLst>
-          <pc:docMk/>
-          <pc:sldMk cId="447955575" sldId="267"/>
-        </pc:sldMkLst>
-        <pc:spChg chg="mod">
-          <ac:chgData name="Li Lixiang" userId="6104bbfcb56aea79" providerId="LiveId" clId="{8F24DB6C-69C5-4C84-9714-7DFF6EE8307D}" dt="2021-08-29T06:31:09.752" v="2772" actId="20577"/>
-          <ac:spMkLst>
-            <pc:docMk/>
-            <pc:sldMk cId="447955575" sldId="267"/>
-            <ac:spMk id="2" creationId="{5A817F65-0249-4813-916F-D22CF5F41D8C}"/>
-          </ac:spMkLst>
-        </pc:spChg>
-        <pc:spChg chg="mod">
-          <ac:chgData name="Li Lixiang" userId="6104bbfcb56aea79" providerId="LiveId" clId="{8F24DB6C-69C5-4C84-9714-7DFF6EE8307D}" dt="2021-08-29T06:31:43.060" v="2820" actId="20577"/>
-          <ac:spMkLst>
-            <pc:docMk/>
-            <pc:sldMk cId="447955575" sldId="267"/>
-            <ac:spMk id="3" creationId="{588B000C-CCD7-42E0-A4A2-DB893ED55A0D}"/>
-          </ac:spMkLst>
-        </pc:spChg>
-        <pc:spChg chg="add mod">
-          <ac:chgData name="Li Lixiang" userId="6104bbfcb56aea79" providerId="LiveId" clId="{8F24DB6C-69C5-4C84-9714-7DFF6EE8307D}" dt="2021-08-29T06:32:54.734" v="2953" actId="27636"/>
-          <ac:spMkLst>
-            <pc:docMk/>
-            <pc:sldMk cId="447955575" sldId="267"/>
-            <ac:spMk id="4" creationId="{349F80DE-580F-4C18-AD09-F29F51C165A4}"/>
-          </ac:spMkLst>
-        </pc:spChg>
-      </pc:sldChg>
-      <pc:sldChg chg="addSp delSp modSp add mod">
-        <pc:chgData name="Li Lixiang" userId="6104bbfcb56aea79" providerId="LiveId" clId="{8F24DB6C-69C5-4C84-9714-7DFF6EE8307D}" dt="2021-08-29T07:20:30.154" v="4227" actId="20577"/>
-        <pc:sldMkLst>
-          <pc:docMk/>
-          <pc:sldMk cId="2743827734" sldId="268"/>
-        </pc:sldMkLst>
-        <pc:spChg chg="mod">
-          <ac:chgData name="Li Lixiang" userId="6104bbfcb56aea79" providerId="LiveId" clId="{8F24DB6C-69C5-4C84-9714-7DFF6EE8307D}" dt="2021-08-29T06:51:30.283" v="3403" actId="14100"/>
-          <ac:spMkLst>
-            <pc:docMk/>
-            <pc:sldMk cId="2743827734" sldId="268"/>
-            <ac:spMk id="2" creationId="{5A817F65-0249-4813-916F-D22CF5F41D8C}"/>
-          </ac:spMkLst>
-        </pc:spChg>
-        <pc:spChg chg="mod">
-          <ac:chgData name="Li Lixiang" userId="6104bbfcb56aea79" providerId="LiveId" clId="{8F24DB6C-69C5-4C84-9714-7DFF6EE8307D}" dt="2021-08-29T07:20:30.154" v="4227" actId="20577"/>
-          <ac:spMkLst>
-            <pc:docMk/>
-            <pc:sldMk cId="2743827734" sldId="268"/>
-            <ac:spMk id="3" creationId="{588B000C-CCD7-42E0-A4A2-DB893ED55A0D}"/>
-          </ac:spMkLst>
-        </pc:spChg>
-        <pc:spChg chg="del">
-          <ac:chgData name="Li Lixiang" userId="6104bbfcb56aea79" providerId="LiveId" clId="{8F24DB6C-69C5-4C84-9714-7DFF6EE8307D}" dt="2021-08-29T06:49:30.637" v="3311" actId="478"/>
-          <ac:spMkLst>
-            <pc:docMk/>
-            <pc:sldMk cId="2743827734" sldId="268"/>
-            <ac:spMk id="4" creationId="{349F80DE-580F-4C18-AD09-F29F51C165A4}"/>
-          </ac:spMkLst>
-        </pc:spChg>
-        <pc:picChg chg="add mod">
-          <ac:chgData name="Li Lixiang" userId="6104bbfcb56aea79" providerId="LiveId" clId="{8F24DB6C-69C5-4C84-9714-7DFF6EE8307D}" dt="2021-08-29T06:51:26.051" v="3402" actId="1076"/>
-          <ac:picMkLst>
-            <pc:docMk/>
-            <pc:sldMk cId="2743827734" sldId="268"/>
-            <ac:picMk id="6" creationId="{130A5130-B291-4755-AF82-819EF000831E}"/>
-          </ac:picMkLst>
-        </pc:picChg>
-      </pc:sldChg>
-      <pc:sldChg chg="addSp delSp modSp add mod">
-        <pc:chgData name="Li Lixiang" userId="6104bbfcb56aea79" providerId="LiveId" clId="{8F24DB6C-69C5-4C84-9714-7DFF6EE8307D}" dt="2021-08-29T10:17:10.149" v="6501" actId="11529"/>
-        <pc:sldMkLst>
-          <pc:docMk/>
-          <pc:sldMk cId="3325377252" sldId="269"/>
-        </pc:sldMkLst>
-        <pc:spChg chg="mod">
-          <ac:chgData name="Li Lixiang" userId="6104bbfcb56aea79" providerId="LiveId" clId="{8F24DB6C-69C5-4C84-9714-7DFF6EE8307D}" dt="2021-08-29T06:55:03.598" v="3555" actId="20577"/>
-          <ac:spMkLst>
-            <pc:docMk/>
-            <pc:sldMk cId="3325377252" sldId="269"/>
-            <ac:spMk id="2" creationId="{5A817F65-0249-4813-916F-D22CF5F41D8C}"/>
-          </ac:spMkLst>
-        </pc:spChg>
-        <pc:spChg chg="mod">
-          <ac:chgData name="Li Lixiang" userId="6104bbfcb56aea79" providerId="LiveId" clId="{8F24DB6C-69C5-4C84-9714-7DFF6EE8307D}" dt="2021-08-29T07:17:02.241" v="4202" actId="27636"/>
-          <ac:spMkLst>
-            <pc:docMk/>
-            <pc:sldMk cId="3325377252" sldId="269"/>
-            <ac:spMk id="3" creationId="{588B000C-CCD7-42E0-A4A2-DB893ED55A0D}"/>
-          </ac:spMkLst>
-        </pc:spChg>
-        <pc:spChg chg="add mod">
-          <ac:chgData name="Li Lixiang" userId="6104bbfcb56aea79" providerId="LiveId" clId="{8F24DB6C-69C5-4C84-9714-7DFF6EE8307D}" dt="2021-08-29T07:17:27.852" v="4217" actId="1038"/>
-          <ac:spMkLst>
-            <pc:docMk/>
-            <pc:sldMk cId="3325377252" sldId="269"/>
-            <ac:spMk id="7" creationId="{8A92908C-46CA-407E-BF71-FFE7D60B77EB}"/>
-          </ac:spMkLst>
-        </pc:spChg>
-        <pc:spChg chg="add mod">
-          <ac:chgData name="Li Lixiang" userId="6104bbfcb56aea79" providerId="LiveId" clId="{8F24DB6C-69C5-4C84-9714-7DFF6EE8307D}" dt="2021-08-29T10:16:52.921" v="6500" actId="27636"/>
-          <ac:spMkLst>
-            <pc:docMk/>
-            <pc:sldMk cId="3325377252" sldId="269"/>
-            <ac:spMk id="8" creationId="{DA14F1BC-9B6C-40CD-874B-C8C1EA923F0E}"/>
-          </ac:spMkLst>
-        </pc:spChg>
-        <pc:picChg chg="add mod modCrop">
-          <ac:chgData name="Li Lixiang" userId="6104bbfcb56aea79" providerId="LiveId" clId="{8F24DB6C-69C5-4C84-9714-7DFF6EE8307D}" dt="2021-08-29T07:17:27.852" v="4217" actId="1038"/>
-          <ac:picMkLst>
-            <pc:docMk/>
-            <pc:sldMk cId="3325377252" sldId="269"/>
-            <ac:picMk id="5" creationId="{C7DB853F-C4FD-48B4-83E1-9E57D8D11D39}"/>
-          </ac:picMkLst>
-        </pc:picChg>
-        <pc:picChg chg="del">
-          <ac:chgData name="Li Lixiang" userId="6104bbfcb56aea79" providerId="LiveId" clId="{8F24DB6C-69C5-4C84-9714-7DFF6EE8307D}" dt="2021-08-29T06:55:08.208" v="3556" actId="478"/>
-          <ac:picMkLst>
-            <pc:docMk/>
-            <pc:sldMk cId="3325377252" sldId="269"/>
-            <ac:picMk id="6" creationId="{130A5130-B291-4755-AF82-819EF000831E}"/>
-          </ac:picMkLst>
-        </pc:picChg>
-        <pc:cxnChg chg="add">
-          <ac:chgData name="Li Lixiang" userId="6104bbfcb56aea79" providerId="LiveId" clId="{8F24DB6C-69C5-4C84-9714-7DFF6EE8307D}" dt="2021-08-29T10:17:10.149" v="6501" actId="11529"/>
-          <ac:cxnSpMkLst>
-            <pc:docMk/>
-            <pc:sldMk cId="3325377252" sldId="269"/>
-            <ac:cxnSpMk id="10" creationId="{9700E9BF-1D7C-40C3-B4E0-C4DFEE6022DF}"/>
-          </ac:cxnSpMkLst>
-        </pc:cxnChg>
-      </pc:sldChg>
-      <pc:sldChg chg="addSp delSp modSp add mod">
-        <pc:chgData name="Li Lixiang" userId="6104bbfcb56aea79" providerId="LiveId" clId="{8F24DB6C-69C5-4C84-9714-7DFF6EE8307D}" dt="2021-08-29T10:33:44.548" v="6905" actId="1076"/>
-        <pc:sldMkLst>
-          <pc:docMk/>
-          <pc:sldMk cId="358550954" sldId="270"/>
-        </pc:sldMkLst>
-        <pc:spChg chg="mod">
-          <ac:chgData name="Li Lixiang" userId="6104bbfcb56aea79" providerId="LiveId" clId="{8F24DB6C-69C5-4C84-9714-7DFF6EE8307D}" dt="2021-08-29T07:22:02.102" v="4291" actId="14100"/>
-          <ac:spMkLst>
-            <pc:docMk/>
-            <pc:sldMk cId="358550954" sldId="270"/>
-            <ac:spMk id="2" creationId="{5A817F65-0249-4813-916F-D22CF5F41D8C}"/>
-          </ac:spMkLst>
-        </pc:spChg>
-        <pc:spChg chg="mod">
-          <ac:chgData name="Li Lixiang" userId="6104bbfcb56aea79" providerId="LiveId" clId="{8F24DB6C-69C5-4C84-9714-7DFF6EE8307D}" dt="2021-08-29T10:27:30.428" v="6823" actId="20577"/>
-          <ac:spMkLst>
-            <pc:docMk/>
-            <pc:sldMk cId="358550954" sldId="270"/>
-            <ac:spMk id="3" creationId="{588B000C-CCD7-42E0-A4A2-DB893ED55A0D}"/>
-          </ac:spMkLst>
-        </pc:spChg>
-        <pc:spChg chg="del">
-          <ac:chgData name="Li Lixiang" userId="6104bbfcb56aea79" providerId="LiveId" clId="{8F24DB6C-69C5-4C84-9714-7DFF6EE8307D}" dt="2021-08-29T07:21:28.575" v="4230" actId="478"/>
-          <ac:spMkLst>
-            <pc:docMk/>
-            <pc:sldMk cId="358550954" sldId="270"/>
-            <ac:spMk id="7" creationId="{8A92908C-46CA-407E-BF71-FFE7D60B77EB}"/>
-          </ac:spMkLst>
-        </pc:spChg>
-        <pc:spChg chg="del">
-          <ac:chgData name="Li Lixiang" userId="6104bbfcb56aea79" providerId="LiveId" clId="{8F24DB6C-69C5-4C84-9714-7DFF6EE8307D}" dt="2021-08-29T07:21:55.769" v="4288" actId="478"/>
-          <ac:spMkLst>
-            <pc:docMk/>
-            <pc:sldMk cId="358550954" sldId="270"/>
-            <ac:spMk id="8" creationId="{DA14F1BC-9B6C-40CD-874B-C8C1EA923F0E}"/>
-          </ac:spMkLst>
-        </pc:spChg>
-        <pc:spChg chg="add del">
-          <ac:chgData name="Li Lixiang" userId="6104bbfcb56aea79" providerId="LiveId" clId="{8F24DB6C-69C5-4C84-9714-7DFF6EE8307D}" dt="2021-08-29T10:33:12.292" v="6901" actId="22"/>
-          <ac:spMkLst>
-            <pc:docMk/>
-            <pc:sldMk cId="358550954" sldId="270"/>
-            <ac:spMk id="9" creationId="{9254457C-AE7F-4F24-8BBE-136584A02DAE}"/>
-          </ac:spMkLst>
-        </pc:spChg>
-        <pc:spChg chg="add mod">
-          <ac:chgData name="Li Lixiang" userId="6104bbfcb56aea79" providerId="LiveId" clId="{8F24DB6C-69C5-4C84-9714-7DFF6EE8307D}" dt="2021-08-29T10:33:44.548" v="6905" actId="1076"/>
-          <ac:spMkLst>
-            <pc:docMk/>
-            <pc:sldMk cId="358550954" sldId="270"/>
-            <ac:spMk id="10" creationId="{82851E99-2B79-49B0-A5CB-75E64A4C24FE}"/>
-          </ac:spMkLst>
-        </pc:spChg>
-        <pc:picChg chg="del">
-          <ac:chgData name="Li Lixiang" userId="6104bbfcb56aea79" providerId="LiveId" clId="{8F24DB6C-69C5-4C84-9714-7DFF6EE8307D}" dt="2021-08-29T07:21:25.809" v="4229" actId="478"/>
-          <ac:picMkLst>
-            <pc:docMk/>
-            <pc:sldMk cId="358550954" sldId="270"/>
-            <ac:picMk id="5" creationId="{C7DB853F-C4FD-48B4-83E1-9E57D8D11D39}"/>
-          </ac:picMkLst>
-        </pc:picChg>
-      </pc:sldChg>
-      <pc:sldChg chg="addSp delSp modSp add mod">
-        <pc:chgData name="Li Lixiang" userId="6104bbfcb56aea79" providerId="LiveId" clId="{8F24DB6C-69C5-4C84-9714-7DFF6EE8307D}" dt="2021-08-29T10:30:39.889" v="6895" actId="21"/>
-        <pc:sldMkLst>
-          <pc:docMk/>
-          <pc:sldMk cId="3896331203" sldId="271"/>
-        </pc:sldMkLst>
-        <pc:spChg chg="mod">
-          <ac:chgData name="Li Lixiang" userId="6104bbfcb56aea79" providerId="LiveId" clId="{8F24DB6C-69C5-4C84-9714-7DFF6EE8307D}" dt="2021-08-29T09:08:40.404" v="4907" actId="20577"/>
-          <ac:spMkLst>
-            <pc:docMk/>
-            <pc:sldMk cId="3896331203" sldId="271"/>
-            <ac:spMk id="2" creationId="{5A817F65-0249-4813-916F-D22CF5F41D8C}"/>
-          </ac:spMkLst>
-        </pc:spChg>
-        <pc:spChg chg="mod">
-          <ac:chgData name="Li Lixiang" userId="6104bbfcb56aea79" providerId="LiveId" clId="{8F24DB6C-69C5-4C84-9714-7DFF6EE8307D}" dt="2021-08-29T09:10:33.679" v="5315" actId="6549"/>
-          <ac:spMkLst>
-            <pc:docMk/>
-            <pc:sldMk cId="3896331203" sldId="271"/>
-            <ac:spMk id="3" creationId="{588B000C-CCD7-42E0-A4A2-DB893ED55A0D}"/>
-          </ac:spMkLst>
-        </pc:spChg>
-        <pc:spChg chg="add mod">
-          <ac:chgData name="Li Lixiang" userId="6104bbfcb56aea79" providerId="LiveId" clId="{8F24DB6C-69C5-4C84-9714-7DFF6EE8307D}" dt="2021-08-29T10:21:32.377" v="6749" actId="20577"/>
-          <ac:spMkLst>
-            <pc:docMk/>
-            <pc:sldMk cId="3896331203" sldId="271"/>
-            <ac:spMk id="4" creationId="{FA6F510E-CF8C-4806-BC44-5746D2586B83}"/>
-          </ac:spMkLst>
-        </pc:spChg>
-        <pc:spChg chg="add mod">
-          <ac:chgData name="Li Lixiang" userId="6104bbfcb56aea79" providerId="LiveId" clId="{8F24DB6C-69C5-4C84-9714-7DFF6EE8307D}" dt="2021-08-29T10:22:47.430" v="6758" actId="1076"/>
-          <ac:spMkLst>
-            <pc:docMk/>
-            <pc:sldMk cId="3896331203" sldId="271"/>
-            <ac:spMk id="10" creationId="{2F263742-DB15-452A-8953-B0B3FA0FC85D}"/>
-          </ac:spMkLst>
-        </pc:spChg>
-        <pc:spChg chg="add mod">
-          <ac:chgData name="Li Lixiang" userId="6104bbfcb56aea79" providerId="LiveId" clId="{8F24DB6C-69C5-4C84-9714-7DFF6EE8307D}" dt="2021-08-29T10:13:52.063" v="6380" actId="20577"/>
-          <ac:spMkLst>
-            <pc:docMk/>
-            <pc:sldMk cId="3896331203" sldId="271"/>
-            <ac:spMk id="20" creationId="{9284CE57-886B-46AA-979E-E14263453EEF}"/>
-          </ac:spMkLst>
-        </pc:spChg>
-        <pc:picChg chg="add del mod">
-          <ac:chgData name="Li Lixiang" userId="6104bbfcb56aea79" providerId="LiveId" clId="{8F24DB6C-69C5-4C84-9714-7DFF6EE8307D}" dt="2021-08-29T10:30:39.889" v="6895" actId="21"/>
-          <ac:picMkLst>
-            <pc:docMk/>
-            <pc:sldMk cId="3896331203" sldId="271"/>
-            <ac:picMk id="24" creationId="{B2496CB5-D6EE-40E6-87BB-E705B662CB8A}"/>
-          </ac:picMkLst>
-        </pc:picChg>
-        <pc:cxnChg chg="add mod">
-          <ac:chgData name="Li Lixiang" userId="6104bbfcb56aea79" providerId="LiveId" clId="{8F24DB6C-69C5-4C84-9714-7DFF6EE8307D}" dt="2021-08-29T09:14:31.218" v="5595" actId="14100"/>
-          <ac:cxnSpMkLst>
-            <pc:docMk/>
-            <pc:sldMk cId="3896331203" sldId="271"/>
-            <ac:cxnSpMk id="6" creationId="{6DD570BF-B031-4BE8-ABB3-2B2B62162A51}"/>
-          </ac:cxnSpMkLst>
-        </pc:cxnChg>
-        <pc:cxnChg chg="add mod">
-          <ac:chgData name="Li Lixiang" userId="6104bbfcb56aea79" providerId="LiveId" clId="{8F24DB6C-69C5-4C84-9714-7DFF6EE8307D}" dt="2021-08-29T09:14:27.764" v="5594" actId="14100"/>
-          <ac:cxnSpMkLst>
-            <pc:docMk/>
-            <pc:sldMk cId="3896331203" sldId="271"/>
-            <ac:cxnSpMk id="14" creationId="{485D3FFB-C56F-4705-9728-546209A1F9D2}"/>
-          </ac:cxnSpMkLst>
-        </pc:cxnChg>
-        <pc:cxnChg chg="add mod">
-          <ac:chgData name="Li Lixiang" userId="6104bbfcb56aea79" providerId="LiveId" clId="{8F24DB6C-69C5-4C84-9714-7DFF6EE8307D}" dt="2021-08-29T10:22:58.575" v="6759" actId="14100"/>
-          <ac:cxnSpMkLst>
-            <pc:docMk/>
-            <pc:sldMk cId="3896331203" sldId="271"/>
-            <ac:cxnSpMk id="19" creationId="{07FA5892-DB64-4823-8015-A6BD3E36A6E4}"/>
-          </ac:cxnSpMkLst>
-        </pc:cxnChg>
-      </pc:sldChg>
-      <pc:sldChg chg="addSp delSp modSp add mod">
-        <pc:chgData name="Li Lixiang" userId="6104bbfcb56aea79" providerId="LiveId" clId="{8F24DB6C-69C5-4C84-9714-7DFF6EE8307D}" dt="2021-08-29T10:23:41.056" v="6769" actId="20577"/>
-        <pc:sldMkLst>
-          <pc:docMk/>
-          <pc:sldMk cId="3979237761" sldId="272"/>
-        </pc:sldMkLst>
-        <pc:spChg chg="mod">
-          <ac:chgData name="Li Lixiang" userId="6104bbfcb56aea79" providerId="LiveId" clId="{8F24DB6C-69C5-4C84-9714-7DFF6EE8307D}" dt="2021-08-29T09:19:26.286" v="5778" actId="20577"/>
-          <ac:spMkLst>
-            <pc:docMk/>
-            <pc:sldMk cId="3979237761" sldId="272"/>
-            <ac:spMk id="2" creationId="{5A817F65-0249-4813-916F-D22CF5F41D8C}"/>
-          </ac:spMkLst>
-        </pc:spChg>
-        <pc:spChg chg="mod">
-          <ac:chgData name="Li Lixiang" userId="6104bbfcb56aea79" providerId="LiveId" clId="{8F24DB6C-69C5-4C84-9714-7DFF6EE8307D}" dt="2021-08-29T10:23:41.056" v="6769" actId="20577"/>
-          <ac:spMkLst>
-            <pc:docMk/>
-            <pc:sldMk cId="3979237761" sldId="272"/>
-            <ac:spMk id="3" creationId="{588B000C-CCD7-42E0-A4A2-DB893ED55A0D}"/>
-          </ac:spMkLst>
-        </pc:spChg>
-        <pc:spChg chg="add del mod">
-          <ac:chgData name="Li Lixiang" userId="6104bbfcb56aea79" providerId="LiveId" clId="{8F24DB6C-69C5-4C84-9714-7DFF6EE8307D}" dt="2021-08-29T09:21:18.141" v="5870" actId="478"/>
-          <ac:spMkLst>
-            <pc:docMk/>
-            <pc:sldMk cId="3979237761" sldId="272"/>
-            <ac:spMk id="4" creationId="{0A86371A-D9DF-47FA-85EE-75BEB055FD63}"/>
-          </ac:spMkLst>
-        </pc:spChg>
-        <pc:spChg chg="add mod">
-          <ac:chgData name="Li Lixiang" userId="6104bbfcb56aea79" providerId="LiveId" clId="{8F24DB6C-69C5-4C84-9714-7DFF6EE8307D}" dt="2021-08-29T10:15:58.729" v="6474" actId="1076"/>
-          <ac:spMkLst>
-            <pc:docMk/>
-            <pc:sldMk cId="3979237761" sldId="272"/>
-            <ac:spMk id="9" creationId="{D69D23CF-F1DA-4295-93AF-7AE389D9FAD5}"/>
-          </ac:spMkLst>
-        </pc:spChg>
-        <pc:spChg chg="add del mod">
-          <ac:chgData name="Li Lixiang" userId="6104bbfcb56aea79" providerId="LiveId" clId="{8F24DB6C-69C5-4C84-9714-7DFF6EE8307D}" dt="2021-08-29T10:19:10.128" v="6670" actId="478"/>
-          <ac:spMkLst>
-            <pc:docMk/>
-            <pc:sldMk cId="3979237761" sldId="272"/>
-            <ac:spMk id="12" creationId="{7CF83BD0-1E8A-4C33-B164-F3A7B7501F48}"/>
-          </ac:spMkLst>
-        </pc:spChg>
-        <pc:picChg chg="add del mod">
-          <ac:chgData name="Li Lixiang" userId="6104bbfcb56aea79" providerId="LiveId" clId="{8F24DB6C-69C5-4C84-9714-7DFF6EE8307D}" dt="2021-08-29T10:14:24.335" v="6381" actId="478"/>
-          <ac:picMkLst>
-            <pc:docMk/>
-            <pc:sldMk cId="3979237761" sldId="272"/>
-            <ac:picMk id="6" creationId="{50F7C8FB-BAE8-481E-8031-00A7ED1D9E0A}"/>
-          </ac:picMkLst>
-        </pc:picChg>
-        <pc:picChg chg="add mod">
-          <ac:chgData name="Li Lixiang" userId="6104bbfcb56aea79" providerId="LiveId" clId="{8F24DB6C-69C5-4C84-9714-7DFF6EE8307D}" dt="2021-08-29T10:15:42.802" v="6472" actId="1076"/>
-          <ac:picMkLst>
-            <pc:docMk/>
-            <pc:sldMk cId="3979237761" sldId="272"/>
-            <ac:picMk id="8" creationId="{3B3EEE04-D859-42AC-B45C-C8A6C6917AEC}"/>
-          </ac:picMkLst>
-        </pc:picChg>
-        <pc:picChg chg="add mod">
-          <ac:chgData name="Li Lixiang" userId="6104bbfcb56aea79" providerId="LiveId" clId="{8F24DB6C-69C5-4C84-9714-7DFF6EE8307D}" dt="2021-08-29T10:14:31.851" v="6383" actId="1076"/>
-          <ac:picMkLst>
-            <pc:docMk/>
-            <pc:sldMk cId="3979237761" sldId="272"/>
-            <ac:picMk id="11" creationId="{67148D06-B526-419D-BF1F-BC0867E3FC9E}"/>
-          </ac:picMkLst>
-        </pc:picChg>
-      </pc:sldChg>
-      <pc:sldChg chg="delSp modSp add mod">
-        <pc:chgData name="Li Lixiang" userId="6104bbfcb56aea79" providerId="LiveId" clId="{8F24DB6C-69C5-4C84-9714-7DFF6EE8307D}" dt="2021-08-29T10:24:11.048" v="6776" actId="20577"/>
-        <pc:sldMkLst>
-          <pc:docMk/>
-          <pc:sldMk cId="3803932970" sldId="273"/>
-        </pc:sldMkLst>
-        <pc:spChg chg="mod">
-          <ac:chgData name="Li Lixiang" userId="6104bbfcb56aea79" providerId="LiveId" clId="{8F24DB6C-69C5-4C84-9714-7DFF6EE8307D}" dt="2021-08-29T10:24:11.048" v="6776" actId="20577"/>
-          <ac:spMkLst>
-            <pc:docMk/>
-            <pc:sldMk cId="3803932970" sldId="273"/>
-            <ac:spMk id="3" creationId="{588B000C-CCD7-42E0-A4A2-DB893ED55A0D}"/>
-          </ac:spMkLst>
-        </pc:spChg>
-        <pc:spChg chg="del">
-          <ac:chgData name="Li Lixiang" userId="6104bbfcb56aea79" providerId="LiveId" clId="{8F24DB6C-69C5-4C84-9714-7DFF6EE8307D}" dt="2021-08-29T10:18:33.285" v="6649" actId="478"/>
-          <ac:spMkLst>
-            <pc:docMk/>
-            <pc:sldMk cId="3803932970" sldId="273"/>
-            <ac:spMk id="9" creationId="{D69D23CF-F1DA-4295-93AF-7AE389D9FAD5}"/>
-          </ac:spMkLst>
-        </pc:spChg>
-        <pc:spChg chg="mod">
-          <ac:chgData name="Li Lixiang" userId="6104bbfcb56aea79" providerId="LiveId" clId="{8F24DB6C-69C5-4C84-9714-7DFF6EE8307D}" dt="2021-08-29T10:19:03.277" v="6669" actId="1076"/>
-          <ac:spMkLst>
-            <pc:docMk/>
-            <pc:sldMk cId="3803932970" sldId="273"/>
-            <ac:spMk id="12" creationId="{7CF83BD0-1E8A-4C33-B164-F3A7B7501F48}"/>
-          </ac:spMkLst>
-        </pc:spChg>
-        <pc:picChg chg="del">
-          <ac:chgData name="Li Lixiang" userId="6104bbfcb56aea79" providerId="LiveId" clId="{8F24DB6C-69C5-4C84-9714-7DFF6EE8307D}" dt="2021-08-29T10:18:29.922" v="6648" actId="478"/>
-          <ac:picMkLst>
-            <pc:docMk/>
-            <pc:sldMk cId="3803932970" sldId="273"/>
-            <ac:picMk id="8" creationId="{3B3EEE04-D859-42AC-B45C-C8A6C6917AEC}"/>
-          </ac:picMkLst>
-        </pc:picChg>
-        <pc:picChg chg="del">
-          <ac:chgData name="Li Lixiang" userId="6104bbfcb56aea79" providerId="LiveId" clId="{8F24DB6C-69C5-4C84-9714-7DFF6EE8307D}" dt="2021-08-29T10:18:28.625" v="6647" actId="478"/>
-          <ac:picMkLst>
-            <pc:docMk/>
-            <pc:sldMk cId="3803932970" sldId="273"/>
-            <ac:picMk id="11" creationId="{67148D06-B526-419D-BF1F-BC0867E3FC9E}"/>
-          </ac:picMkLst>
-        </pc:picChg>
-      </pc:sldChg>
-      <pc:sldChg chg="addSp delSp modSp new mod">
-        <pc:chgData name="Li Lixiang" userId="6104bbfcb56aea79" providerId="LiveId" clId="{8F24DB6C-69C5-4C84-9714-7DFF6EE8307D}" dt="2021-08-29T10:29:33.044" v="6864" actId="1076"/>
-        <pc:sldMkLst>
-          <pc:docMk/>
-          <pc:sldMk cId="2193788664" sldId="274"/>
-        </pc:sldMkLst>
-        <pc:spChg chg="mod">
-          <ac:chgData name="Li Lixiang" userId="6104bbfcb56aea79" providerId="LiveId" clId="{8F24DB6C-69C5-4C84-9714-7DFF6EE8307D}" dt="2021-08-29T10:28:06.778" v="6861" actId="20577"/>
-          <ac:spMkLst>
-            <pc:docMk/>
-            <pc:sldMk cId="2193788664" sldId="274"/>
-            <ac:spMk id="2" creationId="{9CC65AE6-846F-417A-B1D9-DC86107DA419}"/>
-          </ac:spMkLst>
-        </pc:spChg>
-        <pc:spChg chg="del">
-          <ac:chgData name="Li Lixiang" userId="6104bbfcb56aea79" providerId="LiveId" clId="{8F24DB6C-69C5-4C84-9714-7DFF6EE8307D}" dt="2021-08-29T10:27:59.021" v="6825" actId="478"/>
-          <ac:spMkLst>
-            <pc:docMk/>
-            <pc:sldMk cId="2193788664" sldId="274"/>
-            <ac:spMk id="3" creationId="{AA3EB68E-14A9-492B-8D79-0AC15C800A0A}"/>
-          </ac:spMkLst>
-        </pc:spChg>
-        <pc:picChg chg="add mod">
-          <ac:chgData name="Li Lixiang" userId="6104bbfcb56aea79" providerId="LiveId" clId="{8F24DB6C-69C5-4C84-9714-7DFF6EE8307D}" dt="2021-08-29T10:29:33.044" v="6864" actId="1076"/>
-          <ac:picMkLst>
-            <pc:docMk/>
-            <pc:sldMk cId="2193788664" sldId="274"/>
-            <ac:picMk id="5" creationId="{B96ABC31-2519-4062-81E6-C1C19154901B}"/>
-          </ac:picMkLst>
-        </pc:picChg>
-      </pc:sldChg>
-      <pc:sldChg chg="addSp delSp modSp new mod">
-        <pc:chgData name="Li Lixiang" userId="6104bbfcb56aea79" providerId="LiveId" clId="{8F24DB6C-69C5-4C84-9714-7DFF6EE8307D}" dt="2021-08-29T10:30:54.658" v="6899" actId="1076"/>
-        <pc:sldMkLst>
-          <pc:docMk/>
-          <pc:sldMk cId="3858086840" sldId="275"/>
-        </pc:sldMkLst>
-        <pc:spChg chg="mod">
-          <ac:chgData name="Li Lixiang" userId="6104bbfcb56aea79" providerId="LiveId" clId="{8F24DB6C-69C5-4C84-9714-7DFF6EE8307D}" dt="2021-08-29T10:29:48.093" v="6894" actId="20577"/>
-          <ac:spMkLst>
-            <pc:docMk/>
-            <pc:sldMk cId="3858086840" sldId="275"/>
-            <ac:spMk id="2" creationId="{DCA51698-9928-49FD-83D3-43434F53FE66}"/>
-          </ac:spMkLst>
-        </pc:spChg>
-        <pc:spChg chg="del">
-          <ac:chgData name="Li Lixiang" userId="6104bbfcb56aea79" providerId="LiveId" clId="{8F24DB6C-69C5-4C84-9714-7DFF6EE8307D}" dt="2021-08-29T10:30:52.052" v="6898" actId="478"/>
-          <ac:spMkLst>
-            <pc:docMk/>
-            <pc:sldMk cId="3858086840" sldId="275"/>
-            <ac:spMk id="3" creationId="{A4229903-4DFF-4D09-A439-983627884360}"/>
-          </ac:spMkLst>
-        </pc:spChg>
-        <pc:picChg chg="add mod">
-          <ac:chgData name="Li Lixiang" userId="6104bbfcb56aea79" providerId="LiveId" clId="{8F24DB6C-69C5-4C84-9714-7DFF6EE8307D}" dt="2021-08-29T10:30:54.658" v="6899" actId="1076"/>
-          <ac:picMkLst>
-            <pc:docMk/>
-            <pc:sldMk cId="3858086840" sldId="275"/>
-            <ac:picMk id="4" creationId="{0E33A63D-9AAA-4D95-9813-94418731CDA0}"/>
-          </ac:picMkLst>
-        </pc:picChg>
-      </pc:sldChg>
-    </pc:docChg>
-  </pc:docChgLst>
-  <pc:docChgLst>
     <pc:chgData name="Li Lixiang" userId="6104bbfcb56aea79" providerId="LiveId" clId="{EE734A7A-B3FC-4B3B-9CBC-7BD32C090A7F}"/>
     <pc:docChg chg="undo custSel addSld delSld modSld">
-      <pc:chgData name="Li Lixiang" userId="6104bbfcb56aea79" providerId="LiveId" clId="{EE734A7A-B3FC-4B3B-9CBC-7BD32C090A7F}" dt="2021-09-05T05:28:33.372" v="8527" actId="1036"/>
+      <pc:chgData name="Li Lixiang" userId="6104bbfcb56aea79" providerId="LiveId" clId="{EE734A7A-B3FC-4B3B-9CBC-7BD32C090A7F}" dt="2021-10-31T06:07:07.972" v="10225" actId="478"/>
       <pc:docMkLst>
         <pc:docMk/>
       </pc:docMkLst>
@@ -1473,7 +1477,7 @@
         </pc:sldMkLst>
       </pc:sldChg>
       <pc:sldChg chg="addSp delSp modSp mod">
-        <pc:chgData name="Li Lixiang" userId="6104bbfcb56aea79" providerId="LiveId" clId="{EE734A7A-B3FC-4B3B-9CBC-7BD32C090A7F}" dt="2021-08-31T02:37:33.905" v="257" actId="1076"/>
+        <pc:chgData name="Li Lixiang" userId="6104bbfcb56aea79" providerId="LiveId" clId="{EE734A7A-B3FC-4B3B-9CBC-7BD32C090A7F}" dt="2021-10-11T07:46:07.337" v="8529" actId="20577"/>
         <pc:sldMkLst>
           <pc:docMk/>
           <pc:sldMk cId="246451916" sldId="261"/>
@@ -1487,7 +1491,7 @@
           </ac:spMkLst>
         </pc:spChg>
         <pc:spChg chg="mod">
-          <ac:chgData name="Li Lixiang" userId="6104bbfcb56aea79" providerId="LiveId" clId="{EE734A7A-B3FC-4B3B-9CBC-7BD32C090A7F}" dt="2021-08-31T02:37:08.936" v="255" actId="20577"/>
+          <ac:chgData name="Li Lixiang" userId="6104bbfcb56aea79" providerId="LiveId" clId="{EE734A7A-B3FC-4B3B-9CBC-7BD32C090A7F}" dt="2021-10-11T07:46:07.337" v="8529" actId="20577"/>
           <ac:spMkLst>
             <pc:docMk/>
             <pc:sldMk cId="246451916" sldId="261"/>
@@ -1590,13 +1594,13 @@
         </pc:picChg>
       </pc:sldChg>
       <pc:sldChg chg="addSp delSp modSp mod">
-        <pc:chgData name="Li Lixiang" userId="6104bbfcb56aea79" providerId="LiveId" clId="{EE734A7A-B3FC-4B3B-9CBC-7BD32C090A7F}" dt="2021-09-01T03:50:09.283" v="6783" actId="20577"/>
+        <pc:chgData name="Li Lixiang" userId="6104bbfcb56aea79" providerId="LiveId" clId="{EE734A7A-B3FC-4B3B-9CBC-7BD32C090A7F}" dt="2021-10-25T07:07:57.521" v="10215" actId="27636"/>
         <pc:sldMkLst>
           <pc:docMk/>
           <pc:sldMk cId="1002109307" sldId="264"/>
         </pc:sldMkLst>
         <pc:spChg chg="mod">
-          <ac:chgData name="Li Lixiang" userId="6104bbfcb56aea79" providerId="LiveId" clId="{EE734A7A-B3FC-4B3B-9CBC-7BD32C090A7F}" dt="2021-09-01T03:48:59.589" v="6712" actId="1035"/>
+          <ac:chgData name="Li Lixiang" userId="6104bbfcb56aea79" providerId="LiveId" clId="{EE734A7A-B3FC-4B3B-9CBC-7BD32C090A7F}" dt="2021-10-11T08:05:18.029" v="8636" actId="14100"/>
           <ac:spMkLst>
             <pc:docMk/>
             <pc:sldMk cId="1002109307" sldId="264"/>
@@ -1636,7 +1640,7 @@
           </ac:spMkLst>
         </pc:spChg>
         <pc:spChg chg="add mod">
-          <ac:chgData name="Li Lixiang" userId="6104bbfcb56aea79" providerId="LiveId" clId="{EE734A7A-B3FC-4B3B-9CBC-7BD32C090A7F}" dt="2021-09-01T03:49:35.127" v="6722" actId="1035"/>
+          <ac:chgData name="Li Lixiang" userId="6104bbfcb56aea79" providerId="LiveId" clId="{EE734A7A-B3FC-4B3B-9CBC-7BD32C090A7F}" dt="2021-10-25T07:07:57.521" v="10215" actId="27636"/>
           <ac:spMkLst>
             <pc:docMk/>
             <pc:sldMk cId="1002109307" sldId="264"/>
@@ -1787,7 +1791,7 @@
         </pc:picChg>
       </pc:sldChg>
       <pc:sldChg chg="addSp delSp modSp mod">
-        <pc:chgData name="Li Lixiang" userId="6104bbfcb56aea79" providerId="LiveId" clId="{EE734A7A-B3FC-4B3B-9CBC-7BD32C090A7F}" dt="2021-09-01T02:56:55.282" v="6453" actId="27636"/>
+        <pc:chgData name="Li Lixiang" userId="6104bbfcb56aea79" providerId="LiveId" clId="{EE734A7A-B3FC-4B3B-9CBC-7BD32C090A7F}" dt="2021-10-25T08:17:01.853" v="10218" actId="27636"/>
         <pc:sldMkLst>
           <pc:docMk/>
           <pc:sldMk cId="447955575" sldId="267"/>
@@ -1817,7 +1821,7 @@
           </ac:spMkLst>
         </pc:spChg>
         <pc:spChg chg="add mod">
-          <ac:chgData name="Li Lixiang" userId="6104bbfcb56aea79" providerId="LiveId" clId="{EE734A7A-B3FC-4B3B-9CBC-7BD32C090A7F}" dt="2021-09-01T02:56:55.282" v="6453" actId="27636"/>
+          <ac:chgData name="Li Lixiang" userId="6104bbfcb56aea79" providerId="LiveId" clId="{EE734A7A-B3FC-4B3B-9CBC-7BD32C090A7F}" dt="2021-10-25T08:17:01.853" v="10218" actId="27636"/>
           <ac:spMkLst>
             <pc:docMk/>
             <pc:sldMk cId="447955575" sldId="267"/>
@@ -1873,7 +1877,7 @@
         </pc:picChg>
       </pc:sldChg>
       <pc:sldChg chg="addSp delSp modSp mod">
-        <pc:chgData name="Li Lixiang" userId="6104bbfcb56aea79" providerId="LiveId" clId="{EE734A7A-B3FC-4B3B-9CBC-7BD32C090A7F}" dt="2021-09-01T03:52:56.434" v="6860" actId="1076"/>
+        <pc:chgData name="Li Lixiang" userId="6104bbfcb56aea79" providerId="LiveId" clId="{EE734A7A-B3FC-4B3B-9CBC-7BD32C090A7F}" dt="2021-10-18T03:57:28.069" v="8868" actId="1076"/>
         <pc:sldMkLst>
           <pc:docMk/>
           <pc:sldMk cId="3325377252" sldId="269"/>
@@ -1895,7 +1899,7 @@
           </ac:spMkLst>
         </pc:spChg>
         <pc:spChg chg="mod">
-          <ac:chgData name="Li Lixiang" userId="6104bbfcb56aea79" providerId="LiveId" clId="{EE734A7A-B3FC-4B3B-9CBC-7BD32C090A7F}" dt="2021-09-01T03:52:56.434" v="6860" actId="1076"/>
+          <ac:chgData name="Li Lixiang" userId="6104bbfcb56aea79" providerId="LiveId" clId="{EE734A7A-B3FC-4B3B-9CBC-7BD32C090A7F}" dt="2021-10-18T03:55:48.456" v="8791" actId="1076"/>
           <ac:spMkLst>
             <pc:docMk/>
             <pc:sldMk cId="3325377252" sldId="269"/>
@@ -1903,11 +1907,35 @@
           </ac:spMkLst>
         </pc:spChg>
         <pc:spChg chg="add mod">
-          <ac:chgData name="Li Lixiang" userId="6104bbfcb56aea79" providerId="LiveId" clId="{EE734A7A-B3FC-4B3B-9CBC-7BD32C090A7F}" dt="2021-09-01T02:57:00.825" v="6460" actId="313"/>
+          <ac:chgData name="Li Lixiang" userId="6104bbfcb56aea79" providerId="LiveId" clId="{EE734A7A-B3FC-4B3B-9CBC-7BD32C090A7F}" dt="2021-10-18T03:55:56.935" v="8793" actId="14100"/>
           <ac:spMkLst>
             <pc:docMk/>
             <pc:sldMk cId="3325377252" sldId="269"/>
             <ac:spMk id="9" creationId="{C0D6D20A-D980-415D-9C71-29C2CC96FDEC}"/>
+          </ac:spMkLst>
+        </pc:spChg>
+        <pc:spChg chg="add mod">
+          <ac:chgData name="Li Lixiang" userId="6104bbfcb56aea79" providerId="LiveId" clId="{EE734A7A-B3FC-4B3B-9CBC-7BD32C090A7F}" dt="2021-10-18T03:56:53.106" v="8824" actId="1076"/>
+          <ac:spMkLst>
+            <pc:docMk/>
+            <pc:sldMk cId="3325377252" sldId="269"/>
+            <ac:spMk id="10" creationId="{126F08EC-B2EB-4674-A30C-6FCB8E60AD08}"/>
+          </ac:spMkLst>
+        </pc:spChg>
+        <pc:spChg chg="add mod">
+          <ac:chgData name="Li Lixiang" userId="6104bbfcb56aea79" providerId="LiveId" clId="{EE734A7A-B3FC-4B3B-9CBC-7BD32C090A7F}" dt="2021-10-18T03:57:04.204" v="8839" actId="20577"/>
+          <ac:spMkLst>
+            <pc:docMk/>
+            <pc:sldMk cId="3325377252" sldId="269"/>
+            <ac:spMk id="11" creationId="{4A6A10C5-E5BB-45E9-8E08-7D9985A02699}"/>
+          </ac:spMkLst>
+        </pc:spChg>
+        <pc:spChg chg="add mod">
+          <ac:chgData name="Li Lixiang" userId="6104bbfcb56aea79" providerId="LiveId" clId="{EE734A7A-B3FC-4B3B-9CBC-7BD32C090A7F}" dt="2021-10-18T03:57:28.069" v="8868" actId="1076"/>
+          <ac:spMkLst>
+            <pc:docMk/>
+            <pc:sldMk cId="3325377252" sldId="269"/>
+            <ac:spMk id="12" creationId="{FB381A94-F6DA-41ED-8B8F-200BC31F4934}"/>
           </ac:spMkLst>
         </pc:spChg>
         <pc:cxnChg chg="del mod">
@@ -1942,14 +1970,14 @@
           </ac:spMkLst>
         </pc:spChg>
       </pc:sldChg>
-      <pc:sldChg chg="addSp modSp mod">
-        <pc:chgData name="Li Lixiang" userId="6104bbfcb56aea79" providerId="LiveId" clId="{EE734A7A-B3FC-4B3B-9CBC-7BD32C090A7F}" dt="2021-09-01T02:57:08.754" v="6472" actId="313"/>
+      <pc:sldChg chg="addSp delSp modSp mod">
+        <pc:chgData name="Li Lixiang" userId="6104bbfcb56aea79" providerId="LiveId" clId="{EE734A7A-B3FC-4B3B-9CBC-7BD32C090A7F}" dt="2021-10-31T06:07:07.972" v="10225" actId="478"/>
         <pc:sldMkLst>
           <pc:docMk/>
           <pc:sldMk cId="3896331203" sldId="271"/>
         </pc:sldMkLst>
         <pc:spChg chg="mod">
-          <ac:chgData name="Li Lixiang" userId="6104bbfcb56aea79" providerId="LiveId" clId="{EE734A7A-B3FC-4B3B-9CBC-7BD32C090A7F}" dt="2021-09-01T02:57:08.754" v="6472" actId="313"/>
+          <ac:chgData name="Li Lixiang" userId="6104bbfcb56aea79" providerId="LiveId" clId="{EE734A7A-B3FC-4B3B-9CBC-7BD32C090A7F}" dt="2021-10-18T03:58:38.836" v="8909" actId="6549"/>
           <ac:spMkLst>
             <pc:docMk/>
             <pc:sldMk cId="3896331203" sldId="271"/>
@@ -1970,6 +1998,22 @@
             <pc:docMk/>
             <pc:sldMk cId="3896331203" sldId="271"/>
             <ac:spMk id="12" creationId="{CE645256-D4CD-4B0F-A831-409F97EE4FE7}"/>
+          </ac:spMkLst>
+        </pc:spChg>
+        <pc:spChg chg="add del mod">
+          <ac:chgData name="Li Lixiang" userId="6104bbfcb56aea79" providerId="LiveId" clId="{EE734A7A-B3FC-4B3B-9CBC-7BD32C090A7F}" dt="2021-10-31T06:07:07.972" v="10225" actId="478"/>
+          <ac:spMkLst>
+            <pc:docMk/>
+            <pc:sldMk cId="3896331203" sldId="271"/>
+            <ac:spMk id="13" creationId="{CBEF57EA-E7E6-400F-8A88-37B1D8FDF999}"/>
+          </ac:spMkLst>
+        </pc:spChg>
+        <pc:spChg chg="mod">
+          <ac:chgData name="Li Lixiang" userId="6104bbfcb56aea79" providerId="LiveId" clId="{EE734A7A-B3FC-4B3B-9CBC-7BD32C090A7F}" dt="2021-10-18T03:59:23.110" v="9041" actId="20577"/>
+          <ac:spMkLst>
+            <pc:docMk/>
+            <pc:sldMk cId="3896331203" sldId="271"/>
+            <ac:spMk id="20" creationId="{9284CE57-886B-46AA-979E-E14263453EEF}"/>
           </ac:spMkLst>
         </pc:spChg>
         <pc:cxnChg chg="add mod">
@@ -1980,9 +2024,17 @@
             <ac:cxnSpMk id="11" creationId="{DB91134C-BC05-4377-9762-F28D5A1428F0}"/>
           </ac:cxnSpMkLst>
         </pc:cxnChg>
+        <pc:cxnChg chg="mod">
+          <ac:chgData name="Li Lixiang" userId="6104bbfcb56aea79" providerId="LiveId" clId="{EE734A7A-B3FC-4B3B-9CBC-7BD32C090A7F}" dt="2021-10-18T03:58:45.133" v="8910" actId="14100"/>
+          <ac:cxnSpMkLst>
+            <pc:docMk/>
+            <pc:sldMk cId="3896331203" sldId="271"/>
+            <ac:cxnSpMk id="19" creationId="{07FA5892-DB64-4823-8015-A6BD3E36A6E4}"/>
+          </ac:cxnSpMkLst>
+        </pc:cxnChg>
       </pc:sldChg>
       <pc:sldChg chg="addSp delSp modSp mod">
-        <pc:chgData name="Li Lixiang" userId="6104bbfcb56aea79" providerId="LiveId" clId="{EE734A7A-B3FC-4B3B-9CBC-7BD32C090A7F}" dt="2021-09-01T02:57:02.192" v="6461" actId="313"/>
+        <pc:chgData name="Li Lixiang" userId="6104bbfcb56aea79" providerId="LiveId" clId="{EE734A7A-B3FC-4B3B-9CBC-7BD32C090A7F}" dt="2021-10-11T08:21:53.141" v="8681" actId="20577"/>
         <pc:sldMkLst>
           <pc:docMk/>
           <pc:sldMk cId="3979237761" sldId="272"/>
@@ -2004,7 +2056,7 @@
           </ac:spMkLst>
         </pc:spChg>
         <pc:spChg chg="mod">
-          <ac:chgData name="Li Lixiang" userId="6104bbfcb56aea79" providerId="LiveId" clId="{EE734A7A-B3FC-4B3B-9CBC-7BD32C090A7F}" dt="2021-09-01T02:57:02.192" v="6461" actId="313"/>
+          <ac:chgData name="Li Lixiang" userId="6104bbfcb56aea79" providerId="LiveId" clId="{EE734A7A-B3FC-4B3B-9CBC-7BD32C090A7F}" dt="2021-10-11T08:21:53.141" v="8681" actId="20577"/>
           <ac:spMkLst>
             <pc:docMk/>
             <pc:sldMk cId="3979237761" sldId="272"/>
@@ -2028,8 +2080,8 @@
           </ac:picMkLst>
         </pc:picChg>
       </pc:sldChg>
-      <pc:sldChg chg="modSp mod">
-        <pc:chgData name="Li Lixiang" userId="6104bbfcb56aea79" providerId="LiveId" clId="{EE734A7A-B3FC-4B3B-9CBC-7BD32C090A7F}" dt="2021-09-01T02:57:05.657" v="6466" actId="313"/>
+      <pc:sldChg chg="addSp delSp modSp mod">
+        <pc:chgData name="Li Lixiang" userId="6104bbfcb56aea79" providerId="LiveId" clId="{EE734A7A-B3FC-4B3B-9CBC-7BD32C090A7F}" dt="2021-10-31T06:06:56.915" v="10221" actId="21"/>
         <pc:sldMkLst>
           <pc:docMk/>
           <pc:sldMk cId="3803932970" sldId="273"/>
@@ -2043,7 +2095,23 @@
           </ac:spMkLst>
         </pc:spChg>
         <pc:spChg chg="mod">
-          <ac:chgData name="Li Lixiang" userId="6104bbfcb56aea79" providerId="LiveId" clId="{EE734A7A-B3FC-4B3B-9CBC-7BD32C090A7F}" dt="2021-09-01T02:57:05.657" v="6466" actId="313"/>
+          <ac:chgData name="Li Lixiang" userId="6104bbfcb56aea79" providerId="LiveId" clId="{EE734A7A-B3FC-4B3B-9CBC-7BD32C090A7F}" dt="2021-10-18T03:58:04.804" v="8880" actId="14100"/>
+          <ac:spMkLst>
+            <pc:docMk/>
+            <pc:sldMk cId="3803932970" sldId="273"/>
+            <ac:spMk id="3" creationId="{588B000C-CCD7-42E0-A4A2-DB893ED55A0D}"/>
+          </ac:spMkLst>
+        </pc:spChg>
+        <pc:spChg chg="add del mod">
+          <ac:chgData name="Li Lixiang" userId="6104bbfcb56aea79" providerId="LiveId" clId="{EE734A7A-B3FC-4B3B-9CBC-7BD32C090A7F}" dt="2021-10-31T06:06:56.915" v="10221" actId="21"/>
+          <ac:spMkLst>
+            <pc:docMk/>
+            <pc:sldMk cId="3803932970" sldId="273"/>
+            <ac:spMk id="5" creationId="{B00943F7-155A-40B4-8922-C427F989C91B}"/>
+          </ac:spMkLst>
+        </pc:spChg>
+        <pc:spChg chg="mod">
+          <ac:chgData name="Li Lixiang" userId="6104bbfcb56aea79" providerId="LiveId" clId="{EE734A7A-B3FC-4B3B-9CBC-7BD32C090A7F}" dt="2021-10-18T03:57:55.897" v="8879" actId="20577"/>
           <ac:spMkLst>
             <pc:docMk/>
             <pc:sldMk cId="3803932970" sldId="273"/>
@@ -2098,7 +2166,7 @@
         </pc:picChg>
       </pc:sldChg>
       <pc:sldChg chg="addSp delSp modSp new mod">
-        <pc:chgData name="Li Lixiang" userId="6104bbfcb56aea79" providerId="LiveId" clId="{EE734A7A-B3FC-4B3B-9CBC-7BD32C090A7F}" dt="2021-09-01T03:02:03.139" v="6653" actId="1036"/>
+        <pc:chgData name="Li Lixiang" userId="6104bbfcb56aea79" providerId="LiveId" clId="{EE734A7A-B3FC-4B3B-9CBC-7BD32C090A7F}" dt="2021-10-22T07:27:42.063" v="10211"/>
         <pc:sldMkLst>
           <pc:docMk/>
           <pc:sldMk cId="285818922" sldId="276"/>
@@ -2120,7 +2188,7 @@
           </ac:spMkLst>
         </pc:spChg>
         <pc:spChg chg="add mod">
-          <ac:chgData name="Li Lixiang" userId="6104bbfcb56aea79" providerId="LiveId" clId="{EE734A7A-B3FC-4B3B-9CBC-7BD32C090A7F}" dt="2021-09-01T03:01:55.933" v="6650" actId="1036"/>
+          <ac:chgData name="Li Lixiang" userId="6104bbfcb56aea79" providerId="LiveId" clId="{EE734A7A-B3FC-4B3B-9CBC-7BD32C090A7F}" dt="2021-10-11T07:47:00.731" v="8593" actId="1036"/>
           <ac:spMkLst>
             <pc:docMk/>
             <pc:sldMk cId="285818922" sldId="276"/>
@@ -2128,7 +2196,7 @@
           </ac:spMkLst>
         </pc:spChg>
         <pc:spChg chg="add mod">
-          <ac:chgData name="Li Lixiang" userId="6104bbfcb56aea79" providerId="LiveId" clId="{EE734A7A-B3FC-4B3B-9CBC-7BD32C090A7F}" dt="2021-09-01T03:02:03.139" v="6653" actId="1036"/>
+          <ac:chgData name="Li Lixiang" userId="6104bbfcb56aea79" providerId="LiveId" clId="{EE734A7A-B3FC-4B3B-9CBC-7BD32C090A7F}" dt="2021-10-22T07:27:42.063" v="10211"/>
           <ac:spMkLst>
             <pc:docMk/>
             <pc:sldMk cId="285818922" sldId="276"/>
@@ -2169,7 +2237,7 @@
         </pc:picChg>
       </pc:sldChg>
       <pc:sldChg chg="addSp delSp modSp add mod">
-        <pc:chgData name="Li Lixiang" userId="6104bbfcb56aea79" providerId="LiveId" clId="{EE734A7A-B3FC-4B3B-9CBC-7BD32C090A7F}" dt="2021-09-01T03:48:28.860" v="6681" actId="1035"/>
+        <pc:chgData name="Li Lixiang" userId="6104bbfcb56aea79" providerId="LiveId" clId="{EE734A7A-B3FC-4B3B-9CBC-7BD32C090A7F}" dt="2021-10-22T07:27:42.063" v="10211"/>
         <pc:sldMkLst>
           <pc:docMk/>
           <pc:sldMk cId="3827001385" sldId="277"/>
@@ -2215,7 +2283,7 @@
           </ac:spMkLst>
         </pc:spChg>
         <pc:spChg chg="add mod">
-          <ac:chgData name="Li Lixiang" userId="6104bbfcb56aea79" providerId="LiveId" clId="{EE734A7A-B3FC-4B3B-9CBC-7BD32C090A7F}" dt="2021-09-01T03:48:28.860" v="6681" actId="1035"/>
+          <ac:chgData name="Li Lixiang" userId="6104bbfcb56aea79" providerId="LiveId" clId="{EE734A7A-B3FC-4B3B-9CBC-7BD32C090A7F}" dt="2021-10-22T07:27:42.063" v="10211"/>
           <ac:spMkLst>
             <pc:docMk/>
             <pc:sldMk cId="3827001385" sldId="277"/>
@@ -2286,7 +2354,7 @@
         </pc:picChg>
       </pc:sldChg>
       <pc:sldChg chg="addSp delSp modSp new mod">
-        <pc:chgData name="Li Lixiang" userId="6104bbfcb56aea79" providerId="LiveId" clId="{EE734A7A-B3FC-4B3B-9CBC-7BD32C090A7F}" dt="2021-09-01T03:54:49.551" v="6956" actId="1035"/>
+        <pc:chgData name="Li Lixiang" userId="6104bbfcb56aea79" providerId="LiveId" clId="{EE734A7A-B3FC-4B3B-9CBC-7BD32C090A7F}" dt="2021-10-18T04:00:19.066" v="9054" actId="14100"/>
         <pc:sldMkLst>
           <pc:docMk/>
           <pc:sldMk cId="1661082993" sldId="279"/>
@@ -2308,7 +2376,7 @@
           </ac:spMkLst>
         </pc:spChg>
         <pc:spChg chg="add mod">
-          <ac:chgData name="Li Lixiang" userId="6104bbfcb56aea79" providerId="LiveId" clId="{EE734A7A-B3FC-4B3B-9CBC-7BD32C090A7F}" dt="2021-09-01T02:58:12.168" v="6502" actId="20577"/>
+          <ac:chgData name="Li Lixiang" userId="6104bbfcb56aea79" providerId="LiveId" clId="{EE734A7A-B3FC-4B3B-9CBC-7BD32C090A7F}" dt="2021-10-11T08:24:16.211" v="8700" actId="20577"/>
           <ac:spMkLst>
             <pc:docMk/>
             <pc:sldMk cId="1661082993" sldId="279"/>
@@ -2324,7 +2392,7 @@
           </ac:spMkLst>
         </pc:spChg>
         <pc:spChg chg="add mod">
-          <ac:chgData name="Li Lixiang" userId="6104bbfcb56aea79" providerId="LiveId" clId="{EE734A7A-B3FC-4B3B-9CBC-7BD32C090A7F}" dt="2021-09-01T03:00:47.141" v="6612" actId="20577"/>
+          <ac:chgData name="Li Lixiang" userId="6104bbfcb56aea79" providerId="LiveId" clId="{EE734A7A-B3FC-4B3B-9CBC-7BD32C090A7F}" dt="2021-10-18T04:00:19.066" v="9054" actId="14100"/>
           <ac:spMkLst>
             <pc:docMk/>
             <pc:sldMk cId="1661082993" sldId="279"/>
@@ -2332,7 +2400,7 @@
           </ac:spMkLst>
         </pc:spChg>
         <pc:spChg chg="add mod">
-          <ac:chgData name="Li Lixiang" userId="6104bbfcb56aea79" providerId="LiveId" clId="{EE734A7A-B3FC-4B3B-9CBC-7BD32C090A7F}" dt="2021-09-01T03:00:59.760" v="6613" actId="20577"/>
+          <ac:chgData name="Li Lixiang" userId="6104bbfcb56aea79" providerId="LiveId" clId="{EE734A7A-B3FC-4B3B-9CBC-7BD32C090A7F}" dt="2021-10-11T08:24:24.017" v="8710" actId="1038"/>
           <ac:spMkLst>
             <pc:docMk/>
             <pc:sldMk cId="1661082993" sldId="279"/>
@@ -2373,7 +2441,7 @@
         </pc:cxnChg>
       </pc:sldChg>
       <pc:sldChg chg="addSp delSp modSp add mod">
-        <pc:chgData name="Li Lixiang" userId="6104bbfcb56aea79" providerId="LiveId" clId="{EE734A7A-B3FC-4B3B-9CBC-7BD32C090A7F}" dt="2021-09-05T05:28:33.372" v="8527" actId="1036"/>
+        <pc:chgData name="Li Lixiang" userId="6104bbfcb56aea79" providerId="LiveId" clId="{EE734A7A-B3FC-4B3B-9CBC-7BD32C090A7F}" dt="2021-10-18T04:01:06.645" v="9094" actId="6549"/>
         <pc:sldMkLst>
           <pc:docMk/>
           <pc:sldMk cId="3408627816" sldId="280"/>
@@ -2395,7 +2463,7 @@
           </ac:spMkLst>
         </pc:spChg>
         <pc:spChg chg="add mod">
-          <ac:chgData name="Li Lixiang" userId="6104bbfcb56aea79" providerId="LiveId" clId="{EE734A7A-B3FC-4B3B-9CBC-7BD32C090A7F}" dt="2021-09-01T02:57:16.429" v="6484" actId="313"/>
+          <ac:chgData name="Li Lixiang" userId="6104bbfcb56aea79" providerId="LiveId" clId="{EE734A7A-B3FC-4B3B-9CBC-7BD32C090A7F}" dt="2021-10-18T04:00:50.089" v="9065" actId="20577"/>
           <ac:spMkLst>
             <pc:docMk/>
             <pc:sldMk cId="3408627816" sldId="280"/>
@@ -2403,7 +2471,7 @@
           </ac:spMkLst>
         </pc:spChg>
         <pc:spChg chg="add mod">
-          <ac:chgData name="Li Lixiang" userId="6104bbfcb56aea79" providerId="LiveId" clId="{EE734A7A-B3FC-4B3B-9CBC-7BD32C090A7F}" dt="2021-09-05T05:28:15.716" v="8492" actId="6549"/>
+          <ac:chgData name="Li Lixiang" userId="6104bbfcb56aea79" providerId="LiveId" clId="{EE734A7A-B3FC-4B3B-9CBC-7BD32C090A7F}" dt="2021-10-18T04:01:06.645" v="9094" actId="6549"/>
           <ac:spMkLst>
             <pc:docMk/>
             <pc:sldMk cId="3408627816" sldId="280"/>
@@ -2594,7 +2662,7 @@
         </pc:cxnChg>
       </pc:sldChg>
       <pc:sldChg chg="addSp delSp modSp add mod">
-        <pc:chgData name="Li Lixiang" userId="6104bbfcb56aea79" providerId="LiveId" clId="{EE734A7A-B3FC-4B3B-9CBC-7BD32C090A7F}" dt="2021-08-31T13:22:31.633" v="6243" actId="732"/>
+        <pc:chgData name="Li Lixiang" userId="6104bbfcb56aea79" providerId="LiveId" clId="{EE734A7A-B3FC-4B3B-9CBC-7BD32C090A7F}" dt="2021-10-18T04:09:07.675" v="9102" actId="1076"/>
         <pc:sldMkLst>
           <pc:docMk/>
           <pc:sldMk cId="1866813330" sldId="283"/>
@@ -2679,6 +2747,14 @@
             <ac:picMk id="4" creationId="{53EA6099-32D7-4199-9904-53C6AA5D5424}"/>
           </ac:picMkLst>
         </pc:picChg>
+        <pc:picChg chg="add mod ord modCrop">
+          <ac:chgData name="Li Lixiang" userId="6104bbfcb56aea79" providerId="LiveId" clId="{EE734A7A-B3FC-4B3B-9CBC-7BD32C090A7F}" dt="2021-10-18T04:09:07.675" v="9102" actId="1076"/>
+          <ac:picMkLst>
+            <pc:docMk/>
+            <pc:sldMk cId="1866813330" sldId="283"/>
+            <ac:picMk id="5" creationId="{06885BC6-7B8F-4373-A17F-3FADE6A8377B}"/>
+          </ac:picMkLst>
+        </pc:picChg>
         <pc:picChg chg="add mod modCrop">
           <ac:chgData name="Li Lixiang" userId="6104bbfcb56aea79" providerId="LiveId" clId="{EE734A7A-B3FC-4B3B-9CBC-7BD32C090A7F}" dt="2021-08-31T13:22:31.633" v="6243" actId="732"/>
           <ac:picMkLst>
@@ -2687,8 +2763,8 @@
             <ac:picMk id="6" creationId="{D5BB3636-B053-4CC3-8187-9F7BCE2B9EE0}"/>
           </ac:picMkLst>
         </pc:picChg>
-        <pc:picChg chg="add mod modCrop">
-          <ac:chgData name="Li Lixiang" userId="6104bbfcb56aea79" providerId="LiveId" clId="{EE734A7A-B3FC-4B3B-9CBC-7BD32C090A7F}" dt="2021-08-31T13:04:38.572" v="5921" actId="1076"/>
+        <pc:picChg chg="add del mod modCrop">
+          <ac:chgData name="Li Lixiang" userId="6104bbfcb56aea79" providerId="LiveId" clId="{EE734A7A-B3FC-4B3B-9CBC-7BD32C090A7F}" dt="2021-10-18T04:08:58.973" v="9100" actId="478"/>
           <ac:picMkLst>
             <pc:docMk/>
             <pc:sldMk cId="1866813330" sldId="283"/>
@@ -2727,6 +2803,29 @@
             <ac:cxnSpMk id="12" creationId="{41B76520-474D-4D44-B458-382761B8151E}"/>
           </ac:cxnSpMkLst>
         </pc:cxnChg>
+      </pc:sldChg>
+      <pc:sldChg chg="modSp new mod">
+        <pc:chgData name="Li Lixiang" userId="6104bbfcb56aea79" providerId="LiveId" clId="{EE734A7A-B3FC-4B3B-9CBC-7BD32C090A7F}" dt="2021-10-25T08:06:53.840" v="10216" actId="14100"/>
+        <pc:sldMkLst>
+          <pc:docMk/>
+          <pc:sldMk cId="1156804692" sldId="284"/>
+        </pc:sldMkLst>
+        <pc:spChg chg="mod">
+          <ac:chgData name="Li Lixiang" userId="6104bbfcb56aea79" providerId="LiveId" clId="{EE734A7A-B3FC-4B3B-9CBC-7BD32C090A7F}" dt="2021-10-22T04:05:09.596" v="10210" actId="1035"/>
+          <ac:spMkLst>
+            <pc:docMk/>
+            <pc:sldMk cId="1156804692" sldId="284"/>
+            <ac:spMk id="2" creationId="{5213419F-4234-4228-AFBC-310F70350ADC}"/>
+          </ac:spMkLst>
+        </pc:spChg>
+        <pc:spChg chg="mod">
+          <ac:chgData name="Li Lixiang" userId="6104bbfcb56aea79" providerId="LiveId" clId="{EE734A7A-B3FC-4B3B-9CBC-7BD32C090A7F}" dt="2021-10-25T08:06:53.840" v="10216" actId="14100"/>
+          <ac:spMkLst>
+            <pc:docMk/>
+            <pc:sldMk cId="1156804692" sldId="284"/>
+            <ac:spMk id="3" creationId="{D3EC5414-1DF9-4C68-BB33-B32A23F56491}"/>
+          </ac:spMkLst>
+        </pc:spChg>
       </pc:sldChg>
       <pc:sldChg chg="addSp modSp new del mod">
         <pc:chgData name="Li Lixiang" userId="6104bbfcb56aea79" providerId="LiveId" clId="{EE734A7A-B3FC-4B3B-9CBC-7BD32C090A7F}" dt="2021-09-02T09:45:20.872" v="8412" actId="47"/>
@@ -3109,6 +3208,440 @@
     </pc:docChg>
   </pc:docChgLst>
 </pc:chgInfo>
+</file>
+
+<file path=ppt/notesMasters/notesMaster1.xml><?xml version="1.0" encoding="utf-8"?>
+<p:notesMaster xmlns:a="http://schemas.openxmlformats.org/drawingml/2006/main" xmlns:r="http://schemas.openxmlformats.org/officeDocument/2006/relationships" xmlns:p="http://schemas.openxmlformats.org/presentationml/2006/main">
+  <p:cSld>
+    <p:bg>
+      <p:bgRef idx="1001">
+        <a:schemeClr val="bg1"/>
+      </p:bgRef>
+    </p:bg>
+    <p:spTree>
+      <p:nvGrpSpPr>
+        <p:cNvPr id="1" name=""/>
+        <p:cNvGrpSpPr/>
+        <p:nvPr/>
+      </p:nvGrpSpPr>
+      <p:grpSpPr>
+        <a:xfrm>
+          <a:off x="0" y="0"/>
+          <a:ext cx="0" cy="0"/>
+          <a:chOff x="0" y="0"/>
+          <a:chExt cx="0" cy="0"/>
+        </a:xfrm>
+      </p:grpSpPr>
+      <p:sp>
+        <p:nvSpPr>
+          <p:cNvPr id="2" name="Header Placeholder 1"/>
+          <p:cNvSpPr>
+            <a:spLocks noGrp="1"/>
+          </p:cNvSpPr>
+          <p:nvPr>
+            <p:ph type="hdr" sz="quarter"/>
+          </p:nvPr>
+        </p:nvSpPr>
+        <p:spPr>
+          <a:xfrm>
+            <a:off x="0" y="0"/>
+            <a:ext cx="2971800" cy="458788"/>
+          </a:xfrm>
+          <a:prstGeom prst="rect">
+            <a:avLst/>
+          </a:prstGeom>
+        </p:spPr>
+        <p:txBody>
+          <a:bodyPr vert="horz" lIns="91440" tIns="45720" rIns="91440" bIns="45720" rtlCol="0"/>
+          <a:lstStyle>
+            <a:lvl1pPr algn="l">
+              <a:defRPr sz="1200"/>
+            </a:lvl1pPr>
+          </a:lstStyle>
+          <a:p>
+            <a:endParaRPr lang="en-MY"/>
+          </a:p>
+        </p:txBody>
+      </p:sp>
+      <p:sp>
+        <p:nvSpPr>
+          <p:cNvPr id="3" name="Date Placeholder 2"/>
+          <p:cNvSpPr>
+            <a:spLocks noGrp="1"/>
+          </p:cNvSpPr>
+          <p:nvPr>
+            <p:ph type="dt" idx="1"/>
+          </p:nvPr>
+        </p:nvSpPr>
+        <p:spPr>
+          <a:xfrm>
+            <a:off x="3884613" y="0"/>
+            <a:ext cx="2971800" cy="458788"/>
+          </a:xfrm>
+          <a:prstGeom prst="rect">
+            <a:avLst/>
+          </a:prstGeom>
+        </p:spPr>
+        <p:txBody>
+          <a:bodyPr vert="horz" lIns="91440" tIns="45720" rIns="91440" bIns="45720" rtlCol="0"/>
+          <a:lstStyle>
+            <a:lvl1pPr algn="r">
+              <a:defRPr sz="1200"/>
+            </a:lvl1pPr>
+          </a:lstStyle>
+          <a:p>
+            <a:fld id="{0B54B2AE-8F5B-4F89-A3CD-2AC0407D60C4}" type="datetimeFigureOut">
+              <a:rPr lang="en-MY" smtClean="0"/>
+              <a:t>4/11/2021</a:t>
+            </a:fld>
+            <a:endParaRPr lang="en-MY"/>
+          </a:p>
+        </p:txBody>
+      </p:sp>
+      <p:sp>
+        <p:nvSpPr>
+          <p:cNvPr id="4" name="Slide Image Placeholder 3"/>
+          <p:cNvSpPr>
+            <a:spLocks noGrp="1" noRot="1" noChangeAspect="1"/>
+          </p:cNvSpPr>
+          <p:nvPr>
+            <p:ph type="sldImg" idx="2"/>
+          </p:nvPr>
+        </p:nvSpPr>
+        <p:spPr>
+          <a:xfrm>
+            <a:off x="685800" y="1143000"/>
+            <a:ext cx="5486400" cy="3086100"/>
+          </a:xfrm>
+          <a:prstGeom prst="rect">
+            <a:avLst/>
+          </a:prstGeom>
+          <a:noFill/>
+          <a:ln w="12700">
+            <a:solidFill>
+              <a:prstClr val="black"/>
+            </a:solidFill>
+          </a:ln>
+        </p:spPr>
+        <p:txBody>
+          <a:bodyPr vert="horz" lIns="91440" tIns="45720" rIns="91440" bIns="45720" rtlCol="0" anchor="ctr"/>
+          <a:lstStyle/>
+          <a:p>
+            <a:endParaRPr lang="en-MY"/>
+          </a:p>
+        </p:txBody>
+      </p:sp>
+      <p:sp>
+        <p:nvSpPr>
+          <p:cNvPr id="5" name="Notes Placeholder 4"/>
+          <p:cNvSpPr>
+            <a:spLocks noGrp="1"/>
+          </p:cNvSpPr>
+          <p:nvPr>
+            <p:ph type="body" sz="quarter" idx="3"/>
+          </p:nvPr>
+        </p:nvSpPr>
+        <p:spPr>
+          <a:xfrm>
+            <a:off x="685800" y="4400550"/>
+            <a:ext cx="5486400" cy="3600450"/>
+          </a:xfrm>
+          <a:prstGeom prst="rect">
+            <a:avLst/>
+          </a:prstGeom>
+        </p:spPr>
+        <p:txBody>
+          <a:bodyPr vert="horz" lIns="91440" tIns="45720" rIns="91440" bIns="45720" rtlCol="0"/>
+          <a:lstStyle/>
+          <a:p>
+            <a:pPr lvl="0"/>
+            <a:r>
+              <a:rPr lang="en-US"/>
+              <a:t>Click to edit Master text styles</a:t>
+            </a:r>
+          </a:p>
+          <a:p>
+            <a:pPr lvl="1"/>
+            <a:r>
+              <a:rPr lang="en-US"/>
+              <a:t>Second level</a:t>
+            </a:r>
+          </a:p>
+          <a:p>
+            <a:pPr lvl="2"/>
+            <a:r>
+              <a:rPr lang="en-US"/>
+              <a:t>Third level</a:t>
+            </a:r>
+          </a:p>
+          <a:p>
+            <a:pPr lvl="3"/>
+            <a:r>
+              <a:rPr lang="en-US"/>
+              <a:t>Fourth level</a:t>
+            </a:r>
+          </a:p>
+          <a:p>
+            <a:pPr lvl="4"/>
+            <a:r>
+              <a:rPr lang="en-US"/>
+              <a:t>Fifth level</a:t>
+            </a:r>
+            <a:endParaRPr lang="en-MY"/>
+          </a:p>
+        </p:txBody>
+      </p:sp>
+      <p:sp>
+        <p:nvSpPr>
+          <p:cNvPr id="6" name="Footer Placeholder 5"/>
+          <p:cNvSpPr>
+            <a:spLocks noGrp="1"/>
+          </p:cNvSpPr>
+          <p:nvPr>
+            <p:ph type="ftr" sz="quarter" idx="4"/>
+          </p:nvPr>
+        </p:nvSpPr>
+        <p:spPr>
+          <a:xfrm>
+            <a:off x="0" y="8685213"/>
+            <a:ext cx="2971800" cy="458787"/>
+          </a:xfrm>
+          <a:prstGeom prst="rect">
+            <a:avLst/>
+          </a:prstGeom>
+        </p:spPr>
+        <p:txBody>
+          <a:bodyPr vert="horz" lIns="91440" tIns="45720" rIns="91440" bIns="45720" rtlCol="0" anchor="b"/>
+          <a:lstStyle>
+            <a:lvl1pPr algn="l">
+              <a:defRPr sz="1200"/>
+            </a:lvl1pPr>
+          </a:lstStyle>
+          <a:p>
+            <a:endParaRPr lang="en-MY"/>
+          </a:p>
+        </p:txBody>
+      </p:sp>
+      <p:sp>
+        <p:nvSpPr>
+          <p:cNvPr id="7" name="Slide Number Placeholder 6"/>
+          <p:cNvSpPr>
+            <a:spLocks noGrp="1"/>
+          </p:cNvSpPr>
+          <p:nvPr>
+            <p:ph type="sldNum" sz="quarter" idx="5"/>
+          </p:nvPr>
+        </p:nvSpPr>
+        <p:spPr>
+          <a:xfrm>
+            <a:off x="3884613" y="8685213"/>
+            <a:ext cx="2971800" cy="458787"/>
+          </a:xfrm>
+          <a:prstGeom prst="rect">
+            <a:avLst/>
+          </a:prstGeom>
+        </p:spPr>
+        <p:txBody>
+          <a:bodyPr vert="horz" lIns="91440" tIns="45720" rIns="91440" bIns="45720" rtlCol="0" anchor="b"/>
+          <a:lstStyle>
+            <a:lvl1pPr algn="r">
+              <a:defRPr sz="1200"/>
+            </a:lvl1pPr>
+          </a:lstStyle>
+          <a:p>
+            <a:fld id="{628B7394-69E4-4799-916E-360ED809887D}" type="slidenum">
+              <a:rPr lang="en-MY" smtClean="0"/>
+              <a:t>‹#›</a:t>
+            </a:fld>
+            <a:endParaRPr lang="en-MY"/>
+          </a:p>
+        </p:txBody>
+      </p:sp>
+    </p:spTree>
+    <p:extLst>
+      <p:ext uri="{BB962C8B-B14F-4D97-AF65-F5344CB8AC3E}">
+        <p14:creationId xmlns:p14="http://schemas.microsoft.com/office/powerpoint/2010/main" val="704042019"/>
+      </p:ext>
+    </p:extLst>
+  </p:cSld>
+  <p:clrMap bg1="lt1" tx1="dk1" bg2="lt2" tx2="dk2" accent1="accent1" accent2="accent2" accent3="accent3" accent4="accent4" accent5="accent5" accent6="accent6" hlink="hlink" folHlink="folHlink"/>
+  <p:notesStyle>
+    <a:lvl1pPr marL="0" algn="l" defTabSz="914400" rtl="0" eaLnBrk="1" latinLnBrk="0" hangingPunct="1">
+      <a:defRPr sz="1200" kern="1200">
+        <a:solidFill>
+          <a:schemeClr val="tx1"/>
+        </a:solidFill>
+        <a:latin typeface="+mn-lt"/>
+        <a:ea typeface="+mn-ea"/>
+        <a:cs typeface="+mn-cs"/>
+      </a:defRPr>
+    </a:lvl1pPr>
+    <a:lvl2pPr marL="457200" algn="l" defTabSz="914400" rtl="0" eaLnBrk="1" latinLnBrk="0" hangingPunct="1">
+      <a:defRPr sz="1200" kern="1200">
+        <a:solidFill>
+          <a:schemeClr val="tx1"/>
+        </a:solidFill>
+        <a:latin typeface="+mn-lt"/>
+        <a:ea typeface="+mn-ea"/>
+        <a:cs typeface="+mn-cs"/>
+      </a:defRPr>
+    </a:lvl2pPr>
+    <a:lvl3pPr marL="914400" algn="l" defTabSz="914400" rtl="0" eaLnBrk="1" latinLnBrk="0" hangingPunct="1">
+      <a:defRPr sz="1200" kern="1200">
+        <a:solidFill>
+          <a:schemeClr val="tx1"/>
+        </a:solidFill>
+        <a:latin typeface="+mn-lt"/>
+        <a:ea typeface="+mn-ea"/>
+        <a:cs typeface="+mn-cs"/>
+      </a:defRPr>
+    </a:lvl3pPr>
+    <a:lvl4pPr marL="1371600" algn="l" defTabSz="914400" rtl="0" eaLnBrk="1" latinLnBrk="0" hangingPunct="1">
+      <a:defRPr sz="1200" kern="1200">
+        <a:solidFill>
+          <a:schemeClr val="tx1"/>
+        </a:solidFill>
+        <a:latin typeface="+mn-lt"/>
+        <a:ea typeface="+mn-ea"/>
+        <a:cs typeface="+mn-cs"/>
+      </a:defRPr>
+    </a:lvl4pPr>
+    <a:lvl5pPr marL="1828800" algn="l" defTabSz="914400" rtl="0" eaLnBrk="1" latinLnBrk="0" hangingPunct="1">
+      <a:defRPr sz="1200" kern="1200">
+        <a:solidFill>
+          <a:schemeClr val="tx1"/>
+        </a:solidFill>
+        <a:latin typeface="+mn-lt"/>
+        <a:ea typeface="+mn-ea"/>
+        <a:cs typeface="+mn-cs"/>
+      </a:defRPr>
+    </a:lvl5pPr>
+    <a:lvl6pPr marL="2286000" algn="l" defTabSz="914400" rtl="0" eaLnBrk="1" latinLnBrk="0" hangingPunct="1">
+      <a:defRPr sz="1200" kern="1200">
+        <a:solidFill>
+          <a:schemeClr val="tx1"/>
+        </a:solidFill>
+        <a:latin typeface="+mn-lt"/>
+        <a:ea typeface="+mn-ea"/>
+        <a:cs typeface="+mn-cs"/>
+      </a:defRPr>
+    </a:lvl6pPr>
+    <a:lvl7pPr marL="2743200" algn="l" defTabSz="914400" rtl="0" eaLnBrk="1" latinLnBrk="0" hangingPunct="1">
+      <a:defRPr sz="1200" kern="1200">
+        <a:solidFill>
+          <a:schemeClr val="tx1"/>
+        </a:solidFill>
+        <a:latin typeface="+mn-lt"/>
+        <a:ea typeface="+mn-ea"/>
+        <a:cs typeface="+mn-cs"/>
+      </a:defRPr>
+    </a:lvl7pPr>
+    <a:lvl8pPr marL="3200400" algn="l" defTabSz="914400" rtl="0" eaLnBrk="1" latinLnBrk="0" hangingPunct="1">
+      <a:defRPr sz="1200" kern="1200">
+        <a:solidFill>
+          <a:schemeClr val="tx1"/>
+        </a:solidFill>
+        <a:latin typeface="+mn-lt"/>
+        <a:ea typeface="+mn-ea"/>
+        <a:cs typeface="+mn-cs"/>
+      </a:defRPr>
+    </a:lvl8pPr>
+    <a:lvl9pPr marL="3657600" algn="l" defTabSz="914400" rtl="0" eaLnBrk="1" latinLnBrk="0" hangingPunct="1">
+      <a:defRPr sz="1200" kern="1200">
+        <a:solidFill>
+          <a:schemeClr val="tx1"/>
+        </a:solidFill>
+        <a:latin typeface="+mn-lt"/>
+        <a:ea typeface="+mn-ea"/>
+        <a:cs typeface="+mn-cs"/>
+      </a:defRPr>
+    </a:lvl9pPr>
+  </p:notesStyle>
+</p:notesMaster>
+</file>
+
+<file path=ppt/notesSlides/notesSlide1.xml><?xml version="1.0" encoding="utf-8"?>
+<p:notes xmlns:a="http://schemas.openxmlformats.org/drawingml/2006/main" xmlns:r="http://schemas.openxmlformats.org/officeDocument/2006/relationships" xmlns:p="http://schemas.openxmlformats.org/presentationml/2006/main">
+  <p:cSld>
+    <p:spTree>
+      <p:nvGrpSpPr>
+        <p:cNvPr id="1" name=""/>
+        <p:cNvGrpSpPr/>
+        <p:nvPr/>
+      </p:nvGrpSpPr>
+      <p:grpSpPr>
+        <a:xfrm>
+          <a:off x="0" y="0"/>
+          <a:ext cx="0" cy="0"/>
+          <a:chOff x="0" y="0"/>
+          <a:chExt cx="0" cy="0"/>
+        </a:xfrm>
+      </p:grpSpPr>
+      <p:sp>
+        <p:nvSpPr>
+          <p:cNvPr id="2" name="Slide Image Placeholder 1"/>
+          <p:cNvSpPr>
+            <a:spLocks noGrp="1" noRot="1" noChangeAspect="1"/>
+          </p:cNvSpPr>
+          <p:nvPr>
+            <p:ph type="sldImg"/>
+          </p:nvPr>
+        </p:nvSpPr>
+        <p:spPr/>
+      </p:sp>
+      <p:sp>
+        <p:nvSpPr>
+          <p:cNvPr id="3" name="Notes Placeholder 2"/>
+          <p:cNvSpPr>
+            <a:spLocks noGrp="1"/>
+          </p:cNvSpPr>
+          <p:nvPr>
+            <p:ph type="body" idx="1"/>
+          </p:nvPr>
+        </p:nvSpPr>
+        <p:spPr/>
+        <p:txBody>
+          <a:bodyPr/>
+          <a:lstStyle/>
+          <a:p>
+            <a:endParaRPr lang="en-MY" dirty="0"/>
+          </a:p>
+        </p:txBody>
+      </p:sp>
+      <p:sp>
+        <p:nvSpPr>
+          <p:cNvPr id="4" name="Slide Number Placeholder 3"/>
+          <p:cNvSpPr>
+            <a:spLocks noGrp="1"/>
+          </p:cNvSpPr>
+          <p:nvPr>
+            <p:ph type="sldNum" sz="quarter" idx="5"/>
+          </p:nvPr>
+        </p:nvSpPr>
+        <p:spPr/>
+        <p:txBody>
+          <a:bodyPr/>
+          <a:lstStyle/>
+          <a:p>
+            <a:fld id="{628B7394-69E4-4799-916E-360ED809887D}" type="slidenum">
+              <a:rPr lang="en-MY" smtClean="0"/>
+              <a:t>14</a:t>
+            </a:fld>
+            <a:endParaRPr lang="en-MY"/>
+          </a:p>
+        </p:txBody>
+      </p:sp>
+    </p:spTree>
+    <p:extLst>
+      <p:ext uri="{BB962C8B-B14F-4D97-AF65-F5344CB8AC3E}">
+        <p14:creationId xmlns:p14="http://schemas.microsoft.com/office/powerpoint/2010/main" val="2243442533"/>
+      </p:ext>
+    </p:extLst>
+  </p:cSld>
+  <p:clrMapOvr>
+    <a:masterClrMapping/>
+  </p:clrMapOvr>
+</p:notes>
 </file>
 
 <file path=ppt/slideLayouts/slideLayout1.xml><?xml version="1.0" encoding="utf-8"?>
@@ -3516,7 +4049,7 @@
             <a:fld id="{A5B0A250-5CC0-1746-B209-08E8B0DAE6AF}" type="datetimeFigureOut">
               <a:rPr lang="en-US" smtClean="0"/>
               <a:pPr algn="l"/>
-              <a:t>9/5/2021</a:t>
+              <a:t>11/4/2021</a:t>
             </a:fld>
             <a:endParaRPr lang="en-US" dirty="0"/>
           </a:p>
@@ -3695,7 +4228,7 @@
           <a:p>
             <a:fld id="{A5B0A250-5CC0-1746-B209-08E8B0DAE6AF}" type="datetimeFigureOut">
               <a:rPr lang="en-US" smtClean="0"/>
-              <a:t>9/5/2021</a:t>
+              <a:t>11/4/2021</a:t>
             </a:fld>
             <a:endParaRPr lang="en-US" dirty="0"/>
           </a:p>
@@ -3875,7 +4408,7 @@
           <a:p>
             <a:fld id="{A5B0A250-5CC0-1746-B209-08E8B0DAE6AF}" type="datetimeFigureOut">
               <a:rPr lang="en-US" smtClean="0"/>
-              <a:t>9/5/2021</a:t>
+              <a:t>11/4/2021</a:t>
             </a:fld>
             <a:endParaRPr lang="en-US"/>
           </a:p>
@@ -4045,7 +4578,7 @@
           <a:p>
             <a:fld id="{A5B0A250-5CC0-1746-B209-08E8B0DAE6AF}" type="datetimeFigureOut">
               <a:rPr lang="en-US" smtClean="0"/>
-              <a:t>9/5/2021</a:t>
+              <a:t>11/4/2021</a:t>
             </a:fld>
             <a:endParaRPr lang="en-US" dirty="0"/>
           </a:p>
@@ -4358,7 +4891,7 @@
           <a:p>
             <a:fld id="{A5B0A250-5CC0-1746-B209-08E8B0DAE6AF}" type="datetimeFigureOut">
               <a:rPr lang="en-US" smtClean="0"/>
-              <a:t>9/5/2021</a:t>
+              <a:t>11/4/2021</a:t>
             </a:fld>
             <a:endParaRPr lang="en-US" dirty="0"/>
           </a:p>
@@ -4744,7 +5277,7 @@
           <a:p>
             <a:fld id="{A5B0A250-5CC0-1746-B209-08E8B0DAE6AF}" type="datetimeFigureOut">
               <a:rPr lang="en-US" smtClean="0"/>
-              <a:t>9/5/2021</a:t>
+              <a:t>11/4/2021</a:t>
             </a:fld>
             <a:endParaRPr lang="en-US" dirty="0"/>
           </a:p>
@@ -5178,7 +5711,7 @@
           <a:p>
             <a:fld id="{A5B0A250-5CC0-1746-B209-08E8B0DAE6AF}" type="datetimeFigureOut">
               <a:rPr lang="en-US" smtClean="0"/>
-              <a:t>9/5/2021</a:t>
+              <a:t>11/4/2021</a:t>
             </a:fld>
             <a:endParaRPr lang="en-US" dirty="0"/>
           </a:p>
@@ -5296,7 +5829,7 @@
           <a:p>
             <a:fld id="{A5B0A250-5CC0-1746-B209-08E8B0DAE6AF}" type="datetimeFigureOut">
               <a:rPr lang="en-US" smtClean="0"/>
-              <a:t>9/5/2021</a:t>
+              <a:t>11/4/2021</a:t>
             </a:fld>
             <a:endParaRPr lang="en-US" dirty="0"/>
           </a:p>
@@ -5392,7 +5925,7 @@
             <a:fld id="{A5B0A250-5CC0-1746-B209-08E8B0DAE6AF}" type="datetimeFigureOut">
               <a:rPr lang="en-US" smtClean="0"/>
               <a:pPr/>
-              <a:t>9/5/2021</a:t>
+              <a:t>11/4/2021</a:t>
             </a:fld>
             <a:endParaRPr lang="en-US" dirty="0"/>
           </a:p>
@@ -5743,7 +6276,7 @@
           <a:p>
             <a:fld id="{A5B0A250-5CC0-1746-B209-08E8B0DAE6AF}" type="datetimeFigureOut">
               <a:rPr lang="en-US" smtClean="0"/>
-              <a:t>9/5/2021</a:t>
+              <a:t>11/4/2021</a:t>
             </a:fld>
             <a:endParaRPr lang="en-US" dirty="0"/>
           </a:p>
@@ -6168,7 +6701,7 @@
           <a:p>
             <a:fld id="{A5B0A250-5CC0-1746-B209-08E8B0DAE6AF}" type="datetimeFigureOut">
               <a:rPr lang="en-US" smtClean="0"/>
-              <a:t>9/5/2021</a:t>
+              <a:t>11/4/2021</a:t>
             </a:fld>
             <a:endParaRPr lang="en-US" dirty="0"/>
           </a:p>
@@ -6450,7 +6983,7 @@
             <a:fld id="{A5B0A250-5CC0-1746-B209-08E8B0DAE6AF}" type="datetimeFigureOut">
               <a:rPr lang="en-US" smtClean="0"/>
               <a:pPr/>
-              <a:t>9/5/2021</a:t>
+              <a:t>11/4/2021</a:t>
             </a:fld>
             <a:endParaRPr lang="en-US" dirty="0"/>
           </a:p>
@@ -7609,8 +8142,8 @@
         </p:nvSpPr>
         <p:spPr>
           <a:xfrm>
-            <a:off x="1069848" y="1779651"/>
-            <a:ext cx="10058400" cy="1811274"/>
+            <a:off x="1069848" y="2121408"/>
+            <a:ext cx="10058400" cy="3249582"/>
           </a:xfrm>
         </p:spPr>
         <p:txBody>
@@ -7650,33 +8183,17 @@
             <a:pPr lvl="1"/>
             <a:r>
               <a:rPr lang="en-US" dirty="0"/>
-              <a:t>Add a new file </a:t>
-            </a:r>
-            <a:r>
-              <a:rPr lang="en-US" dirty="0" err="1"/>
-              <a:t>QuestionApp</a:t>
-            </a:r>
-            <a:r>
-              <a:rPr lang="en-US" dirty="0"/>
-              <a:t>/templates/</a:t>
-            </a:r>
-            <a:r>
-              <a:rPr lang="en-US" dirty="0" err="1"/>
-              <a:t>QuestionApp</a:t>
-            </a:r>
-            <a:r>
-              <a:rPr lang="en-US" dirty="0"/>
-              <a:t>/detail.html</a:t>
+              <a:t>Add a new view in QuestionApp/views.py</a:t>
             </a:r>
           </a:p>
         </p:txBody>
       </p:sp>
       <p:pic>
         <p:nvPicPr>
-          <p:cNvPr id="5" name="Picture 4">
+          <p:cNvPr id="6" name="Picture 5">
             <a:extLst>
               <a:ext uri="{FF2B5EF4-FFF2-40B4-BE49-F238E27FC236}">
-                <a16:creationId xmlns:a16="http://schemas.microsoft.com/office/drawing/2014/main" id="{CAE83526-1160-4579-B795-84EA46DD77D3}"/>
+                <a16:creationId xmlns:a16="http://schemas.microsoft.com/office/drawing/2014/main" id="{48829AA1-82CE-4664-9744-5B283EA2DD6D}"/>
               </a:ext>
             </a:extLst>
           </p:cNvPr>
@@ -7693,8 +8210,8 @@
         </p:blipFill>
         <p:spPr>
           <a:xfrm>
-            <a:off x="4185914" y="2938206"/>
-            <a:ext cx="4639322" cy="3667637"/>
+            <a:off x="2333256" y="3347906"/>
+            <a:ext cx="5277587" cy="1876687"/>
           </a:xfrm>
           <a:prstGeom prst="rect">
             <a:avLst/>
@@ -7704,7 +8221,7 @@
     </p:spTree>
     <p:extLst>
       <p:ext uri="{BB962C8B-B14F-4D97-AF65-F5344CB8AC3E}">
-        <p14:creationId xmlns:p14="http://schemas.microsoft.com/office/powerpoint/2010/main" val="2803815402"/>
+        <p14:creationId xmlns:p14="http://schemas.microsoft.com/office/powerpoint/2010/main" val="3221177523"/>
       </p:ext>
     </p:extLst>
   </p:cSld>
@@ -7754,6 +8271,175 @@
           <a:p>
             <a:r>
               <a:rPr lang="en-US" dirty="0"/>
+              <a:t>Add new template/view for detail</a:t>
+            </a:r>
+            <a:endParaRPr lang="en-MY" dirty="0"/>
+          </a:p>
+        </p:txBody>
+      </p:sp>
+      <p:sp>
+        <p:nvSpPr>
+          <p:cNvPr id="3" name="Content Placeholder 2">
+            <a:extLst>
+              <a:ext uri="{FF2B5EF4-FFF2-40B4-BE49-F238E27FC236}">
+                <a16:creationId xmlns:a16="http://schemas.microsoft.com/office/drawing/2014/main" id="{588B000C-CCD7-42E0-A4A2-DB893ED55A0D}"/>
+              </a:ext>
+            </a:extLst>
+          </p:cNvPr>
+          <p:cNvSpPr>
+            <a:spLocks noGrp="1"/>
+          </p:cNvSpPr>
+          <p:nvPr>
+            <p:ph idx="1"/>
+          </p:nvPr>
+        </p:nvSpPr>
+        <p:spPr>
+          <a:xfrm>
+            <a:off x="1069848" y="1779651"/>
+            <a:ext cx="10058400" cy="1811274"/>
+          </a:xfrm>
+        </p:spPr>
+        <p:txBody>
+          <a:bodyPr>
+            <a:normAutofit/>
+          </a:bodyPr>
+          <a:lstStyle/>
+          <a:p>
+            <a:r>
+              <a:rPr lang="en-US" dirty="0"/>
+              <a:t>We already added the </a:t>
+            </a:r>
+            <a:r>
+              <a:rPr lang="en-US" dirty="0" err="1"/>
+              <a:t>question_detail</a:t>
+            </a:r>
+            <a:r>
+              <a:rPr lang="en-US" dirty="0"/>
+              <a:t> </a:t>
+            </a:r>
+            <a:r>
+              <a:rPr lang="en-US" dirty="0" err="1"/>
+              <a:t>url</a:t>
+            </a:r>
+            <a:r>
+              <a:rPr lang="en-US" dirty="0"/>
+              <a:t> config in urls.py </a:t>
+            </a:r>
+          </a:p>
+          <a:p>
+            <a:r>
+              <a:rPr lang="en-US" dirty="0"/>
+              <a:t>Now need add template and view:</a:t>
+            </a:r>
+          </a:p>
+          <a:p>
+            <a:pPr lvl="1"/>
+            <a:r>
+              <a:rPr lang="en-US" dirty="0"/>
+              <a:t>Add a new file </a:t>
+            </a:r>
+            <a:r>
+              <a:rPr lang="en-US" dirty="0" err="1"/>
+              <a:t>QuestionApp</a:t>
+            </a:r>
+            <a:r>
+              <a:rPr lang="en-US" dirty="0"/>
+              <a:t>/templates/</a:t>
+            </a:r>
+            <a:r>
+              <a:rPr lang="en-US" dirty="0" err="1"/>
+              <a:t>QuestionApp</a:t>
+            </a:r>
+            <a:r>
+              <a:rPr lang="en-US" dirty="0"/>
+              <a:t>/detail.html</a:t>
+            </a:r>
+          </a:p>
+        </p:txBody>
+      </p:sp>
+      <p:pic>
+        <p:nvPicPr>
+          <p:cNvPr id="5" name="Picture 4">
+            <a:extLst>
+              <a:ext uri="{FF2B5EF4-FFF2-40B4-BE49-F238E27FC236}">
+                <a16:creationId xmlns:a16="http://schemas.microsoft.com/office/drawing/2014/main" id="{CAE83526-1160-4579-B795-84EA46DD77D3}"/>
+              </a:ext>
+            </a:extLst>
+          </p:cNvPr>
+          <p:cNvPicPr>
+            <a:picLocks noChangeAspect="1"/>
+          </p:cNvPicPr>
+          <p:nvPr/>
+        </p:nvPicPr>
+        <p:blipFill>
+          <a:blip r:embed="rId2"/>
+          <a:stretch>
+            <a:fillRect/>
+          </a:stretch>
+        </p:blipFill>
+        <p:spPr>
+          <a:xfrm>
+            <a:off x="4185914" y="2938206"/>
+            <a:ext cx="4639322" cy="3667637"/>
+          </a:xfrm>
+          <a:prstGeom prst="rect">
+            <a:avLst/>
+          </a:prstGeom>
+        </p:spPr>
+      </p:pic>
+    </p:spTree>
+    <p:extLst>
+      <p:ext uri="{BB962C8B-B14F-4D97-AF65-F5344CB8AC3E}">
+        <p14:creationId xmlns:p14="http://schemas.microsoft.com/office/powerpoint/2010/main" val="2803815402"/>
+      </p:ext>
+    </p:extLst>
+  </p:cSld>
+  <p:clrMapOvr>
+    <a:masterClrMapping/>
+  </p:clrMapOvr>
+</p:sld>
+</file>
+
+<file path=ppt/slides/slide12.xml><?xml version="1.0" encoding="utf-8"?>
+<p:sld xmlns:a="http://schemas.openxmlformats.org/drawingml/2006/main" xmlns:r="http://schemas.openxmlformats.org/officeDocument/2006/relationships" xmlns:p="http://schemas.openxmlformats.org/presentationml/2006/main">
+  <p:cSld>
+    <p:spTree>
+      <p:nvGrpSpPr>
+        <p:cNvPr id="1" name=""/>
+        <p:cNvGrpSpPr/>
+        <p:nvPr/>
+      </p:nvGrpSpPr>
+      <p:grpSpPr>
+        <a:xfrm>
+          <a:off x="0" y="0"/>
+          <a:ext cx="0" cy="0"/>
+          <a:chOff x="0" y="0"/>
+          <a:chExt cx="0" cy="0"/>
+        </a:xfrm>
+      </p:grpSpPr>
+      <p:sp>
+        <p:nvSpPr>
+          <p:cNvPr id="2" name="Title 1">
+            <a:extLst>
+              <a:ext uri="{FF2B5EF4-FFF2-40B4-BE49-F238E27FC236}">
+                <a16:creationId xmlns:a16="http://schemas.microsoft.com/office/drawing/2014/main" id="{5A817F65-0249-4813-916F-D22CF5F41D8C}"/>
+              </a:ext>
+            </a:extLst>
+          </p:cNvPr>
+          <p:cNvSpPr>
+            <a:spLocks noGrp="1"/>
+          </p:cNvSpPr>
+          <p:nvPr>
+            <p:ph type="title"/>
+          </p:nvPr>
+        </p:nvSpPr>
+        <p:spPr/>
+        <p:txBody>
+          <a:bodyPr/>
+          <a:lstStyle/>
+          <a:p>
+            <a:r>
+              <a:rPr lang="en-US" dirty="0"/>
               <a:t>Check the app with your browser</a:t>
             </a:r>
             <a:endParaRPr lang="en-MY" dirty="0"/>
@@ -7816,7 +8502,7 @@
         <p:spPr>
           <a:xfrm>
             <a:off x="3256254" y="2675953"/>
-            <a:ext cx="2839746" cy="369332"/>
+            <a:ext cx="4668546" cy="369332"/>
           </a:xfrm>
           <a:prstGeom prst="rect">
             <a:avLst/>
@@ -7824,7 +8510,7 @@
         </p:spPr>
         <p:txBody>
           <a:bodyPr vert="horz" lIns="91440" tIns="45720" rIns="91440" bIns="45720" rtlCol="0">
-            <a:normAutofit fontScale="92500"/>
+            <a:normAutofit/>
           </a:bodyPr>
           <a:lstStyle>
             <a:lvl1pPr marL="182880" indent="-182880" algn="l" defTabSz="914400" rtl="0" eaLnBrk="1" latinLnBrk="0" hangingPunct="1">
@@ -8077,7 +8763,21 @@
                 <a:latin typeface="Cascadia Mono" pitchFamily="50" charset="0"/>
                 <a:cs typeface="Cascadia Mono" pitchFamily="50" charset="0"/>
               </a:rPr>
-              <a:t>PS&gt; </a:t>
+              <a:t>(</a:t>
+            </a:r>
+            <a:r>
+              <a:rPr lang="en-US" sz="1400" dirty="0" err="1">
+                <a:latin typeface="Cascadia Mono" pitchFamily="50" charset="0"/>
+                <a:cs typeface="Cascadia Mono" pitchFamily="50" charset="0"/>
+              </a:rPr>
+              <a:t>QuestionPrj</a:t>
+            </a:r>
+            <a:r>
+              <a:rPr lang="en-US" sz="1400" dirty="0">
+                <a:latin typeface="Cascadia Mono" pitchFamily="50" charset="0"/>
+                <a:cs typeface="Cascadia Mono" pitchFamily="50" charset="0"/>
+              </a:rPr>
+              <a:t>) PS&gt; </a:t>
             </a:r>
             <a:r>
               <a:rPr lang="en-US" sz="1400" dirty="0" err="1">
@@ -8180,7 +8880,7 @@
 </p:sld>
 </file>
 
-<file path=ppt/slides/slide12.xml><?xml version="1.0" encoding="utf-8"?>
+<file path=ppt/slides/slide13.xml><?xml version="1.0" encoding="utf-8"?>
 <p:sld xmlns:a="http://schemas.openxmlformats.org/drawingml/2006/main" xmlns:r="http://schemas.openxmlformats.org/officeDocument/2006/relationships" xmlns:p="http://schemas.openxmlformats.org/presentationml/2006/main">
   <p:cSld>
     <p:spTree>
@@ -8511,7 +9211,7 @@
 </p:sld>
 </file>
 
-<file path=ppt/slides/slide13.xml><?xml version="1.0" encoding="utf-8"?>
+<file path=ppt/slides/slide14.xml><?xml version="1.0" encoding="utf-8"?>
 <p:sld xmlns:a="http://schemas.openxmlformats.org/drawingml/2006/main" xmlns:r="http://schemas.openxmlformats.org/officeDocument/2006/relationships" xmlns:p="http://schemas.openxmlformats.org/presentationml/2006/main">
   <p:cSld>
     <p:spTree>
@@ -8530,6 +9230,35 @@
       </p:grpSpPr>
       <p:pic>
         <p:nvPicPr>
+          <p:cNvPr id="5" name="Picture 4">
+            <a:extLst>
+              <a:ext uri="{FF2B5EF4-FFF2-40B4-BE49-F238E27FC236}">
+                <a16:creationId xmlns:a16="http://schemas.microsoft.com/office/drawing/2014/main" id="{06885BC6-7B8F-4373-A17F-3FADE6A8377B}"/>
+              </a:ext>
+            </a:extLst>
+          </p:cNvPr>
+          <p:cNvPicPr>
+            <a:picLocks noChangeAspect="1"/>
+          </p:cNvPicPr>
+          <p:nvPr/>
+        </p:nvPicPr>
+        <p:blipFill rotWithShape="1">
+          <a:blip r:embed="rId3"/>
+          <a:srcRect l="5058" t="4802"/>
+          <a:stretch/>
+        </p:blipFill>
+        <p:spPr>
+          <a:xfrm>
+            <a:off x="0" y="1892948"/>
+            <a:ext cx="6701935" cy="4344007"/>
+          </a:xfrm>
+          <a:prstGeom prst="rect">
+            <a:avLst/>
+          </a:prstGeom>
+        </p:spPr>
+      </p:pic>
+      <p:pic>
+        <p:nvPicPr>
           <p:cNvPr id="4" name="Picture 3">
             <a:extLst>
               <a:ext uri="{FF2B5EF4-FFF2-40B4-BE49-F238E27FC236}">
@@ -8543,7 +9272,7 @@
           <p:nvPr/>
         </p:nvPicPr>
         <p:blipFill rotWithShape="1">
-          <a:blip r:embed="rId2"/>
+          <a:blip r:embed="rId4"/>
           <a:srcRect l="4462"/>
           <a:stretch/>
         </p:blipFill>
@@ -8586,35 +9315,6 @@
           </a:p>
         </p:txBody>
       </p:sp>
-      <p:pic>
-        <p:nvPicPr>
-          <p:cNvPr id="9" name="Picture 8">
-            <a:extLst>
-              <a:ext uri="{FF2B5EF4-FFF2-40B4-BE49-F238E27FC236}">
-                <a16:creationId xmlns:a16="http://schemas.microsoft.com/office/drawing/2014/main" id="{43B05E52-D0FE-4633-8742-2B0B7DB32F57}"/>
-              </a:ext>
-            </a:extLst>
-          </p:cNvPr>
-          <p:cNvPicPr>
-            <a:picLocks noChangeAspect="1"/>
-          </p:cNvPicPr>
-          <p:nvPr/>
-        </p:nvPicPr>
-        <p:blipFill rotWithShape="1">
-          <a:blip r:embed="rId3"/>
-          <a:srcRect l="9743" t="1149"/>
-          <a:stretch/>
-        </p:blipFill>
-        <p:spPr>
-          <a:xfrm>
-            <a:off x="0" y="1892948"/>
-            <a:ext cx="4032545" cy="3804437"/>
-          </a:xfrm>
-          <a:prstGeom prst="rect">
-            <a:avLst/>
-          </a:prstGeom>
-        </p:spPr>
-      </p:pic>
       <p:sp>
         <p:nvSpPr>
           <p:cNvPr id="18" name="TextBox 17">
@@ -8718,7 +9418,7 @@
           <p:nvPr/>
         </p:nvPicPr>
         <p:blipFill rotWithShape="1">
-          <a:blip r:embed="rId4"/>
+          <a:blip r:embed="rId5"/>
           <a:srcRect l="7007"/>
           <a:stretch/>
         </p:blipFill>
@@ -8789,7 +9489,7 @@
 </p:sld>
 </file>
 
-<file path=ppt/slides/slide14.xml><?xml version="1.0" encoding="utf-8"?>
+<file path=ppt/slides/slide15.xml><?xml version="1.0" encoding="utf-8"?>
 <p:sld xmlns:a="http://schemas.openxmlformats.org/drawingml/2006/main" xmlns:r="http://schemas.openxmlformats.org/officeDocument/2006/relationships" xmlns:p="http://schemas.openxmlformats.org/presentationml/2006/main">
   <p:cSld>
     <p:spTree>
@@ -8953,7 +9653,7 @@
         </p:nvSpPr>
         <p:spPr>
           <a:xfrm>
-            <a:off x="368509" y="4911915"/>
+            <a:off x="368509" y="4039743"/>
             <a:ext cx="4248601" cy="1724025"/>
           </a:xfrm>
           <a:prstGeom prst="rect">
@@ -9215,8 +9915,19 @@
                 <a:latin typeface="Cascadia Mono" pitchFamily="50" charset="0"/>
                 <a:cs typeface="Cascadia Mono" pitchFamily="50" charset="0"/>
               </a:rPr>
-              <a:t>PS&gt; cd 2myprj</a:t>
-            </a:r>
+              <a:t>PS&gt; cd </a:t>
+            </a:r>
+            <a:r>
+              <a:rPr lang="en-US" sz="1400" dirty="0" err="1">
+                <a:latin typeface="Cascadia Mono" pitchFamily="50" charset="0"/>
+                <a:cs typeface="Cascadia Mono" pitchFamily="50" charset="0"/>
+              </a:rPr>
+              <a:t>QuestionPrj</a:t>
+            </a:r>
+            <a:endParaRPr lang="en-US" sz="1400" dirty="0">
+              <a:latin typeface="Cascadia Mono" pitchFamily="50" charset="0"/>
+              <a:cs typeface="Cascadia Mono" pitchFamily="50" charset="0"/>
+            </a:endParaRPr>
           </a:p>
           <a:p>
             <a:pPr marL="0" indent="0">
@@ -9283,8 +9994,8 @@
         </p:nvSpPr>
         <p:spPr>
           <a:xfrm>
-            <a:off x="2549612" y="4901756"/>
-            <a:ext cx="4248601" cy="1724025"/>
+            <a:off x="368509" y="5465174"/>
+            <a:ext cx="4248601" cy="1112381"/>
           </a:xfrm>
           <a:prstGeom prst="rect">
             <a:avLst/>
@@ -9610,6 +10321,129 @@
           </a:p>
         </p:txBody>
       </p:sp>
+      <p:sp>
+        <p:nvSpPr>
+          <p:cNvPr id="10" name="TextBox 9">
+            <a:extLst>
+              <a:ext uri="{FF2B5EF4-FFF2-40B4-BE49-F238E27FC236}">
+                <a16:creationId xmlns:a16="http://schemas.microsoft.com/office/drawing/2014/main" id="{126F08EC-B2EB-4674-A30C-6FCB8E60AD08}"/>
+              </a:ext>
+            </a:extLst>
+          </p:cNvPr>
+          <p:cNvSpPr txBox="1"/>
+          <p:nvPr/>
+        </p:nvSpPr>
+        <p:spPr>
+          <a:xfrm>
+            <a:off x="1993405" y="4354094"/>
+            <a:ext cx="3693852" cy="369332"/>
+          </a:xfrm>
+          <a:prstGeom prst="rect">
+            <a:avLst/>
+          </a:prstGeom>
+          <a:solidFill>
+            <a:schemeClr val="tx2">
+              <a:lumMod val="20000"/>
+              <a:lumOff val="80000"/>
+            </a:schemeClr>
+          </a:solidFill>
+        </p:spPr>
+        <p:txBody>
+          <a:bodyPr wrap="square" rtlCol="0">
+            <a:spAutoFit/>
+          </a:bodyPr>
+          <a:lstStyle/>
+          <a:p>
+            <a:pPr algn="ctr"/>
+            <a:r>
+              <a:rPr lang="en-US" dirty="0"/>
+              <a:t>Create and commit local repo</a:t>
+            </a:r>
+          </a:p>
+        </p:txBody>
+      </p:sp>
+      <p:sp>
+        <p:nvSpPr>
+          <p:cNvPr id="11" name="TextBox 10">
+            <a:extLst>
+              <a:ext uri="{FF2B5EF4-FFF2-40B4-BE49-F238E27FC236}">
+                <a16:creationId xmlns:a16="http://schemas.microsoft.com/office/drawing/2014/main" id="{4A6A10C5-E5BB-45E9-8E08-7D9985A02699}"/>
+              </a:ext>
+            </a:extLst>
+          </p:cNvPr>
+          <p:cNvSpPr txBox="1"/>
+          <p:nvPr/>
+        </p:nvSpPr>
+        <p:spPr>
+          <a:xfrm>
+            <a:off x="8251330" y="3670411"/>
+            <a:ext cx="3693852" cy="369332"/>
+          </a:xfrm>
+          <a:prstGeom prst="rect">
+            <a:avLst/>
+          </a:prstGeom>
+          <a:solidFill>
+            <a:schemeClr val="tx2">
+              <a:lumMod val="20000"/>
+              <a:lumOff val="80000"/>
+            </a:schemeClr>
+          </a:solidFill>
+        </p:spPr>
+        <p:txBody>
+          <a:bodyPr wrap="square" rtlCol="0">
+            <a:spAutoFit/>
+          </a:bodyPr>
+          <a:lstStyle/>
+          <a:p>
+            <a:pPr algn="ctr"/>
+            <a:r>
+              <a:rPr lang="en-US" dirty="0"/>
+              <a:t>Create empty remote repo</a:t>
+            </a:r>
+          </a:p>
+        </p:txBody>
+      </p:sp>
+      <p:sp>
+        <p:nvSpPr>
+          <p:cNvPr id="12" name="TextBox 11">
+            <a:extLst>
+              <a:ext uri="{FF2B5EF4-FFF2-40B4-BE49-F238E27FC236}">
+                <a16:creationId xmlns:a16="http://schemas.microsoft.com/office/drawing/2014/main" id="{FB381A94-F6DA-41ED-8B8F-200BC31F4934}"/>
+              </a:ext>
+            </a:extLst>
+          </p:cNvPr>
+          <p:cNvSpPr txBox="1"/>
+          <p:nvPr/>
+        </p:nvSpPr>
+        <p:spPr>
+          <a:xfrm>
+            <a:off x="2909650" y="5765310"/>
+            <a:ext cx="2847340" cy="369332"/>
+          </a:xfrm>
+          <a:prstGeom prst="rect">
+            <a:avLst/>
+          </a:prstGeom>
+          <a:solidFill>
+            <a:schemeClr val="tx2">
+              <a:lumMod val="20000"/>
+              <a:lumOff val="80000"/>
+            </a:schemeClr>
+          </a:solidFill>
+        </p:spPr>
+        <p:txBody>
+          <a:bodyPr wrap="square" rtlCol="0">
+            <a:spAutoFit/>
+          </a:bodyPr>
+          <a:lstStyle/>
+          <a:p>
+            <a:pPr algn="ctr"/>
+            <a:r>
+              <a:rPr lang="en-US" dirty="0"/>
+              <a:t>Push local to remote</a:t>
+            </a:r>
+          </a:p>
+        </p:txBody>
+      </p:sp>
     </p:spTree>
     <p:extLst>
       <p:ext uri="{BB962C8B-B14F-4D97-AF65-F5344CB8AC3E}">
@@ -9623,7 +10457,7 @@
 </p:sld>
 </file>
 
-<file path=ppt/slides/slide15.xml><?xml version="1.0" encoding="utf-8"?>
+<file path=ppt/slides/slide16.xml><?xml version="1.0" encoding="utf-8"?>
 <p:sld xmlns:a="http://schemas.openxmlformats.org/drawingml/2006/main" xmlns:r="http://schemas.openxmlformats.org/officeDocument/2006/relationships" xmlns:p="http://schemas.openxmlformats.org/presentationml/2006/main">
   <p:cSld>
     <p:spTree>
@@ -10187,7 +11021,7 @@
 </p:sld>
 </file>
 
-<file path=ppt/slides/slide16.xml><?xml version="1.0" encoding="utf-8"?>
+<file path=ppt/slides/slide17.xml><?xml version="1.0" encoding="utf-8"?>
 <p:sld xmlns:a="http://schemas.openxmlformats.org/drawingml/2006/main" xmlns:r="http://schemas.openxmlformats.org/officeDocument/2006/relationships" xmlns:p="http://schemas.openxmlformats.org/presentationml/2006/main">
   <p:cSld>
     <p:spTree>
@@ -10257,7 +11091,7 @@
         <p:spPr>
           <a:xfrm>
             <a:off x="1069847" y="2121407"/>
-            <a:ext cx="9277802" cy="3898393"/>
+            <a:ext cx="9277802" cy="2774443"/>
           </a:xfrm>
         </p:spPr>
         <p:txBody>
@@ -10551,8 +11385,19 @@
                 <a:latin typeface="Cascadia Mono" pitchFamily="50" charset="0"/>
                 <a:cs typeface="Cascadia Mono" pitchFamily="50" charset="0"/>
               </a:rPr>
-              <a:t>PS&gt; cd 2myprj</a:t>
-            </a:r>
+              <a:t>PS&gt; cd </a:t>
+            </a:r>
+            <a:r>
+              <a:rPr lang="en-US" sz="1400" dirty="0" err="1">
+                <a:latin typeface="Cascadia Mono" pitchFamily="50" charset="0"/>
+                <a:cs typeface="Cascadia Mono" pitchFamily="50" charset="0"/>
+              </a:rPr>
+              <a:t>QuestionPrj</a:t>
+            </a:r>
+            <a:endParaRPr lang="en-US" sz="1400" dirty="0">
+              <a:latin typeface="Cascadia Mono" pitchFamily="50" charset="0"/>
+              <a:cs typeface="Cascadia Mono" pitchFamily="50" charset="0"/>
+            </a:endParaRPr>
           </a:p>
           <a:p>
             <a:pPr marL="0" indent="0">
@@ -10617,7 +11462,7 @@
 </p:sld>
 </file>
 
-<file path=ppt/slides/slide17.xml><?xml version="1.0" encoding="utf-8"?>
+<file path=ppt/slides/slide18.xml><?xml version="1.0" encoding="utf-8"?>
 <p:sld xmlns:a="http://schemas.openxmlformats.org/drawingml/2006/main" xmlns:r="http://schemas.openxmlformats.org/officeDocument/2006/relationships" xmlns:p="http://schemas.openxmlformats.org/presentationml/2006/main">
   <p:cSld>
     <p:spTree>
@@ -11130,21 +11975,7 @@
                 <a:latin typeface="Cascadia Mono" pitchFamily="50" charset="0"/>
                 <a:cs typeface="Cascadia Mono" pitchFamily="50" charset="0"/>
               </a:rPr>
-              <a:t>PS&gt; git subtree push --prefix </a:t>
-            </a:r>
-            <a:r>
-              <a:rPr lang="en-MY" sz="1400" dirty="0" err="1">
-                <a:latin typeface="Cascadia Mono" pitchFamily="50" charset="0"/>
-                <a:cs typeface="Cascadia Mono" pitchFamily="50" charset="0"/>
-              </a:rPr>
-              <a:t>QuestionPrj</a:t>
-            </a:r>
-            <a:r>
-              <a:rPr lang="en-MY" sz="1400" dirty="0">
-                <a:latin typeface="Cascadia Mono" pitchFamily="50" charset="0"/>
-                <a:cs typeface="Cascadia Mono" pitchFamily="50" charset="0"/>
-              </a:rPr>
-              <a:t> </a:t>
+              <a:t>PS&gt; git push </a:t>
             </a:r>
             <a:r>
               <a:rPr lang="en-MY" sz="1400" dirty="0" err="1">
@@ -11333,8 +12164,8 @@
         </p:nvCxnSpPr>
         <p:spPr>
           <a:xfrm flipH="1" flipV="1">
-            <a:off x="6738151" y="4984039"/>
-            <a:ext cx="1213330" cy="502362"/>
+            <a:off x="4295775" y="4933950"/>
+            <a:ext cx="3655706" cy="552451"/>
           </a:xfrm>
           <a:prstGeom prst="straightConnector1">
             <a:avLst/>
@@ -11373,7 +12204,7 @@
         <p:spPr>
           <a:xfrm>
             <a:off x="7347141" y="5341849"/>
-            <a:ext cx="4604422" cy="923330"/>
+            <a:ext cx="4604422" cy="1200329"/>
           </a:xfrm>
           <a:prstGeom prst="rect">
             <a:avLst/>
@@ -11388,7 +12219,21 @@
           <a:p>
             <a:r>
               <a:rPr lang="en-US" dirty="0"/>
-              <a:t>This will push the code to be deployed to Heroku. If any failure message need check again</a:t>
+              <a:t>This will push the code to be deployed to Heroku.</a:t>
+            </a:r>
+          </a:p>
+          <a:p>
+            <a:r>
+              <a:rPr lang="en-US" dirty="0"/>
+              <a:t>No need subtree push as out git folder is also </a:t>
+            </a:r>
+            <a:r>
+              <a:rPr lang="en-US" dirty="0" err="1"/>
+              <a:t>django</a:t>
+            </a:r>
+            <a:r>
+              <a:rPr lang="en-US" dirty="0"/>
+              <a:t> project folder</a:t>
             </a:r>
           </a:p>
         </p:txBody>
@@ -11482,7 +12327,7 @@
 </p:sld>
 </file>
 
-<file path=ppt/slides/slide18.xml><?xml version="1.0" encoding="utf-8"?>
+<file path=ppt/slides/slide19.xml><?xml version="1.0" encoding="utf-8"?>
 <p:sld xmlns:a="http://schemas.openxmlformats.org/drawingml/2006/main" xmlns:r="http://schemas.openxmlformats.org/officeDocument/2006/relationships" xmlns:p="http://schemas.openxmlformats.org/presentationml/2006/main">
   <p:cSld>
     <p:spTree>
@@ -11657,7 +12502,642 @@
 </p:sld>
 </file>
 
-<file path=ppt/slides/slide19.xml><?xml version="1.0" encoding="utf-8"?>
+<file path=ppt/slides/slide2.xml><?xml version="1.0" encoding="utf-8"?>
+<p:sld xmlns:a="http://schemas.openxmlformats.org/drawingml/2006/main" xmlns:r="http://schemas.openxmlformats.org/officeDocument/2006/relationships" xmlns:p="http://schemas.openxmlformats.org/presentationml/2006/main">
+  <p:cSld>
+    <p:spTree>
+      <p:nvGrpSpPr>
+        <p:cNvPr id="1" name=""/>
+        <p:cNvGrpSpPr/>
+        <p:nvPr/>
+      </p:nvGrpSpPr>
+      <p:grpSpPr>
+        <a:xfrm>
+          <a:off x="0" y="0"/>
+          <a:ext cx="0" cy="0"/>
+          <a:chOff x="0" y="0"/>
+          <a:chExt cx="0" cy="0"/>
+        </a:xfrm>
+      </p:grpSpPr>
+      <p:pic>
+        <p:nvPicPr>
+          <p:cNvPr id="13" name="Picture 12">
+            <a:extLst>
+              <a:ext uri="{FF2B5EF4-FFF2-40B4-BE49-F238E27FC236}">
+                <a16:creationId xmlns:a16="http://schemas.microsoft.com/office/drawing/2014/main" id="{D6A1DC88-A1AE-4DDC-8DE3-AA3B4528E52F}"/>
+              </a:ext>
+            </a:extLst>
+          </p:cNvPr>
+          <p:cNvPicPr>
+            <a:picLocks noChangeAspect="1"/>
+          </p:cNvPicPr>
+          <p:nvPr/>
+        </p:nvPicPr>
+        <p:blipFill>
+          <a:blip r:embed="rId2"/>
+          <a:stretch>
+            <a:fillRect/>
+          </a:stretch>
+        </p:blipFill>
+        <p:spPr>
+          <a:xfrm>
+            <a:off x="1540255" y="5568587"/>
+            <a:ext cx="3829584" cy="1047896"/>
+          </a:xfrm>
+          <a:prstGeom prst="rect">
+            <a:avLst/>
+          </a:prstGeom>
+        </p:spPr>
+      </p:pic>
+      <p:pic>
+        <p:nvPicPr>
+          <p:cNvPr id="10" name="Picture 9">
+            <a:extLst>
+              <a:ext uri="{FF2B5EF4-FFF2-40B4-BE49-F238E27FC236}">
+                <a16:creationId xmlns:a16="http://schemas.microsoft.com/office/drawing/2014/main" id="{53A08A69-185A-43EC-99A5-73AAAA544DA9}"/>
+              </a:ext>
+            </a:extLst>
+          </p:cNvPr>
+          <p:cNvPicPr>
+            <a:picLocks noChangeAspect="1"/>
+          </p:cNvPicPr>
+          <p:nvPr/>
+        </p:nvPicPr>
+        <p:blipFill>
+          <a:blip r:embed="rId3"/>
+          <a:stretch>
+            <a:fillRect/>
+          </a:stretch>
+        </p:blipFill>
+        <p:spPr>
+          <a:xfrm>
+            <a:off x="1503654" y="5181602"/>
+            <a:ext cx="3562847" cy="342948"/>
+          </a:xfrm>
+          <a:prstGeom prst="rect">
+            <a:avLst/>
+          </a:prstGeom>
+        </p:spPr>
+      </p:pic>
+      <p:sp>
+        <p:nvSpPr>
+          <p:cNvPr id="2" name="Title 1">
+            <a:extLst>
+              <a:ext uri="{FF2B5EF4-FFF2-40B4-BE49-F238E27FC236}">
+                <a16:creationId xmlns:a16="http://schemas.microsoft.com/office/drawing/2014/main" id="{5A817F65-0249-4813-916F-D22CF5F41D8C}"/>
+              </a:ext>
+            </a:extLst>
+          </p:cNvPr>
+          <p:cNvSpPr>
+            <a:spLocks noGrp="1"/>
+          </p:cNvSpPr>
+          <p:nvPr>
+            <p:ph type="title"/>
+          </p:nvPr>
+        </p:nvSpPr>
+        <p:spPr/>
+        <p:txBody>
+          <a:bodyPr/>
+          <a:lstStyle/>
+          <a:p>
+            <a:r>
+              <a:rPr lang="en-US" dirty="0"/>
+              <a:t>Config the URL to add our first page</a:t>
+            </a:r>
+            <a:endParaRPr lang="en-MY" dirty="0"/>
+          </a:p>
+        </p:txBody>
+      </p:sp>
+      <p:sp>
+        <p:nvSpPr>
+          <p:cNvPr id="3" name="Content Placeholder 2">
+            <a:extLst>
+              <a:ext uri="{FF2B5EF4-FFF2-40B4-BE49-F238E27FC236}">
+                <a16:creationId xmlns:a16="http://schemas.microsoft.com/office/drawing/2014/main" id="{588B000C-CCD7-42E0-A4A2-DB893ED55A0D}"/>
+              </a:ext>
+            </a:extLst>
+          </p:cNvPr>
+          <p:cNvSpPr>
+            <a:spLocks noGrp="1"/>
+          </p:cNvSpPr>
+          <p:nvPr>
+            <p:ph idx="1"/>
+          </p:nvPr>
+        </p:nvSpPr>
+        <p:spPr>
+          <a:xfrm>
+            <a:off x="1069848" y="2121408"/>
+            <a:ext cx="10058400" cy="3267338"/>
+          </a:xfrm>
+        </p:spPr>
+        <p:txBody>
+          <a:bodyPr>
+            <a:normAutofit/>
+          </a:bodyPr>
+          <a:lstStyle/>
+          <a:p>
+            <a:r>
+              <a:rPr lang="en-US" dirty="0"/>
+              <a:t>Create urls.py in </a:t>
+            </a:r>
+            <a:r>
+              <a:rPr lang="en-US" dirty="0" err="1"/>
+              <a:t>QuestionApp</a:t>
+            </a:r>
+            <a:r>
+              <a:rPr lang="en-US" dirty="0"/>
+              <a:t> directory: (the following example is with </a:t>
+            </a:r>
+            <a:r>
+              <a:rPr lang="en-US" dirty="0" err="1"/>
+              <a:t>powershell</a:t>
+            </a:r>
+            <a:r>
+              <a:rPr lang="en-US" dirty="0"/>
+              <a:t>) </a:t>
+            </a:r>
+          </a:p>
+          <a:p>
+            <a:pPr lvl="1"/>
+            <a:endParaRPr lang="en-US" dirty="0"/>
+          </a:p>
+          <a:p>
+            <a:r>
+              <a:rPr lang="en-US" dirty="0"/>
+              <a:t>Add content to </a:t>
+            </a:r>
+            <a:r>
+              <a:rPr lang="en-US" dirty="0" err="1"/>
+              <a:t>FirstApp</a:t>
+            </a:r>
+            <a:r>
+              <a:rPr lang="en-US" dirty="0"/>
+              <a:t>/urls.py:</a:t>
+            </a:r>
+          </a:p>
+          <a:p>
+            <a:pPr lvl="1"/>
+            <a:endParaRPr lang="en-US" dirty="0"/>
+          </a:p>
+          <a:p>
+            <a:pPr lvl="1"/>
+            <a:endParaRPr lang="en-US" dirty="0"/>
+          </a:p>
+          <a:p>
+            <a:pPr lvl="1"/>
+            <a:endParaRPr lang="en-US" dirty="0"/>
+          </a:p>
+          <a:p>
+            <a:r>
+              <a:rPr lang="en-US" dirty="0"/>
+              <a:t>Modify </a:t>
+            </a:r>
+            <a:r>
+              <a:rPr lang="en-US" dirty="0" err="1"/>
+              <a:t>QuestionPrj</a:t>
+            </a:r>
+            <a:r>
+              <a:rPr lang="en-US" dirty="0"/>
+              <a:t>/urls.py: </a:t>
+            </a:r>
+          </a:p>
+        </p:txBody>
+      </p:sp>
+      <p:sp>
+        <p:nvSpPr>
+          <p:cNvPr id="4" name="Content Placeholder 2">
+            <a:extLst>
+              <a:ext uri="{FF2B5EF4-FFF2-40B4-BE49-F238E27FC236}">
+                <a16:creationId xmlns:a16="http://schemas.microsoft.com/office/drawing/2014/main" id="{F8010734-1431-4E4B-B64A-C6C8E645D888}"/>
+              </a:ext>
+            </a:extLst>
+          </p:cNvPr>
+          <p:cNvSpPr txBox="1">
+            <a:spLocks/>
+          </p:cNvSpPr>
+          <p:nvPr/>
+        </p:nvSpPr>
+        <p:spPr>
+          <a:xfrm>
+            <a:off x="1503654" y="2768252"/>
+            <a:ext cx="4592346" cy="451648"/>
+          </a:xfrm>
+          <a:prstGeom prst="rect">
+            <a:avLst/>
+          </a:prstGeom>
+        </p:spPr>
+        <p:txBody>
+          <a:bodyPr vert="horz" lIns="91440" tIns="45720" rIns="91440" bIns="45720" rtlCol="0">
+            <a:normAutofit/>
+          </a:bodyPr>
+          <a:lstStyle>
+            <a:lvl1pPr marL="182880" indent="-182880" algn="l" defTabSz="914400" rtl="0" eaLnBrk="1" latinLnBrk="0" hangingPunct="1">
+              <a:lnSpc>
+                <a:spcPct val="90000"/>
+              </a:lnSpc>
+              <a:spcBef>
+                <a:spcPts val="1200"/>
+              </a:spcBef>
+              <a:buClr>
+                <a:schemeClr val="accent1">
+                  <a:lumMod val="75000"/>
+                </a:schemeClr>
+              </a:buClr>
+              <a:buSzPct val="85000"/>
+              <a:buFont typeface="Wingdings" pitchFamily="2" charset="2"/>
+              <a:buChar char="§"/>
+              <a:defRPr sz="2000" kern="1200">
+                <a:solidFill>
+                  <a:schemeClr val="tx1"/>
+                </a:solidFill>
+                <a:latin typeface="+mn-lt"/>
+                <a:ea typeface="+mn-ea"/>
+                <a:cs typeface="+mn-cs"/>
+              </a:defRPr>
+            </a:lvl1pPr>
+            <a:lvl2pPr marL="457200" indent="-182880" algn="l" defTabSz="914400" rtl="0" eaLnBrk="1" latinLnBrk="0" hangingPunct="1">
+              <a:lnSpc>
+                <a:spcPct val="90000"/>
+              </a:lnSpc>
+              <a:spcBef>
+                <a:spcPts val="400"/>
+              </a:spcBef>
+              <a:spcAft>
+                <a:spcPts val="200"/>
+              </a:spcAft>
+              <a:buClr>
+                <a:schemeClr val="accent1">
+                  <a:lumMod val="75000"/>
+                </a:schemeClr>
+              </a:buClr>
+              <a:buSzPct val="85000"/>
+              <a:buFont typeface="Wingdings" pitchFamily="2" charset="2"/>
+              <a:buChar char="§"/>
+              <a:defRPr sz="1800" kern="1200">
+                <a:solidFill>
+                  <a:schemeClr val="tx1"/>
+                </a:solidFill>
+                <a:latin typeface="+mn-lt"/>
+                <a:ea typeface="+mn-ea"/>
+                <a:cs typeface="+mn-cs"/>
+              </a:defRPr>
+            </a:lvl2pPr>
+            <a:lvl3pPr marL="731520" indent="-182880" algn="l" defTabSz="914400" rtl="0" eaLnBrk="1" latinLnBrk="0" hangingPunct="1">
+              <a:lnSpc>
+                <a:spcPct val="90000"/>
+              </a:lnSpc>
+              <a:spcBef>
+                <a:spcPts val="400"/>
+              </a:spcBef>
+              <a:spcAft>
+                <a:spcPts val="200"/>
+              </a:spcAft>
+              <a:buClr>
+                <a:schemeClr val="accent1">
+                  <a:lumMod val="75000"/>
+                </a:schemeClr>
+              </a:buClr>
+              <a:buSzPct val="85000"/>
+              <a:buFont typeface="Wingdings" pitchFamily="2" charset="2"/>
+              <a:buChar char="§"/>
+              <a:defRPr sz="1600" kern="1200">
+                <a:solidFill>
+                  <a:schemeClr val="tx1"/>
+                </a:solidFill>
+                <a:latin typeface="+mn-lt"/>
+                <a:ea typeface="+mn-ea"/>
+                <a:cs typeface="+mn-cs"/>
+              </a:defRPr>
+            </a:lvl3pPr>
+            <a:lvl4pPr marL="1005840" indent="-182880" algn="l" defTabSz="914400" rtl="0" eaLnBrk="1" latinLnBrk="0" hangingPunct="1">
+              <a:lnSpc>
+                <a:spcPct val="90000"/>
+              </a:lnSpc>
+              <a:spcBef>
+                <a:spcPts val="400"/>
+              </a:spcBef>
+              <a:spcAft>
+                <a:spcPts val="200"/>
+              </a:spcAft>
+              <a:buClr>
+                <a:schemeClr val="accent1">
+                  <a:lumMod val="75000"/>
+                </a:schemeClr>
+              </a:buClr>
+              <a:buSzPct val="85000"/>
+              <a:buFont typeface="Wingdings" pitchFamily="2" charset="2"/>
+              <a:buChar char="§"/>
+              <a:defRPr sz="1600" kern="1200">
+                <a:solidFill>
+                  <a:schemeClr val="tx1"/>
+                </a:solidFill>
+                <a:latin typeface="+mn-lt"/>
+                <a:ea typeface="+mn-ea"/>
+                <a:cs typeface="+mn-cs"/>
+              </a:defRPr>
+            </a:lvl4pPr>
+            <a:lvl5pPr marL="1280160" indent="-182880" algn="l" defTabSz="914400" rtl="0" eaLnBrk="1" latinLnBrk="0" hangingPunct="1">
+              <a:lnSpc>
+                <a:spcPct val="90000"/>
+              </a:lnSpc>
+              <a:spcBef>
+                <a:spcPts val="400"/>
+              </a:spcBef>
+              <a:spcAft>
+                <a:spcPts val="200"/>
+              </a:spcAft>
+              <a:buClr>
+                <a:schemeClr val="accent1">
+                  <a:lumMod val="75000"/>
+                </a:schemeClr>
+              </a:buClr>
+              <a:buSzPct val="85000"/>
+              <a:buFont typeface="Wingdings" pitchFamily="2" charset="2"/>
+              <a:buChar char="§"/>
+              <a:defRPr sz="1600" kern="1200">
+                <a:solidFill>
+                  <a:schemeClr val="tx1"/>
+                </a:solidFill>
+                <a:latin typeface="+mn-lt"/>
+                <a:ea typeface="+mn-ea"/>
+                <a:cs typeface="+mn-cs"/>
+              </a:defRPr>
+            </a:lvl5pPr>
+            <a:lvl6pPr marL="1600000" indent="-228600" algn="l" defTabSz="914400" rtl="0" eaLnBrk="1" latinLnBrk="0" hangingPunct="1">
+              <a:lnSpc>
+                <a:spcPct val="90000"/>
+              </a:lnSpc>
+              <a:spcBef>
+                <a:spcPts val="400"/>
+              </a:spcBef>
+              <a:spcAft>
+                <a:spcPts val="200"/>
+              </a:spcAft>
+              <a:buClr>
+                <a:schemeClr val="accent1">
+                  <a:lumMod val="75000"/>
+                </a:schemeClr>
+              </a:buClr>
+              <a:buSzPct val="85000"/>
+              <a:buFont typeface="Wingdings" pitchFamily="2" charset="2"/>
+              <a:buChar char="§"/>
+              <a:defRPr sz="1600" kern="1200">
+                <a:solidFill>
+                  <a:schemeClr val="tx1"/>
+                </a:solidFill>
+                <a:latin typeface="+mn-lt"/>
+                <a:ea typeface="+mn-ea"/>
+                <a:cs typeface="+mn-cs"/>
+              </a:defRPr>
+            </a:lvl6pPr>
+            <a:lvl7pPr marL="1900000" indent="-228600" algn="l" defTabSz="914400" rtl="0" eaLnBrk="1" latinLnBrk="0" hangingPunct="1">
+              <a:lnSpc>
+                <a:spcPct val="90000"/>
+              </a:lnSpc>
+              <a:spcBef>
+                <a:spcPts val="400"/>
+              </a:spcBef>
+              <a:spcAft>
+                <a:spcPts val="200"/>
+              </a:spcAft>
+              <a:buClr>
+                <a:schemeClr val="accent1">
+                  <a:lumMod val="75000"/>
+                </a:schemeClr>
+              </a:buClr>
+              <a:buSzPct val="85000"/>
+              <a:buFont typeface="Wingdings" pitchFamily="2" charset="2"/>
+              <a:buChar char="§"/>
+              <a:defRPr sz="1600" kern="1200">
+                <a:solidFill>
+                  <a:schemeClr val="tx1"/>
+                </a:solidFill>
+                <a:latin typeface="+mn-lt"/>
+                <a:ea typeface="+mn-ea"/>
+                <a:cs typeface="+mn-cs"/>
+              </a:defRPr>
+            </a:lvl7pPr>
+            <a:lvl8pPr marL="2200000" indent="-228600" algn="l" defTabSz="914400" rtl="0" eaLnBrk="1" latinLnBrk="0" hangingPunct="1">
+              <a:lnSpc>
+                <a:spcPct val="90000"/>
+              </a:lnSpc>
+              <a:spcBef>
+                <a:spcPts val="400"/>
+              </a:spcBef>
+              <a:spcAft>
+                <a:spcPts val="200"/>
+              </a:spcAft>
+              <a:buClr>
+                <a:schemeClr val="accent1">
+                  <a:lumMod val="75000"/>
+                </a:schemeClr>
+              </a:buClr>
+              <a:buSzPct val="85000"/>
+              <a:buFont typeface="Wingdings" pitchFamily="2" charset="2"/>
+              <a:buChar char="§"/>
+              <a:defRPr sz="1600" kern="1200">
+                <a:solidFill>
+                  <a:schemeClr val="tx1"/>
+                </a:solidFill>
+                <a:latin typeface="+mn-lt"/>
+                <a:ea typeface="+mn-ea"/>
+                <a:cs typeface="+mn-cs"/>
+              </a:defRPr>
+            </a:lvl8pPr>
+            <a:lvl9pPr marL="2500000" indent="-228600" algn="l" defTabSz="914400" rtl="0" eaLnBrk="1" latinLnBrk="0" hangingPunct="1">
+              <a:lnSpc>
+                <a:spcPct val="90000"/>
+              </a:lnSpc>
+              <a:spcBef>
+                <a:spcPts val="400"/>
+              </a:spcBef>
+              <a:spcAft>
+                <a:spcPts val="200"/>
+              </a:spcAft>
+              <a:buClr>
+                <a:schemeClr val="accent1">
+                  <a:lumMod val="75000"/>
+                </a:schemeClr>
+              </a:buClr>
+              <a:buSzPct val="85000"/>
+              <a:buFont typeface="Wingdings" pitchFamily="2" charset="2"/>
+              <a:buChar char="§"/>
+              <a:defRPr sz="1600" kern="1200">
+                <a:solidFill>
+                  <a:schemeClr val="tx1"/>
+                </a:solidFill>
+                <a:latin typeface="+mn-lt"/>
+                <a:ea typeface="+mn-ea"/>
+                <a:cs typeface="+mn-cs"/>
+              </a:defRPr>
+            </a:lvl9pPr>
+          </a:lstStyle>
+          <a:p>
+            <a:pPr marL="0" indent="0">
+              <a:buNone/>
+            </a:pPr>
+            <a:r>
+              <a:rPr lang="en-US" sz="1400" dirty="0">
+                <a:latin typeface="Cascadia Mono" pitchFamily="50" charset="0"/>
+                <a:cs typeface="Cascadia Mono" pitchFamily="50" charset="0"/>
+              </a:rPr>
+              <a:t>PS&gt; </a:t>
+            </a:r>
+            <a:r>
+              <a:rPr lang="en-US" sz="1400" dirty="0" err="1">
+                <a:latin typeface="Cascadia Mono" pitchFamily="50" charset="0"/>
+                <a:cs typeface="Cascadia Mono" pitchFamily="50" charset="0"/>
+              </a:rPr>
+              <a:t>ni</a:t>
+            </a:r>
+            <a:r>
+              <a:rPr lang="en-US" sz="1400" dirty="0">
+                <a:latin typeface="Cascadia Mono" pitchFamily="50" charset="0"/>
+                <a:cs typeface="Cascadia Mono" pitchFamily="50" charset="0"/>
+              </a:rPr>
+              <a:t> urls.py</a:t>
+            </a:r>
+          </a:p>
+        </p:txBody>
+      </p:sp>
+      <p:sp>
+        <p:nvSpPr>
+          <p:cNvPr id="7" name="Rectangle 6">
+            <a:extLst>
+              <a:ext uri="{FF2B5EF4-FFF2-40B4-BE49-F238E27FC236}">
+                <a16:creationId xmlns:a16="http://schemas.microsoft.com/office/drawing/2014/main" id="{C69C9E98-11FF-4E75-93FF-86AEA393401E}"/>
+              </a:ext>
+            </a:extLst>
+          </p:cNvPr>
+          <p:cNvSpPr/>
+          <p:nvPr/>
+        </p:nvSpPr>
+        <p:spPr>
+          <a:xfrm>
+            <a:off x="4128797" y="5193072"/>
+            <a:ext cx="881354" cy="301624"/>
+          </a:xfrm>
+          <a:prstGeom prst="rect">
+            <a:avLst/>
+          </a:prstGeom>
+          <a:noFill/>
+        </p:spPr>
+        <p:style>
+          <a:lnRef idx="2">
+            <a:schemeClr val="accent1">
+              <a:shade val="50000"/>
+            </a:schemeClr>
+          </a:lnRef>
+          <a:fillRef idx="1">
+            <a:schemeClr val="accent1"/>
+          </a:fillRef>
+          <a:effectRef idx="0">
+            <a:schemeClr val="accent1"/>
+          </a:effectRef>
+          <a:fontRef idx="minor">
+            <a:schemeClr val="lt1"/>
+          </a:fontRef>
+        </p:style>
+        <p:txBody>
+          <a:bodyPr rtlCol="0" anchor="ctr"/>
+          <a:lstStyle/>
+          <a:p>
+            <a:pPr algn="ctr"/>
+            <a:endParaRPr lang="en-MY"/>
+          </a:p>
+        </p:txBody>
+      </p:sp>
+      <p:sp>
+        <p:nvSpPr>
+          <p:cNvPr id="8" name="Rectangle 7">
+            <a:extLst>
+              <a:ext uri="{FF2B5EF4-FFF2-40B4-BE49-F238E27FC236}">
+                <a16:creationId xmlns:a16="http://schemas.microsoft.com/office/drawing/2014/main" id="{582A2A18-DD6A-4093-95C7-7A28FAD705F1}"/>
+              </a:ext>
+            </a:extLst>
+          </p:cNvPr>
+          <p:cNvSpPr/>
+          <p:nvPr/>
+        </p:nvSpPr>
+        <p:spPr>
+          <a:xfrm>
+            <a:off x="1944396" y="6063022"/>
+            <a:ext cx="3243424" cy="301624"/>
+          </a:xfrm>
+          <a:prstGeom prst="rect">
+            <a:avLst/>
+          </a:prstGeom>
+          <a:noFill/>
+        </p:spPr>
+        <p:style>
+          <a:lnRef idx="2">
+            <a:schemeClr val="accent1">
+              <a:shade val="50000"/>
+            </a:schemeClr>
+          </a:lnRef>
+          <a:fillRef idx="1">
+            <a:schemeClr val="accent1"/>
+          </a:fillRef>
+          <a:effectRef idx="0">
+            <a:schemeClr val="accent1"/>
+          </a:effectRef>
+          <a:fontRef idx="minor">
+            <a:schemeClr val="lt1"/>
+          </a:fontRef>
+        </p:style>
+        <p:txBody>
+          <a:bodyPr rtlCol="0" anchor="ctr"/>
+          <a:lstStyle/>
+          <a:p>
+            <a:pPr algn="ctr"/>
+            <a:endParaRPr lang="en-MY"/>
+          </a:p>
+        </p:txBody>
+      </p:sp>
+      <p:pic>
+        <p:nvPicPr>
+          <p:cNvPr id="6" name="Picture 5">
+            <a:extLst>
+              <a:ext uri="{FF2B5EF4-FFF2-40B4-BE49-F238E27FC236}">
+                <a16:creationId xmlns:a16="http://schemas.microsoft.com/office/drawing/2014/main" id="{18F715B7-3872-4A7A-9864-6C5E16B1B59E}"/>
+              </a:ext>
+            </a:extLst>
+          </p:cNvPr>
+          <p:cNvPicPr>
+            <a:picLocks noChangeAspect="1"/>
+          </p:cNvPicPr>
+          <p:nvPr/>
+        </p:nvPicPr>
+        <p:blipFill>
+          <a:blip r:embed="rId4"/>
+          <a:stretch>
+            <a:fillRect/>
+          </a:stretch>
+        </p:blipFill>
+        <p:spPr>
+          <a:xfrm>
+            <a:off x="5826819" y="2852179"/>
+            <a:ext cx="3734321" cy="1571844"/>
+          </a:xfrm>
+          <a:prstGeom prst="rect">
+            <a:avLst/>
+          </a:prstGeom>
+        </p:spPr>
+      </p:pic>
+    </p:spTree>
+    <p:extLst>
+      <p:ext uri="{BB962C8B-B14F-4D97-AF65-F5344CB8AC3E}">
+        <p14:creationId xmlns:p14="http://schemas.microsoft.com/office/powerpoint/2010/main" val="2618729237"/>
+      </p:ext>
+    </p:extLst>
+  </p:cSld>
+  <p:clrMapOvr>
+    <a:masterClrMapping/>
+  </p:clrMapOvr>
+</p:sld>
+</file>
+
+<file path=ppt/slides/slide20.xml><?xml version="1.0" encoding="utf-8"?>
 <p:sld xmlns:a="http://schemas.openxmlformats.org/drawingml/2006/main" xmlns:r="http://schemas.openxmlformats.org/officeDocument/2006/relationships" xmlns:p="http://schemas.openxmlformats.org/presentationml/2006/main">
   <p:cSld>
     <p:spTree>
@@ -12118,14 +13598,14 @@
                 <a:latin typeface="Cascadia Mono" pitchFamily="50" charset="0"/>
                 <a:cs typeface="Cascadia Mono" pitchFamily="50" charset="0"/>
               </a:rPr>
-              <a:t>mkdir</a:t>
+              <a:t>ni</a:t>
             </a:r>
             <a:r>
               <a:rPr lang="en-US" sz="1400" dirty="0">
                 <a:latin typeface="Cascadia Mono" pitchFamily="50" charset="0"/>
                 <a:cs typeface="Cascadia Mono" pitchFamily="50" charset="0"/>
               </a:rPr>
-              <a:t> static</a:t>
+              <a:t> –Type Directory static</a:t>
             </a:r>
           </a:p>
           <a:p>
@@ -12184,8 +13664,8 @@
         </p:nvSpPr>
         <p:spPr>
           <a:xfrm>
-            <a:off x="8646850" y="2354291"/>
-            <a:ext cx="3545150" cy="1295927"/>
+            <a:off x="8646850" y="2354292"/>
+            <a:ext cx="3545150" cy="836584"/>
           </a:xfrm>
           <a:prstGeom prst="rect">
             <a:avLst/>
@@ -12446,8 +13926,19 @@
                 <a:latin typeface="Cascadia Mono" pitchFamily="50" charset="0"/>
                 <a:cs typeface="Cascadia Mono" pitchFamily="50" charset="0"/>
               </a:rPr>
-              <a:t>PS&gt; cd 2myprj</a:t>
-            </a:r>
+              <a:t>PS&gt; cd </a:t>
+            </a:r>
+            <a:r>
+              <a:rPr lang="en-US" sz="1400" dirty="0" err="1">
+                <a:latin typeface="Cascadia Mono" pitchFamily="50" charset="0"/>
+                <a:cs typeface="Cascadia Mono" pitchFamily="50" charset="0"/>
+              </a:rPr>
+              <a:t>QuestinoPrj</a:t>
+            </a:r>
+            <a:endParaRPr lang="en-US" sz="1400" dirty="0">
+              <a:latin typeface="Cascadia Mono" pitchFamily="50" charset="0"/>
+              <a:cs typeface="Cascadia Mono" pitchFamily="50" charset="0"/>
+            </a:endParaRPr>
           </a:p>
           <a:p>
             <a:pPr marL="0" indent="0">
@@ -12480,43 +13971,6 @@
                 <a:cs typeface="Cascadia Mono" pitchFamily="50" charset="0"/>
               </a:rPr>
               <a:t>whitenoise</a:t>
-            </a:r>
-            <a:endParaRPr lang="en-US" sz="1400" dirty="0">
-              <a:latin typeface="Cascadia Mono" pitchFamily="50" charset="0"/>
-              <a:cs typeface="Cascadia Mono" pitchFamily="50" charset="0"/>
-            </a:endParaRPr>
-          </a:p>
-          <a:p>
-            <a:pPr marL="0" indent="0">
-              <a:buNone/>
-            </a:pPr>
-            <a:r>
-              <a:rPr lang="en-US" sz="1400" dirty="0">
-                <a:latin typeface="Cascadia Mono" pitchFamily="50" charset="0"/>
-                <a:cs typeface="Cascadia Mono" pitchFamily="50" charset="0"/>
-              </a:rPr>
-              <a:t>PS&gt; cp </a:t>
-            </a:r>
-            <a:r>
-              <a:rPr lang="en-US" sz="1400" dirty="0" err="1">
-                <a:latin typeface="Cascadia Mono" pitchFamily="50" charset="0"/>
-                <a:cs typeface="Cascadia Mono" pitchFamily="50" charset="0"/>
-              </a:rPr>
-              <a:t>Pipfile</a:t>
-            </a:r>
-            <a:r>
-              <a:rPr lang="en-US" sz="1400" dirty="0">
-                <a:latin typeface="Cascadia Mono" pitchFamily="50" charset="0"/>
-                <a:cs typeface="Cascadia Mono" pitchFamily="50" charset="0"/>
-              </a:rPr>
-              <a:t>* </a:t>
-            </a:r>
-            <a:r>
-              <a:rPr lang="en-US" sz="1400" dirty="0" err="1">
-                <a:latin typeface="Cascadia Mono" pitchFamily="50" charset="0"/>
-                <a:cs typeface="Cascadia Mono" pitchFamily="50" charset="0"/>
-              </a:rPr>
-              <a:t>QuestionPrj</a:t>
             </a:r>
             <a:endParaRPr lang="en-US" sz="1400" dirty="0">
               <a:latin typeface="Cascadia Mono" pitchFamily="50" charset="0"/>
@@ -12640,7 +14094,7 @@
         </p:nvSpPr>
         <p:spPr>
           <a:xfrm>
-            <a:off x="4960442" y="5974943"/>
+            <a:off x="5141417" y="5974943"/>
             <a:ext cx="5842000" cy="646331"/>
           </a:xfrm>
           <a:prstGeom prst="rect">
@@ -12680,642 +14134,7 @@
 </p:sld>
 </file>
 
-<file path=ppt/slides/slide2.xml><?xml version="1.0" encoding="utf-8"?>
-<p:sld xmlns:a="http://schemas.openxmlformats.org/drawingml/2006/main" xmlns:r="http://schemas.openxmlformats.org/officeDocument/2006/relationships" xmlns:p="http://schemas.openxmlformats.org/presentationml/2006/main">
-  <p:cSld>
-    <p:spTree>
-      <p:nvGrpSpPr>
-        <p:cNvPr id="1" name=""/>
-        <p:cNvGrpSpPr/>
-        <p:nvPr/>
-      </p:nvGrpSpPr>
-      <p:grpSpPr>
-        <a:xfrm>
-          <a:off x="0" y="0"/>
-          <a:ext cx="0" cy="0"/>
-          <a:chOff x="0" y="0"/>
-          <a:chExt cx="0" cy="0"/>
-        </a:xfrm>
-      </p:grpSpPr>
-      <p:pic>
-        <p:nvPicPr>
-          <p:cNvPr id="13" name="Picture 12">
-            <a:extLst>
-              <a:ext uri="{FF2B5EF4-FFF2-40B4-BE49-F238E27FC236}">
-                <a16:creationId xmlns:a16="http://schemas.microsoft.com/office/drawing/2014/main" id="{D6A1DC88-A1AE-4DDC-8DE3-AA3B4528E52F}"/>
-              </a:ext>
-            </a:extLst>
-          </p:cNvPr>
-          <p:cNvPicPr>
-            <a:picLocks noChangeAspect="1"/>
-          </p:cNvPicPr>
-          <p:nvPr/>
-        </p:nvPicPr>
-        <p:blipFill>
-          <a:blip r:embed="rId2"/>
-          <a:stretch>
-            <a:fillRect/>
-          </a:stretch>
-        </p:blipFill>
-        <p:spPr>
-          <a:xfrm>
-            <a:off x="1540255" y="5568587"/>
-            <a:ext cx="3829584" cy="1047896"/>
-          </a:xfrm>
-          <a:prstGeom prst="rect">
-            <a:avLst/>
-          </a:prstGeom>
-        </p:spPr>
-      </p:pic>
-      <p:pic>
-        <p:nvPicPr>
-          <p:cNvPr id="10" name="Picture 9">
-            <a:extLst>
-              <a:ext uri="{FF2B5EF4-FFF2-40B4-BE49-F238E27FC236}">
-                <a16:creationId xmlns:a16="http://schemas.microsoft.com/office/drawing/2014/main" id="{53A08A69-185A-43EC-99A5-73AAAA544DA9}"/>
-              </a:ext>
-            </a:extLst>
-          </p:cNvPr>
-          <p:cNvPicPr>
-            <a:picLocks noChangeAspect="1"/>
-          </p:cNvPicPr>
-          <p:nvPr/>
-        </p:nvPicPr>
-        <p:blipFill>
-          <a:blip r:embed="rId3"/>
-          <a:stretch>
-            <a:fillRect/>
-          </a:stretch>
-        </p:blipFill>
-        <p:spPr>
-          <a:xfrm>
-            <a:off x="1503654" y="5181602"/>
-            <a:ext cx="3562847" cy="342948"/>
-          </a:xfrm>
-          <a:prstGeom prst="rect">
-            <a:avLst/>
-          </a:prstGeom>
-        </p:spPr>
-      </p:pic>
-      <p:sp>
-        <p:nvSpPr>
-          <p:cNvPr id="2" name="Title 1">
-            <a:extLst>
-              <a:ext uri="{FF2B5EF4-FFF2-40B4-BE49-F238E27FC236}">
-                <a16:creationId xmlns:a16="http://schemas.microsoft.com/office/drawing/2014/main" id="{5A817F65-0249-4813-916F-D22CF5F41D8C}"/>
-              </a:ext>
-            </a:extLst>
-          </p:cNvPr>
-          <p:cNvSpPr>
-            <a:spLocks noGrp="1"/>
-          </p:cNvSpPr>
-          <p:nvPr>
-            <p:ph type="title"/>
-          </p:nvPr>
-        </p:nvSpPr>
-        <p:spPr/>
-        <p:txBody>
-          <a:bodyPr/>
-          <a:lstStyle/>
-          <a:p>
-            <a:r>
-              <a:rPr lang="en-US" dirty="0"/>
-              <a:t>Config the URL to add our first page</a:t>
-            </a:r>
-            <a:endParaRPr lang="en-MY" dirty="0"/>
-          </a:p>
-        </p:txBody>
-      </p:sp>
-      <p:sp>
-        <p:nvSpPr>
-          <p:cNvPr id="3" name="Content Placeholder 2">
-            <a:extLst>
-              <a:ext uri="{FF2B5EF4-FFF2-40B4-BE49-F238E27FC236}">
-                <a16:creationId xmlns:a16="http://schemas.microsoft.com/office/drawing/2014/main" id="{588B000C-CCD7-42E0-A4A2-DB893ED55A0D}"/>
-              </a:ext>
-            </a:extLst>
-          </p:cNvPr>
-          <p:cNvSpPr>
-            <a:spLocks noGrp="1"/>
-          </p:cNvSpPr>
-          <p:nvPr>
-            <p:ph idx="1"/>
-          </p:nvPr>
-        </p:nvSpPr>
-        <p:spPr>
-          <a:xfrm>
-            <a:off x="1069848" y="2121408"/>
-            <a:ext cx="10058400" cy="3267338"/>
-          </a:xfrm>
-        </p:spPr>
-        <p:txBody>
-          <a:bodyPr>
-            <a:normAutofit/>
-          </a:bodyPr>
-          <a:lstStyle/>
-          <a:p>
-            <a:r>
-              <a:rPr lang="en-US" dirty="0"/>
-              <a:t>Create urls.py in </a:t>
-            </a:r>
-            <a:r>
-              <a:rPr lang="en-US" dirty="0" err="1"/>
-              <a:t>QuestionApp</a:t>
-            </a:r>
-            <a:r>
-              <a:rPr lang="en-US" dirty="0"/>
-              <a:t> directory: (the following example is with </a:t>
-            </a:r>
-            <a:r>
-              <a:rPr lang="en-US" dirty="0" err="1"/>
-              <a:t>powershell</a:t>
-            </a:r>
-            <a:r>
-              <a:rPr lang="en-US" dirty="0"/>
-              <a:t>) </a:t>
-            </a:r>
-          </a:p>
-          <a:p>
-            <a:pPr lvl="1"/>
-            <a:endParaRPr lang="en-US" dirty="0"/>
-          </a:p>
-          <a:p>
-            <a:r>
-              <a:rPr lang="en-US" dirty="0"/>
-              <a:t>Add content to </a:t>
-            </a:r>
-            <a:r>
-              <a:rPr lang="en-US" dirty="0" err="1"/>
-              <a:t>FirstApp</a:t>
-            </a:r>
-            <a:r>
-              <a:rPr lang="en-US" dirty="0"/>
-              <a:t>/urls.py:</a:t>
-            </a:r>
-          </a:p>
-          <a:p>
-            <a:pPr lvl="1"/>
-            <a:endParaRPr lang="en-US" dirty="0"/>
-          </a:p>
-          <a:p>
-            <a:pPr lvl="1"/>
-            <a:endParaRPr lang="en-US" dirty="0"/>
-          </a:p>
-          <a:p>
-            <a:pPr lvl="1"/>
-            <a:endParaRPr lang="en-US" dirty="0"/>
-          </a:p>
-          <a:p>
-            <a:r>
-              <a:rPr lang="en-US" dirty="0"/>
-              <a:t>Modify </a:t>
-            </a:r>
-            <a:r>
-              <a:rPr lang="en-US" dirty="0" err="1"/>
-              <a:t>QuestionPrj</a:t>
-            </a:r>
-            <a:r>
-              <a:rPr lang="en-US" dirty="0"/>
-              <a:t>/urls.py: </a:t>
-            </a:r>
-          </a:p>
-        </p:txBody>
-      </p:sp>
-      <p:sp>
-        <p:nvSpPr>
-          <p:cNvPr id="4" name="Content Placeholder 2">
-            <a:extLst>
-              <a:ext uri="{FF2B5EF4-FFF2-40B4-BE49-F238E27FC236}">
-                <a16:creationId xmlns:a16="http://schemas.microsoft.com/office/drawing/2014/main" id="{F8010734-1431-4E4B-B64A-C6C8E645D888}"/>
-              </a:ext>
-            </a:extLst>
-          </p:cNvPr>
-          <p:cNvSpPr txBox="1">
-            <a:spLocks/>
-          </p:cNvSpPr>
-          <p:nvPr/>
-        </p:nvSpPr>
-        <p:spPr>
-          <a:xfrm>
-            <a:off x="1503654" y="2768252"/>
-            <a:ext cx="4592346" cy="451648"/>
-          </a:xfrm>
-          <a:prstGeom prst="rect">
-            <a:avLst/>
-          </a:prstGeom>
-        </p:spPr>
-        <p:txBody>
-          <a:bodyPr vert="horz" lIns="91440" tIns="45720" rIns="91440" bIns="45720" rtlCol="0">
-            <a:normAutofit/>
-          </a:bodyPr>
-          <a:lstStyle>
-            <a:lvl1pPr marL="182880" indent="-182880" algn="l" defTabSz="914400" rtl="0" eaLnBrk="1" latinLnBrk="0" hangingPunct="1">
-              <a:lnSpc>
-                <a:spcPct val="90000"/>
-              </a:lnSpc>
-              <a:spcBef>
-                <a:spcPts val="1200"/>
-              </a:spcBef>
-              <a:buClr>
-                <a:schemeClr val="accent1">
-                  <a:lumMod val="75000"/>
-                </a:schemeClr>
-              </a:buClr>
-              <a:buSzPct val="85000"/>
-              <a:buFont typeface="Wingdings" pitchFamily="2" charset="2"/>
-              <a:buChar char="§"/>
-              <a:defRPr sz="2000" kern="1200">
-                <a:solidFill>
-                  <a:schemeClr val="tx1"/>
-                </a:solidFill>
-                <a:latin typeface="+mn-lt"/>
-                <a:ea typeface="+mn-ea"/>
-                <a:cs typeface="+mn-cs"/>
-              </a:defRPr>
-            </a:lvl1pPr>
-            <a:lvl2pPr marL="457200" indent="-182880" algn="l" defTabSz="914400" rtl="0" eaLnBrk="1" latinLnBrk="0" hangingPunct="1">
-              <a:lnSpc>
-                <a:spcPct val="90000"/>
-              </a:lnSpc>
-              <a:spcBef>
-                <a:spcPts val="400"/>
-              </a:spcBef>
-              <a:spcAft>
-                <a:spcPts val="200"/>
-              </a:spcAft>
-              <a:buClr>
-                <a:schemeClr val="accent1">
-                  <a:lumMod val="75000"/>
-                </a:schemeClr>
-              </a:buClr>
-              <a:buSzPct val="85000"/>
-              <a:buFont typeface="Wingdings" pitchFamily="2" charset="2"/>
-              <a:buChar char="§"/>
-              <a:defRPr sz="1800" kern="1200">
-                <a:solidFill>
-                  <a:schemeClr val="tx1"/>
-                </a:solidFill>
-                <a:latin typeface="+mn-lt"/>
-                <a:ea typeface="+mn-ea"/>
-                <a:cs typeface="+mn-cs"/>
-              </a:defRPr>
-            </a:lvl2pPr>
-            <a:lvl3pPr marL="731520" indent="-182880" algn="l" defTabSz="914400" rtl="0" eaLnBrk="1" latinLnBrk="0" hangingPunct="1">
-              <a:lnSpc>
-                <a:spcPct val="90000"/>
-              </a:lnSpc>
-              <a:spcBef>
-                <a:spcPts val="400"/>
-              </a:spcBef>
-              <a:spcAft>
-                <a:spcPts val="200"/>
-              </a:spcAft>
-              <a:buClr>
-                <a:schemeClr val="accent1">
-                  <a:lumMod val="75000"/>
-                </a:schemeClr>
-              </a:buClr>
-              <a:buSzPct val="85000"/>
-              <a:buFont typeface="Wingdings" pitchFamily="2" charset="2"/>
-              <a:buChar char="§"/>
-              <a:defRPr sz="1600" kern="1200">
-                <a:solidFill>
-                  <a:schemeClr val="tx1"/>
-                </a:solidFill>
-                <a:latin typeface="+mn-lt"/>
-                <a:ea typeface="+mn-ea"/>
-                <a:cs typeface="+mn-cs"/>
-              </a:defRPr>
-            </a:lvl3pPr>
-            <a:lvl4pPr marL="1005840" indent="-182880" algn="l" defTabSz="914400" rtl="0" eaLnBrk="1" latinLnBrk="0" hangingPunct="1">
-              <a:lnSpc>
-                <a:spcPct val="90000"/>
-              </a:lnSpc>
-              <a:spcBef>
-                <a:spcPts val="400"/>
-              </a:spcBef>
-              <a:spcAft>
-                <a:spcPts val="200"/>
-              </a:spcAft>
-              <a:buClr>
-                <a:schemeClr val="accent1">
-                  <a:lumMod val="75000"/>
-                </a:schemeClr>
-              </a:buClr>
-              <a:buSzPct val="85000"/>
-              <a:buFont typeface="Wingdings" pitchFamily="2" charset="2"/>
-              <a:buChar char="§"/>
-              <a:defRPr sz="1600" kern="1200">
-                <a:solidFill>
-                  <a:schemeClr val="tx1"/>
-                </a:solidFill>
-                <a:latin typeface="+mn-lt"/>
-                <a:ea typeface="+mn-ea"/>
-                <a:cs typeface="+mn-cs"/>
-              </a:defRPr>
-            </a:lvl4pPr>
-            <a:lvl5pPr marL="1280160" indent="-182880" algn="l" defTabSz="914400" rtl="0" eaLnBrk="1" latinLnBrk="0" hangingPunct="1">
-              <a:lnSpc>
-                <a:spcPct val="90000"/>
-              </a:lnSpc>
-              <a:spcBef>
-                <a:spcPts val="400"/>
-              </a:spcBef>
-              <a:spcAft>
-                <a:spcPts val="200"/>
-              </a:spcAft>
-              <a:buClr>
-                <a:schemeClr val="accent1">
-                  <a:lumMod val="75000"/>
-                </a:schemeClr>
-              </a:buClr>
-              <a:buSzPct val="85000"/>
-              <a:buFont typeface="Wingdings" pitchFamily="2" charset="2"/>
-              <a:buChar char="§"/>
-              <a:defRPr sz="1600" kern="1200">
-                <a:solidFill>
-                  <a:schemeClr val="tx1"/>
-                </a:solidFill>
-                <a:latin typeface="+mn-lt"/>
-                <a:ea typeface="+mn-ea"/>
-                <a:cs typeface="+mn-cs"/>
-              </a:defRPr>
-            </a:lvl5pPr>
-            <a:lvl6pPr marL="1600000" indent="-228600" algn="l" defTabSz="914400" rtl="0" eaLnBrk="1" latinLnBrk="0" hangingPunct="1">
-              <a:lnSpc>
-                <a:spcPct val="90000"/>
-              </a:lnSpc>
-              <a:spcBef>
-                <a:spcPts val="400"/>
-              </a:spcBef>
-              <a:spcAft>
-                <a:spcPts val="200"/>
-              </a:spcAft>
-              <a:buClr>
-                <a:schemeClr val="accent1">
-                  <a:lumMod val="75000"/>
-                </a:schemeClr>
-              </a:buClr>
-              <a:buSzPct val="85000"/>
-              <a:buFont typeface="Wingdings" pitchFamily="2" charset="2"/>
-              <a:buChar char="§"/>
-              <a:defRPr sz="1600" kern="1200">
-                <a:solidFill>
-                  <a:schemeClr val="tx1"/>
-                </a:solidFill>
-                <a:latin typeface="+mn-lt"/>
-                <a:ea typeface="+mn-ea"/>
-                <a:cs typeface="+mn-cs"/>
-              </a:defRPr>
-            </a:lvl6pPr>
-            <a:lvl7pPr marL="1900000" indent="-228600" algn="l" defTabSz="914400" rtl="0" eaLnBrk="1" latinLnBrk="0" hangingPunct="1">
-              <a:lnSpc>
-                <a:spcPct val="90000"/>
-              </a:lnSpc>
-              <a:spcBef>
-                <a:spcPts val="400"/>
-              </a:spcBef>
-              <a:spcAft>
-                <a:spcPts val="200"/>
-              </a:spcAft>
-              <a:buClr>
-                <a:schemeClr val="accent1">
-                  <a:lumMod val="75000"/>
-                </a:schemeClr>
-              </a:buClr>
-              <a:buSzPct val="85000"/>
-              <a:buFont typeface="Wingdings" pitchFamily="2" charset="2"/>
-              <a:buChar char="§"/>
-              <a:defRPr sz="1600" kern="1200">
-                <a:solidFill>
-                  <a:schemeClr val="tx1"/>
-                </a:solidFill>
-                <a:latin typeface="+mn-lt"/>
-                <a:ea typeface="+mn-ea"/>
-                <a:cs typeface="+mn-cs"/>
-              </a:defRPr>
-            </a:lvl7pPr>
-            <a:lvl8pPr marL="2200000" indent="-228600" algn="l" defTabSz="914400" rtl="0" eaLnBrk="1" latinLnBrk="0" hangingPunct="1">
-              <a:lnSpc>
-                <a:spcPct val="90000"/>
-              </a:lnSpc>
-              <a:spcBef>
-                <a:spcPts val="400"/>
-              </a:spcBef>
-              <a:spcAft>
-                <a:spcPts val="200"/>
-              </a:spcAft>
-              <a:buClr>
-                <a:schemeClr val="accent1">
-                  <a:lumMod val="75000"/>
-                </a:schemeClr>
-              </a:buClr>
-              <a:buSzPct val="85000"/>
-              <a:buFont typeface="Wingdings" pitchFamily="2" charset="2"/>
-              <a:buChar char="§"/>
-              <a:defRPr sz="1600" kern="1200">
-                <a:solidFill>
-                  <a:schemeClr val="tx1"/>
-                </a:solidFill>
-                <a:latin typeface="+mn-lt"/>
-                <a:ea typeface="+mn-ea"/>
-                <a:cs typeface="+mn-cs"/>
-              </a:defRPr>
-            </a:lvl8pPr>
-            <a:lvl9pPr marL="2500000" indent="-228600" algn="l" defTabSz="914400" rtl="0" eaLnBrk="1" latinLnBrk="0" hangingPunct="1">
-              <a:lnSpc>
-                <a:spcPct val="90000"/>
-              </a:lnSpc>
-              <a:spcBef>
-                <a:spcPts val="400"/>
-              </a:spcBef>
-              <a:spcAft>
-                <a:spcPts val="200"/>
-              </a:spcAft>
-              <a:buClr>
-                <a:schemeClr val="accent1">
-                  <a:lumMod val="75000"/>
-                </a:schemeClr>
-              </a:buClr>
-              <a:buSzPct val="85000"/>
-              <a:buFont typeface="Wingdings" pitchFamily="2" charset="2"/>
-              <a:buChar char="§"/>
-              <a:defRPr sz="1600" kern="1200">
-                <a:solidFill>
-                  <a:schemeClr val="tx1"/>
-                </a:solidFill>
-                <a:latin typeface="+mn-lt"/>
-                <a:ea typeface="+mn-ea"/>
-                <a:cs typeface="+mn-cs"/>
-              </a:defRPr>
-            </a:lvl9pPr>
-          </a:lstStyle>
-          <a:p>
-            <a:pPr marL="0" indent="0">
-              <a:buNone/>
-            </a:pPr>
-            <a:r>
-              <a:rPr lang="en-US" sz="1400" dirty="0">
-                <a:latin typeface="Cascadia Mono" pitchFamily="50" charset="0"/>
-                <a:cs typeface="Cascadia Mono" pitchFamily="50" charset="0"/>
-              </a:rPr>
-              <a:t>PS&gt; </a:t>
-            </a:r>
-            <a:r>
-              <a:rPr lang="en-US" sz="1400" dirty="0" err="1">
-                <a:latin typeface="Cascadia Mono" pitchFamily="50" charset="0"/>
-                <a:cs typeface="Cascadia Mono" pitchFamily="50" charset="0"/>
-              </a:rPr>
-              <a:t>ni</a:t>
-            </a:r>
-            <a:r>
-              <a:rPr lang="en-US" sz="1400" dirty="0">
-                <a:latin typeface="Cascadia Mono" pitchFamily="50" charset="0"/>
-                <a:cs typeface="Cascadia Mono" pitchFamily="50" charset="0"/>
-              </a:rPr>
-              <a:t> urls.py</a:t>
-            </a:r>
-          </a:p>
-        </p:txBody>
-      </p:sp>
-      <p:sp>
-        <p:nvSpPr>
-          <p:cNvPr id="7" name="Rectangle 6">
-            <a:extLst>
-              <a:ext uri="{FF2B5EF4-FFF2-40B4-BE49-F238E27FC236}">
-                <a16:creationId xmlns:a16="http://schemas.microsoft.com/office/drawing/2014/main" id="{C69C9E98-11FF-4E75-93FF-86AEA393401E}"/>
-              </a:ext>
-            </a:extLst>
-          </p:cNvPr>
-          <p:cNvSpPr/>
-          <p:nvPr/>
-        </p:nvSpPr>
-        <p:spPr>
-          <a:xfrm>
-            <a:off x="4128797" y="5193072"/>
-            <a:ext cx="881354" cy="301624"/>
-          </a:xfrm>
-          <a:prstGeom prst="rect">
-            <a:avLst/>
-          </a:prstGeom>
-          <a:noFill/>
-        </p:spPr>
-        <p:style>
-          <a:lnRef idx="2">
-            <a:schemeClr val="accent1">
-              <a:shade val="50000"/>
-            </a:schemeClr>
-          </a:lnRef>
-          <a:fillRef idx="1">
-            <a:schemeClr val="accent1"/>
-          </a:fillRef>
-          <a:effectRef idx="0">
-            <a:schemeClr val="accent1"/>
-          </a:effectRef>
-          <a:fontRef idx="minor">
-            <a:schemeClr val="lt1"/>
-          </a:fontRef>
-        </p:style>
-        <p:txBody>
-          <a:bodyPr rtlCol="0" anchor="ctr"/>
-          <a:lstStyle/>
-          <a:p>
-            <a:pPr algn="ctr"/>
-            <a:endParaRPr lang="en-MY"/>
-          </a:p>
-        </p:txBody>
-      </p:sp>
-      <p:sp>
-        <p:nvSpPr>
-          <p:cNvPr id="8" name="Rectangle 7">
-            <a:extLst>
-              <a:ext uri="{FF2B5EF4-FFF2-40B4-BE49-F238E27FC236}">
-                <a16:creationId xmlns:a16="http://schemas.microsoft.com/office/drawing/2014/main" id="{582A2A18-DD6A-4093-95C7-7A28FAD705F1}"/>
-              </a:ext>
-            </a:extLst>
-          </p:cNvPr>
-          <p:cNvSpPr/>
-          <p:nvPr/>
-        </p:nvSpPr>
-        <p:spPr>
-          <a:xfrm>
-            <a:off x="1944396" y="6063022"/>
-            <a:ext cx="3243424" cy="301624"/>
-          </a:xfrm>
-          <a:prstGeom prst="rect">
-            <a:avLst/>
-          </a:prstGeom>
-          <a:noFill/>
-        </p:spPr>
-        <p:style>
-          <a:lnRef idx="2">
-            <a:schemeClr val="accent1">
-              <a:shade val="50000"/>
-            </a:schemeClr>
-          </a:lnRef>
-          <a:fillRef idx="1">
-            <a:schemeClr val="accent1"/>
-          </a:fillRef>
-          <a:effectRef idx="0">
-            <a:schemeClr val="accent1"/>
-          </a:effectRef>
-          <a:fontRef idx="minor">
-            <a:schemeClr val="lt1"/>
-          </a:fontRef>
-        </p:style>
-        <p:txBody>
-          <a:bodyPr rtlCol="0" anchor="ctr"/>
-          <a:lstStyle/>
-          <a:p>
-            <a:pPr algn="ctr"/>
-            <a:endParaRPr lang="en-MY"/>
-          </a:p>
-        </p:txBody>
-      </p:sp>
-      <p:pic>
-        <p:nvPicPr>
-          <p:cNvPr id="6" name="Picture 5">
-            <a:extLst>
-              <a:ext uri="{FF2B5EF4-FFF2-40B4-BE49-F238E27FC236}">
-                <a16:creationId xmlns:a16="http://schemas.microsoft.com/office/drawing/2014/main" id="{18F715B7-3872-4A7A-9864-6C5E16B1B59E}"/>
-              </a:ext>
-            </a:extLst>
-          </p:cNvPr>
-          <p:cNvPicPr>
-            <a:picLocks noChangeAspect="1"/>
-          </p:cNvPicPr>
-          <p:nvPr/>
-        </p:nvPicPr>
-        <p:blipFill>
-          <a:blip r:embed="rId4"/>
-          <a:stretch>
-            <a:fillRect/>
-          </a:stretch>
-        </p:blipFill>
-        <p:spPr>
-          <a:xfrm>
-            <a:off x="5826819" y="2852179"/>
-            <a:ext cx="3734321" cy="1571844"/>
-          </a:xfrm>
-          <a:prstGeom prst="rect">
-            <a:avLst/>
-          </a:prstGeom>
-        </p:spPr>
-      </p:pic>
-    </p:spTree>
-    <p:extLst>
-      <p:ext uri="{BB962C8B-B14F-4D97-AF65-F5344CB8AC3E}">
-        <p14:creationId xmlns:p14="http://schemas.microsoft.com/office/powerpoint/2010/main" val="2618729237"/>
-      </p:ext>
-    </p:extLst>
-  </p:cSld>
-  <p:clrMapOvr>
-    <a:masterClrMapping/>
-  </p:clrMapOvr>
-</p:sld>
-</file>
-
-<file path=ppt/slides/slide20.xml><?xml version="1.0" encoding="utf-8"?>
+<file path=ppt/slides/slide21.xml><?xml version="1.0" encoding="utf-8"?>
 <p:sld xmlns:a="http://schemas.openxmlformats.org/drawingml/2006/main" xmlns:r="http://schemas.openxmlformats.org/officeDocument/2006/relationships" xmlns:p="http://schemas.openxmlformats.org/presentationml/2006/main">
   <p:cSld>
     <p:spTree>
@@ -13639,8 +14458,19 @@
                 <a:latin typeface="Cascadia Mono" pitchFamily="50" charset="0"/>
                 <a:cs typeface="Cascadia Mono" pitchFamily="50" charset="0"/>
               </a:rPr>
-              <a:t>PS&gt; cd 2myprj</a:t>
-            </a:r>
+              <a:t>PS&gt; cd </a:t>
+            </a:r>
+            <a:r>
+              <a:rPr lang="en-US" sz="1400" dirty="0" err="1">
+                <a:latin typeface="Cascadia Mono" pitchFamily="50" charset="0"/>
+                <a:cs typeface="Cascadia Mono" pitchFamily="50" charset="0"/>
+              </a:rPr>
+              <a:t>QuestionPrj</a:t>
+            </a:r>
+            <a:endParaRPr lang="en-US" sz="1400" dirty="0">
+              <a:latin typeface="Cascadia Mono" pitchFamily="50" charset="0"/>
+              <a:cs typeface="Cascadia Mono" pitchFamily="50" charset="0"/>
+            </a:endParaRPr>
           </a:p>
           <a:p>
             <a:pPr marL="0" indent="0">
@@ -14010,21 +14840,7 @@
                 <a:latin typeface="Cascadia Mono" pitchFamily="50" charset="0"/>
                 <a:cs typeface="Cascadia Mono" pitchFamily="50" charset="0"/>
               </a:rPr>
-              <a:t>PS&gt; git subtree push --prefix </a:t>
-            </a:r>
-            <a:r>
-              <a:rPr lang="en-MY" sz="1400" dirty="0" err="1">
-                <a:latin typeface="Cascadia Mono" pitchFamily="50" charset="0"/>
-                <a:cs typeface="Cascadia Mono" pitchFamily="50" charset="0"/>
-              </a:rPr>
-              <a:t>QuestionPrj</a:t>
-            </a:r>
-            <a:r>
-              <a:rPr lang="en-MY" sz="1400" dirty="0">
-                <a:latin typeface="Cascadia Mono" pitchFamily="50" charset="0"/>
-                <a:cs typeface="Cascadia Mono" pitchFamily="50" charset="0"/>
-              </a:rPr>
-              <a:t> </a:t>
+              <a:t>PS&gt; git push </a:t>
             </a:r>
             <a:r>
               <a:rPr lang="en-MY" sz="1400" dirty="0" err="1">
@@ -14178,7 +14994,7 @@
 </p:sld>
 </file>
 
-<file path=ppt/slides/slide21.xml><?xml version="1.0" encoding="utf-8"?>
+<file path=ppt/slides/slide22.xml><?xml version="1.0" encoding="utf-8"?>
 <p:sld xmlns:a="http://schemas.openxmlformats.org/drawingml/2006/main" xmlns:r="http://schemas.openxmlformats.org/officeDocument/2006/relationships" xmlns:p="http://schemas.openxmlformats.org/presentationml/2006/main">
   <p:cSld>
     <p:spTree>
@@ -14397,15 +15213,7 @@
             <a:pPr lvl="1"/>
             <a:r>
               <a:rPr lang="en-US" dirty="0"/>
-              <a:t>The content of the response: </a:t>
-            </a:r>
-            <a:r>
-              <a:rPr lang="en-US" dirty="0" err="1"/>
-              <a:t>extrace</a:t>
-            </a:r>
-            <a:r>
-              <a:rPr lang="en-US" dirty="0"/>
-              <a:t> from list of all questions.</a:t>
+              <a:t>The content of the response: extract from list of all questions.</a:t>
             </a:r>
           </a:p>
           <a:p>
@@ -14545,7 +15353,7 @@
         </p:nvSpPr>
         <p:spPr>
           <a:xfrm>
-            <a:off x="1449279" y="3463409"/>
+            <a:off x="1449279" y="3999116"/>
             <a:ext cx="3372321" cy="369332"/>
           </a:xfrm>
           <a:prstGeom prst="rect">
@@ -14619,8 +15427,8 @@
         </p:nvSpPr>
         <p:spPr>
           <a:xfrm>
-            <a:off x="1465554" y="2671558"/>
-            <a:ext cx="4592346" cy="719342"/>
+            <a:off x="591128" y="2671557"/>
+            <a:ext cx="5615708" cy="1126391"/>
           </a:xfrm>
           <a:prstGeom prst="rect">
             <a:avLst/>
@@ -14881,21 +15689,21 @@
                 <a:latin typeface="Cascadia Mono" pitchFamily="50" charset="0"/>
                 <a:cs typeface="Cascadia Mono" pitchFamily="50" charset="0"/>
               </a:rPr>
-              <a:t>PS&gt; </a:t>
+              <a:t>PS&gt; cd </a:t>
             </a:r>
             <a:r>
               <a:rPr lang="en-US" sz="1400" dirty="0" err="1">
                 <a:latin typeface="Cascadia Mono" pitchFamily="50" charset="0"/>
                 <a:cs typeface="Cascadia Mono" pitchFamily="50" charset="0"/>
               </a:rPr>
-              <a:t>pipenv</a:t>
+              <a:t>QuestionPrj</a:t>
             </a:r>
             <a:r>
               <a:rPr lang="en-US" sz="1400" dirty="0">
                 <a:latin typeface="Cascadia Mono" pitchFamily="50" charset="0"/>
                 <a:cs typeface="Cascadia Mono" pitchFamily="50" charset="0"/>
               </a:rPr>
-              <a:t> shell</a:t>
+              <a:t> </a:t>
             </a:r>
           </a:p>
           <a:p>
@@ -14907,7 +15715,47 @@
                 <a:latin typeface="Cascadia Mono" pitchFamily="50" charset="0"/>
                 <a:cs typeface="Cascadia Mono" pitchFamily="50" charset="0"/>
               </a:rPr>
-              <a:t>PS&gt; </a:t>
+              <a:t>PS&gt; %</a:t>
+            </a:r>
+            <a:r>
+              <a:rPr lang="en-US" sz="1400" dirty="0" err="1">
+                <a:latin typeface="Cascadia Mono" pitchFamily="50" charset="0"/>
+                <a:cs typeface="Cascadia Mono" pitchFamily="50" charset="0"/>
+              </a:rPr>
+              <a:t>virtual_env_directory</a:t>
+            </a:r>
+            <a:r>
+              <a:rPr lang="en-US" sz="1400" dirty="0">
+                <a:latin typeface="Cascadia Mono" pitchFamily="50" charset="0"/>
+                <a:cs typeface="Cascadia Mono" pitchFamily="50" charset="0"/>
+              </a:rPr>
+              <a:t>%/Scripts/activate.ps1</a:t>
+            </a:r>
+          </a:p>
+          <a:p>
+            <a:pPr marL="0" indent="0">
+              <a:buNone/>
+            </a:pPr>
+            <a:r>
+              <a:rPr lang="en-US" sz="1400" dirty="0">
+                <a:latin typeface="Cascadia Mono" pitchFamily="50" charset="0"/>
+                <a:cs typeface="Cascadia Mono" pitchFamily="50" charset="0"/>
+              </a:rPr>
+              <a:t>(</a:t>
+            </a:r>
+            <a:r>
+              <a:rPr lang="en-US" sz="1400" dirty="0" err="1">
+                <a:latin typeface="Cascadia Mono" pitchFamily="50" charset="0"/>
+                <a:cs typeface="Cascadia Mono" pitchFamily="50" charset="0"/>
+              </a:rPr>
+              <a:t>QuestionPrj</a:t>
+            </a:r>
+            <a:r>
+              <a:rPr lang="en-US" sz="1400" dirty="0">
+                <a:latin typeface="Cascadia Mono" pitchFamily="50" charset="0"/>
+                <a:cs typeface="Cascadia Mono" pitchFamily="50" charset="0"/>
+              </a:rPr>
+              <a:t>) PS&gt; </a:t>
             </a:r>
             <a:r>
               <a:rPr lang="en-US" sz="1400" dirty="0" err="1">
@@ -14930,6 +15778,24 @@
               </a:rPr>
               <a:t>runserver</a:t>
             </a:r>
+            <a:endParaRPr lang="en-US" sz="1400" dirty="0">
+              <a:latin typeface="Cascadia Mono" pitchFamily="50" charset="0"/>
+              <a:cs typeface="Cascadia Mono" pitchFamily="50" charset="0"/>
+            </a:endParaRPr>
+          </a:p>
+          <a:p>
+            <a:pPr marL="0" indent="0">
+              <a:buNone/>
+            </a:pPr>
+            <a:endParaRPr lang="en-US" sz="1400" dirty="0">
+              <a:latin typeface="Cascadia Mono" pitchFamily="50" charset="0"/>
+              <a:cs typeface="Cascadia Mono" pitchFamily="50" charset="0"/>
+            </a:endParaRPr>
+          </a:p>
+          <a:p>
+            <a:pPr marL="0" indent="0">
+              <a:buNone/>
+            </a:pPr>
             <a:endParaRPr lang="en-US" sz="1400" dirty="0">
               <a:latin typeface="Cascadia Mono" pitchFamily="50" charset="0"/>
               <a:cs typeface="Cascadia Mono" pitchFamily="50" charset="0"/>
@@ -15549,6 +16415,256 @@
           <p:cNvPr id="2" name="Title 1">
             <a:extLst>
               <a:ext uri="{FF2B5EF4-FFF2-40B4-BE49-F238E27FC236}">
+                <a16:creationId xmlns:a16="http://schemas.microsoft.com/office/drawing/2014/main" id="{5213419F-4234-4228-AFBC-310F70350ADC}"/>
+              </a:ext>
+            </a:extLst>
+          </p:cNvPr>
+          <p:cNvSpPr>
+            <a:spLocks noGrp="1"/>
+          </p:cNvSpPr>
+          <p:nvPr>
+            <p:ph type="title"/>
+          </p:nvPr>
+        </p:nvSpPr>
+        <p:spPr>
+          <a:xfrm>
+            <a:off x="1069848" y="189072"/>
+            <a:ext cx="10058400" cy="1609344"/>
+          </a:xfrm>
+        </p:spPr>
+        <p:txBody>
+          <a:bodyPr/>
+          <a:lstStyle/>
+          <a:p>
+            <a:r>
+              <a:rPr lang="en-US" dirty="0"/>
+              <a:t>Django template language</a:t>
+            </a:r>
+            <a:endParaRPr lang="en-MY" dirty="0"/>
+          </a:p>
+        </p:txBody>
+      </p:sp>
+      <p:sp>
+        <p:nvSpPr>
+          <p:cNvPr id="3" name="Content Placeholder 2">
+            <a:extLst>
+              <a:ext uri="{FF2B5EF4-FFF2-40B4-BE49-F238E27FC236}">
+                <a16:creationId xmlns:a16="http://schemas.microsoft.com/office/drawing/2014/main" id="{D3EC5414-1DF9-4C68-BB33-B32A23F56491}"/>
+              </a:ext>
+            </a:extLst>
+          </p:cNvPr>
+          <p:cNvSpPr>
+            <a:spLocks noGrp="1"/>
+          </p:cNvSpPr>
+          <p:nvPr>
+            <p:ph idx="1"/>
+          </p:nvPr>
+        </p:nvSpPr>
+        <p:spPr>
+          <a:xfrm>
+            <a:off x="1069848" y="1450109"/>
+            <a:ext cx="10058400" cy="5246255"/>
+          </a:xfrm>
+        </p:spPr>
+        <p:txBody>
+          <a:bodyPr>
+            <a:normAutofit fontScale="92500" lnSpcReduction="10000"/>
+          </a:bodyPr>
+          <a:lstStyle/>
+          <a:p>
+            <a:r>
+              <a:rPr lang="en-US" dirty="0"/>
+              <a:t>{{ variable }}, {{ attribute }} </a:t>
+            </a:r>
+          </a:p>
+          <a:p>
+            <a:pPr lvl="1"/>
+            <a:r>
+              <a:rPr lang="en-US" dirty="0"/>
+              <a:t>to evaluate the value of a variable or get value of attribute</a:t>
+            </a:r>
+          </a:p>
+          <a:p>
+            <a:r>
+              <a:rPr lang="en-US" dirty="0"/>
+              <a:t>{{ </a:t>
+            </a:r>
+            <a:r>
+              <a:rPr lang="en-US" dirty="0" err="1"/>
+              <a:t>my_str|escape|linebreaks</a:t>
+            </a:r>
+            <a:r>
+              <a:rPr lang="en-US" dirty="0"/>
+              <a:t> }}, {{ </a:t>
+            </a:r>
+            <a:r>
+              <a:rPr lang="en-US" dirty="0" err="1"/>
+              <a:t>name|lower</a:t>
+            </a:r>
+            <a:r>
+              <a:rPr lang="en-US" dirty="0"/>
+              <a:t> }}, {{ </a:t>
+            </a:r>
+            <a:r>
+              <a:rPr lang="en-US" dirty="0" err="1"/>
+              <a:t>list|join</a:t>
+            </a:r>
+            <a:r>
+              <a:rPr lang="en-US" dirty="0"/>
+              <a:t>:’, ’}}, {{ word|truncatewords:20 }}, {{ </a:t>
+            </a:r>
+            <a:r>
+              <a:rPr lang="en-US" dirty="0" err="1"/>
+              <a:t>value|default</a:t>
+            </a:r>
+            <a:r>
+              <a:rPr lang="en-US" dirty="0"/>
+              <a:t>:’nothing’ }}, {{ </a:t>
+            </a:r>
+            <a:r>
+              <a:rPr lang="en-US" dirty="0" err="1"/>
+              <a:t>value|length</a:t>
+            </a:r>
+            <a:r>
+              <a:rPr lang="en-US" dirty="0"/>
+              <a:t> }}</a:t>
+            </a:r>
+          </a:p>
+          <a:p>
+            <a:pPr lvl="1"/>
+            <a:r>
+              <a:rPr lang="en-US" dirty="0"/>
+              <a:t>Filters ‘|’ – to do process of contents. </a:t>
+            </a:r>
+          </a:p>
+          <a:p>
+            <a:pPr lvl="1"/>
+            <a:r>
+              <a:rPr lang="en-US" dirty="0"/>
+              <a:t>Can be chained. </a:t>
+            </a:r>
+          </a:p>
+          <a:p>
+            <a:pPr lvl="1"/>
+            <a:r>
+              <a:rPr lang="en-US" dirty="0"/>
+              <a:t>If the filter function takes additional parameters use ‘:’</a:t>
+            </a:r>
+            <a:endParaRPr lang="en-MY" dirty="0"/>
+          </a:p>
+          <a:p>
+            <a:r>
+              <a:rPr lang="en-MY" dirty="0"/>
+              <a:t>{% for …. in …. %} {% </a:t>
+            </a:r>
+            <a:r>
+              <a:rPr lang="en-MY" dirty="0" err="1"/>
+              <a:t>endfor</a:t>
+            </a:r>
+            <a:r>
+              <a:rPr lang="en-MY" dirty="0"/>
+              <a:t> %}</a:t>
+            </a:r>
+          </a:p>
+          <a:p>
+            <a:r>
+              <a:rPr lang="en-MY" dirty="0"/>
+              <a:t>{% if …. %} {% </a:t>
+            </a:r>
+            <a:r>
+              <a:rPr lang="en-MY" dirty="0" err="1"/>
+              <a:t>elif</a:t>
+            </a:r>
+            <a:r>
+              <a:rPr lang="en-MY" dirty="0"/>
+              <a:t> …. %} {% else %} {% endif %}</a:t>
+            </a:r>
+          </a:p>
+          <a:p>
+            <a:pPr lvl="1"/>
+            <a:r>
+              <a:rPr lang="en-MY" dirty="0"/>
+              <a:t>Like flow control in python.</a:t>
+            </a:r>
+          </a:p>
+          <a:p>
+            <a:r>
+              <a:rPr lang="en-MY" dirty="0"/>
+              <a:t>{# ……  #}</a:t>
+            </a:r>
+          </a:p>
+          <a:p>
+            <a:pPr lvl="1"/>
+            <a:r>
+              <a:rPr lang="en-MY" dirty="0"/>
+              <a:t>Comment</a:t>
+            </a:r>
+          </a:p>
+          <a:p>
+            <a:r>
+              <a:rPr lang="en-US" dirty="0"/>
+              <a:t>{% block … %} {% </a:t>
+            </a:r>
+            <a:r>
+              <a:rPr lang="en-US" dirty="0" err="1"/>
+              <a:t>endblock</a:t>
+            </a:r>
+            <a:r>
+              <a:rPr lang="en-US" dirty="0"/>
+              <a:t> %}, {% extends …. %}</a:t>
+            </a:r>
+          </a:p>
+          <a:p>
+            <a:pPr lvl="1"/>
+            <a:r>
+              <a:rPr lang="en-US" dirty="0"/>
+              <a:t>Inheritance: base template define the HTML structure, and use ‘block’ to define place holder.</a:t>
+            </a:r>
+          </a:p>
+          <a:p>
+            <a:pPr lvl="1"/>
+            <a:r>
+              <a:rPr lang="en-US" dirty="0"/>
+              <a:t>The inherited template use ‘extends’ to specify base, and ‘block’ to define contents for the respective block</a:t>
+            </a:r>
+          </a:p>
+        </p:txBody>
+      </p:sp>
+    </p:spTree>
+    <p:extLst>
+      <p:ext uri="{BB962C8B-B14F-4D97-AF65-F5344CB8AC3E}">
+        <p14:creationId xmlns:p14="http://schemas.microsoft.com/office/powerpoint/2010/main" val="1156804692"/>
+      </p:ext>
+    </p:extLst>
+  </p:cSld>
+  <p:clrMapOvr>
+    <a:masterClrMapping/>
+  </p:clrMapOvr>
+</p:sld>
+</file>
+
+<file path=ppt/slides/slide7.xml><?xml version="1.0" encoding="utf-8"?>
+<p:sld xmlns:a="http://schemas.openxmlformats.org/drawingml/2006/main" xmlns:r="http://schemas.openxmlformats.org/officeDocument/2006/relationships" xmlns:p="http://schemas.openxmlformats.org/presentationml/2006/main">
+  <p:cSld>
+    <p:spTree>
+      <p:nvGrpSpPr>
+        <p:cNvPr id="1" name=""/>
+        <p:cNvGrpSpPr/>
+        <p:nvPr/>
+      </p:nvGrpSpPr>
+      <p:grpSpPr>
+        <a:xfrm>
+          <a:off x="0" y="0"/>
+          <a:ext cx="0" cy="0"/>
+          <a:chOff x="0" y="0"/>
+          <a:chExt cx="0" cy="0"/>
+        </a:xfrm>
+      </p:grpSpPr>
+      <p:sp>
+        <p:nvSpPr>
+          <p:cNvPr id="2" name="Title 1">
+            <a:extLst>
+              <a:ext uri="{FF2B5EF4-FFF2-40B4-BE49-F238E27FC236}">
                 <a16:creationId xmlns:a16="http://schemas.microsoft.com/office/drawing/2014/main" id="{5A817F65-0249-4813-916F-D22CF5F41D8C}"/>
               </a:ext>
             </a:extLst>
@@ -16283,7 +17399,21 @@
                 <a:latin typeface="Cascadia Mono" pitchFamily="50" charset="0"/>
                 <a:cs typeface="Cascadia Mono" pitchFamily="50" charset="0"/>
               </a:rPr>
-              <a:t>PS&gt; </a:t>
+              <a:t>(</a:t>
+            </a:r>
+            <a:r>
+              <a:rPr lang="en-US" sz="1400" dirty="0" err="1">
+                <a:latin typeface="Cascadia Mono" pitchFamily="50" charset="0"/>
+                <a:cs typeface="Cascadia Mono" pitchFamily="50" charset="0"/>
+              </a:rPr>
+              <a:t>QuestionPrj</a:t>
+            </a:r>
+            <a:r>
+              <a:rPr lang="en-US" sz="1400" dirty="0">
+                <a:latin typeface="Cascadia Mono" pitchFamily="50" charset="0"/>
+                <a:cs typeface="Cascadia Mono" pitchFamily="50" charset="0"/>
+              </a:rPr>
+              <a:t>) PS&gt; </a:t>
             </a:r>
             <a:r>
               <a:rPr lang="en-US" sz="1400" dirty="0" err="1">
@@ -16603,7 +17733,7 @@
 </p:sld>
 </file>
 
-<file path=ppt/slides/slide7.xml><?xml version="1.0" encoding="utf-8"?>
+<file path=ppt/slides/slide8.xml><?xml version="1.0" encoding="utf-8"?>
 <p:sld xmlns:a="http://schemas.openxmlformats.org/drawingml/2006/main" xmlns:r="http://schemas.openxmlformats.org/officeDocument/2006/relationships" xmlns:p="http://schemas.openxmlformats.org/presentationml/2006/main">
   <p:cSld>
     <p:spTree>
@@ -16638,8 +17768,8 @@
         </p:nvSpPr>
         <p:spPr>
           <a:xfrm>
-            <a:off x="1069848" y="129518"/>
-            <a:ext cx="10058400" cy="1609344"/>
+            <a:off x="1069847" y="129518"/>
+            <a:ext cx="10331577" cy="1609344"/>
           </a:xfrm>
         </p:spPr>
         <p:txBody>
@@ -16648,7 +17778,7 @@
           <a:p>
             <a:r>
               <a:rPr lang="en-US" dirty="0"/>
-              <a:t>Using Django ready made views</a:t>
+              <a:t>Using Django ready made view classes</a:t>
             </a:r>
             <a:endParaRPr lang="en-MY" dirty="0"/>
           </a:p>
@@ -17111,8 +18241,8 @@
         </p:nvSpPr>
         <p:spPr>
           <a:xfrm>
-            <a:off x="4862341" y="5974737"/>
-            <a:ext cx="2839746" cy="369332"/>
+            <a:off x="4862340" y="5974737"/>
+            <a:ext cx="4845077" cy="369332"/>
           </a:xfrm>
           <a:prstGeom prst="rect">
             <a:avLst/>
@@ -17120,7 +18250,7 @@
         </p:spPr>
         <p:txBody>
           <a:bodyPr vert="horz" lIns="91440" tIns="45720" rIns="91440" bIns="45720" rtlCol="0">
-            <a:normAutofit fontScale="92500"/>
+            <a:normAutofit/>
           </a:bodyPr>
           <a:lstStyle>
             <a:lvl1pPr marL="182880" indent="-182880" algn="l" defTabSz="914400" rtl="0" eaLnBrk="1" latinLnBrk="0" hangingPunct="1">
@@ -17373,7 +18503,21 @@
                 <a:latin typeface="Cascadia Mono" pitchFamily="50" charset="0"/>
                 <a:cs typeface="Cascadia Mono" pitchFamily="50" charset="0"/>
               </a:rPr>
-              <a:t>PS&gt; </a:t>
+              <a:t>(</a:t>
+            </a:r>
+            <a:r>
+              <a:rPr lang="en-US" sz="1400" dirty="0" err="1">
+                <a:latin typeface="Cascadia Mono" pitchFamily="50" charset="0"/>
+                <a:cs typeface="Cascadia Mono" pitchFamily="50" charset="0"/>
+              </a:rPr>
+              <a:t>QuestionPrj</a:t>
+            </a:r>
+            <a:r>
+              <a:rPr lang="en-US" sz="1400" dirty="0">
+                <a:latin typeface="Cascadia Mono" pitchFamily="50" charset="0"/>
+                <a:cs typeface="Cascadia Mono" pitchFamily="50" charset="0"/>
+              </a:rPr>
+              <a:t>) PS&gt; </a:t>
             </a:r>
             <a:r>
               <a:rPr lang="en-US" sz="1400" dirty="0" err="1">
@@ -17734,284 +18878,6 @@
 </p:sld>
 </file>
 
-<file path=ppt/slides/slide8.xml><?xml version="1.0" encoding="utf-8"?>
-<p:sld xmlns:a="http://schemas.openxmlformats.org/drawingml/2006/main" xmlns:r="http://schemas.openxmlformats.org/officeDocument/2006/relationships" xmlns:p="http://schemas.openxmlformats.org/presentationml/2006/main">
-  <p:cSld>
-    <p:spTree>
-      <p:nvGrpSpPr>
-        <p:cNvPr id="1" name=""/>
-        <p:cNvGrpSpPr/>
-        <p:nvPr/>
-      </p:nvGrpSpPr>
-      <p:grpSpPr>
-        <a:xfrm>
-          <a:off x="0" y="0"/>
-          <a:ext cx="0" cy="0"/>
-          <a:chOff x="0" y="0"/>
-          <a:chExt cx="0" cy="0"/>
-        </a:xfrm>
-      </p:grpSpPr>
-      <p:sp>
-        <p:nvSpPr>
-          <p:cNvPr id="2" name="Title 1">
-            <a:extLst>
-              <a:ext uri="{FF2B5EF4-FFF2-40B4-BE49-F238E27FC236}">
-                <a16:creationId xmlns:a16="http://schemas.microsoft.com/office/drawing/2014/main" id="{5A817F65-0249-4813-916F-D22CF5F41D8C}"/>
-              </a:ext>
-            </a:extLst>
-          </p:cNvPr>
-          <p:cNvSpPr>
-            <a:spLocks noGrp="1"/>
-          </p:cNvSpPr>
-          <p:nvPr>
-            <p:ph type="title"/>
-          </p:nvPr>
-        </p:nvSpPr>
-        <p:spPr/>
-        <p:txBody>
-          <a:bodyPr/>
-          <a:lstStyle/>
-          <a:p>
-            <a:r>
-              <a:rPr lang="en-US" dirty="0"/>
-              <a:t>Modify home template to add link</a:t>
-            </a:r>
-            <a:endParaRPr lang="en-MY" dirty="0"/>
-          </a:p>
-        </p:txBody>
-      </p:sp>
-      <p:sp>
-        <p:nvSpPr>
-          <p:cNvPr id="3" name="Content Placeholder 2">
-            <a:extLst>
-              <a:ext uri="{FF2B5EF4-FFF2-40B4-BE49-F238E27FC236}">
-                <a16:creationId xmlns:a16="http://schemas.microsoft.com/office/drawing/2014/main" id="{588B000C-CCD7-42E0-A4A2-DB893ED55A0D}"/>
-              </a:ext>
-            </a:extLst>
-          </p:cNvPr>
-          <p:cNvSpPr>
-            <a:spLocks noGrp="1"/>
-          </p:cNvSpPr>
-          <p:nvPr>
-            <p:ph idx="1"/>
-          </p:nvPr>
-        </p:nvSpPr>
-        <p:spPr>
-          <a:xfrm>
-            <a:off x="1069848" y="2121408"/>
-            <a:ext cx="10058400" cy="3791120"/>
-          </a:xfrm>
-        </p:spPr>
-        <p:txBody>
-          <a:bodyPr>
-            <a:normAutofit/>
-          </a:bodyPr>
-          <a:lstStyle/>
-          <a:p>
-            <a:r>
-              <a:rPr lang="en-US" dirty="0"/>
-              <a:t>In template, the function </a:t>
-            </a:r>
-            <a:r>
-              <a:rPr lang="en-US" dirty="0" err="1"/>
-              <a:t>url</a:t>
-            </a:r>
-            <a:r>
-              <a:rPr lang="en-US" dirty="0"/>
-              <a:t> will use the “name” property defined in urls.py, to reverse map to a real URL which can be used in client HTML file </a:t>
-            </a:r>
-          </a:p>
-          <a:p>
-            <a:pPr lvl="1"/>
-            <a:r>
-              <a:rPr lang="en-US" dirty="0"/>
-              <a:t>Notice the name defined in </a:t>
-            </a:r>
-            <a:r>
-              <a:rPr lang="en-US" dirty="0" err="1"/>
-              <a:t>QuestionApp</a:t>
-            </a:r>
-            <a:r>
-              <a:rPr lang="en-US" dirty="0"/>
-              <a:t>/urls.py, need to append with </a:t>
-            </a:r>
-            <a:r>
-              <a:rPr lang="en-US" dirty="0" err="1"/>
-              <a:t>app_name</a:t>
-            </a:r>
-            <a:r>
-              <a:rPr lang="en-US" dirty="0"/>
-              <a:t>. for example the ‘home’, should be using </a:t>
-            </a:r>
-            <a:r>
-              <a:rPr lang="en-US" dirty="0" err="1">
-                <a:solidFill>
-                  <a:srgbClr val="FF0000"/>
-                </a:solidFill>
-              </a:rPr>
-              <a:t>url</a:t>
-            </a:r>
-            <a:r>
-              <a:rPr lang="en-US" dirty="0">
-                <a:solidFill>
-                  <a:srgbClr val="FF0000"/>
-                </a:solidFill>
-              </a:rPr>
-              <a:t> ‘</a:t>
-            </a:r>
-            <a:r>
-              <a:rPr lang="en-US" dirty="0" err="1">
-                <a:solidFill>
-                  <a:srgbClr val="FF0000"/>
-                </a:solidFill>
-              </a:rPr>
-              <a:t>QuestionApp:home</a:t>
-            </a:r>
-            <a:r>
-              <a:rPr lang="en-US" dirty="0">
-                <a:solidFill>
-                  <a:srgbClr val="FF0000"/>
-                </a:solidFill>
-              </a:rPr>
-              <a:t>’ </a:t>
-            </a:r>
-            <a:r>
-              <a:rPr lang="en-US" dirty="0"/>
-              <a:t>in template to reverse and get real URL.</a:t>
-            </a:r>
-          </a:p>
-          <a:p>
-            <a:pPr lvl="1"/>
-            <a:r>
-              <a:rPr lang="en-US" dirty="0"/>
-              <a:t>When there are some parameter in the </a:t>
-            </a:r>
-            <a:r>
-              <a:rPr lang="en-US" dirty="0" err="1"/>
-              <a:t>url</a:t>
-            </a:r>
-            <a:r>
-              <a:rPr lang="en-US" dirty="0"/>
-              <a:t> config, then the reverse </a:t>
-            </a:r>
-            <a:r>
-              <a:rPr lang="en-US" dirty="0" err="1"/>
-              <a:t>url</a:t>
-            </a:r>
-            <a:r>
-              <a:rPr lang="en-US" dirty="0"/>
-              <a:t> will also need additional parameter</a:t>
-            </a:r>
-          </a:p>
-          <a:p>
-            <a:pPr lvl="1"/>
-            <a:r>
-              <a:rPr lang="en-US" dirty="0"/>
-              <a:t>In QuestionApp/urls.py</a:t>
-            </a:r>
-          </a:p>
-          <a:p>
-            <a:pPr lvl="1"/>
-            <a:endParaRPr lang="en-US" dirty="0"/>
-          </a:p>
-          <a:p>
-            <a:pPr lvl="1"/>
-            <a:r>
-              <a:rPr lang="en-US" dirty="0"/>
-              <a:t>In </a:t>
-            </a:r>
-            <a:r>
-              <a:rPr lang="en-US" dirty="0" err="1"/>
-              <a:t>QuestionApp</a:t>
-            </a:r>
-            <a:r>
-              <a:rPr lang="en-US" dirty="0"/>
-              <a:t>/templates/</a:t>
-            </a:r>
-            <a:r>
-              <a:rPr lang="en-US" dirty="0" err="1"/>
-              <a:t>QuestionApp</a:t>
-            </a:r>
-            <a:r>
-              <a:rPr lang="en-US" dirty="0"/>
-              <a:t>/home.html</a:t>
-            </a:r>
-          </a:p>
-        </p:txBody>
-      </p:sp>
-      <p:pic>
-        <p:nvPicPr>
-          <p:cNvPr id="6" name="Picture 5">
-            <a:extLst>
-              <a:ext uri="{FF2B5EF4-FFF2-40B4-BE49-F238E27FC236}">
-                <a16:creationId xmlns:a16="http://schemas.microsoft.com/office/drawing/2014/main" id="{03008FFE-33DC-481E-BB7B-DFABBAE7AE86}"/>
-              </a:ext>
-            </a:extLst>
-          </p:cNvPr>
-          <p:cNvPicPr>
-            <a:picLocks noChangeAspect="1"/>
-          </p:cNvPicPr>
-          <p:nvPr/>
-        </p:nvPicPr>
-        <p:blipFill>
-          <a:blip r:embed="rId2"/>
-          <a:stretch>
-            <a:fillRect/>
-          </a:stretch>
-        </p:blipFill>
-        <p:spPr>
-          <a:xfrm>
-            <a:off x="1704474" y="5165761"/>
-            <a:ext cx="9421540" cy="657317"/>
-          </a:xfrm>
-          <a:prstGeom prst="rect">
-            <a:avLst/>
-          </a:prstGeom>
-        </p:spPr>
-      </p:pic>
-      <p:pic>
-        <p:nvPicPr>
-          <p:cNvPr id="9" name="Picture 8">
-            <a:extLst>
-              <a:ext uri="{FF2B5EF4-FFF2-40B4-BE49-F238E27FC236}">
-                <a16:creationId xmlns:a16="http://schemas.microsoft.com/office/drawing/2014/main" id="{40A447B3-3021-41BE-A514-B5A8088C7141}"/>
-              </a:ext>
-            </a:extLst>
-          </p:cNvPr>
-          <p:cNvPicPr>
-            <a:picLocks noChangeAspect="1"/>
-          </p:cNvPicPr>
-          <p:nvPr/>
-        </p:nvPicPr>
-        <p:blipFill>
-          <a:blip r:embed="rId3"/>
-          <a:stretch>
-            <a:fillRect/>
-          </a:stretch>
-        </p:blipFill>
-        <p:spPr>
-          <a:xfrm>
-            <a:off x="1704474" y="4397936"/>
-            <a:ext cx="7182852" cy="276264"/>
-          </a:xfrm>
-          <a:prstGeom prst="rect">
-            <a:avLst/>
-          </a:prstGeom>
-        </p:spPr>
-      </p:pic>
-    </p:spTree>
-    <p:extLst>
-      <p:ext uri="{BB962C8B-B14F-4D97-AF65-F5344CB8AC3E}">
-        <p14:creationId xmlns:p14="http://schemas.microsoft.com/office/powerpoint/2010/main" val="3684619059"/>
-      </p:ext>
-    </p:extLst>
-  </p:cSld>
-  <p:clrMapOvr>
-    <a:masterClrMapping/>
-  </p:clrMapOvr>
-</p:sld>
-</file>
-
 <file path=ppt/slides/slide9.xml><?xml version="1.0" encoding="utf-8"?>
 <p:sld xmlns:a="http://schemas.openxmlformats.org/drawingml/2006/main" xmlns:r="http://schemas.openxmlformats.org/officeDocument/2006/relationships" xmlns:p="http://schemas.openxmlformats.org/presentationml/2006/main">
   <p:cSld>
@@ -18052,7 +18918,7 @@
           <a:p>
             <a:r>
               <a:rPr lang="en-US" dirty="0"/>
-              <a:t>Add new template/view for detail</a:t>
+              <a:t>Modify home template to add link</a:t>
             </a:r>
             <a:endParaRPr lang="en-MY" dirty="0"/>
           </a:p>
@@ -18077,7 +18943,7 @@
         <p:spPr>
           <a:xfrm>
             <a:off x="1069848" y="2121408"/>
-            <a:ext cx="10058400" cy="3249582"/>
+            <a:ext cx="10058400" cy="3791120"/>
           </a:xfrm>
         </p:spPr>
         <p:txBody>
@@ -18088,15 +18954,7 @@
           <a:p>
             <a:r>
               <a:rPr lang="en-US" dirty="0"/>
-              <a:t>We already added the </a:t>
-            </a:r>
-            <a:r>
-              <a:rPr lang="en-US" dirty="0" err="1"/>
-              <a:t>question_detail</a:t>
-            </a:r>
-            <a:r>
-              <a:rPr lang="en-US" dirty="0"/>
-              <a:t> </a:t>
+              <a:t>In template, the function </a:t>
             </a:r>
             <a:r>
               <a:rPr lang="en-US" dirty="0" err="1"/>
@@ -18104,20 +18962,131 @@
             </a:r>
             <a:r>
               <a:rPr lang="en-US" dirty="0"/>
-              <a:t> config in urls.py </a:t>
-            </a:r>
-          </a:p>
-          <a:p>
+              <a:t> will use the “name” property defined in urls.py, to reverse map to a actual URL which can be used in client HTTP request. </a:t>
+            </a:r>
+          </a:p>
+          <a:p>
+            <a:pPr lvl="1"/>
             <a:r>
               <a:rPr lang="en-US" dirty="0"/>
-              <a:t>Now need add template and view:</a:t>
+              <a:t>Notice the name defined in </a:t>
+            </a:r>
+            <a:r>
+              <a:rPr lang="en-US" dirty="0" err="1"/>
+              <a:t>QuestionApp</a:t>
+            </a:r>
+            <a:r>
+              <a:rPr lang="en-US" dirty="0"/>
+              <a:t>/urls.py, need to append with </a:t>
+            </a:r>
+            <a:r>
+              <a:rPr lang="en-US" dirty="0" err="1"/>
+              <a:t>app_name</a:t>
+            </a:r>
+            <a:r>
+              <a:rPr lang="en-US" dirty="0"/>
+              <a:t> if we define it. for example the ‘home’, should be using </a:t>
+            </a:r>
+            <a:r>
+              <a:rPr lang="en-US" dirty="0" err="1">
+                <a:solidFill>
+                  <a:srgbClr val="FF0000"/>
+                </a:solidFill>
+              </a:rPr>
+              <a:t>url</a:t>
+            </a:r>
+            <a:r>
+              <a:rPr lang="en-US" dirty="0">
+                <a:solidFill>
+                  <a:srgbClr val="FF0000"/>
+                </a:solidFill>
+              </a:rPr>
+              <a:t> ‘</a:t>
+            </a:r>
+            <a:r>
+              <a:rPr lang="en-US" dirty="0" err="1">
+                <a:solidFill>
+                  <a:srgbClr val="FF0000"/>
+                </a:solidFill>
+              </a:rPr>
+              <a:t>QuestionApp:home</a:t>
+            </a:r>
+            <a:r>
+              <a:rPr lang="en-US" dirty="0">
+                <a:solidFill>
+                  <a:srgbClr val="FF0000"/>
+                </a:solidFill>
+              </a:rPr>
+              <a:t>’ </a:t>
+            </a:r>
+            <a:r>
+              <a:rPr lang="en-US" dirty="0"/>
+              <a:t>in template to reverse and get real URL. (if did not define the </a:t>
+            </a:r>
+            <a:r>
+              <a:rPr lang="en-US" dirty="0" err="1"/>
+              <a:t>app_name</a:t>
+            </a:r>
+            <a:r>
+              <a:rPr lang="en-US" dirty="0"/>
+              <a:t> in urls.py, then no need to add it)</a:t>
             </a:r>
           </a:p>
           <a:p>
             <a:pPr lvl="1"/>
             <a:r>
               <a:rPr lang="en-US" dirty="0"/>
-              <a:t>Add a new view in QuestionApp/views.py</a:t>
+              <a:t>When there are some parameter in the </a:t>
+            </a:r>
+            <a:r>
+              <a:rPr lang="en-US" dirty="0" err="1"/>
+              <a:t>url</a:t>
+            </a:r>
+            <a:r>
+              <a:rPr lang="en-US" dirty="0"/>
+              <a:t> config, then the reverse </a:t>
+            </a:r>
+            <a:r>
+              <a:rPr lang="en-US" dirty="0" err="1"/>
+              <a:t>url</a:t>
+            </a:r>
+            <a:r>
+              <a:rPr lang="en-US" dirty="0"/>
+              <a:t> will also need additional parameter</a:t>
+            </a:r>
+          </a:p>
+          <a:p>
+            <a:pPr lvl="1"/>
+            <a:r>
+              <a:rPr lang="en-US" dirty="0"/>
+              <a:t>In QuestionApp/urls.py</a:t>
+            </a:r>
+          </a:p>
+          <a:p>
+            <a:pPr lvl="1"/>
+            <a:endParaRPr lang="en-US" dirty="0"/>
+          </a:p>
+          <a:p>
+            <a:pPr lvl="1"/>
+            <a:r>
+              <a:rPr lang="en-US" dirty="0"/>
+              <a:t>In </a:t>
+            </a:r>
+            <a:r>
+              <a:rPr lang="en-US" dirty="0" err="1"/>
+              <a:t>QuestionApp</a:t>
+            </a:r>
+            <a:r>
+              <a:rPr lang="en-US" dirty="0"/>
+              <a:t>/templates/</a:t>
+            </a:r>
+            <a:r>
+              <a:rPr lang="en-US" dirty="0" err="1"/>
+              <a:t>QuestionApp</a:t>
+            </a:r>
+            <a:r>
+              <a:rPr lang="en-US" dirty="0"/>
+              <a:t>/home.html</a:t>
             </a:r>
           </a:p>
         </p:txBody>
@@ -18127,7 +19096,7 @@
           <p:cNvPr id="6" name="Picture 5">
             <a:extLst>
               <a:ext uri="{FF2B5EF4-FFF2-40B4-BE49-F238E27FC236}">
-                <a16:creationId xmlns:a16="http://schemas.microsoft.com/office/drawing/2014/main" id="{48829AA1-82CE-4664-9744-5B283EA2DD6D}"/>
+                <a16:creationId xmlns:a16="http://schemas.microsoft.com/office/drawing/2014/main" id="{03008FFE-33DC-481E-BB7B-DFABBAE7AE86}"/>
               </a:ext>
             </a:extLst>
           </p:cNvPr>
@@ -18144,8 +19113,38 @@
         </p:blipFill>
         <p:spPr>
           <a:xfrm>
-            <a:off x="2333256" y="3347906"/>
-            <a:ext cx="5277587" cy="1876687"/>
+            <a:off x="1704474" y="5483007"/>
+            <a:ext cx="9421540" cy="657317"/>
+          </a:xfrm>
+          <a:prstGeom prst="rect">
+            <a:avLst/>
+          </a:prstGeom>
+        </p:spPr>
+      </p:pic>
+      <p:pic>
+        <p:nvPicPr>
+          <p:cNvPr id="9" name="Picture 8">
+            <a:extLst>
+              <a:ext uri="{FF2B5EF4-FFF2-40B4-BE49-F238E27FC236}">
+                <a16:creationId xmlns:a16="http://schemas.microsoft.com/office/drawing/2014/main" id="{40A447B3-3021-41BE-A514-B5A8088C7141}"/>
+              </a:ext>
+            </a:extLst>
+          </p:cNvPr>
+          <p:cNvPicPr>
+            <a:picLocks noChangeAspect="1"/>
+          </p:cNvPicPr>
+          <p:nvPr/>
+        </p:nvPicPr>
+        <p:blipFill>
+          <a:blip r:embed="rId3"/>
+          <a:stretch>
+            <a:fillRect/>
+          </a:stretch>
+        </p:blipFill>
+        <p:spPr>
+          <a:xfrm>
+            <a:off x="1704474" y="4715182"/>
+            <a:ext cx="7182852" cy="276264"/>
           </a:xfrm>
           <a:prstGeom prst="rect">
             <a:avLst/>
@@ -18155,7 +19154,7 @@
     </p:spTree>
     <p:extLst>
       <p:ext uri="{BB962C8B-B14F-4D97-AF65-F5344CB8AC3E}">
-        <p14:creationId xmlns:p14="http://schemas.microsoft.com/office/powerpoint/2010/main" val="3221177523"/>
+        <p14:creationId xmlns:p14="http://schemas.microsoft.com/office/powerpoint/2010/main" val="3684619059"/>
       </p:ext>
     </p:extLst>
   </p:cSld>
@@ -18392,4 +19391,299 @@
     </a:ext>
   </a:extLst>
 </a:theme>
+</file>
+
+<file path=ppt/theme/theme2.xml><?xml version="1.0" encoding="utf-8"?>
+<a:theme xmlns:a="http://schemas.openxmlformats.org/drawingml/2006/main" name="Office Theme">
+  <a:themeElements>
+    <a:clrScheme name="Office">
+      <a:dk1>
+        <a:sysClr val="windowText" lastClr="000000"/>
+      </a:dk1>
+      <a:lt1>
+        <a:sysClr val="window" lastClr="FFFFFF"/>
+      </a:lt1>
+      <a:dk2>
+        <a:srgbClr val="44546A"/>
+      </a:dk2>
+      <a:lt2>
+        <a:srgbClr val="E7E6E6"/>
+      </a:lt2>
+      <a:accent1>
+        <a:srgbClr val="4472C4"/>
+      </a:accent1>
+      <a:accent2>
+        <a:srgbClr val="ED7D31"/>
+      </a:accent2>
+      <a:accent3>
+        <a:srgbClr val="A5A5A5"/>
+      </a:accent3>
+      <a:accent4>
+        <a:srgbClr val="FFC000"/>
+      </a:accent4>
+      <a:accent5>
+        <a:srgbClr val="5B9BD5"/>
+      </a:accent5>
+      <a:accent6>
+        <a:srgbClr val="70AD47"/>
+      </a:accent6>
+      <a:hlink>
+        <a:srgbClr val="0563C1"/>
+      </a:hlink>
+      <a:folHlink>
+        <a:srgbClr val="954F72"/>
+      </a:folHlink>
+    </a:clrScheme>
+    <a:fontScheme name="Office">
+      <a:majorFont>
+        <a:latin typeface="Calibri Light" panose="020F0302020204030204"/>
+        <a:ea typeface=""/>
+        <a:cs typeface=""/>
+        <a:font script="Jpan" typeface="游ゴシック Light"/>
+        <a:font script="Hang" typeface="맑은 고딕"/>
+        <a:font script="Hans" typeface="等线 Light"/>
+        <a:font script="Hant" typeface="新細明體"/>
+        <a:font script="Arab" typeface="Times New Roman"/>
+        <a:font script="Hebr" typeface="Times New Roman"/>
+        <a:font script="Thai" typeface="Angsana New"/>
+        <a:font script="Ethi" typeface="Nyala"/>
+        <a:font script="Beng" typeface="Vrinda"/>
+        <a:font script="Gujr" typeface="Shruti"/>
+        <a:font script="Khmr" typeface="MoolBoran"/>
+        <a:font script="Knda" typeface="Tunga"/>
+        <a:font script="Guru" typeface="Raavi"/>
+        <a:font script="Cans" typeface="Euphemia"/>
+        <a:font script="Cher" typeface="Plantagenet Cherokee"/>
+        <a:font script="Yiii" typeface="Microsoft Yi Baiti"/>
+        <a:font script="Tibt" typeface="Microsoft Himalaya"/>
+        <a:font script="Thaa" typeface="MV Boli"/>
+        <a:font script="Deva" typeface="Mangal"/>
+        <a:font script="Telu" typeface="Gautami"/>
+        <a:font script="Taml" typeface="Latha"/>
+        <a:font script="Syrc" typeface="Estrangelo Edessa"/>
+        <a:font script="Orya" typeface="Kalinga"/>
+        <a:font script="Mlym" typeface="Kartika"/>
+        <a:font script="Laoo" typeface="DokChampa"/>
+        <a:font script="Sinh" typeface="Iskoola Pota"/>
+        <a:font script="Mong" typeface="Mongolian Baiti"/>
+        <a:font script="Viet" typeface="Times New Roman"/>
+        <a:font script="Uigh" typeface="Microsoft Uighur"/>
+        <a:font script="Geor" typeface="Sylfaen"/>
+        <a:font script="Armn" typeface="Arial"/>
+        <a:font script="Bugi" typeface="Leelawadee UI"/>
+        <a:font script="Bopo" typeface="Microsoft JhengHei"/>
+        <a:font script="Java" typeface="Javanese Text"/>
+        <a:font script="Lisu" typeface="Segoe UI"/>
+        <a:font script="Mymr" typeface="Myanmar Text"/>
+        <a:font script="Nkoo" typeface="Ebrima"/>
+        <a:font script="Olck" typeface="Nirmala UI"/>
+        <a:font script="Osma" typeface="Ebrima"/>
+        <a:font script="Phag" typeface="Phagspa"/>
+        <a:font script="Syrn" typeface="Estrangelo Edessa"/>
+        <a:font script="Syrj" typeface="Estrangelo Edessa"/>
+        <a:font script="Syre" typeface="Estrangelo Edessa"/>
+        <a:font script="Sora" typeface="Nirmala UI"/>
+        <a:font script="Tale" typeface="Microsoft Tai Le"/>
+        <a:font script="Talu" typeface="Microsoft New Tai Lue"/>
+        <a:font script="Tfng" typeface="Ebrima"/>
+      </a:majorFont>
+      <a:minorFont>
+        <a:latin typeface="Calibri" panose="020F0502020204030204"/>
+        <a:ea typeface=""/>
+        <a:cs typeface=""/>
+        <a:font script="Jpan" typeface="游ゴシック"/>
+        <a:font script="Hang" typeface="맑은 고딕"/>
+        <a:font script="Hans" typeface="等线"/>
+        <a:font script="Hant" typeface="新細明體"/>
+        <a:font script="Arab" typeface="Arial"/>
+        <a:font script="Hebr" typeface="Arial"/>
+        <a:font script="Thai" typeface="Cordia New"/>
+        <a:font script="Ethi" typeface="Nyala"/>
+        <a:font script="Beng" typeface="Vrinda"/>
+        <a:font script="Gujr" typeface="Shruti"/>
+        <a:font script="Khmr" typeface="DaunPenh"/>
+        <a:font script="Knda" typeface="Tunga"/>
+        <a:font script="Guru" typeface="Raavi"/>
+        <a:font script="Cans" typeface="Euphemia"/>
+        <a:font script="Cher" typeface="Plantagenet Cherokee"/>
+        <a:font script="Yiii" typeface="Microsoft Yi Baiti"/>
+        <a:font script="Tibt" typeface="Microsoft Himalaya"/>
+        <a:font script="Thaa" typeface="MV Boli"/>
+        <a:font script="Deva" typeface="Mangal"/>
+        <a:font script="Telu" typeface="Gautami"/>
+        <a:font script="Taml" typeface="Latha"/>
+        <a:font script="Syrc" typeface="Estrangelo Edessa"/>
+        <a:font script="Orya" typeface="Kalinga"/>
+        <a:font script="Mlym" typeface="Kartika"/>
+        <a:font script="Laoo" typeface="DokChampa"/>
+        <a:font script="Sinh" typeface="Iskoola Pota"/>
+        <a:font script="Mong" typeface="Mongolian Baiti"/>
+        <a:font script="Viet" typeface="Arial"/>
+        <a:font script="Uigh" typeface="Microsoft Uighur"/>
+        <a:font script="Geor" typeface="Sylfaen"/>
+        <a:font script="Armn" typeface="Arial"/>
+        <a:font script="Bugi" typeface="Leelawadee UI"/>
+        <a:font script="Bopo" typeface="Microsoft JhengHei"/>
+        <a:font script="Java" typeface="Javanese Text"/>
+        <a:font script="Lisu" typeface="Segoe UI"/>
+        <a:font script="Mymr" typeface="Myanmar Text"/>
+        <a:font script="Nkoo" typeface="Ebrima"/>
+        <a:font script="Olck" typeface="Nirmala UI"/>
+        <a:font script="Osma" typeface="Ebrima"/>
+        <a:font script="Phag" typeface="Phagspa"/>
+        <a:font script="Syrn" typeface="Estrangelo Edessa"/>
+        <a:font script="Syrj" typeface="Estrangelo Edessa"/>
+        <a:font script="Syre" typeface="Estrangelo Edessa"/>
+        <a:font script="Sora" typeface="Nirmala UI"/>
+        <a:font script="Tale" typeface="Microsoft Tai Le"/>
+        <a:font script="Talu" typeface="Microsoft New Tai Lue"/>
+        <a:font script="Tfng" typeface="Ebrima"/>
+      </a:minorFont>
+    </a:fontScheme>
+    <a:fmtScheme name="Office">
+      <a:fillStyleLst>
+        <a:solidFill>
+          <a:schemeClr val="phClr"/>
+        </a:solidFill>
+        <a:gradFill rotWithShape="1">
+          <a:gsLst>
+            <a:gs pos="0">
+              <a:schemeClr val="phClr">
+                <a:lumMod val="110000"/>
+                <a:satMod val="105000"/>
+                <a:tint val="67000"/>
+              </a:schemeClr>
+            </a:gs>
+            <a:gs pos="50000">
+              <a:schemeClr val="phClr">
+                <a:lumMod val="105000"/>
+                <a:satMod val="103000"/>
+                <a:tint val="73000"/>
+              </a:schemeClr>
+            </a:gs>
+            <a:gs pos="100000">
+              <a:schemeClr val="phClr">
+                <a:lumMod val="105000"/>
+                <a:satMod val="109000"/>
+                <a:tint val="81000"/>
+              </a:schemeClr>
+            </a:gs>
+          </a:gsLst>
+          <a:lin ang="5400000" scaled="0"/>
+        </a:gradFill>
+        <a:gradFill rotWithShape="1">
+          <a:gsLst>
+            <a:gs pos="0">
+              <a:schemeClr val="phClr">
+                <a:satMod val="103000"/>
+                <a:lumMod val="102000"/>
+                <a:tint val="94000"/>
+              </a:schemeClr>
+            </a:gs>
+            <a:gs pos="50000">
+              <a:schemeClr val="phClr">
+                <a:satMod val="110000"/>
+                <a:lumMod val="100000"/>
+                <a:shade val="100000"/>
+              </a:schemeClr>
+            </a:gs>
+            <a:gs pos="100000">
+              <a:schemeClr val="phClr">
+                <a:lumMod val="99000"/>
+                <a:satMod val="120000"/>
+                <a:shade val="78000"/>
+              </a:schemeClr>
+            </a:gs>
+          </a:gsLst>
+          <a:lin ang="5400000" scaled="0"/>
+        </a:gradFill>
+      </a:fillStyleLst>
+      <a:lnStyleLst>
+        <a:ln w="6350" cap="flat" cmpd="sng" algn="ctr">
+          <a:solidFill>
+            <a:schemeClr val="phClr"/>
+          </a:solidFill>
+          <a:prstDash val="solid"/>
+          <a:miter lim="800000"/>
+        </a:ln>
+        <a:ln w="12700" cap="flat" cmpd="sng" algn="ctr">
+          <a:solidFill>
+            <a:schemeClr val="phClr"/>
+          </a:solidFill>
+          <a:prstDash val="solid"/>
+          <a:miter lim="800000"/>
+        </a:ln>
+        <a:ln w="19050" cap="flat" cmpd="sng" algn="ctr">
+          <a:solidFill>
+            <a:schemeClr val="phClr"/>
+          </a:solidFill>
+          <a:prstDash val="solid"/>
+          <a:miter lim="800000"/>
+        </a:ln>
+      </a:lnStyleLst>
+      <a:effectStyleLst>
+        <a:effectStyle>
+          <a:effectLst/>
+        </a:effectStyle>
+        <a:effectStyle>
+          <a:effectLst/>
+        </a:effectStyle>
+        <a:effectStyle>
+          <a:effectLst>
+            <a:outerShdw blurRad="57150" dist="19050" dir="5400000" algn="ctr" rotWithShape="0">
+              <a:srgbClr val="000000">
+                <a:alpha val="63000"/>
+              </a:srgbClr>
+            </a:outerShdw>
+          </a:effectLst>
+        </a:effectStyle>
+      </a:effectStyleLst>
+      <a:bgFillStyleLst>
+        <a:solidFill>
+          <a:schemeClr val="phClr"/>
+        </a:solidFill>
+        <a:solidFill>
+          <a:schemeClr val="phClr">
+            <a:tint val="95000"/>
+            <a:satMod val="170000"/>
+          </a:schemeClr>
+        </a:solidFill>
+        <a:gradFill rotWithShape="1">
+          <a:gsLst>
+            <a:gs pos="0">
+              <a:schemeClr val="phClr">
+                <a:tint val="93000"/>
+                <a:satMod val="150000"/>
+                <a:shade val="98000"/>
+                <a:lumMod val="102000"/>
+              </a:schemeClr>
+            </a:gs>
+            <a:gs pos="50000">
+              <a:schemeClr val="phClr">
+                <a:tint val="98000"/>
+                <a:satMod val="130000"/>
+                <a:shade val="90000"/>
+                <a:lumMod val="103000"/>
+              </a:schemeClr>
+            </a:gs>
+            <a:gs pos="100000">
+              <a:schemeClr val="phClr">
+                <a:shade val="63000"/>
+                <a:satMod val="120000"/>
+              </a:schemeClr>
+            </a:gs>
+          </a:gsLst>
+          <a:lin ang="5400000" scaled="0"/>
+        </a:gradFill>
+      </a:bgFillStyleLst>
+    </a:fmtScheme>
+  </a:themeElements>
+  <a:objectDefaults/>
+  <a:extraClrSchemeLst/>
+  <a:extLst>
+    <a:ext uri="{05A4C25C-085E-4340-85A3-A5531E510DB2}">
+      <thm15:themeFamily xmlns:thm15="http://schemas.microsoft.com/office/thememl/2012/main" name="Office Theme" id="{62F939B6-93AF-4DB8-9C6B-D6C7DFDC589F}" vid="{4A3C46E8-61CC-4603-A589-7422A47A8E4A}"/>
+    </a:ext>
+  </a:extLst>
+</a:theme>
 </file>
--- a/Py Web Unit2a.pptx
+++ b/Py Web Unit2a.pptx
@@ -139,13 +139,471 @@
 <file path=ppt/revisionInfo.xml><?xml version="1.0" encoding="utf-8"?>
 <p1510:revInfo xmlns:a="http://schemas.openxmlformats.org/drawingml/2006/main" xmlns:r="http://schemas.openxmlformats.org/officeDocument/2006/relationships" xmlns:p1510="http://schemas.microsoft.com/office/powerpoint/2015/10/main">
   <p1510:revLst>
-    <p1510:client id="{EE734A7A-B3FC-4B3B-9CBC-7BD32C090A7F}" v="62" dt="2021-10-31T06:06:59.271"/>
+    <p1510:client id="{EE734A7A-B3FC-4B3B-9CBC-7BD32C090A7F}" v="64" dt="2021-11-25T11:46:00.527"/>
   </p1510:revLst>
 </p1510:revInfo>
 </file>
 
 <file path=ppt/changesInfos/changesInfo1.xml><?xml version="1.0" encoding="utf-8"?>
 <pc:chgInfo xmlns:a="http://schemas.openxmlformats.org/drawingml/2006/main" xmlns:r="http://schemas.openxmlformats.org/officeDocument/2006/relationships" xmlns:ac="http://schemas.microsoft.com/office/drawing/2013/main/command" xmlns:pc="http://schemas.microsoft.com/office/powerpoint/2013/main/command">
+  <pc:docChgLst>
+    <pc:chgData name="Li Lixiang" userId="6104bbfcb56aea79" providerId="LiveId" clId="{73E4B0B5-5950-4F20-8031-729779FF7831}"/>
+    <pc:docChg chg="undo custSel addSld modSld addMainMaster delMainMaster">
+      <pc:chgData name="Li Lixiang" userId="6104bbfcb56aea79" providerId="LiveId" clId="{73E4B0B5-5950-4F20-8031-729779FF7831}" dt="2021-08-28T09:11:36.257" v="3278" actId="20577"/>
+      <pc:docMkLst>
+        <pc:docMk/>
+      </pc:docMkLst>
+      <pc:sldChg chg="addSp delSp modSp new mod setBg modClrScheme setClrOvrMap delDesignElem chgLayout">
+        <pc:chgData name="Li Lixiang" userId="6104bbfcb56aea79" providerId="LiveId" clId="{73E4B0B5-5950-4F20-8031-729779FF7831}" dt="2021-08-28T02:47:43.969" v="54" actId="26606"/>
+        <pc:sldMkLst>
+          <pc:docMk/>
+          <pc:sldMk cId="993770899" sldId="256"/>
+        </pc:sldMkLst>
+        <pc:spChg chg="mod">
+          <ac:chgData name="Li Lixiang" userId="6104bbfcb56aea79" providerId="LiveId" clId="{73E4B0B5-5950-4F20-8031-729779FF7831}" dt="2021-08-28T02:47:43.969" v="54" actId="26606"/>
+          <ac:spMkLst>
+            <pc:docMk/>
+            <pc:sldMk cId="993770899" sldId="256"/>
+            <ac:spMk id="2" creationId="{FCDC91C1-9010-4430-9E1F-86D9114237E3}"/>
+          </ac:spMkLst>
+        </pc:spChg>
+        <pc:spChg chg="mod">
+          <ac:chgData name="Li Lixiang" userId="6104bbfcb56aea79" providerId="LiveId" clId="{73E4B0B5-5950-4F20-8031-729779FF7831}" dt="2021-08-28T02:47:43.969" v="54" actId="26606"/>
+          <ac:spMkLst>
+            <pc:docMk/>
+            <pc:sldMk cId="993770899" sldId="256"/>
+            <ac:spMk id="3" creationId="{7342AE8A-5299-40EC-B93F-BDBB2838E67C}"/>
+          </ac:spMkLst>
+        </pc:spChg>
+        <pc:spChg chg="add">
+          <ac:chgData name="Li Lixiang" userId="6104bbfcb56aea79" providerId="LiveId" clId="{73E4B0B5-5950-4F20-8031-729779FF7831}" dt="2021-08-28T02:47:43.969" v="54" actId="26606"/>
+          <ac:spMkLst>
+            <pc:docMk/>
+            <pc:sldMk cId="993770899" sldId="256"/>
+            <ac:spMk id="6" creationId="{2A0E4E09-FC02-4ADC-951A-3FFA90B6FE39}"/>
+          </ac:spMkLst>
+        </pc:spChg>
+        <pc:spChg chg="add">
+          <ac:chgData name="Li Lixiang" userId="6104bbfcb56aea79" providerId="LiveId" clId="{73E4B0B5-5950-4F20-8031-729779FF7831}" dt="2021-08-28T02:47:43.969" v="54" actId="26606"/>
+          <ac:spMkLst>
+            <pc:docMk/>
+            <pc:sldMk cId="993770899" sldId="256"/>
+            <ac:spMk id="7" creationId="{0060CE1A-A2ED-43AC-857D-05822177FAD1}"/>
+          </ac:spMkLst>
+        </pc:spChg>
+        <pc:spChg chg="add del">
+          <ac:chgData name="Li Lixiang" userId="6104bbfcb56aea79" providerId="LiveId" clId="{73E4B0B5-5950-4F20-8031-729779FF7831}" dt="2021-08-28T02:46:50.396" v="52"/>
+          <ac:spMkLst>
+            <pc:docMk/>
+            <pc:sldMk cId="993770899" sldId="256"/>
+            <ac:spMk id="9" creationId="{4EFE82FE-7465-AE46-88DF-34D347E83B84}"/>
+          </ac:spMkLst>
+        </pc:spChg>
+        <pc:spChg chg="add del">
+          <ac:chgData name="Li Lixiang" userId="6104bbfcb56aea79" providerId="LiveId" clId="{73E4B0B5-5950-4F20-8031-729779FF7831}" dt="2021-08-28T02:46:50.396" v="52"/>
+          <ac:spMkLst>
+            <pc:docMk/>
+            <pc:sldMk cId="993770899" sldId="256"/>
+            <ac:spMk id="11" creationId="{B4F75AE3-A3AC-DE4C-98FE-EC9DC3BF8DA5}"/>
+          </ac:spMkLst>
+        </pc:spChg>
+        <pc:grpChg chg="add del">
+          <ac:chgData name="Li Lixiang" userId="6104bbfcb56aea79" providerId="LiveId" clId="{73E4B0B5-5950-4F20-8031-729779FF7831}" dt="2021-08-28T02:46:50.396" v="52"/>
+          <ac:grpSpMkLst>
+            <pc:docMk/>
+            <pc:sldMk cId="993770899" sldId="256"/>
+            <ac:grpSpMk id="15" creationId="{44406D7A-DB1A-D940-8AD1-93FAF9DD7199}"/>
+          </ac:grpSpMkLst>
+        </pc:grpChg>
+        <pc:picChg chg="add mod ord">
+          <ac:chgData name="Li Lixiang" userId="6104bbfcb56aea79" providerId="LiveId" clId="{73E4B0B5-5950-4F20-8031-729779FF7831}" dt="2021-08-28T02:47:43.969" v="54" actId="26606"/>
+          <ac:picMkLst>
+            <pc:docMk/>
+            <pc:sldMk cId="993770899" sldId="256"/>
+            <ac:picMk id="4" creationId="{DB5C39A0-E42C-47B2-B449-FA75ACB52455}"/>
+          </ac:picMkLst>
+        </pc:picChg>
+        <pc:cxnChg chg="add del">
+          <ac:chgData name="Li Lixiang" userId="6104bbfcb56aea79" providerId="LiveId" clId="{73E4B0B5-5950-4F20-8031-729779FF7831}" dt="2021-08-28T02:46:50.396" v="52"/>
+          <ac:cxnSpMkLst>
+            <pc:docMk/>
+            <pc:sldMk cId="993770899" sldId="256"/>
+            <ac:cxnSpMk id="13" creationId="{41C79BB7-CCAB-2243-9830-5569626C4D01}"/>
+          </ac:cxnSpMkLst>
+        </pc:cxnChg>
+      </pc:sldChg>
+      <pc:sldChg chg="addSp modSp new mod">
+        <pc:chgData name="Li Lixiang" userId="6104bbfcb56aea79" providerId="LiveId" clId="{73E4B0B5-5950-4F20-8031-729779FF7831}" dt="2021-08-28T09:08:28.529" v="3249" actId="14100"/>
+        <pc:sldMkLst>
+          <pc:docMk/>
+          <pc:sldMk cId="4118967571" sldId="257"/>
+        </pc:sldMkLst>
+        <pc:spChg chg="mod">
+          <ac:chgData name="Li Lixiang" userId="6104bbfcb56aea79" providerId="LiveId" clId="{73E4B0B5-5950-4F20-8031-729779FF7831}" dt="2021-08-28T02:47:56.855" v="65" actId="20577"/>
+          <ac:spMkLst>
+            <pc:docMk/>
+            <pc:sldMk cId="4118967571" sldId="257"/>
+            <ac:spMk id="2" creationId="{5A817F65-0249-4813-916F-D22CF5F41D8C}"/>
+          </ac:spMkLst>
+        </pc:spChg>
+        <pc:spChg chg="mod">
+          <ac:chgData name="Li Lixiang" userId="6104bbfcb56aea79" providerId="LiveId" clId="{73E4B0B5-5950-4F20-8031-729779FF7831}" dt="2021-08-28T09:08:28.529" v="3249" actId="14100"/>
+          <ac:spMkLst>
+            <pc:docMk/>
+            <pc:sldMk cId="4118967571" sldId="257"/>
+            <ac:spMk id="3" creationId="{588B000C-CCD7-42E0-A4A2-DB893ED55A0D}"/>
+          </ac:spMkLst>
+        </pc:spChg>
+        <pc:picChg chg="add mod">
+          <ac:chgData name="Li Lixiang" userId="6104bbfcb56aea79" providerId="LiveId" clId="{73E4B0B5-5950-4F20-8031-729779FF7831}" dt="2021-08-28T03:05:24.737" v="241" actId="1076"/>
+          <ac:picMkLst>
+            <pc:docMk/>
+            <pc:sldMk cId="4118967571" sldId="257"/>
+            <ac:picMk id="5" creationId="{A842DAAD-2B60-4D56-9507-95C44221A9FD}"/>
+          </ac:picMkLst>
+        </pc:picChg>
+      </pc:sldChg>
+      <pc:sldChg chg="addSp delSp modSp add mod">
+        <pc:chgData name="Li Lixiang" userId="6104bbfcb56aea79" providerId="LiveId" clId="{73E4B0B5-5950-4F20-8031-729779FF7831}" dt="2021-08-28T09:11:36.257" v="3278" actId="20577"/>
+        <pc:sldMkLst>
+          <pc:docMk/>
+          <pc:sldMk cId="2618729237" sldId="258"/>
+        </pc:sldMkLst>
+        <pc:spChg chg="mod">
+          <ac:chgData name="Li Lixiang" userId="6104bbfcb56aea79" providerId="LiveId" clId="{73E4B0B5-5950-4F20-8031-729779FF7831}" dt="2021-08-28T09:11:11.988" v="3256" actId="20577"/>
+          <ac:spMkLst>
+            <pc:docMk/>
+            <pc:sldMk cId="2618729237" sldId="258"/>
+            <ac:spMk id="2" creationId="{5A817F65-0249-4813-916F-D22CF5F41D8C}"/>
+          </ac:spMkLst>
+        </pc:spChg>
+        <pc:spChg chg="mod">
+          <ac:chgData name="Li Lixiang" userId="6104bbfcb56aea79" providerId="LiveId" clId="{73E4B0B5-5950-4F20-8031-729779FF7831}" dt="2021-08-28T09:11:36.257" v="3278" actId="20577"/>
+          <ac:spMkLst>
+            <pc:docMk/>
+            <pc:sldMk cId="2618729237" sldId="258"/>
+            <ac:spMk id="3" creationId="{588B000C-CCD7-42E0-A4A2-DB893ED55A0D}"/>
+          </ac:spMkLst>
+        </pc:spChg>
+        <pc:spChg chg="add del mod">
+          <ac:chgData name="Li Lixiang" userId="6104bbfcb56aea79" providerId="LiveId" clId="{73E4B0B5-5950-4F20-8031-729779FF7831}" dt="2021-08-28T09:05:18.638" v="3238"/>
+          <ac:spMkLst>
+            <pc:docMk/>
+            <pc:sldMk cId="2618729237" sldId="258"/>
+            <ac:spMk id="4" creationId="{1DF46413-5801-4AC3-8ECC-1ABCFC5EEDA3}"/>
+          </ac:spMkLst>
+        </pc:spChg>
+        <pc:spChg chg="add del mod">
+          <ac:chgData name="Li Lixiang" userId="6104bbfcb56aea79" providerId="LiveId" clId="{73E4B0B5-5950-4F20-8031-729779FF7831}" dt="2021-08-28T09:04:53.244" v="3230" actId="478"/>
+          <ac:spMkLst>
+            <pc:docMk/>
+            <pc:sldMk cId="2618729237" sldId="258"/>
+            <ac:spMk id="6" creationId="{9248EEC8-315A-43E8-8CDF-2290C0984153}"/>
+          </ac:spMkLst>
+        </pc:spChg>
+        <pc:picChg chg="del">
+          <ac:chgData name="Li Lixiang" userId="6104bbfcb56aea79" providerId="LiveId" clId="{73E4B0B5-5950-4F20-8031-729779FF7831}" dt="2021-08-28T03:27:38.989" v="681" actId="478"/>
+          <ac:picMkLst>
+            <pc:docMk/>
+            <pc:sldMk cId="2618729237" sldId="258"/>
+            <ac:picMk id="5" creationId="{A842DAAD-2B60-4D56-9507-95C44221A9FD}"/>
+          </ac:picMkLst>
+        </pc:picChg>
+      </pc:sldChg>
+      <pc:sldChg chg="addSp delSp modSp add mod">
+        <pc:chgData name="Li Lixiang" userId="6104bbfcb56aea79" providerId="LiveId" clId="{73E4B0B5-5950-4F20-8031-729779FF7831}" dt="2021-08-28T08:56:40.966" v="2286" actId="22"/>
+        <pc:sldMkLst>
+          <pc:docMk/>
+          <pc:sldMk cId="3858986464" sldId="259"/>
+        </pc:sldMkLst>
+        <pc:spChg chg="mod">
+          <ac:chgData name="Li Lixiang" userId="6104bbfcb56aea79" providerId="LiveId" clId="{73E4B0B5-5950-4F20-8031-729779FF7831}" dt="2021-08-28T07:14:53.633" v="2197" actId="20577"/>
+          <ac:spMkLst>
+            <pc:docMk/>
+            <pc:sldMk cId="3858986464" sldId="259"/>
+            <ac:spMk id="3" creationId="{588B000C-CCD7-42E0-A4A2-DB893ED55A0D}"/>
+          </ac:spMkLst>
+        </pc:spChg>
+        <pc:spChg chg="add del">
+          <ac:chgData name="Li Lixiang" userId="6104bbfcb56aea79" providerId="LiveId" clId="{73E4B0B5-5950-4F20-8031-729779FF7831}" dt="2021-08-28T08:56:40.966" v="2286" actId="22"/>
+          <ac:spMkLst>
+            <pc:docMk/>
+            <pc:sldMk cId="3858986464" sldId="259"/>
+            <ac:spMk id="5" creationId="{FF58ED32-D9A1-489F-BE48-8ECF54DB8EFB}"/>
+          </ac:spMkLst>
+        </pc:spChg>
+        <pc:picChg chg="del">
+          <ac:chgData name="Li Lixiang" userId="6104bbfcb56aea79" providerId="LiveId" clId="{73E4B0B5-5950-4F20-8031-729779FF7831}" dt="2021-08-28T03:39:08.811" v="1068" actId="478"/>
+          <ac:picMkLst>
+            <pc:docMk/>
+            <pc:sldMk cId="3858986464" sldId="259"/>
+            <ac:picMk id="5" creationId="{A842DAAD-2B60-4D56-9507-95C44221A9FD}"/>
+          </ac:picMkLst>
+        </pc:picChg>
+      </pc:sldChg>
+      <pc:sldChg chg="modSp add mod">
+        <pc:chgData name="Li Lixiang" userId="6104bbfcb56aea79" providerId="LiveId" clId="{73E4B0B5-5950-4F20-8031-729779FF7831}" dt="2021-08-28T09:02:22.685" v="3211" actId="14100"/>
+        <pc:sldMkLst>
+          <pc:docMk/>
+          <pc:sldMk cId="1584354543" sldId="260"/>
+        </pc:sldMkLst>
+        <pc:spChg chg="mod">
+          <ac:chgData name="Li Lixiang" userId="6104bbfcb56aea79" providerId="LiveId" clId="{73E4B0B5-5950-4F20-8031-729779FF7831}" dt="2021-08-28T08:56:48.409" v="2303" actId="20577"/>
+          <ac:spMkLst>
+            <pc:docMk/>
+            <pc:sldMk cId="1584354543" sldId="260"/>
+            <ac:spMk id="2" creationId="{5A817F65-0249-4813-916F-D22CF5F41D8C}"/>
+          </ac:spMkLst>
+        </pc:spChg>
+        <pc:spChg chg="mod">
+          <ac:chgData name="Li Lixiang" userId="6104bbfcb56aea79" providerId="LiveId" clId="{73E4B0B5-5950-4F20-8031-729779FF7831}" dt="2021-08-28T09:02:22.685" v="3211" actId="14100"/>
+          <ac:spMkLst>
+            <pc:docMk/>
+            <pc:sldMk cId="1584354543" sldId="260"/>
+            <ac:spMk id="3" creationId="{588B000C-CCD7-42E0-A4A2-DB893ED55A0D}"/>
+          </ac:spMkLst>
+        </pc:spChg>
+      </pc:sldChg>
+      <pc:sldMasterChg chg="del delSldLayout">
+        <pc:chgData name="Li Lixiang" userId="6104bbfcb56aea79" providerId="LiveId" clId="{73E4B0B5-5950-4F20-8031-729779FF7831}" dt="2021-08-28T02:45:18.450" v="2" actId="26606"/>
+        <pc:sldMasterMkLst>
+          <pc:docMk/>
+          <pc:sldMasterMk cId="3183522149" sldId="2147483660"/>
+        </pc:sldMasterMkLst>
+        <pc:sldLayoutChg chg="del">
+          <pc:chgData name="Li Lixiang" userId="6104bbfcb56aea79" providerId="LiveId" clId="{73E4B0B5-5950-4F20-8031-729779FF7831}" dt="2021-08-28T02:45:18.450" v="2" actId="26606"/>
+          <pc:sldLayoutMkLst>
+            <pc:docMk/>
+            <pc:sldMasterMk cId="3183522149" sldId="2147483660"/>
+            <pc:sldLayoutMk cId="3186709566" sldId="2147483661"/>
+          </pc:sldLayoutMkLst>
+        </pc:sldLayoutChg>
+        <pc:sldLayoutChg chg="del">
+          <pc:chgData name="Li Lixiang" userId="6104bbfcb56aea79" providerId="LiveId" clId="{73E4B0B5-5950-4F20-8031-729779FF7831}" dt="2021-08-28T02:45:18.450" v="2" actId="26606"/>
+          <pc:sldLayoutMkLst>
+            <pc:docMk/>
+            <pc:sldMasterMk cId="3183522149" sldId="2147483660"/>
+            <pc:sldLayoutMk cId="3364419804" sldId="2147483662"/>
+          </pc:sldLayoutMkLst>
+        </pc:sldLayoutChg>
+        <pc:sldLayoutChg chg="del">
+          <pc:chgData name="Li Lixiang" userId="6104bbfcb56aea79" providerId="LiveId" clId="{73E4B0B5-5950-4F20-8031-729779FF7831}" dt="2021-08-28T02:45:18.450" v="2" actId="26606"/>
+          <pc:sldLayoutMkLst>
+            <pc:docMk/>
+            <pc:sldMasterMk cId="3183522149" sldId="2147483660"/>
+            <pc:sldLayoutMk cId="1861057625" sldId="2147483663"/>
+          </pc:sldLayoutMkLst>
+        </pc:sldLayoutChg>
+        <pc:sldLayoutChg chg="del">
+          <pc:chgData name="Li Lixiang" userId="6104bbfcb56aea79" providerId="LiveId" clId="{73E4B0B5-5950-4F20-8031-729779FF7831}" dt="2021-08-28T02:45:18.450" v="2" actId="26606"/>
+          <pc:sldLayoutMkLst>
+            <pc:docMk/>
+            <pc:sldMasterMk cId="3183522149" sldId="2147483660"/>
+            <pc:sldLayoutMk cId="4172012558" sldId="2147483664"/>
+          </pc:sldLayoutMkLst>
+        </pc:sldLayoutChg>
+        <pc:sldLayoutChg chg="del">
+          <pc:chgData name="Li Lixiang" userId="6104bbfcb56aea79" providerId="LiveId" clId="{73E4B0B5-5950-4F20-8031-729779FF7831}" dt="2021-08-28T02:45:18.450" v="2" actId="26606"/>
+          <pc:sldLayoutMkLst>
+            <pc:docMk/>
+            <pc:sldMasterMk cId="3183522149" sldId="2147483660"/>
+            <pc:sldLayoutMk cId="3643815712" sldId="2147483665"/>
+          </pc:sldLayoutMkLst>
+        </pc:sldLayoutChg>
+        <pc:sldLayoutChg chg="del">
+          <pc:chgData name="Li Lixiang" userId="6104bbfcb56aea79" providerId="LiveId" clId="{73E4B0B5-5950-4F20-8031-729779FF7831}" dt="2021-08-28T02:45:18.450" v="2" actId="26606"/>
+          <pc:sldLayoutMkLst>
+            <pc:docMk/>
+            <pc:sldMasterMk cId="3183522149" sldId="2147483660"/>
+            <pc:sldLayoutMk cId="845224929" sldId="2147483666"/>
+          </pc:sldLayoutMkLst>
+        </pc:sldLayoutChg>
+        <pc:sldLayoutChg chg="del">
+          <pc:chgData name="Li Lixiang" userId="6104bbfcb56aea79" providerId="LiveId" clId="{73E4B0B5-5950-4F20-8031-729779FF7831}" dt="2021-08-28T02:45:18.450" v="2" actId="26606"/>
+          <pc:sldLayoutMkLst>
+            <pc:docMk/>
+            <pc:sldMasterMk cId="3183522149" sldId="2147483660"/>
+            <pc:sldLayoutMk cId="1790386259" sldId="2147483667"/>
+          </pc:sldLayoutMkLst>
+        </pc:sldLayoutChg>
+        <pc:sldLayoutChg chg="del">
+          <pc:chgData name="Li Lixiang" userId="6104bbfcb56aea79" providerId="LiveId" clId="{73E4B0B5-5950-4F20-8031-729779FF7831}" dt="2021-08-28T02:45:18.450" v="2" actId="26606"/>
+          <pc:sldLayoutMkLst>
+            <pc:docMk/>
+            <pc:sldMasterMk cId="3183522149" sldId="2147483660"/>
+            <pc:sldLayoutMk cId="540114896" sldId="2147483668"/>
+          </pc:sldLayoutMkLst>
+        </pc:sldLayoutChg>
+        <pc:sldLayoutChg chg="del">
+          <pc:chgData name="Li Lixiang" userId="6104bbfcb56aea79" providerId="LiveId" clId="{73E4B0B5-5950-4F20-8031-729779FF7831}" dt="2021-08-28T02:45:18.450" v="2" actId="26606"/>
+          <pc:sldLayoutMkLst>
+            <pc:docMk/>
+            <pc:sldMasterMk cId="3183522149" sldId="2147483660"/>
+            <pc:sldLayoutMk cId="2861096339" sldId="2147483669"/>
+          </pc:sldLayoutMkLst>
+        </pc:sldLayoutChg>
+        <pc:sldLayoutChg chg="del">
+          <pc:chgData name="Li Lixiang" userId="6104bbfcb56aea79" providerId="LiveId" clId="{73E4B0B5-5950-4F20-8031-729779FF7831}" dt="2021-08-28T02:45:18.450" v="2" actId="26606"/>
+          <pc:sldLayoutMkLst>
+            <pc:docMk/>
+            <pc:sldMasterMk cId="3183522149" sldId="2147483660"/>
+            <pc:sldLayoutMk cId="2823692988" sldId="2147483670"/>
+          </pc:sldLayoutMkLst>
+        </pc:sldLayoutChg>
+        <pc:sldLayoutChg chg="del">
+          <pc:chgData name="Li Lixiang" userId="6104bbfcb56aea79" providerId="LiveId" clId="{73E4B0B5-5950-4F20-8031-729779FF7831}" dt="2021-08-28T02:45:18.450" v="2" actId="26606"/>
+          <pc:sldLayoutMkLst>
+            <pc:docMk/>
+            <pc:sldMasterMk cId="3183522149" sldId="2147483660"/>
+            <pc:sldLayoutMk cId="3951869625" sldId="2147483671"/>
+          </pc:sldLayoutMkLst>
+        </pc:sldLayoutChg>
+        <pc:sldLayoutChg chg="del">
+          <pc:chgData name="Li Lixiang" userId="6104bbfcb56aea79" providerId="LiveId" clId="{73E4B0B5-5950-4F20-8031-729779FF7831}" dt="2021-08-28T02:45:18.450" v="2" actId="26606"/>
+          <pc:sldLayoutMkLst>
+            <pc:docMk/>
+            <pc:sldMasterMk cId="3183522149" sldId="2147483660"/>
+            <pc:sldLayoutMk cId="561402988" sldId="2147483672"/>
+          </pc:sldLayoutMkLst>
+        </pc:sldLayoutChg>
+        <pc:sldLayoutChg chg="del">
+          <pc:chgData name="Li Lixiang" userId="6104bbfcb56aea79" providerId="LiveId" clId="{73E4B0B5-5950-4F20-8031-729779FF7831}" dt="2021-08-28T02:45:18.450" v="2" actId="26606"/>
+          <pc:sldLayoutMkLst>
+            <pc:docMk/>
+            <pc:sldMasterMk cId="3183522149" sldId="2147483660"/>
+            <pc:sldLayoutMk cId="516230857" sldId="2147483673"/>
+          </pc:sldLayoutMkLst>
+        </pc:sldLayoutChg>
+        <pc:sldLayoutChg chg="del">
+          <pc:chgData name="Li Lixiang" userId="6104bbfcb56aea79" providerId="LiveId" clId="{73E4B0B5-5950-4F20-8031-729779FF7831}" dt="2021-08-28T02:45:18.450" v="2" actId="26606"/>
+          <pc:sldLayoutMkLst>
+            <pc:docMk/>
+            <pc:sldMasterMk cId="3183522149" sldId="2147483660"/>
+            <pc:sldLayoutMk cId="3507508327" sldId="2147483674"/>
+          </pc:sldLayoutMkLst>
+        </pc:sldLayoutChg>
+        <pc:sldLayoutChg chg="del">
+          <pc:chgData name="Li Lixiang" userId="6104bbfcb56aea79" providerId="LiveId" clId="{73E4B0B5-5950-4F20-8031-729779FF7831}" dt="2021-08-28T02:45:18.450" v="2" actId="26606"/>
+          <pc:sldLayoutMkLst>
+            <pc:docMk/>
+            <pc:sldMasterMk cId="3183522149" sldId="2147483660"/>
+            <pc:sldLayoutMk cId="52198312" sldId="2147483675"/>
+          </pc:sldLayoutMkLst>
+        </pc:sldLayoutChg>
+        <pc:sldLayoutChg chg="del">
+          <pc:chgData name="Li Lixiang" userId="6104bbfcb56aea79" providerId="LiveId" clId="{73E4B0B5-5950-4F20-8031-729779FF7831}" dt="2021-08-28T02:45:18.450" v="2" actId="26606"/>
+          <pc:sldLayoutMkLst>
+            <pc:docMk/>
+            <pc:sldMasterMk cId="3183522149" sldId="2147483660"/>
+            <pc:sldLayoutMk cId="2898023928" sldId="2147483676"/>
+          </pc:sldLayoutMkLst>
+        </pc:sldLayoutChg>
+        <pc:sldLayoutChg chg="del">
+          <pc:chgData name="Li Lixiang" userId="6104bbfcb56aea79" providerId="LiveId" clId="{73E4B0B5-5950-4F20-8031-729779FF7831}" dt="2021-08-28T02:45:18.450" v="2" actId="26606"/>
+          <pc:sldLayoutMkLst>
+            <pc:docMk/>
+            <pc:sldMasterMk cId="3183522149" sldId="2147483660"/>
+            <pc:sldLayoutMk cId="2794597234" sldId="2147483677"/>
+          </pc:sldLayoutMkLst>
+        </pc:sldLayoutChg>
+      </pc:sldMasterChg>
+      <pc:sldMasterChg chg="add addSldLayout">
+        <pc:chgData name="Li Lixiang" userId="6104bbfcb56aea79" providerId="LiveId" clId="{73E4B0B5-5950-4F20-8031-729779FF7831}" dt="2021-08-28T02:45:18.450" v="2" actId="26606"/>
+        <pc:sldMasterMkLst>
+          <pc:docMk/>
+          <pc:sldMasterMk cId="1152733259" sldId="2147483685"/>
+        </pc:sldMasterMkLst>
+        <pc:sldLayoutChg chg="add">
+          <pc:chgData name="Li Lixiang" userId="6104bbfcb56aea79" providerId="LiveId" clId="{73E4B0B5-5950-4F20-8031-729779FF7831}" dt="2021-08-28T02:45:18.450" v="2" actId="26606"/>
+          <pc:sldLayoutMkLst>
+            <pc:docMk/>
+            <pc:sldMasterMk cId="1152733259" sldId="2147483685"/>
+            <pc:sldLayoutMk cId="1977373168" sldId="2147483678"/>
+          </pc:sldLayoutMkLst>
+        </pc:sldLayoutChg>
+        <pc:sldLayoutChg chg="add">
+          <pc:chgData name="Li Lixiang" userId="6104bbfcb56aea79" providerId="LiveId" clId="{73E4B0B5-5950-4F20-8031-729779FF7831}" dt="2021-08-28T02:45:18.450" v="2" actId="26606"/>
+          <pc:sldLayoutMkLst>
+            <pc:docMk/>
+            <pc:sldMasterMk cId="1152733259" sldId="2147483685"/>
+            <pc:sldLayoutMk cId="2146515652" sldId="2147483679"/>
+          </pc:sldLayoutMkLst>
+        </pc:sldLayoutChg>
+        <pc:sldLayoutChg chg="add">
+          <pc:chgData name="Li Lixiang" userId="6104bbfcb56aea79" providerId="LiveId" clId="{73E4B0B5-5950-4F20-8031-729779FF7831}" dt="2021-08-28T02:45:18.450" v="2" actId="26606"/>
+          <pc:sldLayoutMkLst>
+            <pc:docMk/>
+            <pc:sldMasterMk cId="1152733259" sldId="2147483685"/>
+            <pc:sldLayoutMk cId="3802123621" sldId="2147483680"/>
+          </pc:sldLayoutMkLst>
+        </pc:sldLayoutChg>
+        <pc:sldLayoutChg chg="add">
+          <pc:chgData name="Li Lixiang" userId="6104bbfcb56aea79" providerId="LiveId" clId="{73E4B0B5-5950-4F20-8031-729779FF7831}" dt="2021-08-28T02:45:18.450" v="2" actId="26606"/>
+          <pc:sldLayoutMkLst>
+            <pc:docMk/>
+            <pc:sldMasterMk cId="1152733259" sldId="2147483685"/>
+            <pc:sldLayoutMk cId="3143496780" sldId="2147483681"/>
+          </pc:sldLayoutMkLst>
+        </pc:sldLayoutChg>
+        <pc:sldLayoutChg chg="add">
+          <pc:chgData name="Li Lixiang" userId="6104bbfcb56aea79" providerId="LiveId" clId="{73E4B0B5-5950-4F20-8031-729779FF7831}" dt="2021-08-28T02:45:18.450" v="2" actId="26606"/>
+          <pc:sldLayoutMkLst>
+            <pc:docMk/>
+            <pc:sldMasterMk cId="1152733259" sldId="2147483685"/>
+            <pc:sldLayoutMk cId="2567816487" sldId="2147483682"/>
+          </pc:sldLayoutMkLst>
+        </pc:sldLayoutChg>
+        <pc:sldLayoutChg chg="add">
+          <pc:chgData name="Li Lixiang" userId="6104bbfcb56aea79" providerId="LiveId" clId="{73E4B0B5-5950-4F20-8031-729779FF7831}" dt="2021-08-28T02:45:18.450" v="2" actId="26606"/>
+          <pc:sldLayoutMkLst>
+            <pc:docMk/>
+            <pc:sldMasterMk cId="1152733259" sldId="2147483685"/>
+            <pc:sldLayoutMk cId="2584904195" sldId="2147483683"/>
+          </pc:sldLayoutMkLst>
+        </pc:sldLayoutChg>
+        <pc:sldLayoutChg chg="add">
+          <pc:chgData name="Li Lixiang" userId="6104bbfcb56aea79" providerId="LiveId" clId="{73E4B0B5-5950-4F20-8031-729779FF7831}" dt="2021-08-28T02:45:18.450" v="2" actId="26606"/>
+          <pc:sldLayoutMkLst>
+            <pc:docMk/>
+            <pc:sldMasterMk cId="1152733259" sldId="2147483685"/>
+            <pc:sldLayoutMk cId="2533602932" sldId="2147483684"/>
+          </pc:sldLayoutMkLst>
+        </pc:sldLayoutChg>
+        <pc:sldLayoutChg chg="add replId">
+          <pc:chgData name="Li Lixiang" userId="6104bbfcb56aea79" providerId="LiveId" clId="{73E4B0B5-5950-4F20-8031-729779FF7831}" dt="2021-08-28T02:45:18.450" v="2" actId="26606"/>
+          <pc:sldLayoutMkLst>
+            <pc:docMk/>
+            <pc:sldMasterMk cId="1152733259" sldId="2147483685"/>
+            <pc:sldLayoutMk cId="3763996518" sldId="2147483686"/>
+          </pc:sldLayoutMkLst>
+        </pc:sldLayoutChg>
+        <pc:sldLayoutChg chg="add replId">
+          <pc:chgData name="Li Lixiang" userId="6104bbfcb56aea79" providerId="LiveId" clId="{73E4B0B5-5950-4F20-8031-729779FF7831}" dt="2021-08-28T02:45:18.450" v="2" actId="26606"/>
+          <pc:sldLayoutMkLst>
+            <pc:docMk/>
+            <pc:sldMasterMk cId="1152733259" sldId="2147483685"/>
+            <pc:sldLayoutMk cId="3977854285" sldId="2147483687"/>
+          </pc:sldLayoutMkLst>
+        </pc:sldLayoutChg>
+        <pc:sldLayoutChg chg="add replId">
+          <pc:chgData name="Li Lixiang" userId="6104bbfcb56aea79" providerId="LiveId" clId="{73E4B0B5-5950-4F20-8031-729779FF7831}" dt="2021-08-28T02:45:18.450" v="2" actId="26606"/>
+          <pc:sldLayoutMkLst>
+            <pc:docMk/>
+            <pc:sldMasterMk cId="1152733259" sldId="2147483685"/>
+            <pc:sldLayoutMk cId="962844106" sldId="2147483688"/>
+          </pc:sldLayoutMkLst>
+        </pc:sldLayoutChg>
+        <pc:sldLayoutChg chg="add replId">
+          <pc:chgData name="Li Lixiang" userId="6104bbfcb56aea79" providerId="LiveId" clId="{73E4B0B5-5950-4F20-8031-729779FF7831}" dt="2021-08-28T02:45:18.450" v="2" actId="26606"/>
+          <pc:sldLayoutMkLst>
+            <pc:docMk/>
+            <pc:sldMasterMk cId="1152733259" sldId="2147483685"/>
+            <pc:sldLayoutMk cId="3513658129" sldId="2147483689"/>
+          </pc:sldLayoutMkLst>
+        </pc:sldLayoutChg>
+      </pc:sldMasterChg>
+    </pc:docChg>
+  </pc:docChgLst>
   <pc:docChgLst>
     <pc:chgData name="Li Lixiang" userId="6104bbfcb56aea79" providerId="LiveId" clId="{8F24DB6C-69C5-4C84-9714-7DFF6EE8307D}"/>
     <pc:docChg chg="undo redo custSel addSld modSld">
@@ -904,467 +1362,9 @@
     </pc:docChg>
   </pc:docChgLst>
   <pc:docChgLst>
-    <pc:chgData name="Li Lixiang" userId="6104bbfcb56aea79" providerId="LiveId" clId="{73E4B0B5-5950-4F20-8031-729779FF7831}"/>
-    <pc:docChg chg="undo custSel addSld modSld addMainMaster delMainMaster">
-      <pc:chgData name="Li Lixiang" userId="6104bbfcb56aea79" providerId="LiveId" clId="{73E4B0B5-5950-4F20-8031-729779FF7831}" dt="2021-08-28T09:11:36.257" v="3278" actId="20577"/>
-      <pc:docMkLst>
-        <pc:docMk/>
-      </pc:docMkLst>
-      <pc:sldChg chg="addSp delSp modSp new mod setBg modClrScheme setClrOvrMap delDesignElem chgLayout">
-        <pc:chgData name="Li Lixiang" userId="6104bbfcb56aea79" providerId="LiveId" clId="{73E4B0B5-5950-4F20-8031-729779FF7831}" dt="2021-08-28T02:47:43.969" v="54" actId="26606"/>
-        <pc:sldMkLst>
-          <pc:docMk/>
-          <pc:sldMk cId="993770899" sldId="256"/>
-        </pc:sldMkLst>
-        <pc:spChg chg="mod">
-          <ac:chgData name="Li Lixiang" userId="6104bbfcb56aea79" providerId="LiveId" clId="{73E4B0B5-5950-4F20-8031-729779FF7831}" dt="2021-08-28T02:47:43.969" v="54" actId="26606"/>
-          <ac:spMkLst>
-            <pc:docMk/>
-            <pc:sldMk cId="993770899" sldId="256"/>
-            <ac:spMk id="2" creationId="{FCDC91C1-9010-4430-9E1F-86D9114237E3}"/>
-          </ac:spMkLst>
-        </pc:spChg>
-        <pc:spChg chg="mod">
-          <ac:chgData name="Li Lixiang" userId="6104bbfcb56aea79" providerId="LiveId" clId="{73E4B0B5-5950-4F20-8031-729779FF7831}" dt="2021-08-28T02:47:43.969" v="54" actId="26606"/>
-          <ac:spMkLst>
-            <pc:docMk/>
-            <pc:sldMk cId="993770899" sldId="256"/>
-            <ac:spMk id="3" creationId="{7342AE8A-5299-40EC-B93F-BDBB2838E67C}"/>
-          </ac:spMkLst>
-        </pc:spChg>
-        <pc:spChg chg="add">
-          <ac:chgData name="Li Lixiang" userId="6104bbfcb56aea79" providerId="LiveId" clId="{73E4B0B5-5950-4F20-8031-729779FF7831}" dt="2021-08-28T02:47:43.969" v="54" actId="26606"/>
-          <ac:spMkLst>
-            <pc:docMk/>
-            <pc:sldMk cId="993770899" sldId="256"/>
-            <ac:spMk id="6" creationId="{2A0E4E09-FC02-4ADC-951A-3FFA90B6FE39}"/>
-          </ac:spMkLst>
-        </pc:spChg>
-        <pc:spChg chg="add">
-          <ac:chgData name="Li Lixiang" userId="6104bbfcb56aea79" providerId="LiveId" clId="{73E4B0B5-5950-4F20-8031-729779FF7831}" dt="2021-08-28T02:47:43.969" v="54" actId="26606"/>
-          <ac:spMkLst>
-            <pc:docMk/>
-            <pc:sldMk cId="993770899" sldId="256"/>
-            <ac:spMk id="7" creationId="{0060CE1A-A2ED-43AC-857D-05822177FAD1}"/>
-          </ac:spMkLst>
-        </pc:spChg>
-        <pc:spChg chg="add del">
-          <ac:chgData name="Li Lixiang" userId="6104bbfcb56aea79" providerId="LiveId" clId="{73E4B0B5-5950-4F20-8031-729779FF7831}" dt="2021-08-28T02:46:50.396" v="52"/>
-          <ac:spMkLst>
-            <pc:docMk/>
-            <pc:sldMk cId="993770899" sldId="256"/>
-            <ac:spMk id="9" creationId="{4EFE82FE-7465-AE46-88DF-34D347E83B84}"/>
-          </ac:spMkLst>
-        </pc:spChg>
-        <pc:spChg chg="add del">
-          <ac:chgData name="Li Lixiang" userId="6104bbfcb56aea79" providerId="LiveId" clId="{73E4B0B5-5950-4F20-8031-729779FF7831}" dt="2021-08-28T02:46:50.396" v="52"/>
-          <ac:spMkLst>
-            <pc:docMk/>
-            <pc:sldMk cId="993770899" sldId="256"/>
-            <ac:spMk id="11" creationId="{B4F75AE3-A3AC-DE4C-98FE-EC9DC3BF8DA5}"/>
-          </ac:spMkLst>
-        </pc:spChg>
-        <pc:grpChg chg="add del">
-          <ac:chgData name="Li Lixiang" userId="6104bbfcb56aea79" providerId="LiveId" clId="{73E4B0B5-5950-4F20-8031-729779FF7831}" dt="2021-08-28T02:46:50.396" v="52"/>
-          <ac:grpSpMkLst>
-            <pc:docMk/>
-            <pc:sldMk cId="993770899" sldId="256"/>
-            <ac:grpSpMk id="15" creationId="{44406D7A-DB1A-D940-8AD1-93FAF9DD7199}"/>
-          </ac:grpSpMkLst>
-        </pc:grpChg>
-        <pc:picChg chg="add mod ord">
-          <ac:chgData name="Li Lixiang" userId="6104bbfcb56aea79" providerId="LiveId" clId="{73E4B0B5-5950-4F20-8031-729779FF7831}" dt="2021-08-28T02:47:43.969" v="54" actId="26606"/>
-          <ac:picMkLst>
-            <pc:docMk/>
-            <pc:sldMk cId="993770899" sldId="256"/>
-            <ac:picMk id="4" creationId="{DB5C39A0-E42C-47B2-B449-FA75ACB52455}"/>
-          </ac:picMkLst>
-        </pc:picChg>
-        <pc:cxnChg chg="add del">
-          <ac:chgData name="Li Lixiang" userId="6104bbfcb56aea79" providerId="LiveId" clId="{73E4B0B5-5950-4F20-8031-729779FF7831}" dt="2021-08-28T02:46:50.396" v="52"/>
-          <ac:cxnSpMkLst>
-            <pc:docMk/>
-            <pc:sldMk cId="993770899" sldId="256"/>
-            <ac:cxnSpMk id="13" creationId="{41C79BB7-CCAB-2243-9830-5569626C4D01}"/>
-          </ac:cxnSpMkLst>
-        </pc:cxnChg>
-      </pc:sldChg>
-      <pc:sldChg chg="addSp modSp new mod">
-        <pc:chgData name="Li Lixiang" userId="6104bbfcb56aea79" providerId="LiveId" clId="{73E4B0B5-5950-4F20-8031-729779FF7831}" dt="2021-08-28T09:08:28.529" v="3249" actId="14100"/>
-        <pc:sldMkLst>
-          <pc:docMk/>
-          <pc:sldMk cId="4118967571" sldId="257"/>
-        </pc:sldMkLst>
-        <pc:spChg chg="mod">
-          <ac:chgData name="Li Lixiang" userId="6104bbfcb56aea79" providerId="LiveId" clId="{73E4B0B5-5950-4F20-8031-729779FF7831}" dt="2021-08-28T02:47:56.855" v="65" actId="20577"/>
-          <ac:spMkLst>
-            <pc:docMk/>
-            <pc:sldMk cId="4118967571" sldId="257"/>
-            <ac:spMk id="2" creationId="{5A817F65-0249-4813-916F-D22CF5F41D8C}"/>
-          </ac:spMkLst>
-        </pc:spChg>
-        <pc:spChg chg="mod">
-          <ac:chgData name="Li Lixiang" userId="6104bbfcb56aea79" providerId="LiveId" clId="{73E4B0B5-5950-4F20-8031-729779FF7831}" dt="2021-08-28T09:08:28.529" v="3249" actId="14100"/>
-          <ac:spMkLst>
-            <pc:docMk/>
-            <pc:sldMk cId="4118967571" sldId="257"/>
-            <ac:spMk id="3" creationId="{588B000C-CCD7-42E0-A4A2-DB893ED55A0D}"/>
-          </ac:spMkLst>
-        </pc:spChg>
-        <pc:picChg chg="add mod">
-          <ac:chgData name="Li Lixiang" userId="6104bbfcb56aea79" providerId="LiveId" clId="{73E4B0B5-5950-4F20-8031-729779FF7831}" dt="2021-08-28T03:05:24.737" v="241" actId="1076"/>
-          <ac:picMkLst>
-            <pc:docMk/>
-            <pc:sldMk cId="4118967571" sldId="257"/>
-            <ac:picMk id="5" creationId="{A842DAAD-2B60-4D56-9507-95C44221A9FD}"/>
-          </ac:picMkLst>
-        </pc:picChg>
-      </pc:sldChg>
-      <pc:sldChg chg="addSp delSp modSp add mod">
-        <pc:chgData name="Li Lixiang" userId="6104bbfcb56aea79" providerId="LiveId" clId="{73E4B0B5-5950-4F20-8031-729779FF7831}" dt="2021-08-28T09:11:36.257" v="3278" actId="20577"/>
-        <pc:sldMkLst>
-          <pc:docMk/>
-          <pc:sldMk cId="2618729237" sldId="258"/>
-        </pc:sldMkLst>
-        <pc:spChg chg="mod">
-          <ac:chgData name="Li Lixiang" userId="6104bbfcb56aea79" providerId="LiveId" clId="{73E4B0B5-5950-4F20-8031-729779FF7831}" dt="2021-08-28T09:11:11.988" v="3256" actId="20577"/>
-          <ac:spMkLst>
-            <pc:docMk/>
-            <pc:sldMk cId="2618729237" sldId="258"/>
-            <ac:spMk id="2" creationId="{5A817F65-0249-4813-916F-D22CF5F41D8C}"/>
-          </ac:spMkLst>
-        </pc:spChg>
-        <pc:spChg chg="mod">
-          <ac:chgData name="Li Lixiang" userId="6104bbfcb56aea79" providerId="LiveId" clId="{73E4B0B5-5950-4F20-8031-729779FF7831}" dt="2021-08-28T09:11:36.257" v="3278" actId="20577"/>
-          <ac:spMkLst>
-            <pc:docMk/>
-            <pc:sldMk cId="2618729237" sldId="258"/>
-            <ac:spMk id="3" creationId="{588B000C-CCD7-42E0-A4A2-DB893ED55A0D}"/>
-          </ac:spMkLst>
-        </pc:spChg>
-        <pc:spChg chg="add del mod">
-          <ac:chgData name="Li Lixiang" userId="6104bbfcb56aea79" providerId="LiveId" clId="{73E4B0B5-5950-4F20-8031-729779FF7831}" dt="2021-08-28T09:05:18.638" v="3238"/>
-          <ac:spMkLst>
-            <pc:docMk/>
-            <pc:sldMk cId="2618729237" sldId="258"/>
-            <ac:spMk id="4" creationId="{1DF46413-5801-4AC3-8ECC-1ABCFC5EEDA3}"/>
-          </ac:spMkLst>
-        </pc:spChg>
-        <pc:spChg chg="add del mod">
-          <ac:chgData name="Li Lixiang" userId="6104bbfcb56aea79" providerId="LiveId" clId="{73E4B0B5-5950-4F20-8031-729779FF7831}" dt="2021-08-28T09:04:53.244" v="3230" actId="478"/>
-          <ac:spMkLst>
-            <pc:docMk/>
-            <pc:sldMk cId="2618729237" sldId="258"/>
-            <ac:spMk id="6" creationId="{9248EEC8-315A-43E8-8CDF-2290C0984153}"/>
-          </ac:spMkLst>
-        </pc:spChg>
-        <pc:picChg chg="del">
-          <ac:chgData name="Li Lixiang" userId="6104bbfcb56aea79" providerId="LiveId" clId="{73E4B0B5-5950-4F20-8031-729779FF7831}" dt="2021-08-28T03:27:38.989" v="681" actId="478"/>
-          <ac:picMkLst>
-            <pc:docMk/>
-            <pc:sldMk cId="2618729237" sldId="258"/>
-            <ac:picMk id="5" creationId="{A842DAAD-2B60-4D56-9507-95C44221A9FD}"/>
-          </ac:picMkLst>
-        </pc:picChg>
-      </pc:sldChg>
-      <pc:sldChg chg="addSp delSp modSp add mod">
-        <pc:chgData name="Li Lixiang" userId="6104bbfcb56aea79" providerId="LiveId" clId="{73E4B0B5-5950-4F20-8031-729779FF7831}" dt="2021-08-28T08:56:40.966" v="2286" actId="22"/>
-        <pc:sldMkLst>
-          <pc:docMk/>
-          <pc:sldMk cId="3858986464" sldId="259"/>
-        </pc:sldMkLst>
-        <pc:spChg chg="mod">
-          <ac:chgData name="Li Lixiang" userId="6104bbfcb56aea79" providerId="LiveId" clId="{73E4B0B5-5950-4F20-8031-729779FF7831}" dt="2021-08-28T07:14:53.633" v="2197" actId="20577"/>
-          <ac:spMkLst>
-            <pc:docMk/>
-            <pc:sldMk cId="3858986464" sldId="259"/>
-            <ac:spMk id="3" creationId="{588B000C-CCD7-42E0-A4A2-DB893ED55A0D}"/>
-          </ac:spMkLst>
-        </pc:spChg>
-        <pc:spChg chg="add del">
-          <ac:chgData name="Li Lixiang" userId="6104bbfcb56aea79" providerId="LiveId" clId="{73E4B0B5-5950-4F20-8031-729779FF7831}" dt="2021-08-28T08:56:40.966" v="2286" actId="22"/>
-          <ac:spMkLst>
-            <pc:docMk/>
-            <pc:sldMk cId="3858986464" sldId="259"/>
-            <ac:spMk id="5" creationId="{FF58ED32-D9A1-489F-BE48-8ECF54DB8EFB}"/>
-          </ac:spMkLst>
-        </pc:spChg>
-        <pc:picChg chg="del">
-          <ac:chgData name="Li Lixiang" userId="6104bbfcb56aea79" providerId="LiveId" clId="{73E4B0B5-5950-4F20-8031-729779FF7831}" dt="2021-08-28T03:39:08.811" v="1068" actId="478"/>
-          <ac:picMkLst>
-            <pc:docMk/>
-            <pc:sldMk cId="3858986464" sldId="259"/>
-            <ac:picMk id="5" creationId="{A842DAAD-2B60-4D56-9507-95C44221A9FD}"/>
-          </ac:picMkLst>
-        </pc:picChg>
-      </pc:sldChg>
-      <pc:sldChg chg="modSp add mod">
-        <pc:chgData name="Li Lixiang" userId="6104bbfcb56aea79" providerId="LiveId" clId="{73E4B0B5-5950-4F20-8031-729779FF7831}" dt="2021-08-28T09:02:22.685" v="3211" actId="14100"/>
-        <pc:sldMkLst>
-          <pc:docMk/>
-          <pc:sldMk cId="1584354543" sldId="260"/>
-        </pc:sldMkLst>
-        <pc:spChg chg="mod">
-          <ac:chgData name="Li Lixiang" userId="6104bbfcb56aea79" providerId="LiveId" clId="{73E4B0B5-5950-4F20-8031-729779FF7831}" dt="2021-08-28T08:56:48.409" v="2303" actId="20577"/>
-          <ac:spMkLst>
-            <pc:docMk/>
-            <pc:sldMk cId="1584354543" sldId="260"/>
-            <ac:spMk id="2" creationId="{5A817F65-0249-4813-916F-D22CF5F41D8C}"/>
-          </ac:spMkLst>
-        </pc:spChg>
-        <pc:spChg chg="mod">
-          <ac:chgData name="Li Lixiang" userId="6104bbfcb56aea79" providerId="LiveId" clId="{73E4B0B5-5950-4F20-8031-729779FF7831}" dt="2021-08-28T09:02:22.685" v="3211" actId="14100"/>
-          <ac:spMkLst>
-            <pc:docMk/>
-            <pc:sldMk cId="1584354543" sldId="260"/>
-            <ac:spMk id="3" creationId="{588B000C-CCD7-42E0-A4A2-DB893ED55A0D}"/>
-          </ac:spMkLst>
-        </pc:spChg>
-      </pc:sldChg>
-      <pc:sldMasterChg chg="del delSldLayout">
-        <pc:chgData name="Li Lixiang" userId="6104bbfcb56aea79" providerId="LiveId" clId="{73E4B0B5-5950-4F20-8031-729779FF7831}" dt="2021-08-28T02:45:18.450" v="2" actId="26606"/>
-        <pc:sldMasterMkLst>
-          <pc:docMk/>
-          <pc:sldMasterMk cId="3183522149" sldId="2147483660"/>
-        </pc:sldMasterMkLst>
-        <pc:sldLayoutChg chg="del">
-          <pc:chgData name="Li Lixiang" userId="6104bbfcb56aea79" providerId="LiveId" clId="{73E4B0B5-5950-4F20-8031-729779FF7831}" dt="2021-08-28T02:45:18.450" v="2" actId="26606"/>
-          <pc:sldLayoutMkLst>
-            <pc:docMk/>
-            <pc:sldMasterMk cId="3183522149" sldId="2147483660"/>
-            <pc:sldLayoutMk cId="3186709566" sldId="2147483661"/>
-          </pc:sldLayoutMkLst>
-        </pc:sldLayoutChg>
-        <pc:sldLayoutChg chg="del">
-          <pc:chgData name="Li Lixiang" userId="6104bbfcb56aea79" providerId="LiveId" clId="{73E4B0B5-5950-4F20-8031-729779FF7831}" dt="2021-08-28T02:45:18.450" v="2" actId="26606"/>
-          <pc:sldLayoutMkLst>
-            <pc:docMk/>
-            <pc:sldMasterMk cId="3183522149" sldId="2147483660"/>
-            <pc:sldLayoutMk cId="3364419804" sldId="2147483662"/>
-          </pc:sldLayoutMkLst>
-        </pc:sldLayoutChg>
-        <pc:sldLayoutChg chg="del">
-          <pc:chgData name="Li Lixiang" userId="6104bbfcb56aea79" providerId="LiveId" clId="{73E4B0B5-5950-4F20-8031-729779FF7831}" dt="2021-08-28T02:45:18.450" v="2" actId="26606"/>
-          <pc:sldLayoutMkLst>
-            <pc:docMk/>
-            <pc:sldMasterMk cId="3183522149" sldId="2147483660"/>
-            <pc:sldLayoutMk cId="1861057625" sldId="2147483663"/>
-          </pc:sldLayoutMkLst>
-        </pc:sldLayoutChg>
-        <pc:sldLayoutChg chg="del">
-          <pc:chgData name="Li Lixiang" userId="6104bbfcb56aea79" providerId="LiveId" clId="{73E4B0B5-5950-4F20-8031-729779FF7831}" dt="2021-08-28T02:45:18.450" v="2" actId="26606"/>
-          <pc:sldLayoutMkLst>
-            <pc:docMk/>
-            <pc:sldMasterMk cId="3183522149" sldId="2147483660"/>
-            <pc:sldLayoutMk cId="4172012558" sldId="2147483664"/>
-          </pc:sldLayoutMkLst>
-        </pc:sldLayoutChg>
-        <pc:sldLayoutChg chg="del">
-          <pc:chgData name="Li Lixiang" userId="6104bbfcb56aea79" providerId="LiveId" clId="{73E4B0B5-5950-4F20-8031-729779FF7831}" dt="2021-08-28T02:45:18.450" v="2" actId="26606"/>
-          <pc:sldLayoutMkLst>
-            <pc:docMk/>
-            <pc:sldMasterMk cId="3183522149" sldId="2147483660"/>
-            <pc:sldLayoutMk cId="3643815712" sldId="2147483665"/>
-          </pc:sldLayoutMkLst>
-        </pc:sldLayoutChg>
-        <pc:sldLayoutChg chg="del">
-          <pc:chgData name="Li Lixiang" userId="6104bbfcb56aea79" providerId="LiveId" clId="{73E4B0B5-5950-4F20-8031-729779FF7831}" dt="2021-08-28T02:45:18.450" v="2" actId="26606"/>
-          <pc:sldLayoutMkLst>
-            <pc:docMk/>
-            <pc:sldMasterMk cId="3183522149" sldId="2147483660"/>
-            <pc:sldLayoutMk cId="845224929" sldId="2147483666"/>
-          </pc:sldLayoutMkLst>
-        </pc:sldLayoutChg>
-        <pc:sldLayoutChg chg="del">
-          <pc:chgData name="Li Lixiang" userId="6104bbfcb56aea79" providerId="LiveId" clId="{73E4B0B5-5950-4F20-8031-729779FF7831}" dt="2021-08-28T02:45:18.450" v="2" actId="26606"/>
-          <pc:sldLayoutMkLst>
-            <pc:docMk/>
-            <pc:sldMasterMk cId="3183522149" sldId="2147483660"/>
-            <pc:sldLayoutMk cId="1790386259" sldId="2147483667"/>
-          </pc:sldLayoutMkLst>
-        </pc:sldLayoutChg>
-        <pc:sldLayoutChg chg="del">
-          <pc:chgData name="Li Lixiang" userId="6104bbfcb56aea79" providerId="LiveId" clId="{73E4B0B5-5950-4F20-8031-729779FF7831}" dt="2021-08-28T02:45:18.450" v="2" actId="26606"/>
-          <pc:sldLayoutMkLst>
-            <pc:docMk/>
-            <pc:sldMasterMk cId="3183522149" sldId="2147483660"/>
-            <pc:sldLayoutMk cId="540114896" sldId="2147483668"/>
-          </pc:sldLayoutMkLst>
-        </pc:sldLayoutChg>
-        <pc:sldLayoutChg chg="del">
-          <pc:chgData name="Li Lixiang" userId="6104bbfcb56aea79" providerId="LiveId" clId="{73E4B0B5-5950-4F20-8031-729779FF7831}" dt="2021-08-28T02:45:18.450" v="2" actId="26606"/>
-          <pc:sldLayoutMkLst>
-            <pc:docMk/>
-            <pc:sldMasterMk cId="3183522149" sldId="2147483660"/>
-            <pc:sldLayoutMk cId="2861096339" sldId="2147483669"/>
-          </pc:sldLayoutMkLst>
-        </pc:sldLayoutChg>
-        <pc:sldLayoutChg chg="del">
-          <pc:chgData name="Li Lixiang" userId="6104bbfcb56aea79" providerId="LiveId" clId="{73E4B0B5-5950-4F20-8031-729779FF7831}" dt="2021-08-28T02:45:18.450" v="2" actId="26606"/>
-          <pc:sldLayoutMkLst>
-            <pc:docMk/>
-            <pc:sldMasterMk cId="3183522149" sldId="2147483660"/>
-            <pc:sldLayoutMk cId="2823692988" sldId="2147483670"/>
-          </pc:sldLayoutMkLst>
-        </pc:sldLayoutChg>
-        <pc:sldLayoutChg chg="del">
-          <pc:chgData name="Li Lixiang" userId="6104bbfcb56aea79" providerId="LiveId" clId="{73E4B0B5-5950-4F20-8031-729779FF7831}" dt="2021-08-28T02:45:18.450" v="2" actId="26606"/>
-          <pc:sldLayoutMkLst>
-            <pc:docMk/>
-            <pc:sldMasterMk cId="3183522149" sldId="2147483660"/>
-            <pc:sldLayoutMk cId="3951869625" sldId="2147483671"/>
-          </pc:sldLayoutMkLst>
-        </pc:sldLayoutChg>
-        <pc:sldLayoutChg chg="del">
-          <pc:chgData name="Li Lixiang" userId="6104bbfcb56aea79" providerId="LiveId" clId="{73E4B0B5-5950-4F20-8031-729779FF7831}" dt="2021-08-28T02:45:18.450" v="2" actId="26606"/>
-          <pc:sldLayoutMkLst>
-            <pc:docMk/>
-            <pc:sldMasterMk cId="3183522149" sldId="2147483660"/>
-            <pc:sldLayoutMk cId="561402988" sldId="2147483672"/>
-          </pc:sldLayoutMkLst>
-        </pc:sldLayoutChg>
-        <pc:sldLayoutChg chg="del">
-          <pc:chgData name="Li Lixiang" userId="6104bbfcb56aea79" providerId="LiveId" clId="{73E4B0B5-5950-4F20-8031-729779FF7831}" dt="2021-08-28T02:45:18.450" v="2" actId="26606"/>
-          <pc:sldLayoutMkLst>
-            <pc:docMk/>
-            <pc:sldMasterMk cId="3183522149" sldId="2147483660"/>
-            <pc:sldLayoutMk cId="516230857" sldId="2147483673"/>
-          </pc:sldLayoutMkLst>
-        </pc:sldLayoutChg>
-        <pc:sldLayoutChg chg="del">
-          <pc:chgData name="Li Lixiang" userId="6104bbfcb56aea79" providerId="LiveId" clId="{73E4B0B5-5950-4F20-8031-729779FF7831}" dt="2021-08-28T02:45:18.450" v="2" actId="26606"/>
-          <pc:sldLayoutMkLst>
-            <pc:docMk/>
-            <pc:sldMasterMk cId="3183522149" sldId="2147483660"/>
-            <pc:sldLayoutMk cId="3507508327" sldId="2147483674"/>
-          </pc:sldLayoutMkLst>
-        </pc:sldLayoutChg>
-        <pc:sldLayoutChg chg="del">
-          <pc:chgData name="Li Lixiang" userId="6104bbfcb56aea79" providerId="LiveId" clId="{73E4B0B5-5950-4F20-8031-729779FF7831}" dt="2021-08-28T02:45:18.450" v="2" actId="26606"/>
-          <pc:sldLayoutMkLst>
-            <pc:docMk/>
-            <pc:sldMasterMk cId="3183522149" sldId="2147483660"/>
-            <pc:sldLayoutMk cId="52198312" sldId="2147483675"/>
-          </pc:sldLayoutMkLst>
-        </pc:sldLayoutChg>
-        <pc:sldLayoutChg chg="del">
-          <pc:chgData name="Li Lixiang" userId="6104bbfcb56aea79" providerId="LiveId" clId="{73E4B0B5-5950-4F20-8031-729779FF7831}" dt="2021-08-28T02:45:18.450" v="2" actId="26606"/>
-          <pc:sldLayoutMkLst>
-            <pc:docMk/>
-            <pc:sldMasterMk cId="3183522149" sldId="2147483660"/>
-            <pc:sldLayoutMk cId="2898023928" sldId="2147483676"/>
-          </pc:sldLayoutMkLst>
-        </pc:sldLayoutChg>
-        <pc:sldLayoutChg chg="del">
-          <pc:chgData name="Li Lixiang" userId="6104bbfcb56aea79" providerId="LiveId" clId="{73E4B0B5-5950-4F20-8031-729779FF7831}" dt="2021-08-28T02:45:18.450" v="2" actId="26606"/>
-          <pc:sldLayoutMkLst>
-            <pc:docMk/>
-            <pc:sldMasterMk cId="3183522149" sldId="2147483660"/>
-            <pc:sldLayoutMk cId="2794597234" sldId="2147483677"/>
-          </pc:sldLayoutMkLst>
-        </pc:sldLayoutChg>
-      </pc:sldMasterChg>
-      <pc:sldMasterChg chg="add addSldLayout">
-        <pc:chgData name="Li Lixiang" userId="6104bbfcb56aea79" providerId="LiveId" clId="{73E4B0B5-5950-4F20-8031-729779FF7831}" dt="2021-08-28T02:45:18.450" v="2" actId="26606"/>
-        <pc:sldMasterMkLst>
-          <pc:docMk/>
-          <pc:sldMasterMk cId="1152733259" sldId="2147483685"/>
-        </pc:sldMasterMkLst>
-        <pc:sldLayoutChg chg="add">
-          <pc:chgData name="Li Lixiang" userId="6104bbfcb56aea79" providerId="LiveId" clId="{73E4B0B5-5950-4F20-8031-729779FF7831}" dt="2021-08-28T02:45:18.450" v="2" actId="26606"/>
-          <pc:sldLayoutMkLst>
-            <pc:docMk/>
-            <pc:sldMasterMk cId="1152733259" sldId="2147483685"/>
-            <pc:sldLayoutMk cId="1977373168" sldId="2147483678"/>
-          </pc:sldLayoutMkLst>
-        </pc:sldLayoutChg>
-        <pc:sldLayoutChg chg="add">
-          <pc:chgData name="Li Lixiang" userId="6104bbfcb56aea79" providerId="LiveId" clId="{73E4B0B5-5950-4F20-8031-729779FF7831}" dt="2021-08-28T02:45:18.450" v="2" actId="26606"/>
-          <pc:sldLayoutMkLst>
-            <pc:docMk/>
-            <pc:sldMasterMk cId="1152733259" sldId="2147483685"/>
-            <pc:sldLayoutMk cId="2146515652" sldId="2147483679"/>
-          </pc:sldLayoutMkLst>
-        </pc:sldLayoutChg>
-        <pc:sldLayoutChg chg="add">
-          <pc:chgData name="Li Lixiang" userId="6104bbfcb56aea79" providerId="LiveId" clId="{73E4B0B5-5950-4F20-8031-729779FF7831}" dt="2021-08-28T02:45:18.450" v="2" actId="26606"/>
-          <pc:sldLayoutMkLst>
-            <pc:docMk/>
-            <pc:sldMasterMk cId="1152733259" sldId="2147483685"/>
-            <pc:sldLayoutMk cId="3802123621" sldId="2147483680"/>
-          </pc:sldLayoutMkLst>
-        </pc:sldLayoutChg>
-        <pc:sldLayoutChg chg="add">
-          <pc:chgData name="Li Lixiang" userId="6104bbfcb56aea79" providerId="LiveId" clId="{73E4B0B5-5950-4F20-8031-729779FF7831}" dt="2021-08-28T02:45:18.450" v="2" actId="26606"/>
-          <pc:sldLayoutMkLst>
-            <pc:docMk/>
-            <pc:sldMasterMk cId="1152733259" sldId="2147483685"/>
-            <pc:sldLayoutMk cId="3143496780" sldId="2147483681"/>
-          </pc:sldLayoutMkLst>
-        </pc:sldLayoutChg>
-        <pc:sldLayoutChg chg="add">
-          <pc:chgData name="Li Lixiang" userId="6104bbfcb56aea79" providerId="LiveId" clId="{73E4B0B5-5950-4F20-8031-729779FF7831}" dt="2021-08-28T02:45:18.450" v="2" actId="26606"/>
-          <pc:sldLayoutMkLst>
-            <pc:docMk/>
-            <pc:sldMasterMk cId="1152733259" sldId="2147483685"/>
-            <pc:sldLayoutMk cId="2567816487" sldId="2147483682"/>
-          </pc:sldLayoutMkLst>
-        </pc:sldLayoutChg>
-        <pc:sldLayoutChg chg="add">
-          <pc:chgData name="Li Lixiang" userId="6104bbfcb56aea79" providerId="LiveId" clId="{73E4B0B5-5950-4F20-8031-729779FF7831}" dt="2021-08-28T02:45:18.450" v="2" actId="26606"/>
-          <pc:sldLayoutMkLst>
-            <pc:docMk/>
-            <pc:sldMasterMk cId="1152733259" sldId="2147483685"/>
-            <pc:sldLayoutMk cId="2584904195" sldId="2147483683"/>
-          </pc:sldLayoutMkLst>
-        </pc:sldLayoutChg>
-        <pc:sldLayoutChg chg="add">
-          <pc:chgData name="Li Lixiang" userId="6104bbfcb56aea79" providerId="LiveId" clId="{73E4B0B5-5950-4F20-8031-729779FF7831}" dt="2021-08-28T02:45:18.450" v="2" actId="26606"/>
-          <pc:sldLayoutMkLst>
-            <pc:docMk/>
-            <pc:sldMasterMk cId="1152733259" sldId="2147483685"/>
-            <pc:sldLayoutMk cId="2533602932" sldId="2147483684"/>
-          </pc:sldLayoutMkLst>
-        </pc:sldLayoutChg>
-        <pc:sldLayoutChg chg="add replId">
-          <pc:chgData name="Li Lixiang" userId="6104bbfcb56aea79" providerId="LiveId" clId="{73E4B0B5-5950-4F20-8031-729779FF7831}" dt="2021-08-28T02:45:18.450" v="2" actId="26606"/>
-          <pc:sldLayoutMkLst>
-            <pc:docMk/>
-            <pc:sldMasterMk cId="1152733259" sldId="2147483685"/>
-            <pc:sldLayoutMk cId="3763996518" sldId="2147483686"/>
-          </pc:sldLayoutMkLst>
-        </pc:sldLayoutChg>
-        <pc:sldLayoutChg chg="add replId">
-          <pc:chgData name="Li Lixiang" userId="6104bbfcb56aea79" providerId="LiveId" clId="{73E4B0B5-5950-4F20-8031-729779FF7831}" dt="2021-08-28T02:45:18.450" v="2" actId="26606"/>
-          <pc:sldLayoutMkLst>
-            <pc:docMk/>
-            <pc:sldMasterMk cId="1152733259" sldId="2147483685"/>
-            <pc:sldLayoutMk cId="3977854285" sldId="2147483687"/>
-          </pc:sldLayoutMkLst>
-        </pc:sldLayoutChg>
-        <pc:sldLayoutChg chg="add replId">
-          <pc:chgData name="Li Lixiang" userId="6104bbfcb56aea79" providerId="LiveId" clId="{73E4B0B5-5950-4F20-8031-729779FF7831}" dt="2021-08-28T02:45:18.450" v="2" actId="26606"/>
-          <pc:sldLayoutMkLst>
-            <pc:docMk/>
-            <pc:sldMasterMk cId="1152733259" sldId="2147483685"/>
-            <pc:sldLayoutMk cId="962844106" sldId="2147483688"/>
-          </pc:sldLayoutMkLst>
-        </pc:sldLayoutChg>
-        <pc:sldLayoutChg chg="add replId">
-          <pc:chgData name="Li Lixiang" userId="6104bbfcb56aea79" providerId="LiveId" clId="{73E4B0B5-5950-4F20-8031-729779FF7831}" dt="2021-08-28T02:45:18.450" v="2" actId="26606"/>
-          <pc:sldLayoutMkLst>
-            <pc:docMk/>
-            <pc:sldMasterMk cId="1152733259" sldId="2147483685"/>
-            <pc:sldLayoutMk cId="3513658129" sldId="2147483689"/>
-          </pc:sldLayoutMkLst>
-        </pc:sldLayoutChg>
-      </pc:sldMasterChg>
-    </pc:docChg>
-  </pc:docChgLst>
-  <pc:docChgLst>
     <pc:chgData name="Li Lixiang" userId="6104bbfcb56aea79" providerId="LiveId" clId="{EE734A7A-B3FC-4B3B-9CBC-7BD32C090A7F}"/>
     <pc:docChg chg="undo custSel addSld delSld modSld">
-      <pc:chgData name="Li Lixiang" userId="6104bbfcb56aea79" providerId="LiveId" clId="{EE734A7A-B3FC-4B3B-9CBC-7BD32C090A7F}" dt="2021-10-31T06:07:07.972" v="10225" actId="478"/>
+      <pc:chgData name="Li Lixiang" userId="6104bbfcb56aea79" providerId="LiveId" clId="{EE734A7A-B3FC-4B3B-9CBC-7BD32C090A7F}" dt="2021-11-25T11:47:32.898" v="10557" actId="1035"/>
       <pc:docMkLst>
         <pc:docMk/>
       </pc:docMkLst>
@@ -1971,13 +1971,13 @@
         </pc:spChg>
       </pc:sldChg>
       <pc:sldChg chg="addSp delSp modSp mod">
-        <pc:chgData name="Li Lixiang" userId="6104bbfcb56aea79" providerId="LiveId" clId="{EE734A7A-B3FC-4B3B-9CBC-7BD32C090A7F}" dt="2021-10-31T06:07:07.972" v="10225" actId="478"/>
+        <pc:chgData name="Li Lixiang" userId="6104bbfcb56aea79" providerId="LiveId" clId="{EE734A7A-B3FC-4B3B-9CBC-7BD32C090A7F}" dt="2021-11-25T11:47:32.898" v="10557" actId="1035"/>
         <pc:sldMkLst>
           <pc:docMk/>
           <pc:sldMk cId="3896331203" sldId="271"/>
         </pc:sldMkLst>
         <pc:spChg chg="mod">
-          <ac:chgData name="Li Lixiang" userId="6104bbfcb56aea79" providerId="LiveId" clId="{EE734A7A-B3FC-4B3B-9CBC-7BD32C090A7F}" dt="2021-10-18T03:58:38.836" v="8909" actId="6549"/>
+          <ac:chgData name="Li Lixiang" userId="6104bbfcb56aea79" providerId="LiveId" clId="{EE734A7A-B3FC-4B3B-9CBC-7BD32C090A7F}" dt="2021-11-25T11:47:32.898" v="10557" actId="1035"/>
           <ac:spMkLst>
             <pc:docMk/>
             <pc:sldMk cId="3896331203" sldId="271"/>
@@ -1985,7 +1985,7 @@
           </ac:spMkLst>
         </pc:spChg>
         <pc:spChg chg="mod">
-          <ac:chgData name="Li Lixiang" userId="6104bbfcb56aea79" providerId="LiveId" clId="{EE734A7A-B3FC-4B3B-9CBC-7BD32C090A7F}" dt="2021-08-31T13:11:00.386" v="5989" actId="6549"/>
+          <ac:chgData name="Li Lixiang" userId="6104bbfcb56aea79" providerId="LiveId" clId="{EE734A7A-B3FC-4B3B-9CBC-7BD32C090A7F}" dt="2021-11-25T11:47:32.898" v="10557" actId="1035"/>
           <ac:spMkLst>
             <pc:docMk/>
             <pc:sldMk cId="3896331203" sldId="271"/>
@@ -1993,11 +1993,19 @@
           </ac:spMkLst>
         </pc:spChg>
         <pc:spChg chg="add mod">
-          <ac:chgData name="Li Lixiang" userId="6104bbfcb56aea79" providerId="LiveId" clId="{EE734A7A-B3FC-4B3B-9CBC-7BD32C090A7F}" dt="2021-08-31T13:11:39.128" v="6036" actId="14100"/>
+          <ac:chgData name="Li Lixiang" userId="6104bbfcb56aea79" providerId="LiveId" clId="{EE734A7A-B3FC-4B3B-9CBC-7BD32C090A7F}" dt="2021-11-25T11:47:32.898" v="10557" actId="1035"/>
           <ac:spMkLst>
             <pc:docMk/>
             <pc:sldMk cId="3896331203" sldId="271"/>
             <ac:spMk id="12" creationId="{CE645256-D4CD-4B0F-A831-409F97EE4FE7}"/>
+          </ac:spMkLst>
+        </pc:spChg>
+        <pc:spChg chg="add mod">
+          <ac:chgData name="Li Lixiang" userId="6104bbfcb56aea79" providerId="LiveId" clId="{EE734A7A-B3FC-4B3B-9CBC-7BD32C090A7F}" dt="2021-11-25T11:45:57.398" v="10458" actId="1076"/>
+          <ac:spMkLst>
+            <pc:docMk/>
+            <pc:sldMk cId="3896331203" sldId="271"/>
+            <ac:spMk id="13" creationId="{1356DB8B-C44E-464A-A48F-C193CD8A24CE}"/>
           </ac:spMkLst>
         </pc:spChg>
         <pc:spChg chg="add del mod">
@@ -2008,16 +2016,32 @@
             <ac:spMk id="13" creationId="{CBEF57EA-E7E6-400F-8A88-37B1D8FDF999}"/>
           </ac:spMkLst>
         </pc:spChg>
+        <pc:spChg chg="add mod">
+          <ac:chgData name="Li Lixiang" userId="6104bbfcb56aea79" providerId="LiveId" clId="{EE734A7A-B3FC-4B3B-9CBC-7BD32C090A7F}" dt="2021-11-25T11:47:15.500" v="10538" actId="1076"/>
+          <ac:spMkLst>
+            <pc:docMk/>
+            <pc:sldMk cId="3896331203" sldId="271"/>
+            <ac:spMk id="15" creationId="{B56FBBD3-0525-40B9-BCFF-13F7D30EF394}"/>
+          </ac:spMkLst>
+        </pc:spChg>
         <pc:spChg chg="mod">
-          <ac:chgData name="Li Lixiang" userId="6104bbfcb56aea79" providerId="LiveId" clId="{EE734A7A-B3FC-4B3B-9CBC-7BD32C090A7F}" dt="2021-10-18T03:59:23.110" v="9041" actId="20577"/>
+          <ac:chgData name="Li Lixiang" userId="6104bbfcb56aea79" providerId="LiveId" clId="{EE734A7A-B3FC-4B3B-9CBC-7BD32C090A7F}" dt="2021-11-25T11:47:32.898" v="10557" actId="1035"/>
           <ac:spMkLst>
             <pc:docMk/>
             <pc:sldMk cId="3896331203" sldId="271"/>
             <ac:spMk id="20" creationId="{9284CE57-886B-46AA-979E-E14263453EEF}"/>
           </ac:spMkLst>
         </pc:spChg>
+        <pc:cxnChg chg="mod">
+          <ac:chgData name="Li Lixiang" userId="6104bbfcb56aea79" providerId="LiveId" clId="{EE734A7A-B3FC-4B3B-9CBC-7BD32C090A7F}" dt="2021-11-25T11:47:32.898" v="10557" actId="1035"/>
+          <ac:cxnSpMkLst>
+            <pc:docMk/>
+            <pc:sldMk cId="3896331203" sldId="271"/>
+            <ac:cxnSpMk id="6" creationId="{6DD570BF-B031-4BE8-ABB3-2B2B62162A51}"/>
+          </ac:cxnSpMkLst>
+        </pc:cxnChg>
         <pc:cxnChg chg="add mod">
-          <ac:chgData name="Li Lixiang" userId="6104bbfcb56aea79" providerId="LiveId" clId="{EE734A7A-B3FC-4B3B-9CBC-7BD32C090A7F}" dt="2021-08-31T13:11:11.483" v="5992" actId="14100"/>
+          <ac:chgData name="Li Lixiang" userId="6104bbfcb56aea79" providerId="LiveId" clId="{EE734A7A-B3FC-4B3B-9CBC-7BD32C090A7F}" dt="2021-11-25T11:47:32.898" v="10557" actId="1035"/>
           <ac:cxnSpMkLst>
             <pc:docMk/>
             <pc:sldMk cId="3896331203" sldId="271"/>
@@ -2025,7 +2049,15 @@
           </ac:cxnSpMkLst>
         </pc:cxnChg>
         <pc:cxnChg chg="mod">
-          <ac:chgData name="Li Lixiang" userId="6104bbfcb56aea79" providerId="LiveId" clId="{EE734A7A-B3FC-4B3B-9CBC-7BD32C090A7F}" dt="2021-10-18T03:58:45.133" v="8910" actId="14100"/>
+          <ac:chgData name="Li Lixiang" userId="6104bbfcb56aea79" providerId="LiveId" clId="{EE734A7A-B3FC-4B3B-9CBC-7BD32C090A7F}" dt="2021-11-25T11:47:32.898" v="10557" actId="1035"/>
+          <ac:cxnSpMkLst>
+            <pc:docMk/>
+            <pc:sldMk cId="3896331203" sldId="271"/>
+            <ac:cxnSpMk id="14" creationId="{485D3FFB-C56F-4705-9728-546209A1F9D2}"/>
+          </ac:cxnSpMkLst>
+        </pc:cxnChg>
+        <pc:cxnChg chg="mod">
+          <ac:chgData name="Li Lixiang" userId="6104bbfcb56aea79" providerId="LiveId" clId="{EE734A7A-B3FC-4B3B-9CBC-7BD32C090A7F}" dt="2021-11-25T11:47:32.898" v="10557" actId="1035"/>
           <ac:cxnSpMkLst>
             <pc:docMk/>
             <pc:sldMk cId="3896331203" sldId="271"/>
@@ -2034,7 +2066,7 @@
         </pc:cxnChg>
       </pc:sldChg>
       <pc:sldChg chg="addSp delSp modSp mod">
-        <pc:chgData name="Li Lixiang" userId="6104bbfcb56aea79" providerId="LiveId" clId="{EE734A7A-B3FC-4B3B-9CBC-7BD32C090A7F}" dt="2021-10-11T08:21:53.141" v="8681" actId="20577"/>
+        <pc:chgData name="Li Lixiang" userId="6104bbfcb56aea79" providerId="LiveId" clId="{EE734A7A-B3FC-4B3B-9CBC-7BD32C090A7F}" dt="2021-11-18T12:45:37.563" v="10226" actId="6549"/>
         <pc:sldMkLst>
           <pc:docMk/>
           <pc:sldMk cId="3979237761" sldId="272"/>
@@ -2048,7 +2080,7 @@
           </ac:spMkLst>
         </pc:spChg>
         <pc:spChg chg="mod">
-          <ac:chgData name="Li Lixiang" userId="6104bbfcb56aea79" providerId="LiveId" clId="{EE734A7A-B3FC-4B3B-9CBC-7BD32C090A7F}" dt="2021-08-31T07:15:32.200" v="4031" actId="20577"/>
+          <ac:chgData name="Li Lixiang" userId="6104bbfcb56aea79" providerId="LiveId" clId="{EE734A7A-B3FC-4B3B-9CBC-7BD32C090A7F}" dt="2021-11-18T12:45:37.563" v="10226" actId="6549"/>
           <ac:spMkLst>
             <pc:docMk/>
             <pc:sldMk cId="3979237761" sldId="272"/>
@@ -3292,7 +3324,7 @@
           <a:p>
             <a:fld id="{0B54B2AE-8F5B-4F89-A3CD-2AC0407D60C4}" type="datetimeFigureOut">
               <a:rPr lang="en-MY" smtClean="0"/>
-              <a:t>4/11/2021</a:t>
+              <a:t>25/11/2021</a:t>
             </a:fld>
             <a:endParaRPr lang="en-MY"/>
           </a:p>
@@ -4049,7 +4081,7 @@
             <a:fld id="{A5B0A250-5CC0-1746-B209-08E8B0DAE6AF}" type="datetimeFigureOut">
               <a:rPr lang="en-US" smtClean="0"/>
               <a:pPr algn="l"/>
-              <a:t>11/4/2021</a:t>
+              <a:t>11/25/2021</a:t>
             </a:fld>
             <a:endParaRPr lang="en-US" dirty="0"/>
           </a:p>
@@ -4228,7 +4260,7 @@
           <a:p>
             <a:fld id="{A5B0A250-5CC0-1746-B209-08E8B0DAE6AF}" type="datetimeFigureOut">
               <a:rPr lang="en-US" smtClean="0"/>
-              <a:t>11/4/2021</a:t>
+              <a:t>11/25/2021</a:t>
             </a:fld>
             <a:endParaRPr lang="en-US" dirty="0"/>
           </a:p>
@@ -4408,7 +4440,7 @@
           <a:p>
             <a:fld id="{A5B0A250-5CC0-1746-B209-08E8B0DAE6AF}" type="datetimeFigureOut">
               <a:rPr lang="en-US" smtClean="0"/>
-              <a:t>11/4/2021</a:t>
+              <a:t>11/25/2021</a:t>
             </a:fld>
             <a:endParaRPr lang="en-US"/>
           </a:p>
@@ -4578,7 +4610,7 @@
           <a:p>
             <a:fld id="{A5B0A250-5CC0-1746-B209-08E8B0DAE6AF}" type="datetimeFigureOut">
               <a:rPr lang="en-US" smtClean="0"/>
-              <a:t>11/4/2021</a:t>
+              <a:t>11/25/2021</a:t>
             </a:fld>
             <a:endParaRPr lang="en-US" dirty="0"/>
           </a:p>
@@ -4891,7 +4923,7 @@
           <a:p>
             <a:fld id="{A5B0A250-5CC0-1746-B209-08E8B0DAE6AF}" type="datetimeFigureOut">
               <a:rPr lang="en-US" smtClean="0"/>
-              <a:t>11/4/2021</a:t>
+              <a:t>11/25/2021</a:t>
             </a:fld>
             <a:endParaRPr lang="en-US" dirty="0"/>
           </a:p>
@@ -5277,7 +5309,7 @@
           <a:p>
             <a:fld id="{A5B0A250-5CC0-1746-B209-08E8B0DAE6AF}" type="datetimeFigureOut">
               <a:rPr lang="en-US" smtClean="0"/>
-              <a:t>11/4/2021</a:t>
+              <a:t>11/25/2021</a:t>
             </a:fld>
             <a:endParaRPr lang="en-US" dirty="0"/>
           </a:p>
@@ -5711,7 +5743,7 @@
           <a:p>
             <a:fld id="{A5B0A250-5CC0-1746-B209-08E8B0DAE6AF}" type="datetimeFigureOut">
               <a:rPr lang="en-US" smtClean="0"/>
-              <a:t>11/4/2021</a:t>
+              <a:t>11/25/2021</a:t>
             </a:fld>
             <a:endParaRPr lang="en-US" dirty="0"/>
           </a:p>
@@ -5829,7 +5861,7 @@
           <a:p>
             <a:fld id="{A5B0A250-5CC0-1746-B209-08E8B0DAE6AF}" type="datetimeFigureOut">
               <a:rPr lang="en-US" smtClean="0"/>
-              <a:t>11/4/2021</a:t>
+              <a:t>11/25/2021</a:t>
             </a:fld>
             <a:endParaRPr lang="en-US" dirty="0"/>
           </a:p>
@@ -5925,7 +5957,7 @@
             <a:fld id="{A5B0A250-5CC0-1746-B209-08E8B0DAE6AF}" type="datetimeFigureOut">
               <a:rPr lang="en-US" smtClean="0"/>
               <a:pPr/>
-              <a:t>11/4/2021</a:t>
+              <a:t>11/25/2021</a:t>
             </a:fld>
             <a:endParaRPr lang="en-US" dirty="0"/>
           </a:p>
@@ -6276,7 +6308,7 @@
           <a:p>
             <a:fld id="{A5B0A250-5CC0-1746-B209-08E8B0DAE6AF}" type="datetimeFigureOut">
               <a:rPr lang="en-US" smtClean="0"/>
-              <a:t>11/4/2021</a:t>
+              <a:t>11/25/2021</a:t>
             </a:fld>
             <a:endParaRPr lang="en-US" dirty="0"/>
           </a:p>
@@ -6701,7 +6733,7 @@
           <a:p>
             <a:fld id="{A5B0A250-5CC0-1746-B209-08E8B0DAE6AF}" type="datetimeFigureOut">
               <a:rPr lang="en-US" smtClean="0"/>
-              <a:t>11/4/2021</a:t>
+              <a:t>11/25/2021</a:t>
             </a:fld>
             <a:endParaRPr lang="en-US" dirty="0"/>
           </a:p>
@@ -6983,7 +7015,7 @@
             <a:fld id="{A5B0A250-5CC0-1746-B209-08E8B0DAE6AF}" type="datetimeFigureOut">
               <a:rPr lang="en-US" smtClean="0"/>
               <a:pPr/>
-              <a:t>11/4/2021</a:t>
+              <a:t>11/25/2021</a:t>
             </a:fld>
             <a:endParaRPr lang="en-US" dirty="0"/>
           </a:p>
@@ -10608,36 +10640,6 @@
           <a:p>
             <a:endParaRPr lang="en-US" dirty="0"/>
           </a:p>
-          <a:p>
-            <a:r>
-              <a:rPr lang="en-US" dirty="0"/>
-              <a:t>Copy the </a:t>
-            </a:r>
-            <a:r>
-              <a:rPr lang="en-US" dirty="0" err="1"/>
-              <a:t>pipfile</a:t>
-            </a:r>
-            <a:r>
-              <a:rPr lang="en-US" dirty="0"/>
-              <a:t> and </a:t>
-            </a:r>
-            <a:r>
-              <a:rPr lang="en-US" dirty="0" err="1"/>
-              <a:t>pipfile.lock</a:t>
-            </a:r>
-            <a:r>
-              <a:rPr lang="en-US" dirty="0"/>
-              <a:t> from 2myprj to 2myprj/</a:t>
-            </a:r>
-            <a:r>
-              <a:rPr lang="en-US" dirty="0" err="1"/>
-              <a:t>QuestionPrj</a:t>
-            </a:r>
-            <a:r>
-              <a:rPr lang="en-US" dirty="0"/>
-              <a:t>/.</a:t>
-            </a:r>
-          </a:p>
         </p:txBody>
       </p:sp>
       <p:pic>
@@ -11581,7 +11583,7 @@
         </p:nvSpPr>
         <p:spPr>
           <a:xfrm>
-            <a:off x="1733064" y="3596615"/>
+            <a:off x="1733064" y="3415640"/>
             <a:ext cx="6386120" cy="1889786"/>
           </a:xfrm>
           <a:prstGeom prst="rect">
@@ -12050,7 +12052,7 @@
         </p:nvCxnSpPr>
         <p:spPr>
           <a:xfrm flipH="1">
-            <a:off x="6261100" y="3641584"/>
+            <a:off x="6261100" y="3460609"/>
             <a:ext cx="770015" cy="704005"/>
           </a:xfrm>
           <a:prstGeom prst="straightConnector1">
@@ -12089,7 +12091,7 @@
         </p:nvSpPr>
         <p:spPr>
           <a:xfrm>
-            <a:off x="7031115" y="3215842"/>
+            <a:off x="7031115" y="3034867"/>
             <a:ext cx="4604422" cy="646331"/>
           </a:xfrm>
           <a:prstGeom prst="rect">
@@ -12126,7 +12128,7 @@
         </p:nvCxnSpPr>
         <p:spPr>
           <a:xfrm>
-            <a:off x="4210050" y="4345589"/>
+            <a:off x="4210050" y="4164614"/>
             <a:ext cx="1995441" cy="0"/>
           </a:xfrm>
           <a:prstGeom prst="line">
@@ -12164,7 +12166,7 @@
         </p:nvCxnSpPr>
         <p:spPr>
           <a:xfrm flipH="1" flipV="1">
-            <a:off x="4295775" y="4933950"/>
+            <a:off x="4295775" y="4752975"/>
             <a:ext cx="3655706" cy="552451"/>
           </a:xfrm>
           <a:prstGeom prst="straightConnector1">
@@ -12203,7 +12205,7 @@
         </p:nvSpPr>
         <p:spPr>
           <a:xfrm>
-            <a:off x="7347141" y="5341849"/>
+            <a:off x="7347141" y="5160874"/>
             <a:ext cx="4604422" cy="1200329"/>
           </a:xfrm>
           <a:prstGeom prst="rect">
@@ -12254,7 +12256,7 @@
         </p:nvCxnSpPr>
         <p:spPr>
           <a:xfrm flipH="1">
-            <a:off x="6111528" y="4205261"/>
+            <a:off x="6111528" y="4024286"/>
             <a:ext cx="1078614" cy="413060"/>
           </a:xfrm>
           <a:prstGeom prst="straightConnector1">
@@ -12293,7 +12295,7 @@
         </p:nvSpPr>
         <p:spPr>
           <a:xfrm>
-            <a:off x="7190143" y="3971990"/>
+            <a:off x="7190143" y="3791015"/>
             <a:ext cx="3213116" cy="646331"/>
           </a:xfrm>
           <a:prstGeom prst="rect">
@@ -12310,6 +12312,406 @@
             <a:r>
               <a:rPr lang="en-US" dirty="0"/>
               <a:t>Not deploy static and we try our app</a:t>
+            </a:r>
+          </a:p>
+        </p:txBody>
+      </p:sp>
+      <p:sp>
+        <p:nvSpPr>
+          <p:cNvPr id="13" name="TextBox 12">
+            <a:extLst>
+              <a:ext uri="{FF2B5EF4-FFF2-40B4-BE49-F238E27FC236}">
+                <a16:creationId xmlns:a16="http://schemas.microsoft.com/office/drawing/2014/main" id="{1356DB8B-C44E-464A-A48F-C193CD8A24CE}"/>
+              </a:ext>
+            </a:extLst>
+          </p:cNvPr>
+          <p:cNvSpPr txBox="1"/>
+          <p:nvPr/>
+        </p:nvSpPr>
+        <p:spPr>
+          <a:xfrm>
+            <a:off x="507426" y="5591223"/>
+            <a:ext cx="5715574" cy="646331"/>
+          </a:xfrm>
+          <a:prstGeom prst="rect">
+            <a:avLst/>
+          </a:prstGeom>
+          <a:noFill/>
+        </p:spPr>
+        <p:txBody>
+          <a:bodyPr wrap="square">
+            <a:spAutoFit/>
+          </a:bodyPr>
+          <a:lstStyle/>
+          <a:p>
+            <a:r>
+              <a:rPr lang="en-US" dirty="0"/>
+              <a:t>[If your Heroku app has previously deployed content and you want clear it, here is the command]</a:t>
+            </a:r>
+          </a:p>
+        </p:txBody>
+      </p:sp>
+      <p:sp>
+        <p:nvSpPr>
+          <p:cNvPr id="15" name="Content Placeholder 2">
+            <a:extLst>
+              <a:ext uri="{FF2B5EF4-FFF2-40B4-BE49-F238E27FC236}">
+                <a16:creationId xmlns:a16="http://schemas.microsoft.com/office/drawing/2014/main" id="{B56FBBD3-0525-40B9-BCFF-13F7D30EF394}"/>
+              </a:ext>
+            </a:extLst>
+          </p:cNvPr>
+          <p:cNvSpPr txBox="1">
+            <a:spLocks/>
+          </p:cNvSpPr>
+          <p:nvPr/>
+        </p:nvSpPr>
+        <p:spPr>
+          <a:xfrm>
+            <a:off x="507426" y="6299862"/>
+            <a:ext cx="4911864" cy="484631"/>
+          </a:xfrm>
+          <a:prstGeom prst="rect">
+            <a:avLst/>
+          </a:prstGeom>
+        </p:spPr>
+        <p:txBody>
+          <a:bodyPr vert="horz" lIns="91440" tIns="45720" rIns="91440" bIns="45720" rtlCol="0">
+            <a:normAutofit fontScale="77500" lnSpcReduction="20000"/>
+          </a:bodyPr>
+          <a:lstStyle>
+            <a:lvl1pPr marL="182880" indent="-182880" algn="l" defTabSz="914400" rtl="0" eaLnBrk="1" latinLnBrk="0" hangingPunct="1">
+              <a:lnSpc>
+                <a:spcPct val="90000"/>
+              </a:lnSpc>
+              <a:spcBef>
+                <a:spcPts val="1200"/>
+              </a:spcBef>
+              <a:buClr>
+                <a:schemeClr val="accent1">
+                  <a:lumMod val="75000"/>
+                </a:schemeClr>
+              </a:buClr>
+              <a:buSzPct val="85000"/>
+              <a:buFont typeface="Wingdings" pitchFamily="2" charset="2"/>
+              <a:buChar char="§"/>
+              <a:defRPr sz="2000" kern="1200">
+                <a:solidFill>
+                  <a:schemeClr val="tx1"/>
+                </a:solidFill>
+                <a:latin typeface="+mn-lt"/>
+                <a:ea typeface="+mn-ea"/>
+                <a:cs typeface="+mn-cs"/>
+              </a:defRPr>
+            </a:lvl1pPr>
+            <a:lvl2pPr marL="457200" indent="-182880" algn="l" defTabSz="914400" rtl="0" eaLnBrk="1" latinLnBrk="0" hangingPunct="1">
+              <a:lnSpc>
+                <a:spcPct val="90000"/>
+              </a:lnSpc>
+              <a:spcBef>
+                <a:spcPts val="400"/>
+              </a:spcBef>
+              <a:spcAft>
+                <a:spcPts val="200"/>
+              </a:spcAft>
+              <a:buClr>
+                <a:schemeClr val="accent1">
+                  <a:lumMod val="75000"/>
+                </a:schemeClr>
+              </a:buClr>
+              <a:buSzPct val="85000"/>
+              <a:buFont typeface="Wingdings" pitchFamily="2" charset="2"/>
+              <a:buChar char="§"/>
+              <a:defRPr sz="1800" kern="1200">
+                <a:solidFill>
+                  <a:schemeClr val="tx1"/>
+                </a:solidFill>
+                <a:latin typeface="+mn-lt"/>
+                <a:ea typeface="+mn-ea"/>
+                <a:cs typeface="+mn-cs"/>
+              </a:defRPr>
+            </a:lvl2pPr>
+            <a:lvl3pPr marL="731520" indent="-182880" algn="l" defTabSz="914400" rtl="0" eaLnBrk="1" latinLnBrk="0" hangingPunct="1">
+              <a:lnSpc>
+                <a:spcPct val="90000"/>
+              </a:lnSpc>
+              <a:spcBef>
+                <a:spcPts val="400"/>
+              </a:spcBef>
+              <a:spcAft>
+                <a:spcPts val="200"/>
+              </a:spcAft>
+              <a:buClr>
+                <a:schemeClr val="accent1">
+                  <a:lumMod val="75000"/>
+                </a:schemeClr>
+              </a:buClr>
+              <a:buSzPct val="85000"/>
+              <a:buFont typeface="Wingdings" pitchFamily="2" charset="2"/>
+              <a:buChar char="§"/>
+              <a:defRPr sz="1600" kern="1200">
+                <a:solidFill>
+                  <a:schemeClr val="tx1"/>
+                </a:solidFill>
+                <a:latin typeface="+mn-lt"/>
+                <a:ea typeface="+mn-ea"/>
+                <a:cs typeface="+mn-cs"/>
+              </a:defRPr>
+            </a:lvl3pPr>
+            <a:lvl4pPr marL="1005840" indent="-182880" algn="l" defTabSz="914400" rtl="0" eaLnBrk="1" latinLnBrk="0" hangingPunct="1">
+              <a:lnSpc>
+                <a:spcPct val="90000"/>
+              </a:lnSpc>
+              <a:spcBef>
+                <a:spcPts val="400"/>
+              </a:spcBef>
+              <a:spcAft>
+                <a:spcPts val="200"/>
+              </a:spcAft>
+              <a:buClr>
+                <a:schemeClr val="accent1">
+                  <a:lumMod val="75000"/>
+                </a:schemeClr>
+              </a:buClr>
+              <a:buSzPct val="85000"/>
+              <a:buFont typeface="Wingdings" pitchFamily="2" charset="2"/>
+              <a:buChar char="§"/>
+              <a:defRPr sz="1600" kern="1200">
+                <a:solidFill>
+                  <a:schemeClr val="tx1"/>
+                </a:solidFill>
+                <a:latin typeface="+mn-lt"/>
+                <a:ea typeface="+mn-ea"/>
+                <a:cs typeface="+mn-cs"/>
+              </a:defRPr>
+            </a:lvl4pPr>
+            <a:lvl5pPr marL="1280160" indent="-182880" algn="l" defTabSz="914400" rtl="0" eaLnBrk="1" latinLnBrk="0" hangingPunct="1">
+              <a:lnSpc>
+                <a:spcPct val="90000"/>
+              </a:lnSpc>
+              <a:spcBef>
+                <a:spcPts val="400"/>
+              </a:spcBef>
+              <a:spcAft>
+                <a:spcPts val="200"/>
+              </a:spcAft>
+              <a:buClr>
+                <a:schemeClr val="accent1">
+                  <a:lumMod val="75000"/>
+                </a:schemeClr>
+              </a:buClr>
+              <a:buSzPct val="85000"/>
+              <a:buFont typeface="Wingdings" pitchFamily="2" charset="2"/>
+              <a:buChar char="§"/>
+              <a:defRPr sz="1600" kern="1200">
+                <a:solidFill>
+                  <a:schemeClr val="tx1"/>
+                </a:solidFill>
+                <a:latin typeface="+mn-lt"/>
+                <a:ea typeface="+mn-ea"/>
+                <a:cs typeface="+mn-cs"/>
+              </a:defRPr>
+            </a:lvl5pPr>
+            <a:lvl6pPr marL="1600000" indent="-228600" algn="l" defTabSz="914400" rtl="0" eaLnBrk="1" latinLnBrk="0" hangingPunct="1">
+              <a:lnSpc>
+                <a:spcPct val="90000"/>
+              </a:lnSpc>
+              <a:spcBef>
+                <a:spcPts val="400"/>
+              </a:spcBef>
+              <a:spcAft>
+                <a:spcPts val="200"/>
+              </a:spcAft>
+              <a:buClr>
+                <a:schemeClr val="accent1">
+                  <a:lumMod val="75000"/>
+                </a:schemeClr>
+              </a:buClr>
+              <a:buSzPct val="85000"/>
+              <a:buFont typeface="Wingdings" pitchFamily="2" charset="2"/>
+              <a:buChar char="§"/>
+              <a:defRPr sz="1600" kern="1200">
+                <a:solidFill>
+                  <a:schemeClr val="tx1"/>
+                </a:solidFill>
+                <a:latin typeface="+mn-lt"/>
+                <a:ea typeface="+mn-ea"/>
+                <a:cs typeface="+mn-cs"/>
+              </a:defRPr>
+            </a:lvl6pPr>
+            <a:lvl7pPr marL="1900000" indent="-228600" algn="l" defTabSz="914400" rtl="0" eaLnBrk="1" latinLnBrk="0" hangingPunct="1">
+              <a:lnSpc>
+                <a:spcPct val="90000"/>
+              </a:lnSpc>
+              <a:spcBef>
+                <a:spcPts val="400"/>
+              </a:spcBef>
+              <a:spcAft>
+                <a:spcPts val="200"/>
+              </a:spcAft>
+              <a:buClr>
+                <a:schemeClr val="accent1">
+                  <a:lumMod val="75000"/>
+                </a:schemeClr>
+              </a:buClr>
+              <a:buSzPct val="85000"/>
+              <a:buFont typeface="Wingdings" pitchFamily="2" charset="2"/>
+              <a:buChar char="§"/>
+              <a:defRPr sz="1600" kern="1200">
+                <a:solidFill>
+                  <a:schemeClr val="tx1"/>
+                </a:solidFill>
+                <a:latin typeface="+mn-lt"/>
+                <a:ea typeface="+mn-ea"/>
+                <a:cs typeface="+mn-cs"/>
+              </a:defRPr>
+            </a:lvl7pPr>
+            <a:lvl8pPr marL="2200000" indent="-228600" algn="l" defTabSz="914400" rtl="0" eaLnBrk="1" latinLnBrk="0" hangingPunct="1">
+              <a:lnSpc>
+                <a:spcPct val="90000"/>
+              </a:lnSpc>
+              <a:spcBef>
+                <a:spcPts val="400"/>
+              </a:spcBef>
+              <a:spcAft>
+                <a:spcPts val="200"/>
+              </a:spcAft>
+              <a:buClr>
+                <a:schemeClr val="accent1">
+                  <a:lumMod val="75000"/>
+                </a:schemeClr>
+              </a:buClr>
+              <a:buSzPct val="85000"/>
+              <a:buFont typeface="Wingdings" pitchFamily="2" charset="2"/>
+              <a:buChar char="§"/>
+              <a:defRPr sz="1600" kern="1200">
+                <a:solidFill>
+                  <a:schemeClr val="tx1"/>
+                </a:solidFill>
+                <a:latin typeface="+mn-lt"/>
+                <a:ea typeface="+mn-ea"/>
+                <a:cs typeface="+mn-cs"/>
+              </a:defRPr>
+            </a:lvl8pPr>
+            <a:lvl9pPr marL="2500000" indent="-228600" algn="l" defTabSz="914400" rtl="0" eaLnBrk="1" latinLnBrk="0" hangingPunct="1">
+              <a:lnSpc>
+                <a:spcPct val="90000"/>
+              </a:lnSpc>
+              <a:spcBef>
+                <a:spcPts val="400"/>
+              </a:spcBef>
+              <a:spcAft>
+                <a:spcPts val="200"/>
+              </a:spcAft>
+              <a:buClr>
+                <a:schemeClr val="accent1">
+                  <a:lumMod val="75000"/>
+                </a:schemeClr>
+              </a:buClr>
+              <a:buSzPct val="85000"/>
+              <a:buFont typeface="Wingdings" pitchFamily="2" charset="2"/>
+              <a:buChar char="§"/>
+              <a:defRPr sz="1600" kern="1200">
+                <a:solidFill>
+                  <a:schemeClr val="tx1"/>
+                </a:solidFill>
+                <a:latin typeface="+mn-lt"/>
+                <a:ea typeface="+mn-ea"/>
+                <a:cs typeface="+mn-cs"/>
+              </a:defRPr>
+            </a:lvl9pPr>
+          </a:lstStyle>
+          <a:p>
+            <a:pPr marL="0" indent="0">
+              <a:buNone/>
+            </a:pPr>
+            <a:r>
+              <a:rPr lang="en-US" sz="1400" dirty="0">
+                <a:latin typeface="Cascadia Mono" pitchFamily="50" charset="0"/>
+                <a:cs typeface="Cascadia Mono" pitchFamily="50" charset="0"/>
+              </a:rPr>
+              <a:t>PS&gt; </a:t>
+            </a:r>
+            <a:r>
+              <a:rPr lang="en-US" sz="1400" dirty="0" err="1">
+                <a:latin typeface="Cascadia Mono" pitchFamily="50" charset="0"/>
+                <a:cs typeface="Cascadia Mono" pitchFamily="50" charset="0"/>
+              </a:rPr>
+              <a:t>heroku</a:t>
+            </a:r>
+            <a:r>
+              <a:rPr lang="en-US" sz="1400" dirty="0">
+                <a:latin typeface="Cascadia Mono" pitchFamily="50" charset="0"/>
+                <a:cs typeface="Cascadia Mono" pitchFamily="50" charset="0"/>
+              </a:rPr>
+              <a:t> </a:t>
+            </a:r>
+            <a:r>
+              <a:rPr lang="en-US" sz="1400" dirty="0" err="1">
+                <a:latin typeface="Cascadia Mono" pitchFamily="50" charset="0"/>
+                <a:cs typeface="Cascadia Mono" pitchFamily="50" charset="0"/>
+              </a:rPr>
+              <a:t>plugins:install</a:t>
+            </a:r>
+            <a:r>
+              <a:rPr lang="en-US" sz="1400" dirty="0">
+                <a:latin typeface="Cascadia Mono" pitchFamily="50" charset="0"/>
+                <a:cs typeface="Cascadia Mono" pitchFamily="50" charset="0"/>
+              </a:rPr>
+              <a:t> Heroku-repo</a:t>
+            </a:r>
+          </a:p>
+          <a:p>
+            <a:pPr marL="0" indent="0">
+              <a:buNone/>
+            </a:pPr>
+            <a:r>
+              <a:rPr lang="en-US" sz="1400" dirty="0">
+                <a:latin typeface="Cascadia Mono" pitchFamily="50" charset="0"/>
+                <a:cs typeface="Cascadia Mono" pitchFamily="50" charset="0"/>
+              </a:rPr>
+              <a:t>PS&gt; </a:t>
+            </a:r>
+            <a:r>
+              <a:rPr lang="en-US" sz="1400" dirty="0" err="1">
+                <a:latin typeface="Cascadia Mono" pitchFamily="50" charset="0"/>
+                <a:cs typeface="Cascadia Mono" pitchFamily="50" charset="0"/>
+              </a:rPr>
+              <a:t>heroku</a:t>
+            </a:r>
+            <a:r>
+              <a:rPr lang="en-US" sz="1400" dirty="0">
+                <a:latin typeface="Cascadia Mono" pitchFamily="50" charset="0"/>
+                <a:cs typeface="Cascadia Mono" pitchFamily="50" charset="0"/>
+              </a:rPr>
+              <a:t> </a:t>
+            </a:r>
+            <a:r>
+              <a:rPr lang="en-US" sz="1400" dirty="0" err="1">
+                <a:latin typeface="Cascadia Mono" pitchFamily="50" charset="0"/>
+                <a:cs typeface="Cascadia Mono" pitchFamily="50" charset="0"/>
+              </a:rPr>
+              <a:t>repo:reset</a:t>
+            </a:r>
+            <a:r>
+              <a:rPr lang="en-US" sz="1400" dirty="0">
+                <a:latin typeface="Cascadia Mono" pitchFamily="50" charset="0"/>
+                <a:cs typeface="Cascadia Mono" pitchFamily="50" charset="0"/>
+              </a:rPr>
+              <a:t> –a %your-</a:t>
+            </a:r>
+            <a:r>
+              <a:rPr lang="en-US" sz="1400" dirty="0" err="1">
+                <a:latin typeface="Cascadia Mono" pitchFamily="50" charset="0"/>
+                <a:cs typeface="Cascadia Mono" pitchFamily="50" charset="0"/>
+              </a:rPr>
+              <a:t>app_name</a:t>
+            </a:r>
+            <a:r>
+              <a:rPr lang="en-US" sz="1400" dirty="0">
+                <a:latin typeface="Cascadia Mono" pitchFamily="50" charset="0"/>
+                <a:cs typeface="Cascadia Mono" pitchFamily="50" charset="0"/>
+              </a:rPr>
+              <a:t>%</a:t>
             </a:r>
           </a:p>
         </p:txBody>
